--- a/vortrag/20231122_LuethiPhilipp_Neuerungen INTERLIS 2.4.pptx
+++ b/vortrag/20231122_LuethiPhilipp_Neuerungen INTERLIS 2.4.pptx
@@ -5,24 +5,25 @@
     <p:sldMasterId id="2147483648" r:id="rId1"/>
   </p:sldMasterIdLst>
   <p:notesMasterIdLst>
-    <p:notesMasterId r:id="rId14"/>
+    <p:notesMasterId r:id="rId15"/>
   </p:notesMasterIdLst>
   <p:handoutMasterIdLst>
-    <p:handoutMasterId r:id="rId15"/>
+    <p:handoutMasterId r:id="rId16"/>
   </p:handoutMasterIdLst>
   <p:sldIdLst>
     <p:sldId id="297" r:id="rId2"/>
     <p:sldId id="298" r:id="rId3"/>
     <p:sldId id="299" r:id="rId4"/>
     <p:sldId id="304" r:id="rId5"/>
-    <p:sldId id="300" r:id="rId6"/>
-    <p:sldId id="301" r:id="rId7"/>
-    <p:sldId id="308" r:id="rId8"/>
-    <p:sldId id="303" r:id="rId9"/>
-    <p:sldId id="305" r:id="rId10"/>
-    <p:sldId id="306" r:id="rId11"/>
-    <p:sldId id="307" r:id="rId12"/>
-    <p:sldId id="309" r:id="rId13"/>
+    <p:sldId id="310" r:id="rId6"/>
+    <p:sldId id="300" r:id="rId7"/>
+    <p:sldId id="301" r:id="rId8"/>
+    <p:sldId id="308" r:id="rId9"/>
+    <p:sldId id="303" r:id="rId10"/>
+    <p:sldId id="305" r:id="rId11"/>
+    <p:sldId id="306" r:id="rId12"/>
+    <p:sldId id="307" r:id="rId13"/>
+    <p:sldId id="309" r:id="rId14"/>
   </p:sldIdLst>
   <p:sldSz cx="9144000" cy="6858000" type="screen4x3"/>
   <p:notesSz cx="6797675" cy="9926638"/>
@@ -160,6 +161,7 @@
             <p14:sldId id="298"/>
             <p14:sldId id="299"/>
             <p14:sldId id="304"/>
+            <p14:sldId id="310"/>
             <p14:sldId id="300"/>
             <p14:sldId id="301"/>
             <p14:sldId id="308"/>
@@ -284,7 +286,7 @@
               <a:pPr>
                 <a:defRPr/>
               </a:pPr>
-              <a:t>15.11.2023</a:t>
+              <a:t>20.11.2023</a:t>
             </a:fld>
             <a:endParaRPr lang="de-CH" dirty="0"/>
           </a:p>
@@ -470,7 +472,7 @@
               <a:pPr>
                 <a:defRPr/>
               </a:pPr>
-              <a:t>15.11.2023</a:t>
+              <a:t>20.11.2023</a:t>
             </a:fld>
             <a:endParaRPr lang="de-CH" dirty="0"/>
           </a:p>
@@ -778,6 +780,111 @@
     </a:lvl9pPr>
   </p:notesStyle>
 </p:notesMaster>
+</file>
+
+<file path=ppt/notesSlides/notesSlide1.xml><?xml version="1.0" encoding="utf-8"?>
+<p:notes xmlns:a="http://schemas.openxmlformats.org/drawingml/2006/main" xmlns:r="http://schemas.openxmlformats.org/officeDocument/2006/relationships" xmlns:p="http://schemas.openxmlformats.org/presentationml/2006/main">
+  <p:cSld>
+    <p:spTree>
+      <p:nvGrpSpPr>
+        <p:cNvPr id="1" name=""/>
+        <p:cNvGrpSpPr/>
+        <p:nvPr/>
+      </p:nvGrpSpPr>
+      <p:grpSpPr>
+        <a:xfrm>
+          <a:off x="0" y="0"/>
+          <a:ext cx="0" cy="0"/>
+          <a:chOff x="0" y="0"/>
+          <a:chExt cx="0" cy="0"/>
+        </a:xfrm>
+      </p:grpSpPr>
+      <p:sp>
+        <p:nvSpPr>
+          <p:cNvPr id="2" name="Slide Image Placeholder 1"/>
+          <p:cNvSpPr>
+            <a:spLocks noGrp="1" noRot="1" noChangeAspect="1"/>
+          </p:cNvSpPr>
+          <p:nvPr>
+            <p:ph type="sldImg"/>
+          </p:nvPr>
+        </p:nvSpPr>
+        <p:spPr/>
+      </p:sp>
+      <p:sp>
+        <p:nvSpPr>
+          <p:cNvPr id="3" name="Notes Placeholder 2"/>
+          <p:cNvSpPr>
+            <a:spLocks noGrp="1"/>
+          </p:cNvSpPr>
+          <p:nvPr>
+            <p:ph type="body" idx="1"/>
+          </p:nvPr>
+        </p:nvSpPr>
+        <p:spPr/>
+        <p:txBody>
+          <a:bodyPr/>
+          <a:lstStyle/>
+          <a:p>
+            <a:r>
+              <a:rPr lang="de-CH" dirty="0" err="1"/>
+              <a:t>Erfähnen</a:t>
+            </a:r>
+            <a:r>
+              <a:rPr lang="de-CH" dirty="0"/>
+              <a:t> INTERLIS 2.4 Support in den </a:t>
+            </a:r>
+            <a:r>
+              <a:rPr lang="de-CH" dirty="0" err="1"/>
+              <a:t>ilitools</a:t>
+            </a:r>
+            <a:r>
+              <a:rPr lang="de-CH" dirty="0"/>
+              <a:t> ende 2024 erwartet.</a:t>
+            </a:r>
+          </a:p>
+        </p:txBody>
+      </p:sp>
+      <p:sp>
+        <p:nvSpPr>
+          <p:cNvPr id="4" name="Slide Number Placeholder 3"/>
+          <p:cNvSpPr>
+            <a:spLocks noGrp="1"/>
+          </p:cNvSpPr>
+          <p:nvPr>
+            <p:ph type="sldNum" sz="quarter" idx="5"/>
+          </p:nvPr>
+        </p:nvSpPr>
+        <p:spPr/>
+        <p:txBody>
+          <a:bodyPr/>
+          <a:lstStyle/>
+          <a:p>
+            <a:pPr>
+              <a:defRPr/>
+            </a:pPr>
+            <a:fld id="{4A569610-FA95-4448-8C8B-F3D250FBFC51}" type="slidenum">
+              <a:rPr lang="de-CH" smtClean="0"/>
+              <a:pPr>
+                <a:defRPr/>
+              </a:pPr>
+              <a:t>13</a:t>
+            </a:fld>
+            <a:endParaRPr lang="de-CH" dirty="0"/>
+          </a:p>
+        </p:txBody>
+      </p:sp>
+    </p:spTree>
+    <p:extLst>
+      <p:ext uri="{BB962C8B-B14F-4D97-AF65-F5344CB8AC3E}">
+        <p14:creationId xmlns:p14="http://schemas.microsoft.com/office/powerpoint/2010/main" val="3613576682"/>
+      </p:ext>
+    </p:extLst>
+  </p:cSld>
+  <p:clrMapOvr>
+    <a:masterClrMapping/>
+  </p:clrMapOvr>
+</p:notes>
 </file>
 
 <file path=ppt/slideLayouts/slideLayout1.xml><?xml version="1.0" encoding="utf-8"?>
@@ -5972,13 +6079,16 @@
             <a:pPr marL="0" indent="0">
               <a:buNone/>
             </a:pPr>
-            <a:endParaRPr lang="de-CH" sz="2000" b="0" dirty="0">
-              <a:solidFill>
-                <a:srgbClr val="0000FF"/>
-              </a:solidFill>
-              <a:effectLst/>
-              <a:latin typeface="Consolas" panose="020B0609020204030204" pitchFamily="49" charset="0"/>
-            </a:endParaRPr>
+            <a:r>
+              <a:rPr lang="de-CH" sz="2000" b="0" dirty="0">
+                <a:solidFill>
+                  <a:srgbClr val="0000FF"/>
+                </a:solidFill>
+                <a:effectLst/>
+                <a:latin typeface="Consolas" panose="020B0609020204030204" pitchFamily="49" charset="0"/>
+              </a:rPr>
+              <a:t>INTERLIS 2.3</a:t>
+            </a:r>
           </a:p>
           <a:p>
             <a:pPr marL="0" indent="0">
@@ -6003,7 +6113,7 @@
                 <a:effectLst/>
                 <a:latin typeface="Consolas" panose="020B0609020204030204" pitchFamily="49" charset="0"/>
               </a:rPr>
-              <a:t>CLASS</a:t>
+              <a:t>STRUCTURE</a:t>
             </a:r>
             <a:r>
               <a:rPr lang="de-CH" sz="2000" b="0" dirty="0">
@@ -6023,7 +6133,7 @@
                 <a:effectLst/>
                 <a:latin typeface="Consolas" panose="020B0609020204030204" pitchFamily="49" charset="0"/>
               </a:rPr>
-              <a:t>LZ_Flaeche</a:t>
+              <a:t>SurfaceStructure</a:t>
             </a:r>
             <a:r>
               <a:rPr lang="de-CH" sz="2000" b="0" dirty="0">
@@ -6065,21 +6175,21 @@
                 <a:effectLst/>
                 <a:latin typeface="Consolas" panose="020B0609020204030204" pitchFamily="49" charset="0"/>
               </a:rPr>
-              <a:t>  </a:t>
-            </a:r>
-            <a:r>
-              <a:rPr lang="de-CH" sz="2000" b="0" dirty="0" err="1">
-                <a:solidFill>
-                  <a:srgbClr val="3B3B3B"/>
-                </a:solidFill>
-                <a:effectLst/>
-                <a:latin typeface="Consolas" panose="020B0609020204030204" pitchFamily="49" charset="0"/>
-              </a:rPr>
-              <a:t>Flaeche</a:t>
+              <a:t>  Surface</a:t>
             </a:r>
             <a:r>
               <a:rPr lang="de-CH" sz="2000" b="0" dirty="0">
                 <a:solidFill>
+                  <a:srgbClr val="000000"/>
+                </a:solidFill>
+                <a:effectLst/>
+                <a:latin typeface="Consolas" panose="020B0609020204030204" pitchFamily="49" charset="0"/>
+              </a:rPr>
+              <a:t>:</a:t>
+            </a:r>
+            <a:r>
+              <a:rPr lang="de-CH" sz="2000" b="0" dirty="0">
+                <a:solidFill>
                   <a:srgbClr val="3B3B3B"/>
                 </a:solidFill>
                 <a:effectLst/>
@@ -6090,32 +6200,12 @@
             <a:r>
               <a:rPr lang="de-CH" sz="2000" b="0" dirty="0">
                 <a:solidFill>
-                  <a:srgbClr val="000000"/>
-                </a:solidFill>
-                <a:effectLst/>
-                <a:latin typeface="Consolas" panose="020B0609020204030204" pitchFamily="49" charset="0"/>
-              </a:rPr>
-              <a:t>:</a:t>
-            </a:r>
-            <a:r>
-              <a:rPr lang="de-CH" sz="2000" b="0" dirty="0">
-                <a:solidFill>
-                  <a:srgbClr val="3B3B3B"/>
-                </a:solidFill>
-                <a:effectLst/>
-                <a:latin typeface="Consolas" panose="020B0609020204030204" pitchFamily="49" charset="0"/>
-              </a:rPr>
-              <a:t> </a:t>
-            </a:r>
-            <a:r>
-              <a:rPr lang="de-CH" sz="2000" b="0" dirty="0">
-                <a:solidFill>
                   <a:srgbClr val="267F99"/>
                 </a:solidFill>
                 <a:effectLst/>
                 <a:latin typeface="Consolas" panose="020B0609020204030204" pitchFamily="49" charset="0"/>
               </a:rPr>
-              <a:t>MULTIAREA</a:t>
+              <a:t>SURFACE</a:t>
             </a:r>
             <a:r>
               <a:rPr lang="de-CH" sz="2000" b="0" dirty="0">
@@ -6142,26 +6232,16 @@
             <a:r>
               <a:rPr lang="de-CH" sz="2000" b="0" dirty="0">
                 <a:solidFill>
-                  <a:srgbClr val="3B3B3B"/>
-                </a:solidFill>
-                <a:effectLst/>
-                <a:latin typeface="Consolas" panose="020B0609020204030204" pitchFamily="49" charset="0"/>
-              </a:rPr>
-              <a:t>  Messpunkte</a:t>
+                  <a:srgbClr val="0000FF"/>
+                </a:solidFill>
+                <a:effectLst/>
+                <a:latin typeface="Consolas" panose="020B0609020204030204" pitchFamily="49" charset="0"/>
+              </a:rPr>
+              <a:t>END</a:t>
             </a:r>
             <a:r>
               <a:rPr lang="de-CH" sz="2000" b="0" dirty="0">
                 <a:solidFill>
-                  <a:srgbClr val="000000"/>
-                </a:solidFill>
-                <a:effectLst/>
-                <a:latin typeface="Consolas" panose="020B0609020204030204" pitchFamily="49" charset="0"/>
-              </a:rPr>
-              <a:t>:</a:t>
-            </a:r>
-            <a:r>
-              <a:rPr lang="de-CH" sz="2000" b="0" dirty="0">
-                <a:solidFill>
                   <a:srgbClr val="3B3B3B"/>
                 </a:solidFill>
                 <a:effectLst/>
@@ -6170,14 +6250,14 @@
               <a:t> </a:t>
             </a:r>
             <a:r>
-              <a:rPr lang="de-CH" sz="2000" b="0" dirty="0">
-                <a:solidFill>
-                  <a:srgbClr val="267F99"/>
-                </a:solidFill>
-                <a:effectLst/>
-                <a:latin typeface="Consolas" panose="020B0609020204030204" pitchFamily="49" charset="0"/>
-              </a:rPr>
-              <a:t>MULTICOORD</a:t>
+              <a:rPr lang="de-CH" sz="2000" b="0" dirty="0" err="1">
+                <a:solidFill>
+                  <a:srgbClr val="3B3B3B"/>
+                </a:solidFill>
+                <a:effectLst/>
+                <a:latin typeface="Consolas" panose="020B0609020204030204" pitchFamily="49" charset="0"/>
+              </a:rPr>
+              <a:t>SurfaceStructure</a:t>
             </a:r>
             <a:r>
               <a:rPr lang="de-CH" sz="2000" b="0" dirty="0">
@@ -6201,7 +6281,7 @@
             <a:pPr marL="0" indent="0">
               <a:buNone/>
             </a:pPr>
-            <a:r>
+            <a:br>
               <a:rPr lang="de-CH" sz="2000" b="0" dirty="0">
                 <a:solidFill>
                   <a:srgbClr val="3B3B3B"/>
@@ -6209,47 +6289,56 @@
                 <a:effectLst/>
                 <a:latin typeface="Consolas" panose="020B0609020204030204" pitchFamily="49" charset="0"/>
               </a:rPr>
-              <a:t>  Leitungen</a:t>
-            </a:r>
+            </a:br>
             <a:r>
               <a:rPr lang="de-CH" sz="2000" b="0" dirty="0">
                 <a:solidFill>
+                  <a:srgbClr val="0000FF"/>
+                </a:solidFill>
+                <a:effectLst/>
+                <a:latin typeface="Consolas" panose="020B0609020204030204" pitchFamily="49" charset="0"/>
+              </a:rPr>
+              <a:t>CLASS</a:t>
+            </a:r>
+            <a:r>
+              <a:rPr lang="de-CH" sz="2000" b="0" dirty="0">
+                <a:solidFill>
+                  <a:srgbClr val="3B3B3B"/>
+                </a:solidFill>
+                <a:effectLst/>
+                <a:latin typeface="Consolas" panose="020B0609020204030204" pitchFamily="49" charset="0"/>
+              </a:rPr>
+              <a:t> </a:t>
+            </a:r>
+            <a:r>
+              <a:rPr lang="de-CH" sz="2000" b="0" dirty="0" err="1">
+                <a:solidFill>
+                  <a:srgbClr val="3B3B3B"/>
+                </a:solidFill>
+                <a:effectLst/>
+                <a:latin typeface="Consolas" panose="020B0609020204030204" pitchFamily="49" charset="0"/>
+              </a:rPr>
+              <a:t>LZ_Flaeche</a:t>
+            </a:r>
+            <a:r>
+              <a:rPr lang="de-CH" sz="2000" b="0" dirty="0">
+                <a:solidFill>
+                  <a:srgbClr val="3B3B3B"/>
+                </a:solidFill>
+                <a:effectLst/>
+                <a:latin typeface="Consolas" panose="020B0609020204030204" pitchFamily="49" charset="0"/>
+              </a:rPr>
+              <a:t> </a:t>
+            </a:r>
+            <a:r>
+              <a:rPr lang="de-CH" sz="2000" b="0" dirty="0">
+                <a:solidFill>
                   <a:srgbClr val="000000"/>
                 </a:solidFill>
                 <a:effectLst/>
                 <a:latin typeface="Consolas" panose="020B0609020204030204" pitchFamily="49" charset="0"/>
               </a:rPr>
-              <a:t>:</a:t>
-            </a:r>
-            <a:r>
-              <a:rPr lang="de-CH" sz="2000" b="0" dirty="0">
-                <a:solidFill>
-                  <a:srgbClr val="3B3B3B"/>
-                </a:solidFill>
-                <a:effectLst/>
-                <a:latin typeface="Consolas" panose="020B0609020204030204" pitchFamily="49" charset="0"/>
-              </a:rPr>
-              <a:t> </a:t>
-            </a:r>
-            <a:r>
-              <a:rPr lang="de-CH" sz="2000" b="0" dirty="0">
-                <a:solidFill>
-                  <a:srgbClr val="267F99"/>
-                </a:solidFill>
-                <a:effectLst/>
-                <a:latin typeface="Consolas" panose="020B0609020204030204" pitchFamily="49" charset="0"/>
-              </a:rPr>
-              <a:t>MULTIPOLYLINE</a:t>
-            </a:r>
-            <a:r>
-              <a:rPr lang="de-CH" sz="2000" b="0" dirty="0">
-                <a:solidFill>
-                  <a:srgbClr val="000000"/>
-                </a:solidFill>
-                <a:effectLst/>
-                <a:latin typeface="Consolas" panose="020B0609020204030204" pitchFamily="49" charset="0"/>
-              </a:rPr>
-              <a:t>;</a:t>
+              <a:t>=</a:t>
             </a:r>
             <a:endParaRPr lang="de-CH" sz="2000" b="0" dirty="0">
               <a:solidFill>
@@ -6266,12 +6355,62 @@
             <a:r>
               <a:rPr lang="de-CH" sz="2000" b="0" dirty="0">
                 <a:solidFill>
+                  <a:srgbClr val="3B3B3B"/>
+                </a:solidFill>
+                <a:effectLst/>
+                <a:latin typeface="Consolas" panose="020B0609020204030204" pitchFamily="49" charset="0"/>
+              </a:rPr>
+              <a:t>  </a:t>
+            </a:r>
+            <a:r>
+              <a:rPr lang="de-CH" sz="2000" b="0" dirty="0" err="1">
+                <a:solidFill>
+                  <a:srgbClr val="3B3B3B"/>
+                </a:solidFill>
+                <a:effectLst/>
+                <a:latin typeface="Consolas" panose="020B0609020204030204" pitchFamily="49" charset="0"/>
+              </a:rPr>
+              <a:t>Flaeche</a:t>
+            </a:r>
+            <a:r>
+              <a:rPr lang="de-CH" sz="2000" b="0" dirty="0">
+                <a:solidFill>
+                  <a:srgbClr val="3B3B3B"/>
+                </a:solidFill>
+                <a:effectLst/>
+                <a:latin typeface="Consolas" panose="020B0609020204030204" pitchFamily="49" charset="0"/>
+              </a:rPr>
+              <a:t> </a:t>
+            </a:r>
+            <a:r>
+              <a:rPr lang="de-CH" sz="2000" b="0" dirty="0">
+                <a:solidFill>
+                  <a:srgbClr val="000000"/>
+                </a:solidFill>
+                <a:effectLst/>
+                <a:latin typeface="Consolas" panose="020B0609020204030204" pitchFamily="49" charset="0"/>
+              </a:rPr>
+              <a:t>:</a:t>
+            </a:r>
+            <a:r>
+              <a:rPr lang="de-CH" sz="2000" b="0" dirty="0">
+                <a:solidFill>
+                  <a:srgbClr val="3B3B3B"/>
+                </a:solidFill>
+                <a:effectLst/>
+                <a:latin typeface="Consolas" panose="020B0609020204030204" pitchFamily="49" charset="0"/>
+              </a:rPr>
+              <a:t> </a:t>
+            </a:r>
+            <a:r>
+              <a:rPr lang="de-CH" sz="2000" b="0" dirty="0">
+                <a:solidFill>
                   <a:srgbClr val="0000FF"/>
                 </a:solidFill>
                 <a:effectLst/>
                 <a:latin typeface="Consolas" panose="020B0609020204030204" pitchFamily="49" charset="0"/>
               </a:rPr>
-              <a:t>END</a:t>
+              <a:t>BAG</a:t>
             </a:r>
             <a:r>
               <a:rPr lang="de-CH" sz="2000" b="0" dirty="0">
@@ -6281,6 +6420,46 @@
                 <a:effectLst/>
                 <a:latin typeface="Consolas" panose="020B0609020204030204" pitchFamily="49" charset="0"/>
               </a:rPr>
+              <a:t> {</a:t>
+            </a:r>
+            <a:r>
+              <a:rPr lang="de-CH" sz="2000" b="0" dirty="0">
+                <a:solidFill>
+                  <a:srgbClr val="098658"/>
+                </a:solidFill>
+                <a:effectLst/>
+                <a:latin typeface="Consolas" panose="020B0609020204030204" pitchFamily="49" charset="0"/>
+              </a:rPr>
+              <a:t>1</a:t>
+            </a:r>
+            <a:r>
+              <a:rPr lang="de-CH" sz="2000" b="0" dirty="0">
+                <a:solidFill>
+                  <a:srgbClr val="3B3B3B"/>
+                </a:solidFill>
+                <a:effectLst/>
+                <a:latin typeface="Consolas" panose="020B0609020204030204" pitchFamily="49" charset="0"/>
+              </a:rPr>
+              <a:t>..*} </a:t>
+            </a:r>
+            <a:r>
+              <a:rPr lang="de-CH" sz="2000" b="0" dirty="0">
+                <a:solidFill>
+                  <a:srgbClr val="0000FF"/>
+                </a:solidFill>
+                <a:effectLst/>
+                <a:latin typeface="Consolas" panose="020B0609020204030204" pitchFamily="49" charset="0"/>
+              </a:rPr>
+              <a:t>OF</a:t>
+            </a:r>
+            <a:r>
+              <a:rPr lang="de-CH" sz="2000" b="0" dirty="0">
+                <a:solidFill>
+                  <a:srgbClr val="3B3B3B"/>
+                </a:solidFill>
+                <a:effectLst/>
+                <a:latin typeface="Consolas" panose="020B0609020204030204" pitchFamily="49" charset="0"/>
+              </a:rPr>
               <a:t> </a:t>
             </a:r>
             <a:r>
@@ -6291,7 +6470,7 @@
                 <a:effectLst/>
                 <a:latin typeface="Consolas" panose="020B0609020204030204" pitchFamily="49" charset="0"/>
               </a:rPr>
-              <a:t>LZ_Flaeche</a:t>
+              <a:t>SurfaceStructure</a:t>
             </a:r>
             <a:r>
               <a:rPr lang="de-CH" sz="2000" b="0" dirty="0">
@@ -6315,7 +6494,53 @@
             <a:pPr marL="0" indent="0">
               <a:buNone/>
             </a:pPr>
-            <a:endParaRPr lang="de-CH" dirty="0"/>
+            <a:r>
+              <a:rPr lang="de-CH" sz="2000" b="0" dirty="0">
+                <a:solidFill>
+                  <a:srgbClr val="0000FF"/>
+                </a:solidFill>
+                <a:effectLst/>
+                <a:latin typeface="Consolas" panose="020B0609020204030204" pitchFamily="49" charset="0"/>
+              </a:rPr>
+              <a:t>END</a:t>
+            </a:r>
+            <a:r>
+              <a:rPr lang="de-CH" sz="2000" b="0" dirty="0">
+                <a:solidFill>
+                  <a:srgbClr val="3B3B3B"/>
+                </a:solidFill>
+                <a:effectLst/>
+                <a:latin typeface="Consolas" panose="020B0609020204030204" pitchFamily="49" charset="0"/>
+              </a:rPr>
+              <a:t> </a:t>
+            </a:r>
+            <a:r>
+              <a:rPr lang="de-CH" sz="2000" b="0" dirty="0" err="1">
+                <a:solidFill>
+                  <a:srgbClr val="3B3B3B"/>
+                </a:solidFill>
+                <a:effectLst/>
+                <a:latin typeface="Consolas" panose="020B0609020204030204" pitchFamily="49" charset="0"/>
+              </a:rPr>
+              <a:t>LZ_Flaeche</a:t>
+            </a:r>
+            <a:r>
+              <a:rPr lang="de-CH" sz="2000" b="0" dirty="0">
+                <a:solidFill>
+                  <a:srgbClr val="000000"/>
+                </a:solidFill>
+                <a:effectLst/>
+                <a:latin typeface="Consolas" panose="020B0609020204030204" pitchFamily="49" charset="0"/>
+              </a:rPr>
+              <a:t>;</a:t>
+            </a:r>
+            <a:endParaRPr lang="de-CH" sz="2000" b="0" dirty="0">
+              <a:solidFill>
+                <a:srgbClr val="3B3B3B"/>
+              </a:solidFill>
+              <a:effectLst/>
+              <a:latin typeface="Consolas" panose="020B0609020204030204" pitchFamily="49" charset="0"/>
+            </a:endParaRPr>
           </a:p>
         </p:txBody>
       </p:sp>
@@ -6421,7 +6646,7 @@
     </p:spTree>
     <p:extLst>
       <p:ext uri="{BB962C8B-B14F-4D97-AF65-F5344CB8AC3E}">
-        <p14:creationId xmlns:p14="http://schemas.microsoft.com/office/powerpoint/2010/main" val="2291710656"/>
+        <p14:creationId xmlns:p14="http://schemas.microsoft.com/office/powerpoint/2010/main" val="3769758428"/>
       </p:ext>
     </p:extLst>
   </p:cSld>
@@ -6453,7 +6678,7 @@
           <p:cNvPr id="2" name="Title 1">
             <a:extLst>
               <a:ext uri="{FF2B5EF4-FFF2-40B4-BE49-F238E27FC236}">
-                <a16:creationId xmlns:a16="http://schemas.microsoft.com/office/drawing/2014/main" id="{7759E637-07F0-FAD0-7E85-248527C89F6C}"/>
+                <a16:creationId xmlns:a16="http://schemas.microsoft.com/office/drawing/2014/main" id="{C7B0EC69-C21C-A8A8-BB1F-2B29FE3D8663}"/>
               </a:ext>
             </a:extLst>
           </p:cNvPr>
@@ -6471,7 +6696,7 @@
           <a:p>
             <a:r>
               <a:rPr lang="de-CH" dirty="0"/>
-              <a:t>Weitere Änderungen in INTERLIS 2.4</a:t>
+              <a:t>MULTI Geometrien</a:t>
             </a:r>
           </a:p>
         </p:txBody>
@@ -6481,7 +6706,7 @@
           <p:cNvPr id="3" name="Content Placeholder 2">
             <a:extLst>
               <a:ext uri="{FF2B5EF4-FFF2-40B4-BE49-F238E27FC236}">
-                <a16:creationId xmlns:a16="http://schemas.microsoft.com/office/drawing/2014/main" id="{5F44CB77-ACC7-0923-44D3-9BAF5557F9D5}"/>
+                <a16:creationId xmlns:a16="http://schemas.microsoft.com/office/drawing/2014/main" id="{95DAE41A-13FC-1C2C-C69F-E39BD38AC9EC}"/>
               </a:ext>
             </a:extLst>
           </p:cNvPr>
@@ -6497,40 +6722,44 @@
           <a:bodyPr/>
           <a:lstStyle/>
           <a:p>
-            <a:r>
-              <a:rPr lang="de-CH" dirty="0"/>
-              <a:t>Alle Änderungen werde in </a:t>
-            </a:r>
-            <a:r>
-              <a:rPr lang="de-CH" dirty="0">
-                <a:hlinkClick r:id="rId2"/>
-              </a:rPr>
-              <a:t>Referenzhandbuch S. 8 erläutert</a:t>
-            </a:r>
-            <a:br>
-              <a:rPr lang="de-CH" dirty="0"/>
-            </a:br>
-            <a:endParaRPr lang="de-CH" dirty="0"/>
-          </a:p>
-          <a:p>
-            <a:r>
-              <a:rPr lang="de-CH" dirty="0"/>
-              <a:t>2.3 Modelle sind 2.4 kompatibel</a:t>
-            </a:r>
-          </a:p>
-          <a:p>
-            <a:r>
-              <a:rPr lang="de-CH" b="0" dirty="0">
+            <a:pPr marL="0" indent="0">
+              <a:buNone/>
+            </a:pPr>
+            <a:endParaRPr lang="de-CH" sz="2000" b="0" dirty="0">
+              <a:solidFill>
+                <a:srgbClr val="0000FF"/>
+              </a:solidFill>
+              <a:effectLst/>
+              <a:latin typeface="Consolas" panose="020B0609020204030204" pitchFamily="49" charset="0"/>
+            </a:endParaRPr>
+          </a:p>
+          <a:p>
+            <a:pPr marL="0" indent="0">
+              <a:buNone/>
+            </a:pPr>
+            <a:endParaRPr lang="de-CH" sz="2000" dirty="0">
+              <a:solidFill>
+                <a:srgbClr val="0000FF"/>
+              </a:solidFill>
+              <a:latin typeface="Consolas" panose="020B0609020204030204" pitchFamily="49" charset="0"/>
+            </a:endParaRPr>
+          </a:p>
+          <a:p>
+            <a:pPr marL="0" indent="0">
+              <a:buNone/>
+            </a:pPr>
+            <a:r>
+              <a:rPr lang="de-CH" sz="2000" b="0" dirty="0">
                 <a:solidFill>
                   <a:srgbClr val="0000FF"/>
                 </a:solidFill>
                 <a:effectLst/>
                 <a:latin typeface="Consolas" panose="020B0609020204030204" pitchFamily="49" charset="0"/>
               </a:rPr>
-              <a:t>SET</a:t>
-            </a:r>
-            <a:r>
-              <a:rPr lang="de-CH" b="0" dirty="0">
+              <a:t>CLASS</a:t>
+            </a:r>
+            <a:r>
+              <a:rPr lang="de-CH" sz="2000" b="0" dirty="0">
                 <a:solidFill>
                   <a:srgbClr val="3B3B3B"/>
                 </a:solidFill>
@@ -6540,17 +6769,265 @@
               <a:t> </a:t>
             </a:r>
             <a:r>
-              <a:rPr lang="de-CH" b="0" dirty="0">
+              <a:rPr lang="de-CH" sz="2000" b="0" dirty="0" err="1">
+                <a:solidFill>
+                  <a:srgbClr val="3B3B3B"/>
+                </a:solidFill>
+                <a:effectLst/>
+                <a:latin typeface="Consolas" panose="020B0609020204030204" pitchFamily="49" charset="0"/>
+              </a:rPr>
+              <a:t>LZ_Flaeche</a:t>
+            </a:r>
+            <a:r>
+              <a:rPr lang="de-CH" sz="2000" b="0" dirty="0">
+                <a:solidFill>
+                  <a:srgbClr val="3B3B3B"/>
+                </a:solidFill>
+                <a:effectLst/>
+                <a:latin typeface="Consolas" panose="020B0609020204030204" pitchFamily="49" charset="0"/>
+              </a:rPr>
+              <a:t> </a:t>
+            </a:r>
+            <a:r>
+              <a:rPr lang="de-CH" sz="2000" b="0" dirty="0">
+                <a:solidFill>
+                  <a:srgbClr val="000000"/>
+                </a:solidFill>
+                <a:effectLst/>
+                <a:latin typeface="Consolas" panose="020B0609020204030204" pitchFamily="49" charset="0"/>
+              </a:rPr>
+              <a:t>=</a:t>
+            </a:r>
+            <a:endParaRPr lang="de-CH" sz="2000" b="0" dirty="0">
+              <a:solidFill>
+                <a:srgbClr val="3B3B3B"/>
+              </a:solidFill>
+              <a:effectLst/>
+              <a:latin typeface="Consolas" panose="020B0609020204030204" pitchFamily="49" charset="0"/>
+            </a:endParaRPr>
+          </a:p>
+          <a:p>
+            <a:pPr marL="0" indent="0">
+              <a:buNone/>
+            </a:pPr>
+            <a:r>
+              <a:rPr lang="de-CH" sz="2000" b="0" dirty="0">
+                <a:solidFill>
+                  <a:srgbClr val="3B3B3B"/>
+                </a:solidFill>
+                <a:effectLst/>
+                <a:latin typeface="Consolas" panose="020B0609020204030204" pitchFamily="49" charset="0"/>
+              </a:rPr>
+              <a:t>  </a:t>
+            </a:r>
+            <a:r>
+              <a:rPr lang="de-CH" sz="2000" b="0" dirty="0" err="1">
+                <a:solidFill>
+                  <a:srgbClr val="3B3B3B"/>
+                </a:solidFill>
+                <a:effectLst/>
+                <a:latin typeface="Consolas" panose="020B0609020204030204" pitchFamily="49" charset="0"/>
+              </a:rPr>
+              <a:t>Flaeche</a:t>
+            </a:r>
+            <a:r>
+              <a:rPr lang="de-CH" sz="2000" b="0" dirty="0">
+                <a:solidFill>
+                  <a:srgbClr val="3B3B3B"/>
+                </a:solidFill>
+                <a:effectLst/>
+                <a:latin typeface="Consolas" panose="020B0609020204030204" pitchFamily="49" charset="0"/>
+              </a:rPr>
+              <a:t> </a:t>
+            </a:r>
+            <a:r>
+              <a:rPr lang="de-CH" sz="2000" b="0" dirty="0">
+                <a:solidFill>
+                  <a:srgbClr val="000000"/>
+                </a:solidFill>
+                <a:effectLst/>
+                <a:latin typeface="Consolas" panose="020B0609020204030204" pitchFamily="49" charset="0"/>
+              </a:rPr>
+              <a:t>:</a:t>
+            </a:r>
+            <a:r>
+              <a:rPr lang="de-CH" sz="2000" b="0" dirty="0">
+                <a:solidFill>
+                  <a:srgbClr val="3B3B3B"/>
+                </a:solidFill>
+                <a:effectLst/>
+                <a:latin typeface="Consolas" panose="020B0609020204030204" pitchFamily="49" charset="0"/>
+              </a:rPr>
+              <a:t> </a:t>
+            </a:r>
+            <a:r>
+              <a:rPr lang="de-CH" sz="2000" b="0" dirty="0">
+                <a:solidFill>
+                  <a:srgbClr val="267F99"/>
+                </a:solidFill>
+                <a:effectLst/>
+                <a:latin typeface="Consolas" panose="020B0609020204030204" pitchFamily="49" charset="0"/>
+              </a:rPr>
+              <a:t>MULTIAREA</a:t>
+            </a:r>
+            <a:r>
+              <a:rPr lang="de-CH" sz="2000" b="0" dirty="0">
+                <a:solidFill>
+                  <a:srgbClr val="000000"/>
+                </a:solidFill>
+                <a:effectLst/>
+                <a:latin typeface="Consolas" panose="020B0609020204030204" pitchFamily="49" charset="0"/>
+              </a:rPr>
+              <a:t>;</a:t>
+            </a:r>
+            <a:endParaRPr lang="de-CH" sz="2000" b="0" dirty="0">
+              <a:solidFill>
+                <a:srgbClr val="3B3B3B"/>
+              </a:solidFill>
+              <a:effectLst/>
+              <a:latin typeface="Consolas" panose="020B0609020204030204" pitchFamily="49" charset="0"/>
+            </a:endParaRPr>
+          </a:p>
+          <a:p>
+            <a:pPr marL="0" indent="0">
+              <a:buNone/>
+            </a:pPr>
+            <a:r>
+              <a:rPr lang="de-CH" sz="2000" b="0" dirty="0">
+                <a:solidFill>
+                  <a:srgbClr val="3B3B3B"/>
+                </a:solidFill>
+                <a:effectLst/>
+                <a:latin typeface="Consolas" panose="020B0609020204030204" pitchFamily="49" charset="0"/>
+              </a:rPr>
+              <a:t>  Messpunkte</a:t>
+            </a:r>
+            <a:r>
+              <a:rPr lang="de-CH" sz="2000" b="0" dirty="0">
+                <a:solidFill>
+                  <a:srgbClr val="000000"/>
+                </a:solidFill>
+                <a:effectLst/>
+                <a:latin typeface="Consolas" panose="020B0609020204030204" pitchFamily="49" charset="0"/>
+              </a:rPr>
+              <a:t>:</a:t>
+            </a:r>
+            <a:r>
+              <a:rPr lang="de-CH" sz="2000" b="0" dirty="0">
+                <a:solidFill>
+                  <a:srgbClr val="3B3B3B"/>
+                </a:solidFill>
+                <a:effectLst/>
+                <a:latin typeface="Consolas" panose="020B0609020204030204" pitchFamily="49" charset="0"/>
+              </a:rPr>
+              <a:t> </a:t>
+            </a:r>
+            <a:r>
+              <a:rPr lang="de-CH" sz="2000" b="0" dirty="0">
+                <a:solidFill>
+                  <a:srgbClr val="267F99"/>
+                </a:solidFill>
+                <a:effectLst/>
+                <a:latin typeface="Consolas" panose="020B0609020204030204" pitchFamily="49" charset="0"/>
+              </a:rPr>
+              <a:t>MULTICOORD</a:t>
+            </a:r>
+            <a:r>
+              <a:rPr lang="de-CH" sz="2000" b="0" dirty="0">
+                <a:solidFill>
+                  <a:srgbClr val="000000"/>
+                </a:solidFill>
+                <a:effectLst/>
+                <a:latin typeface="Consolas" panose="020B0609020204030204" pitchFamily="49" charset="0"/>
+              </a:rPr>
+              <a:t>;</a:t>
+            </a:r>
+            <a:endParaRPr lang="de-CH" sz="2000" b="0" dirty="0">
+              <a:solidFill>
+                <a:srgbClr val="3B3B3B"/>
+              </a:solidFill>
+              <a:effectLst/>
+              <a:latin typeface="Consolas" panose="020B0609020204030204" pitchFamily="49" charset="0"/>
+            </a:endParaRPr>
+          </a:p>
+          <a:p>
+            <a:pPr marL="0" indent="0">
+              <a:buNone/>
+            </a:pPr>
+            <a:r>
+              <a:rPr lang="de-CH" sz="2000" b="0" dirty="0">
+                <a:solidFill>
+                  <a:srgbClr val="3B3B3B"/>
+                </a:solidFill>
+                <a:effectLst/>
+                <a:latin typeface="Consolas" panose="020B0609020204030204" pitchFamily="49" charset="0"/>
+              </a:rPr>
+              <a:t>  Leitungen</a:t>
+            </a:r>
+            <a:r>
+              <a:rPr lang="de-CH" sz="2000" b="0" dirty="0">
+                <a:solidFill>
+                  <a:srgbClr val="000000"/>
+                </a:solidFill>
+                <a:effectLst/>
+                <a:latin typeface="Consolas" panose="020B0609020204030204" pitchFamily="49" charset="0"/>
+              </a:rPr>
+              <a:t>:</a:t>
+            </a:r>
+            <a:r>
+              <a:rPr lang="de-CH" sz="2000" b="0" dirty="0">
+                <a:solidFill>
+                  <a:srgbClr val="3B3B3B"/>
+                </a:solidFill>
+                <a:effectLst/>
+                <a:latin typeface="Consolas" panose="020B0609020204030204" pitchFamily="49" charset="0"/>
+              </a:rPr>
+              <a:t> </a:t>
+            </a:r>
+            <a:r>
+              <a:rPr lang="de-CH" sz="2000" b="0" dirty="0">
+                <a:solidFill>
+                  <a:srgbClr val="267F99"/>
+                </a:solidFill>
+                <a:effectLst/>
+                <a:latin typeface="Consolas" panose="020B0609020204030204" pitchFamily="49" charset="0"/>
+              </a:rPr>
+              <a:t>MULTIPOLYLINE</a:t>
+            </a:r>
+            <a:r>
+              <a:rPr lang="de-CH" sz="2000" b="0" dirty="0">
+                <a:solidFill>
+                  <a:srgbClr val="000000"/>
+                </a:solidFill>
+                <a:effectLst/>
+                <a:latin typeface="Consolas" panose="020B0609020204030204" pitchFamily="49" charset="0"/>
+              </a:rPr>
+              <a:t>;</a:t>
+            </a:r>
+            <a:endParaRPr lang="de-CH" sz="2000" b="0" dirty="0">
+              <a:solidFill>
+                <a:srgbClr val="3B3B3B"/>
+              </a:solidFill>
+              <a:effectLst/>
+              <a:latin typeface="Consolas" panose="020B0609020204030204" pitchFamily="49" charset="0"/>
+            </a:endParaRPr>
+          </a:p>
+          <a:p>
+            <a:pPr marL="0" indent="0">
+              <a:buNone/>
+            </a:pPr>
+            <a:r>
+              <a:rPr lang="de-CH" sz="2000" b="0" dirty="0">
                 <a:solidFill>
                   <a:srgbClr val="0000FF"/>
                 </a:solidFill>
                 <a:effectLst/>
                 <a:latin typeface="Consolas" panose="020B0609020204030204" pitchFamily="49" charset="0"/>
               </a:rPr>
-              <a:t>CONSTRAINTS</a:t>
-            </a:r>
-            <a:r>
-              <a:rPr lang="de-CH" b="0" dirty="0">
+              <a:t>END</a:t>
+            </a:r>
+            <a:r>
+              <a:rPr lang="de-CH" sz="2000" b="0" dirty="0">
                 <a:solidFill>
                   <a:srgbClr val="3B3B3B"/>
                 </a:solidFill>
@@ -6560,78 +7037,37 @@
               <a:t> </a:t>
             </a:r>
             <a:r>
-              <a:rPr lang="de-CH" dirty="0"/>
-              <a:t>auf</a:t>
-            </a:r>
-            <a:r>
-              <a:rPr lang="de-CH" b="0" dirty="0">
-                <a:solidFill>
-                  <a:srgbClr val="3B3B3B"/>
-                </a:solidFill>
-                <a:effectLst/>
-                <a:latin typeface="Consolas" panose="020B0609020204030204" pitchFamily="49" charset="0"/>
-              </a:rPr>
-              <a:t> (</a:t>
-            </a:r>
-            <a:r>
-              <a:rPr lang="de-CH" b="0" dirty="0">
-                <a:solidFill>
-                  <a:srgbClr val="0000FF"/>
-                </a:solidFill>
-                <a:effectLst/>
-                <a:latin typeface="Consolas" panose="020B0609020204030204" pitchFamily="49" charset="0"/>
-              </a:rPr>
-              <a:t>BASKET</a:t>
-            </a:r>
-            <a:r>
-              <a:rPr lang="de-CH" b="0" dirty="0">
-                <a:solidFill>
-                  <a:srgbClr val="3B3B3B"/>
-                </a:solidFill>
-                <a:effectLst/>
-                <a:latin typeface="Consolas" panose="020B0609020204030204" pitchFamily="49" charset="0"/>
-              </a:rPr>
-              <a:t>) </a:t>
-            </a:r>
-            <a:r>
-              <a:rPr lang="de-CH" dirty="0"/>
-              <a:t>beschränken</a:t>
-            </a:r>
-          </a:p>
-          <a:p>
-            <a:r>
-              <a:rPr lang="de-CH" dirty="0"/>
-              <a:t>Änderungen im XTF/XML Schema &amp; Namespaces</a:t>
-            </a:r>
-          </a:p>
-          <a:p>
-            <a:r>
-              <a:rPr lang="de-CH" dirty="0"/>
-              <a:t>Vereinfachung des Umgangs mit Zeit</a:t>
-            </a:r>
-          </a:p>
-          <a:p>
-            <a:r>
-              <a:rPr lang="de-CH" dirty="0"/>
-              <a:t>Linienattribute werden abgeschafft.</a:t>
-            </a:r>
-          </a:p>
-          <a:p>
-            <a:r>
-              <a:rPr lang="de-CH" dirty="0"/>
-              <a:t>Generische Koordinaten-Wertebereiche</a:t>
-            </a:r>
-          </a:p>
-          <a:p>
-            <a:r>
-              <a:rPr lang="de-CH" dirty="0"/>
-              <a:t>CONTRACTED ohne Bedeutung</a:t>
-            </a:r>
-          </a:p>
-          <a:p>
-            <a:endParaRPr lang="de-CH" dirty="0"/>
-          </a:p>
-          <a:p>
+              <a:rPr lang="de-CH" sz="2000" b="0" dirty="0" err="1">
+                <a:solidFill>
+                  <a:srgbClr val="3B3B3B"/>
+                </a:solidFill>
+                <a:effectLst/>
+                <a:latin typeface="Consolas" panose="020B0609020204030204" pitchFamily="49" charset="0"/>
+              </a:rPr>
+              <a:t>LZ_Flaeche</a:t>
+            </a:r>
+            <a:r>
+              <a:rPr lang="de-CH" sz="2000" b="0" dirty="0">
+                <a:solidFill>
+                  <a:srgbClr val="000000"/>
+                </a:solidFill>
+                <a:effectLst/>
+                <a:latin typeface="Consolas" panose="020B0609020204030204" pitchFamily="49" charset="0"/>
+              </a:rPr>
+              <a:t>;</a:t>
+            </a:r>
+            <a:endParaRPr lang="de-CH" sz="2000" b="0" dirty="0">
+              <a:solidFill>
+                <a:srgbClr val="3B3B3B"/>
+              </a:solidFill>
+              <a:effectLst/>
+              <a:latin typeface="Consolas" panose="020B0609020204030204" pitchFamily="49" charset="0"/>
+            </a:endParaRPr>
+          </a:p>
+          <a:p>
+            <a:pPr marL="0" indent="0">
+              <a:buNone/>
+            </a:pPr>
             <a:endParaRPr lang="de-CH" dirty="0"/>
           </a:p>
         </p:txBody>
@@ -6641,7 +7077,7 @@
           <p:cNvPr id="4" name="Date Placeholder 3">
             <a:extLst>
               <a:ext uri="{FF2B5EF4-FFF2-40B4-BE49-F238E27FC236}">
-                <a16:creationId xmlns:a16="http://schemas.microsoft.com/office/drawing/2014/main" id="{CFBBB9F4-F134-86AD-70E8-47CC4C522E2F}"/>
+                <a16:creationId xmlns:a16="http://schemas.microsoft.com/office/drawing/2014/main" id="{664E7194-7185-4D53-A31A-F0FE9B55F1B9}"/>
               </a:ext>
             </a:extLst>
           </p:cNvPr>
@@ -6673,7 +7109,7 @@
           <p:cNvPr id="5" name="Footer Placeholder 4">
             <a:extLst>
               <a:ext uri="{FF2B5EF4-FFF2-40B4-BE49-F238E27FC236}">
-                <a16:creationId xmlns:a16="http://schemas.microsoft.com/office/drawing/2014/main" id="{DEF484E8-C36D-9623-1160-B6C527D5F760}"/>
+                <a16:creationId xmlns:a16="http://schemas.microsoft.com/office/drawing/2014/main" id="{27154BE8-A697-501E-A55B-DB7153654F1B}"/>
               </a:ext>
             </a:extLst>
           </p:cNvPr>
@@ -6705,7 +7141,7 @@
           <p:cNvPr id="6" name="Slide Number Placeholder 5">
             <a:extLst>
               <a:ext uri="{FF2B5EF4-FFF2-40B4-BE49-F238E27FC236}">
-                <a16:creationId xmlns:a16="http://schemas.microsoft.com/office/drawing/2014/main" id="{B8FF4442-63C5-353E-8D97-182ECF575C49}"/>
+                <a16:creationId xmlns:a16="http://schemas.microsoft.com/office/drawing/2014/main" id="{574F7006-D364-18A0-5A2B-6F4535137609}"/>
               </a:ext>
             </a:extLst>
           </p:cNvPr>
@@ -6738,7 +7174,7 @@
     </p:spTree>
     <p:extLst>
       <p:ext uri="{BB962C8B-B14F-4D97-AF65-F5344CB8AC3E}">
-        <p14:creationId xmlns:p14="http://schemas.microsoft.com/office/powerpoint/2010/main" val="3809425577"/>
+        <p14:creationId xmlns:p14="http://schemas.microsoft.com/office/powerpoint/2010/main" val="2291710656"/>
       </p:ext>
     </p:extLst>
   </p:cSld>
@@ -6767,6 +7203,323 @@
       </p:grpSpPr>
       <p:sp>
         <p:nvSpPr>
+          <p:cNvPr id="2" name="Title 1">
+            <a:extLst>
+              <a:ext uri="{FF2B5EF4-FFF2-40B4-BE49-F238E27FC236}">
+                <a16:creationId xmlns:a16="http://schemas.microsoft.com/office/drawing/2014/main" id="{7759E637-07F0-FAD0-7E85-248527C89F6C}"/>
+              </a:ext>
+            </a:extLst>
+          </p:cNvPr>
+          <p:cNvSpPr>
+            <a:spLocks noGrp="1"/>
+          </p:cNvSpPr>
+          <p:nvPr>
+            <p:ph type="title"/>
+          </p:nvPr>
+        </p:nvSpPr>
+        <p:spPr/>
+        <p:txBody>
+          <a:bodyPr/>
+          <a:lstStyle/>
+          <a:p>
+            <a:r>
+              <a:rPr lang="de-CH" dirty="0"/>
+              <a:t>Weitere Änderungen in INTERLIS 2.4</a:t>
+            </a:r>
+          </a:p>
+        </p:txBody>
+      </p:sp>
+      <p:sp>
+        <p:nvSpPr>
+          <p:cNvPr id="3" name="Content Placeholder 2">
+            <a:extLst>
+              <a:ext uri="{FF2B5EF4-FFF2-40B4-BE49-F238E27FC236}">
+                <a16:creationId xmlns:a16="http://schemas.microsoft.com/office/drawing/2014/main" id="{5F44CB77-ACC7-0923-44D3-9BAF5557F9D5}"/>
+              </a:ext>
+            </a:extLst>
+          </p:cNvPr>
+          <p:cNvSpPr>
+            <a:spLocks noGrp="1"/>
+          </p:cNvSpPr>
+          <p:nvPr>
+            <p:ph idx="1"/>
+          </p:nvPr>
+        </p:nvSpPr>
+        <p:spPr/>
+        <p:txBody>
+          <a:bodyPr/>
+          <a:lstStyle/>
+          <a:p>
+            <a:r>
+              <a:rPr lang="de-CH" dirty="0"/>
+              <a:t>Alle Änderungen werde in </a:t>
+            </a:r>
+            <a:r>
+              <a:rPr lang="de-CH" dirty="0">
+                <a:hlinkClick r:id="rId2"/>
+              </a:rPr>
+              <a:t>Referenzhandbuch S. 8 erläutert</a:t>
+            </a:r>
+            <a:br>
+              <a:rPr lang="de-CH" dirty="0"/>
+            </a:br>
+            <a:endParaRPr lang="de-CH" dirty="0"/>
+          </a:p>
+          <a:p>
+            <a:r>
+              <a:rPr lang="de-CH" dirty="0"/>
+              <a:t>2.3 Modelle sind 2.4 kompatibel</a:t>
+            </a:r>
+          </a:p>
+          <a:p>
+            <a:r>
+              <a:rPr lang="de-CH" b="0" dirty="0">
+                <a:solidFill>
+                  <a:srgbClr val="0000FF"/>
+                </a:solidFill>
+                <a:effectLst/>
+                <a:latin typeface="Consolas" panose="020B0609020204030204" pitchFamily="49" charset="0"/>
+              </a:rPr>
+              <a:t>SET</a:t>
+            </a:r>
+            <a:r>
+              <a:rPr lang="de-CH" b="0" dirty="0">
+                <a:solidFill>
+                  <a:srgbClr val="3B3B3B"/>
+                </a:solidFill>
+                <a:effectLst/>
+                <a:latin typeface="Consolas" panose="020B0609020204030204" pitchFamily="49" charset="0"/>
+              </a:rPr>
+              <a:t> </a:t>
+            </a:r>
+            <a:r>
+              <a:rPr lang="de-CH" b="0" dirty="0">
+                <a:solidFill>
+                  <a:srgbClr val="0000FF"/>
+                </a:solidFill>
+                <a:effectLst/>
+                <a:latin typeface="Consolas" panose="020B0609020204030204" pitchFamily="49" charset="0"/>
+              </a:rPr>
+              <a:t>CONSTRAINTS</a:t>
+            </a:r>
+            <a:r>
+              <a:rPr lang="de-CH" b="0" dirty="0">
+                <a:solidFill>
+                  <a:srgbClr val="3B3B3B"/>
+                </a:solidFill>
+                <a:effectLst/>
+                <a:latin typeface="Consolas" panose="020B0609020204030204" pitchFamily="49" charset="0"/>
+              </a:rPr>
+              <a:t> </a:t>
+            </a:r>
+            <a:r>
+              <a:rPr lang="de-CH" dirty="0"/>
+              <a:t>auf</a:t>
+            </a:r>
+            <a:r>
+              <a:rPr lang="de-CH" b="0" dirty="0">
+                <a:solidFill>
+                  <a:srgbClr val="3B3B3B"/>
+                </a:solidFill>
+                <a:effectLst/>
+                <a:latin typeface="Consolas" panose="020B0609020204030204" pitchFamily="49" charset="0"/>
+              </a:rPr>
+              <a:t> (</a:t>
+            </a:r>
+            <a:r>
+              <a:rPr lang="de-CH" b="0" dirty="0">
+                <a:solidFill>
+                  <a:srgbClr val="0000FF"/>
+                </a:solidFill>
+                <a:effectLst/>
+                <a:latin typeface="Consolas" panose="020B0609020204030204" pitchFamily="49" charset="0"/>
+              </a:rPr>
+              <a:t>BASKET</a:t>
+            </a:r>
+            <a:r>
+              <a:rPr lang="de-CH" b="0" dirty="0">
+                <a:solidFill>
+                  <a:srgbClr val="3B3B3B"/>
+                </a:solidFill>
+                <a:effectLst/>
+                <a:latin typeface="Consolas" panose="020B0609020204030204" pitchFamily="49" charset="0"/>
+              </a:rPr>
+              <a:t>) </a:t>
+            </a:r>
+            <a:r>
+              <a:rPr lang="de-CH" dirty="0"/>
+              <a:t>beschränken</a:t>
+            </a:r>
+          </a:p>
+          <a:p>
+            <a:r>
+              <a:rPr lang="de-CH" dirty="0"/>
+              <a:t>Änderungen im XTF/XML Schema &amp; Namespaces</a:t>
+            </a:r>
+          </a:p>
+          <a:p>
+            <a:r>
+              <a:rPr lang="de-CH" dirty="0"/>
+              <a:t>Vereinfachung des Umgangs mit Zeit</a:t>
+            </a:r>
+          </a:p>
+          <a:p>
+            <a:r>
+              <a:rPr lang="de-CH" dirty="0"/>
+              <a:t>Linienattribute werden abgeschafft.</a:t>
+            </a:r>
+          </a:p>
+          <a:p>
+            <a:r>
+              <a:rPr lang="de-CH" dirty="0"/>
+              <a:t>Generische Koordinaten-Wertebereiche</a:t>
+            </a:r>
+          </a:p>
+          <a:p>
+            <a:r>
+              <a:rPr lang="de-CH" dirty="0"/>
+              <a:t>CONTRACTED ohne Bedeutung</a:t>
+            </a:r>
+          </a:p>
+          <a:p>
+            <a:endParaRPr lang="de-CH" dirty="0"/>
+          </a:p>
+          <a:p>
+            <a:endParaRPr lang="de-CH" dirty="0"/>
+          </a:p>
+        </p:txBody>
+      </p:sp>
+      <p:sp>
+        <p:nvSpPr>
+          <p:cNvPr id="4" name="Date Placeholder 3">
+            <a:extLst>
+              <a:ext uri="{FF2B5EF4-FFF2-40B4-BE49-F238E27FC236}">
+                <a16:creationId xmlns:a16="http://schemas.microsoft.com/office/drawing/2014/main" id="{CFBBB9F4-F134-86AD-70E8-47CC4C522E2F}"/>
+              </a:ext>
+            </a:extLst>
+          </p:cNvPr>
+          <p:cNvSpPr>
+            <a:spLocks noGrp="1"/>
+          </p:cNvSpPr>
+          <p:nvPr>
+            <p:ph type="dt" sz="half" idx="2"/>
+          </p:nvPr>
+        </p:nvSpPr>
+        <p:spPr/>
+        <p:txBody>
+          <a:bodyPr/>
+          <a:lstStyle/>
+          <a:p>
+            <a:pPr>
+              <a:defRPr/>
+            </a:pPr>
+            <a:r>
+              <a:rPr lang="de-CH"/>
+              <a:t>22.11.2023</a:t>
+            </a:r>
+            <a:endParaRPr lang="de-CH" dirty="0"/>
+          </a:p>
+        </p:txBody>
+      </p:sp>
+      <p:sp>
+        <p:nvSpPr>
+          <p:cNvPr id="5" name="Footer Placeholder 4">
+            <a:extLst>
+              <a:ext uri="{FF2B5EF4-FFF2-40B4-BE49-F238E27FC236}">
+                <a16:creationId xmlns:a16="http://schemas.microsoft.com/office/drawing/2014/main" id="{DEF484E8-C36D-9623-1160-B6C527D5F760}"/>
+              </a:ext>
+            </a:extLst>
+          </p:cNvPr>
+          <p:cNvSpPr>
+            <a:spLocks noGrp="1"/>
+          </p:cNvSpPr>
+          <p:nvPr>
+            <p:ph type="ftr" sz="quarter" idx="3"/>
+          </p:nvPr>
+        </p:nvSpPr>
+        <p:spPr/>
+        <p:txBody>
+          <a:bodyPr/>
+          <a:lstStyle/>
+          <a:p>
+            <a:pPr>
+              <a:defRPr/>
+            </a:pPr>
+            <a:r>
+              <a:rPr lang="de-CH"/>
+              <a:t>3. INTERLIS Anwender:Innen Treffen</a:t>
+            </a:r>
+            <a:endParaRPr lang="de-CH" dirty="0"/>
+          </a:p>
+        </p:txBody>
+      </p:sp>
+      <p:sp>
+        <p:nvSpPr>
+          <p:cNvPr id="6" name="Slide Number Placeholder 5">
+            <a:extLst>
+              <a:ext uri="{FF2B5EF4-FFF2-40B4-BE49-F238E27FC236}">
+                <a16:creationId xmlns:a16="http://schemas.microsoft.com/office/drawing/2014/main" id="{B8FF4442-63C5-353E-8D97-182ECF575C49}"/>
+              </a:ext>
+            </a:extLst>
+          </p:cNvPr>
+          <p:cNvSpPr>
+            <a:spLocks noGrp="1"/>
+          </p:cNvSpPr>
+          <p:nvPr>
+            <p:ph type="sldNum" sz="quarter" idx="4"/>
+          </p:nvPr>
+        </p:nvSpPr>
+        <p:spPr/>
+        <p:txBody>
+          <a:bodyPr/>
+          <a:lstStyle/>
+          <a:p>
+            <a:pPr>
+              <a:defRPr/>
+            </a:pPr>
+            <a:fld id="{CF6E12DF-9ECE-463F-89B2-3CF702297A6B}" type="slidenum">
+              <a:rPr lang="de-DE" smtClean="0"/>
+              <a:pPr>
+                <a:defRPr/>
+              </a:pPr>
+              <a:t>12</a:t>
+            </a:fld>
+            <a:endParaRPr lang="de-DE" dirty="0"/>
+          </a:p>
+        </p:txBody>
+      </p:sp>
+    </p:spTree>
+    <p:extLst>
+      <p:ext uri="{BB962C8B-B14F-4D97-AF65-F5344CB8AC3E}">
+        <p14:creationId xmlns:p14="http://schemas.microsoft.com/office/powerpoint/2010/main" val="3809425577"/>
+      </p:ext>
+    </p:extLst>
+  </p:cSld>
+  <p:clrMapOvr>
+    <a:masterClrMapping/>
+  </p:clrMapOvr>
+</p:sld>
+</file>
+
+<file path=ppt/slides/slide13.xml><?xml version="1.0" encoding="utf-8"?>
+<p:sld xmlns:a="http://schemas.openxmlformats.org/drawingml/2006/main" xmlns:r="http://schemas.openxmlformats.org/officeDocument/2006/relationships" xmlns:p="http://schemas.openxmlformats.org/presentationml/2006/main">
+  <p:cSld>
+    <p:spTree>
+      <p:nvGrpSpPr>
+        <p:cNvPr id="1" name=""/>
+        <p:cNvGrpSpPr/>
+        <p:nvPr/>
+      </p:nvGrpSpPr>
+      <p:grpSpPr>
+        <a:xfrm>
+          <a:off x="0" y="0"/>
+          <a:ext cx="0" cy="0"/>
+          <a:chOff x="0" y="0"/>
+          <a:chExt cx="0" cy="0"/>
+        </a:xfrm>
+      </p:grpSpPr>
+      <p:sp>
+        <p:nvSpPr>
           <p:cNvPr id="11" name="Title 10">
             <a:extLst>
               <a:ext uri="{FF2B5EF4-FFF2-40B4-BE49-F238E27FC236}">
@@ -6891,7 +7644,7 @@
               <a:pPr>
                 <a:defRPr/>
               </a:pPr>
-              <a:t>12</a:t>
+              <a:t>13</a:t>
             </a:fld>
             <a:endParaRPr lang="de-DE" dirty="0"/>
           </a:p>
@@ -6955,7 +7708,7 @@
           <p:nvPr/>
         </p:nvPicPr>
         <p:blipFill>
-          <a:blip r:embed="rId2"/>
+          <a:blip r:embed="rId3"/>
           <a:stretch>
             <a:fillRect/>
           </a:stretch>
@@ -6985,7 +7738,7 @@
           <p:nvPr/>
         </p:nvPicPr>
         <p:blipFill>
-          <a:blip r:embed="rId3"/>
+          <a:blip r:embed="rId4"/>
           <a:stretch>
             <a:fillRect/>
           </a:stretch>
@@ -7044,6 +7797,76 @@
           <a:p>
             <a:pPr algn="ctr"/>
             <a:endParaRPr lang="de-CH" dirty="0"/>
+          </a:p>
+        </p:txBody>
+      </p:sp>
+      <p:sp>
+        <p:nvSpPr>
+          <p:cNvPr id="3" name="TextBox 2">
+            <a:extLst>
+              <a:ext uri="{FF2B5EF4-FFF2-40B4-BE49-F238E27FC236}">
+                <a16:creationId xmlns:a16="http://schemas.microsoft.com/office/drawing/2014/main" id="{A6FA4615-33E9-D9B2-6617-181F68E7081A}"/>
+              </a:ext>
+            </a:extLst>
+          </p:cNvPr>
+          <p:cNvSpPr txBox="1"/>
+          <p:nvPr/>
+        </p:nvSpPr>
+        <p:spPr>
+          <a:xfrm>
+            <a:off x="0" y="6196886"/>
+            <a:ext cx="6019800" cy="246221"/>
+          </a:xfrm>
+          <a:prstGeom prst="rect">
+            <a:avLst/>
+          </a:prstGeom>
+          <a:noFill/>
+        </p:spPr>
+        <p:txBody>
+          <a:bodyPr wrap="square">
+            <a:spAutoFit/>
+          </a:bodyPr>
+          <a:lstStyle/>
+          <a:p>
+            <a:r>
+              <a:rPr lang="de-CH" sz="1000" dirty="0"/>
+              <a:t>* Support von INTERLIS 2.4 in Tools von Eisenhut Informatik AG erwartet ab Ende 2024</a:t>
+            </a:r>
+          </a:p>
+        </p:txBody>
+      </p:sp>
+      <p:sp>
+        <p:nvSpPr>
+          <p:cNvPr id="7" name="TextBox 6">
+            <a:extLst>
+              <a:ext uri="{FF2B5EF4-FFF2-40B4-BE49-F238E27FC236}">
+                <a16:creationId xmlns:a16="http://schemas.microsoft.com/office/drawing/2014/main" id="{EC7AD27C-9848-77B0-4BB3-0A4568D601BD}"/>
+              </a:ext>
+            </a:extLst>
+          </p:cNvPr>
+          <p:cNvSpPr txBox="1"/>
+          <p:nvPr/>
+        </p:nvSpPr>
+        <p:spPr>
+          <a:xfrm>
+            <a:off x="7812360" y="1484784"/>
+            <a:ext cx="216024" cy="230832"/>
+          </a:xfrm>
+          <a:prstGeom prst="rect">
+            <a:avLst/>
+          </a:prstGeom>
+          <a:noFill/>
+        </p:spPr>
+        <p:txBody>
+          <a:bodyPr wrap="square" rtlCol="0">
+            <a:spAutoFit/>
+          </a:bodyPr>
+          <a:lstStyle/>
+          <a:p>
+            <a:r>
+              <a:rPr lang="de-CH" sz="900" dirty="0"/>
+              <a:t>*</a:t>
+            </a:r>
           </a:p>
         </p:txBody>
       </p:sp>
@@ -7234,7 +8057,7 @@
             </a:pPr>
             <a:r>
               <a:rPr lang="de-CH" sz="2000" dirty="0"/>
-              <a:t>2023: INTERLIS 2.4 Support komplettiert</a:t>
+              <a:t>2023: INTERLIS 2.4 Support komplettiert*</a:t>
             </a:r>
           </a:p>
           <a:p>
@@ -7380,6 +8203,41 @@
             <a:r>
               <a:rPr lang="de-CH" dirty="0"/>
               <a:t> Treffen</a:t>
+            </a:r>
+          </a:p>
+        </p:txBody>
+      </p:sp>
+      <p:sp>
+        <p:nvSpPr>
+          <p:cNvPr id="5" name="TextBox 4">
+            <a:extLst>
+              <a:ext uri="{FF2B5EF4-FFF2-40B4-BE49-F238E27FC236}">
+                <a16:creationId xmlns:a16="http://schemas.microsoft.com/office/drawing/2014/main" id="{B375AA02-6107-32A1-937F-BB972B915619}"/>
+              </a:ext>
+            </a:extLst>
+          </p:cNvPr>
+          <p:cNvSpPr txBox="1"/>
+          <p:nvPr/>
+        </p:nvSpPr>
+        <p:spPr>
+          <a:xfrm>
+            <a:off x="1418" y="6166565"/>
+            <a:ext cx="6019800" cy="246221"/>
+          </a:xfrm>
+          <a:prstGeom prst="rect">
+            <a:avLst/>
+          </a:prstGeom>
+          <a:noFill/>
+        </p:spPr>
+        <p:txBody>
+          <a:bodyPr wrap="square">
+            <a:spAutoFit/>
+          </a:bodyPr>
+          <a:lstStyle/>
+          <a:p>
+            <a:r>
+              <a:rPr lang="de-CH" sz="1000" dirty="0"/>
+              <a:t>* In Zusammenarbeit mit Eisenhut Informatik AG / Sponsoring durch SGS, AG, BE, SH, SO, SZ, ZG</a:t>
             </a:r>
           </a:p>
         </p:txBody>
@@ -8630,13 +9488,13 @@
   <p:clrMapOvr>
     <a:masterClrMapping/>
   </p:clrMapOvr>
-  <mc:AlternateContent xmlns:mc="http://schemas.openxmlformats.org/markup-compatibility/2006">
-    <mc:Choice xmlns:p159="http://schemas.microsoft.com/office/powerpoint/2015/09/main" Requires="p159">
+  <mc:AlternateContent xmlns:mc="http://schemas.openxmlformats.org/markup-compatibility/2006" xmlns:p159="http://schemas.microsoft.com/office/powerpoint/2015/09/main">
+    <mc:Choice Requires="p159">
       <p:transition xmlns:p14="http://schemas.microsoft.com/office/powerpoint/2010/main" spd="slow" p14:dur="2000">
         <p159:morph option="byObject"/>
       </p:transition>
     </mc:Choice>
-    <mc:Fallback>
+    <mc:Fallback xmlns="">
       <p:transition spd="slow">
         <p:fade/>
       </p:transition>
@@ -8694,11 +9552,7 @@
             </a:r>
             <a:r>
               <a:rPr lang="de-CH" dirty="0"/>
-              <a:t> </a:t>
-            </a:r>
-            <a:r>
-              <a:rPr lang="de-CH" dirty="0" err="1"/>
-              <a:t>bennennen</a:t>
+              <a:t> auf Domains</a:t>
             </a:r>
             <a:br>
               <a:rPr lang="de-CH" dirty="0"/>
@@ -8725,26 +9579,289 @@
         </p:nvSpPr>
         <p:spPr>
           <a:xfrm>
-            <a:off x="457200" y="1600200"/>
-            <a:ext cx="8291264" cy="4525963"/>
+            <a:off x="457200" y="2276872"/>
+            <a:ext cx="8291264" cy="3849291"/>
           </a:xfrm>
         </p:spPr>
         <p:txBody>
-          <a:bodyPr anchor="ctr"/>
+          <a:bodyPr/>
           <a:lstStyle/>
           <a:p>
             <a:pPr marL="0" indent="0">
               <a:buNone/>
             </a:pPr>
             <a:r>
+              <a:rPr lang="en-US" sz="2000" b="0" dirty="0">
+                <a:solidFill>
+                  <a:srgbClr val="0000FF"/>
+                </a:solidFill>
+                <a:effectLst/>
+                <a:latin typeface="Consolas" panose="020B0609020204030204" pitchFamily="49" charset="0"/>
+              </a:rPr>
+              <a:t>DOMAIN </a:t>
+            </a:r>
+            <a:r>
+              <a:rPr lang="en-US" sz="2000" b="1" dirty="0" err="1">
+                <a:solidFill>
+                  <a:srgbClr val="3B3B3B"/>
+                </a:solidFill>
+                <a:effectLst/>
+                <a:latin typeface="Consolas" panose="020B0609020204030204" pitchFamily="49" charset="0"/>
+              </a:rPr>
+              <a:t>ProjektID</a:t>
+            </a:r>
+            <a:r>
+              <a:rPr lang="en-US" sz="2000" b="0" dirty="0">
+                <a:solidFill>
+                  <a:srgbClr val="3B3B3B"/>
+                </a:solidFill>
+                <a:effectLst/>
+                <a:latin typeface="Consolas" panose="020B0609020204030204" pitchFamily="49" charset="0"/>
+              </a:rPr>
+              <a:t> </a:t>
+            </a:r>
+            <a:r>
+              <a:rPr lang="en-US" sz="2000" b="0" dirty="0">
+                <a:solidFill>
+                  <a:srgbClr val="000000"/>
+                </a:solidFill>
+                <a:effectLst/>
+                <a:latin typeface="Consolas" panose="020B0609020204030204" pitchFamily="49" charset="0"/>
+              </a:rPr>
+              <a:t>=</a:t>
+            </a:r>
+            <a:r>
+              <a:rPr lang="en-US" sz="2000" b="0" dirty="0">
+                <a:solidFill>
+                  <a:srgbClr val="3B3B3B"/>
+                </a:solidFill>
+                <a:effectLst/>
+                <a:latin typeface="Consolas" panose="020B0609020204030204" pitchFamily="49" charset="0"/>
+              </a:rPr>
+              <a:t> </a:t>
+            </a:r>
+            <a:r>
+              <a:rPr lang="en-US" sz="2000" b="0" dirty="0">
+                <a:solidFill>
+                  <a:srgbClr val="267F99"/>
+                </a:solidFill>
+                <a:effectLst/>
+                <a:latin typeface="Consolas" panose="020B0609020204030204" pitchFamily="49" charset="0"/>
+              </a:rPr>
+              <a:t>TEXT</a:t>
+            </a:r>
+            <a:r>
+              <a:rPr lang="en-US" sz="2000" b="0" dirty="0">
+                <a:solidFill>
+                  <a:srgbClr val="3B3B3B"/>
+                </a:solidFill>
+                <a:effectLst/>
+                <a:latin typeface="Consolas" panose="020B0609020204030204" pitchFamily="49" charset="0"/>
+              </a:rPr>
+              <a:t>*</a:t>
+            </a:r>
+            <a:r>
+              <a:rPr lang="en-US" sz="2000" b="0" dirty="0">
+                <a:solidFill>
+                  <a:srgbClr val="098658"/>
+                </a:solidFill>
+                <a:effectLst/>
+                <a:latin typeface="Consolas" panose="020B0609020204030204" pitchFamily="49" charset="0"/>
+              </a:rPr>
+              <a:t>12 </a:t>
+            </a:r>
+            <a:r>
+              <a:rPr lang="en-US" sz="2000" b="0" dirty="0">
+                <a:solidFill>
+                  <a:srgbClr val="0000FF"/>
+                </a:solidFill>
+                <a:effectLst/>
+                <a:latin typeface="Consolas" panose="020B0609020204030204" pitchFamily="49" charset="0"/>
+              </a:rPr>
+              <a:t>CONSTRAINTS</a:t>
+            </a:r>
+            <a:br>
+              <a:rPr lang="en-US" sz="2000" b="0" dirty="0">
+                <a:solidFill>
+                  <a:srgbClr val="3B3B3B"/>
+                </a:solidFill>
+                <a:effectLst/>
+                <a:latin typeface="Consolas" panose="020B0609020204030204" pitchFamily="49" charset="0"/>
+              </a:rPr>
+            </a:br>
+            <a:r>
+              <a:rPr lang="en-US" sz="2000" b="0" dirty="0">
+                <a:solidFill>
+                  <a:srgbClr val="3B3B3B"/>
+                </a:solidFill>
+                <a:effectLst/>
+                <a:latin typeface="Consolas" panose="020B0609020204030204" pitchFamily="49" charset="0"/>
+              </a:rPr>
+              <a:t> </a:t>
+            </a:r>
+            <a:r>
+              <a:rPr lang="en-US" sz="2000" dirty="0" err="1">
+                <a:solidFill>
+                  <a:srgbClr val="3B3B3B"/>
+                </a:solidFill>
+                <a:latin typeface="Consolas" panose="020B0609020204030204" pitchFamily="49" charset="0"/>
+              </a:rPr>
+              <a:t>SAPProjNr</a:t>
+            </a:r>
+            <a:r>
+              <a:rPr lang="en-US" sz="2000" b="0" dirty="0">
+                <a:solidFill>
+                  <a:srgbClr val="3B3B3B"/>
+                </a:solidFill>
+                <a:effectLst/>
+                <a:latin typeface="Consolas" panose="020B0609020204030204" pitchFamily="49" charset="0"/>
+              </a:rPr>
+              <a:t> </a:t>
+            </a:r>
+            <a:r>
+              <a:rPr lang="en-US" sz="2000" b="0" dirty="0">
+                <a:solidFill>
+                  <a:srgbClr val="000000"/>
+                </a:solidFill>
+                <a:effectLst/>
+                <a:latin typeface="Consolas" panose="020B0609020204030204" pitchFamily="49" charset="0"/>
+              </a:rPr>
+              <a:t>:</a:t>
+            </a:r>
+            <a:r>
+              <a:rPr lang="en-US" sz="2000" b="0" dirty="0">
+                <a:solidFill>
+                  <a:srgbClr val="3B3B3B"/>
+                </a:solidFill>
+                <a:effectLst/>
+                <a:latin typeface="Consolas" panose="020B0609020204030204" pitchFamily="49" charset="0"/>
+              </a:rPr>
+              <a:t> </a:t>
+            </a:r>
+            <a:r>
+              <a:rPr lang="en-US" sz="2000" b="0" dirty="0" err="1">
+                <a:solidFill>
+                  <a:srgbClr val="3B3B3B"/>
+                </a:solidFill>
+                <a:effectLst/>
+                <a:latin typeface="Consolas" panose="020B0609020204030204" pitchFamily="49" charset="0"/>
+              </a:rPr>
+              <a:t>Text.matches</a:t>
+            </a:r>
+            <a:r>
+              <a:rPr lang="en-US" sz="2000" b="0" dirty="0">
+                <a:solidFill>
+                  <a:srgbClr val="3B3B3B"/>
+                </a:solidFill>
+                <a:effectLst/>
+                <a:latin typeface="Consolas" panose="020B0609020204030204" pitchFamily="49" charset="0"/>
+              </a:rPr>
+              <a:t>(</a:t>
+            </a:r>
+            <a:r>
+              <a:rPr lang="en-US" sz="2000" b="0" dirty="0">
+                <a:solidFill>
+                  <a:srgbClr val="0000FF"/>
+                </a:solidFill>
+                <a:effectLst/>
+                <a:latin typeface="Consolas" panose="020B0609020204030204" pitchFamily="49" charset="0"/>
+              </a:rPr>
+              <a:t>THIS</a:t>
+            </a:r>
+            <a:r>
+              <a:rPr lang="en-US" sz="2000" b="0" dirty="0">
+                <a:solidFill>
+                  <a:srgbClr val="3B3B3B"/>
+                </a:solidFill>
+                <a:effectLst/>
+                <a:latin typeface="Consolas" panose="020B0609020204030204" pitchFamily="49" charset="0"/>
+              </a:rPr>
+              <a:t>, </a:t>
+            </a:r>
+            <a:r>
+              <a:rPr lang="en-US" sz="2000" dirty="0">
+                <a:solidFill>
+                  <a:srgbClr val="A31515"/>
+                </a:solidFill>
+                <a:latin typeface="Consolas" panose="020B0609020204030204" pitchFamily="49" charset="0"/>
+              </a:rPr>
+              <a:t>"^[0</a:t>
+            </a:r>
+            <a:r>
+              <a:rPr lang="en-US" sz="2000" b="0" dirty="0">
+                <a:solidFill>
+                  <a:srgbClr val="A31515"/>
+                </a:solidFill>
+                <a:effectLst/>
+                <a:latin typeface="Consolas" panose="020B0609020204030204" pitchFamily="49" charset="0"/>
+              </a:rPr>
+              <a:t>-9]{4}-[A-Z]{2}$"</a:t>
+            </a:r>
+            <a:r>
+              <a:rPr lang="en-US" sz="2000" b="0" dirty="0">
+                <a:solidFill>
+                  <a:srgbClr val="3B3B3B"/>
+                </a:solidFill>
+                <a:effectLst/>
+                <a:latin typeface="Consolas" panose="020B0609020204030204" pitchFamily="49" charset="0"/>
+              </a:rPr>
+              <a:t>)</a:t>
+            </a:r>
+            <a:r>
+              <a:rPr lang="en-US" sz="2000" b="0" dirty="0">
+                <a:solidFill>
+                  <a:srgbClr val="000000"/>
+                </a:solidFill>
+                <a:effectLst/>
+                <a:latin typeface="Consolas" panose="020B0609020204030204" pitchFamily="49" charset="0"/>
+              </a:rPr>
+              <a:t>;</a:t>
+            </a:r>
+          </a:p>
+          <a:p>
+            <a:pPr marL="0" indent="0">
+              <a:buNone/>
+            </a:pPr>
+            <a:endParaRPr lang="en-US" sz="2000" dirty="0">
+              <a:solidFill>
+                <a:srgbClr val="000000"/>
+              </a:solidFill>
+              <a:latin typeface="Consolas" panose="020B0609020204030204" pitchFamily="49" charset="0"/>
+            </a:endParaRPr>
+          </a:p>
+          <a:p>
+            <a:pPr marL="0" indent="0">
+              <a:buNone/>
+            </a:pPr>
+            <a:r>
               <a:rPr lang="de-CH" sz="2000" b="0" dirty="0">
                 <a:solidFill>
-                  <a:srgbClr val="008000"/>
-                </a:solidFill>
-                <a:effectLst/>
-                <a:latin typeface="Consolas" panose="020B0609020204030204" pitchFamily="49" charset="0"/>
-              </a:rPr>
-              <a:t>!!@name=SAPProjNr</a:t>
+                  <a:srgbClr val="0000FF"/>
+                </a:solidFill>
+                <a:effectLst/>
+                <a:latin typeface="Consolas" panose="020B0609020204030204" pitchFamily="49" charset="0"/>
+              </a:rPr>
+              <a:t>CLASS</a:t>
+            </a:r>
+            <a:r>
+              <a:rPr lang="de-CH" sz="2000" b="0" dirty="0">
+                <a:solidFill>
+                  <a:srgbClr val="3B3B3B"/>
+                </a:solidFill>
+                <a:effectLst/>
+                <a:latin typeface="Consolas" panose="020B0609020204030204" pitchFamily="49" charset="0"/>
+              </a:rPr>
+              <a:t> Projekt </a:t>
+            </a:r>
+            <a:r>
+              <a:rPr lang="de-CH" sz="2000" b="0" dirty="0">
+                <a:solidFill>
+                  <a:srgbClr val="000000"/>
+                </a:solidFill>
+                <a:effectLst/>
+                <a:latin typeface="Consolas" panose="020B0609020204030204" pitchFamily="49" charset="0"/>
+              </a:rPr>
+              <a:t>=</a:t>
             </a:r>
             <a:endParaRPr lang="de-CH" sz="2000" b="0" dirty="0">
               <a:solidFill>
@@ -8761,6 +9878,56 @@
             <a:r>
               <a:rPr lang="de-CH" sz="2000" b="0" dirty="0">
                 <a:solidFill>
+                  <a:srgbClr val="3B3B3B"/>
+                </a:solidFill>
+                <a:effectLst/>
+                <a:latin typeface="Consolas" panose="020B0609020204030204" pitchFamily="49" charset="0"/>
+              </a:rPr>
+              <a:t>  </a:t>
+            </a:r>
+            <a:r>
+              <a:rPr lang="de-CH" sz="2000" b="0" dirty="0" err="1">
+                <a:solidFill>
+                  <a:srgbClr val="3B3B3B"/>
+                </a:solidFill>
+                <a:effectLst/>
+                <a:latin typeface="Consolas" panose="020B0609020204030204" pitchFamily="49" charset="0"/>
+              </a:rPr>
+              <a:t>ProjektNummer</a:t>
+            </a:r>
+            <a:r>
+              <a:rPr lang="de-CH" sz="2000" b="0" dirty="0">
+                <a:solidFill>
+                  <a:srgbClr val="3B3B3B"/>
+                </a:solidFill>
+                <a:effectLst/>
+                <a:latin typeface="Consolas" panose="020B0609020204030204" pitchFamily="49" charset="0"/>
+              </a:rPr>
+              <a:t> </a:t>
+            </a:r>
+            <a:r>
+              <a:rPr lang="de-CH" sz="2000" b="0" dirty="0">
+                <a:solidFill>
+                  <a:srgbClr val="000000"/>
+                </a:solidFill>
+                <a:effectLst/>
+                <a:latin typeface="Consolas" panose="020B0609020204030204" pitchFamily="49" charset="0"/>
+              </a:rPr>
+              <a:t>:</a:t>
+            </a:r>
+            <a:r>
+              <a:rPr lang="de-CH" sz="2000" b="0" dirty="0">
+                <a:solidFill>
+                  <a:srgbClr val="3B3B3B"/>
+                </a:solidFill>
+                <a:effectLst/>
+                <a:latin typeface="Consolas" panose="020B0609020204030204" pitchFamily="49" charset="0"/>
+              </a:rPr>
+              <a:t> </a:t>
+            </a:r>
+            <a:r>
+              <a:rPr lang="de-CH" sz="2000" b="0" dirty="0">
+                <a:solidFill>
                   <a:srgbClr val="0000FF"/>
                 </a:solidFill>
                 <a:effectLst/>
@@ -8779,14 +9946,24 @@
               <a:t> </a:t>
             </a:r>
             <a:r>
+              <a:rPr lang="de-CH" sz="2000" b="1" dirty="0" err="1">
+                <a:solidFill>
+                  <a:srgbClr val="3B3B3B"/>
+                </a:solidFill>
+                <a:effectLst/>
+                <a:latin typeface="Consolas" panose="020B0609020204030204" pitchFamily="49" charset="0"/>
+              </a:rPr>
+              <a:t>ProjektID</a:t>
+            </a:r>
+            <a:r>
               <a:rPr lang="de-CH" sz="2000" b="0" dirty="0">
                 <a:solidFill>
-                  <a:srgbClr val="0000FF"/>
-                </a:solidFill>
-                <a:effectLst/>
-                <a:latin typeface="Consolas" panose="020B0609020204030204" pitchFamily="49" charset="0"/>
-              </a:rPr>
-              <a:t>CONSTRAINT</a:t>
+                  <a:srgbClr val="000000"/>
+                </a:solidFill>
+                <a:effectLst/>
+                <a:latin typeface="Consolas" panose="020B0609020204030204" pitchFamily="49" charset="0"/>
+              </a:rPr>
+              <a:t>;</a:t>
             </a:r>
             <a:endParaRPr lang="de-CH" sz="2000" b="0" dirty="0">
               <a:solidFill>
@@ -8801,92 +9978,64 @@
               <a:buNone/>
             </a:pPr>
             <a:r>
-              <a:rPr lang="de-CH" sz="2000" dirty="0">
-                <a:solidFill>
-                  <a:srgbClr val="3B3B3B"/>
-                </a:solidFill>
+              <a:rPr lang="de-CH" sz="2000" b="0" dirty="0">
+                <a:solidFill>
+                  <a:srgbClr val="3B3B3B"/>
+                </a:solidFill>
+                <a:effectLst/>
+                <a:latin typeface="Consolas" panose="020B0609020204030204" pitchFamily="49" charset="0"/>
+              </a:rPr>
+              <a:t>  Bezeichnung </a:t>
+            </a:r>
+            <a:r>
+              <a:rPr lang="de-CH" sz="2000" b="0" dirty="0">
+                <a:solidFill>
+                  <a:srgbClr val="000000"/>
+                </a:solidFill>
+                <a:effectLst/>
+                <a:latin typeface="Consolas" panose="020B0609020204030204" pitchFamily="49" charset="0"/>
+              </a:rPr>
+              <a:t>:</a:t>
+            </a:r>
+            <a:r>
+              <a:rPr lang="de-CH" sz="2000" b="0" dirty="0">
+                <a:solidFill>
+                  <a:srgbClr val="3B3B3B"/>
+                </a:solidFill>
+                <a:effectLst/>
                 <a:latin typeface="Consolas" panose="020B0609020204030204" pitchFamily="49" charset="0"/>
               </a:rPr>
               <a:t> </a:t>
             </a:r>
             <a:r>
-              <a:rPr lang="de-CH" sz="2000" b="0" dirty="0" err="1">
-                <a:solidFill>
-                  <a:srgbClr val="3B3B3B"/>
-                </a:solidFill>
-                <a:effectLst/>
-                <a:latin typeface="Consolas" panose="020B0609020204030204" pitchFamily="49" charset="0"/>
-              </a:rPr>
-              <a:t>Text.matches</a:t>
-            </a:r>
-            <a:r>
               <a:rPr lang="de-CH" sz="2000" b="0" dirty="0">
                 <a:solidFill>
-                  <a:srgbClr val="3B3B3B"/>
-                </a:solidFill>
-                <a:effectLst/>
-                <a:latin typeface="Consolas" panose="020B0609020204030204" pitchFamily="49" charset="0"/>
-              </a:rPr>
-              <a:t>(</a:t>
+                  <a:srgbClr val="267F99"/>
+                </a:solidFill>
+                <a:effectLst/>
+                <a:latin typeface="Consolas" panose="020B0609020204030204" pitchFamily="49" charset="0"/>
+              </a:rPr>
+              <a:t>TEXT</a:t>
             </a:r>
             <a:r>
               <a:rPr lang="de-CH" sz="2000" b="0" dirty="0">
                 <a:solidFill>
-                  <a:srgbClr val="0000FF"/>
-                </a:solidFill>
-                <a:effectLst/>
-                <a:latin typeface="Consolas" panose="020B0609020204030204" pitchFamily="49" charset="0"/>
-              </a:rPr>
-              <a:t>THIS</a:t>
-            </a:r>
-            <a:r>
-              <a:rPr lang="de-CH" sz="2000" dirty="0">
-                <a:solidFill>
-                  <a:srgbClr val="3B3B3B"/>
-                </a:solidFill>
-                <a:latin typeface="Consolas" panose="020B0609020204030204" pitchFamily="49" charset="0"/>
-              </a:rPr>
-              <a:t>-&gt;</a:t>
-            </a:r>
-            <a:r>
-              <a:rPr lang="de-CH" sz="2000" b="0" dirty="0" err="1">
-                <a:solidFill>
-                  <a:srgbClr val="3B3B3B"/>
-                </a:solidFill>
-                <a:effectLst/>
-                <a:latin typeface="Consolas" panose="020B0609020204030204" pitchFamily="49" charset="0"/>
-              </a:rPr>
-              <a:t>ProjektNummer</a:t>
+                  <a:srgbClr val="3B3B3B"/>
+                </a:solidFill>
+                <a:effectLst/>
+                <a:latin typeface="Consolas" panose="020B0609020204030204" pitchFamily="49" charset="0"/>
+              </a:rPr>
+              <a:t>*</a:t>
             </a:r>
             <a:r>
               <a:rPr lang="de-CH" sz="2000" b="0" dirty="0">
                 <a:solidFill>
-                  <a:srgbClr val="3B3B3B"/>
-                </a:solidFill>
-                <a:effectLst/>
-                <a:latin typeface="Consolas" panose="020B0609020204030204" pitchFamily="49" charset="0"/>
-              </a:rPr>
-              <a:t>, </a:t>
-            </a:r>
-            <a:r>
-              <a:rPr lang="de-CH" sz="2000" b="0" dirty="0">
-                <a:solidFill>
-                  <a:srgbClr val="A31515"/>
-                </a:solidFill>
-                <a:effectLst/>
-                <a:latin typeface="Consolas" panose="020B0609020204030204" pitchFamily="49" charset="0"/>
-              </a:rPr>
-              <a:t>"^[0-9]{4}-[A-Z]{2}$"</a:t>
-            </a:r>
-            <a:r>
-              <a:rPr lang="de-CH" sz="2000" b="0" dirty="0">
-                <a:solidFill>
-                  <a:srgbClr val="3B3B3B"/>
-                </a:solidFill>
-                <a:effectLst/>
-                <a:latin typeface="Consolas" panose="020B0609020204030204" pitchFamily="49" charset="0"/>
-              </a:rPr>
-              <a:t>)</a:t>
+                  <a:srgbClr val="098658"/>
+                </a:solidFill>
+                <a:effectLst/>
+                <a:latin typeface="Consolas" panose="020B0609020204030204" pitchFamily="49" charset="0"/>
+              </a:rPr>
+              <a:t>200</a:t>
             </a:r>
             <a:r>
               <a:rPr lang="de-CH" sz="2000" b="0" dirty="0">
@@ -8907,7 +10056,295 @@
             </a:endParaRPr>
           </a:p>
           <a:p>
-            <a:endParaRPr lang="de-CH" sz="4400" dirty="0"/>
+            <a:pPr marL="0" indent="0">
+              <a:buNone/>
+            </a:pPr>
+            <a:r>
+              <a:rPr lang="de-CH" sz="2000" b="0" dirty="0">
+                <a:solidFill>
+                  <a:srgbClr val="3B3B3B"/>
+                </a:solidFill>
+                <a:effectLst/>
+                <a:latin typeface="Consolas" panose="020B0609020204030204" pitchFamily="49" charset="0"/>
+              </a:rPr>
+              <a:t>  Status </a:t>
+            </a:r>
+            <a:r>
+              <a:rPr lang="de-CH" sz="2000" b="0" dirty="0">
+                <a:solidFill>
+                  <a:srgbClr val="000000"/>
+                </a:solidFill>
+                <a:effectLst/>
+                <a:latin typeface="Consolas" panose="020B0609020204030204" pitchFamily="49" charset="0"/>
+              </a:rPr>
+              <a:t>:</a:t>
+            </a:r>
+            <a:r>
+              <a:rPr lang="de-CH" sz="2000" b="0" dirty="0">
+                <a:solidFill>
+                  <a:srgbClr val="3B3B3B"/>
+                </a:solidFill>
+                <a:effectLst/>
+                <a:latin typeface="Consolas" panose="020B0609020204030204" pitchFamily="49" charset="0"/>
+              </a:rPr>
+              <a:t> </a:t>
+            </a:r>
+            <a:r>
+              <a:rPr lang="de-CH" sz="2000" b="0" dirty="0">
+                <a:solidFill>
+                  <a:srgbClr val="0000FF"/>
+                </a:solidFill>
+                <a:effectLst/>
+                <a:latin typeface="Consolas" panose="020B0609020204030204" pitchFamily="49" charset="0"/>
+              </a:rPr>
+              <a:t>MANDATORY</a:t>
+            </a:r>
+            <a:r>
+              <a:rPr lang="de-CH" sz="2000" b="0" dirty="0">
+                <a:solidFill>
+                  <a:srgbClr val="3B3B3B"/>
+                </a:solidFill>
+                <a:effectLst/>
+                <a:latin typeface="Consolas" panose="020B0609020204030204" pitchFamily="49" charset="0"/>
+              </a:rPr>
+              <a:t> (</a:t>
+            </a:r>
+            <a:r>
+              <a:rPr lang="de-CH" sz="2000" b="0" dirty="0" err="1">
+                <a:solidFill>
+                  <a:srgbClr val="3B3B3B"/>
+                </a:solidFill>
+                <a:effectLst/>
+                <a:latin typeface="Consolas" panose="020B0609020204030204" pitchFamily="49" charset="0"/>
+              </a:rPr>
+              <a:t>geplant,laufend,abgeschlossen</a:t>
+            </a:r>
+            <a:r>
+              <a:rPr lang="de-CH" sz="2000" b="0" dirty="0">
+                <a:solidFill>
+                  <a:srgbClr val="3B3B3B"/>
+                </a:solidFill>
+                <a:effectLst/>
+                <a:latin typeface="Consolas" panose="020B0609020204030204" pitchFamily="49" charset="0"/>
+              </a:rPr>
+              <a:t>)</a:t>
+            </a:r>
+            <a:r>
+              <a:rPr lang="de-CH" sz="2000" b="0" dirty="0">
+                <a:solidFill>
+                  <a:srgbClr val="000000"/>
+                </a:solidFill>
+                <a:effectLst/>
+                <a:latin typeface="Consolas" panose="020B0609020204030204" pitchFamily="49" charset="0"/>
+              </a:rPr>
+              <a:t>;</a:t>
+            </a:r>
+            <a:endParaRPr lang="de-CH" sz="2000" b="0" dirty="0">
+              <a:solidFill>
+                <a:srgbClr val="3B3B3B"/>
+              </a:solidFill>
+              <a:effectLst/>
+              <a:latin typeface="Consolas" panose="020B0609020204030204" pitchFamily="49" charset="0"/>
+            </a:endParaRPr>
+          </a:p>
+          <a:p>
+            <a:pPr marL="0" indent="0">
+              <a:buNone/>
+            </a:pPr>
+            <a:r>
+              <a:rPr lang="de-CH" sz="2000" b="0" dirty="0">
+                <a:solidFill>
+                  <a:srgbClr val="3B3B3B"/>
+                </a:solidFill>
+                <a:effectLst/>
+                <a:latin typeface="Consolas" panose="020B0609020204030204" pitchFamily="49" charset="0"/>
+              </a:rPr>
+              <a:t>  Eigenschaften </a:t>
+            </a:r>
+            <a:r>
+              <a:rPr lang="de-CH" sz="2000" b="0" dirty="0">
+                <a:solidFill>
+                  <a:srgbClr val="000000"/>
+                </a:solidFill>
+                <a:effectLst/>
+                <a:latin typeface="Consolas" panose="020B0609020204030204" pitchFamily="49" charset="0"/>
+              </a:rPr>
+              <a:t>:</a:t>
+            </a:r>
+            <a:r>
+              <a:rPr lang="de-CH" sz="2000" b="0" dirty="0">
+                <a:solidFill>
+                  <a:srgbClr val="3B3B3B"/>
+                </a:solidFill>
+                <a:effectLst/>
+                <a:latin typeface="Consolas" panose="020B0609020204030204" pitchFamily="49" charset="0"/>
+              </a:rPr>
+              <a:t> </a:t>
+            </a:r>
+            <a:r>
+              <a:rPr lang="de-CH" sz="2000" b="0" dirty="0">
+                <a:solidFill>
+                  <a:srgbClr val="0000FF"/>
+                </a:solidFill>
+                <a:effectLst/>
+                <a:latin typeface="Consolas" panose="020B0609020204030204" pitchFamily="49" charset="0"/>
+              </a:rPr>
+              <a:t>BAG</a:t>
+            </a:r>
+            <a:r>
+              <a:rPr lang="de-CH" sz="2000" b="0" dirty="0">
+                <a:solidFill>
+                  <a:srgbClr val="3B3B3B"/>
+                </a:solidFill>
+                <a:effectLst/>
+                <a:latin typeface="Consolas" panose="020B0609020204030204" pitchFamily="49" charset="0"/>
+              </a:rPr>
+              <a:t> {0..</a:t>
+            </a:r>
+            <a:r>
+              <a:rPr lang="de-CH" sz="2000" b="0" dirty="0">
+                <a:solidFill>
+                  <a:srgbClr val="098658"/>
+                </a:solidFill>
+                <a:effectLst/>
+                <a:latin typeface="Consolas" panose="020B0609020204030204" pitchFamily="49" charset="0"/>
+              </a:rPr>
+              <a:t>3</a:t>
+            </a:r>
+            <a:r>
+              <a:rPr lang="de-CH" sz="2000" b="0" dirty="0">
+                <a:solidFill>
+                  <a:srgbClr val="3B3B3B"/>
+                </a:solidFill>
+                <a:effectLst/>
+                <a:latin typeface="Consolas" panose="020B0609020204030204" pitchFamily="49" charset="0"/>
+              </a:rPr>
+              <a:t>} </a:t>
+            </a:r>
+            <a:r>
+              <a:rPr lang="de-CH" sz="2000" b="0" dirty="0">
+                <a:solidFill>
+                  <a:srgbClr val="0000FF"/>
+                </a:solidFill>
+                <a:effectLst/>
+                <a:latin typeface="Consolas" panose="020B0609020204030204" pitchFamily="49" charset="0"/>
+              </a:rPr>
+              <a:t>OF</a:t>
+            </a:r>
+            <a:r>
+              <a:rPr lang="de-CH" sz="2000" b="0" dirty="0">
+                <a:solidFill>
+                  <a:srgbClr val="3B3B3B"/>
+                </a:solidFill>
+                <a:effectLst/>
+                <a:latin typeface="Consolas" panose="020B0609020204030204" pitchFamily="49" charset="0"/>
+              </a:rPr>
+              <a:t> </a:t>
+            </a:r>
+            <a:r>
+              <a:rPr lang="de-CH" sz="2000" b="0" dirty="0">
+                <a:solidFill>
+                  <a:srgbClr val="267F99"/>
+                </a:solidFill>
+                <a:effectLst/>
+                <a:latin typeface="Consolas" panose="020B0609020204030204" pitchFamily="49" charset="0"/>
+              </a:rPr>
+              <a:t>TEXT</a:t>
+            </a:r>
+            <a:r>
+              <a:rPr lang="de-CH" sz="2000" b="0" dirty="0">
+                <a:solidFill>
+                  <a:srgbClr val="3B3B3B"/>
+                </a:solidFill>
+                <a:effectLst/>
+                <a:latin typeface="Consolas" panose="020B0609020204030204" pitchFamily="49" charset="0"/>
+              </a:rPr>
+              <a:t>*</a:t>
+            </a:r>
+            <a:r>
+              <a:rPr lang="de-CH" sz="2000" b="0" dirty="0">
+                <a:solidFill>
+                  <a:srgbClr val="098658"/>
+                </a:solidFill>
+                <a:effectLst/>
+                <a:latin typeface="Consolas" panose="020B0609020204030204" pitchFamily="49" charset="0"/>
+              </a:rPr>
+              <a:t>50</a:t>
+            </a:r>
+            <a:r>
+              <a:rPr lang="de-CH" sz="2000" b="0" dirty="0">
+                <a:solidFill>
+                  <a:srgbClr val="000000"/>
+                </a:solidFill>
+                <a:effectLst/>
+                <a:latin typeface="Consolas" panose="020B0609020204030204" pitchFamily="49" charset="0"/>
+              </a:rPr>
+              <a:t>;</a:t>
+            </a:r>
+            <a:endParaRPr lang="de-CH" sz="2000" b="0" dirty="0">
+              <a:solidFill>
+                <a:srgbClr val="3B3B3B"/>
+              </a:solidFill>
+              <a:effectLst/>
+              <a:latin typeface="Consolas" panose="020B0609020204030204" pitchFamily="49" charset="0"/>
+            </a:endParaRPr>
+          </a:p>
+          <a:p>
+            <a:pPr marL="0" indent="0">
+              <a:buNone/>
+            </a:pPr>
+            <a:r>
+              <a:rPr lang="de-CH" sz="2000" b="0" dirty="0">
+                <a:solidFill>
+                  <a:srgbClr val="0000FF"/>
+                </a:solidFill>
+                <a:effectLst/>
+                <a:latin typeface="Consolas" panose="020B0609020204030204" pitchFamily="49" charset="0"/>
+              </a:rPr>
+              <a:t>END</a:t>
+            </a:r>
+            <a:r>
+              <a:rPr lang="de-CH" sz="2000" b="0" dirty="0">
+                <a:solidFill>
+                  <a:srgbClr val="3B3B3B"/>
+                </a:solidFill>
+                <a:effectLst/>
+                <a:latin typeface="Consolas" panose="020B0609020204030204" pitchFamily="49" charset="0"/>
+              </a:rPr>
+              <a:t> Projekt</a:t>
+            </a:r>
+            <a:r>
+              <a:rPr lang="de-CH" sz="2000" b="0" dirty="0">
+                <a:solidFill>
+                  <a:srgbClr val="000000"/>
+                </a:solidFill>
+                <a:effectLst/>
+                <a:latin typeface="Consolas" panose="020B0609020204030204" pitchFamily="49" charset="0"/>
+              </a:rPr>
+              <a:t>;</a:t>
+            </a:r>
+            <a:endParaRPr lang="de-CH" sz="2000" b="0" dirty="0">
+              <a:solidFill>
+                <a:srgbClr val="3B3B3B"/>
+              </a:solidFill>
+              <a:effectLst/>
+              <a:latin typeface="Consolas" panose="020B0609020204030204" pitchFamily="49" charset="0"/>
+            </a:endParaRPr>
+          </a:p>
+          <a:p>
+            <a:pPr marL="0" indent="0">
+              <a:buNone/>
+            </a:pPr>
+            <a:endParaRPr lang="en-US" sz="2000" b="0" dirty="0">
+              <a:solidFill>
+                <a:srgbClr val="3B3B3B"/>
+              </a:solidFill>
+              <a:effectLst/>
+              <a:latin typeface="Consolas" panose="020B0609020204030204" pitchFamily="49" charset="0"/>
+            </a:endParaRPr>
+          </a:p>
+          <a:p>
+            <a:endParaRPr lang="de-CH" dirty="0"/>
           </a:p>
         </p:txBody>
       </p:sp>
@@ -8950,10 +10387,10 @@
       </p:sp>
       <p:sp>
         <p:nvSpPr>
-          <p:cNvPr id="6" name="Footer Placeholder 5">
+          <p:cNvPr id="11" name="Footer Placeholder 5">
             <a:extLst>
               <a:ext uri="{FF2B5EF4-FFF2-40B4-BE49-F238E27FC236}">
-                <a16:creationId xmlns:a16="http://schemas.microsoft.com/office/drawing/2014/main" id="{EF688993-A845-F894-05D5-326E40D8B76F}"/>
+                <a16:creationId xmlns:a16="http://schemas.microsoft.com/office/drawing/2014/main" id="{24EBF7A8-B4A2-B709-7299-77A7A790AE00}"/>
               </a:ext>
             </a:extLst>
           </p:cNvPr>
@@ -8978,19 +10415,26 @@
               <a:defRPr/>
             </a:pPr>
             <a:r>
-              <a:rPr lang="de-CH"/>
-              <a:t>Ilicop UserGroup</a:t>
-            </a:r>
-            <a:endParaRPr lang="de-CH" dirty="0"/>
-          </a:p>
-        </p:txBody>
-      </p:sp>
-      <p:sp>
-        <p:nvSpPr>
-          <p:cNvPr id="7" name="Slide Number Placeholder 6">
+              <a:rPr lang="de-CH" dirty="0"/>
+              <a:t>3. INTERLS </a:t>
+            </a:r>
+            <a:r>
+              <a:rPr lang="de-CH" dirty="0" err="1"/>
+              <a:t>Anwender:Innen</a:t>
+            </a:r>
+            <a:r>
+              <a:rPr lang="de-CH" dirty="0"/>
+              <a:t> Treffen</a:t>
+            </a:r>
+          </a:p>
+        </p:txBody>
+      </p:sp>
+      <p:sp>
+        <p:nvSpPr>
+          <p:cNvPr id="12" name="Slide Number Placeholder 6">
             <a:extLst>
               <a:ext uri="{FF2B5EF4-FFF2-40B4-BE49-F238E27FC236}">
-                <a16:creationId xmlns:a16="http://schemas.microsoft.com/office/drawing/2014/main" id="{6BCB129F-C539-AC69-A7D6-A4D14EBA0A9C}"/>
+                <a16:creationId xmlns:a16="http://schemas.microsoft.com/office/drawing/2014/main" id="{CA3C41D7-97D2-1667-18FC-3319A6C06BB5}"/>
               </a:ext>
             </a:extLst>
           </p:cNvPr>
@@ -9025,10 +10469,64 @@
           </a:p>
         </p:txBody>
       </p:sp>
+      <p:sp>
+        <p:nvSpPr>
+          <p:cNvPr id="7" name="Rectangle 6">
+            <a:extLst>
+              <a:ext uri="{FF2B5EF4-FFF2-40B4-BE49-F238E27FC236}">
+                <a16:creationId xmlns:a16="http://schemas.microsoft.com/office/drawing/2014/main" id="{48EA05EE-EE7D-7E39-4A53-DE2EBF1FE334}"/>
+              </a:ext>
+            </a:extLst>
+          </p:cNvPr>
+          <p:cNvSpPr/>
+          <p:nvPr/>
+        </p:nvSpPr>
+        <p:spPr>
+          <a:xfrm>
+            <a:off x="611560" y="4077072"/>
+            <a:ext cx="7848872" cy="1080120"/>
+          </a:xfrm>
+          <a:prstGeom prst="rect">
+            <a:avLst/>
+          </a:prstGeom>
+          <a:solidFill>
+            <a:srgbClr val="FFFFFF">
+              <a:alpha val="63922"/>
+            </a:srgbClr>
+          </a:solidFill>
+          <a:ln>
+            <a:noFill/>
+          </a:ln>
+        </p:spPr>
+        <p:style>
+          <a:lnRef idx="2">
+            <a:schemeClr val="accent1">
+              <a:shade val="15000"/>
+            </a:schemeClr>
+          </a:lnRef>
+          <a:fillRef idx="1">
+            <a:schemeClr val="accent1"/>
+          </a:fillRef>
+          <a:effectRef idx="0">
+            <a:schemeClr val="accent1"/>
+          </a:effectRef>
+          <a:fontRef idx="minor">
+            <a:schemeClr val="lt1"/>
+          </a:fontRef>
+        </p:style>
+        <p:txBody>
+          <a:bodyPr rtlCol="0" anchor="ctr"/>
+          <a:lstStyle/>
+          <a:p>
+            <a:pPr algn="ctr"/>
+            <a:endParaRPr lang="de-CH"/>
+          </a:p>
+        </p:txBody>
+      </p:sp>
     </p:spTree>
     <p:extLst>
       <p:ext uri="{BB962C8B-B14F-4D97-AF65-F5344CB8AC3E}">
-        <p14:creationId xmlns:p14="http://schemas.microsoft.com/office/powerpoint/2010/main" val="4138670376"/>
+        <p14:creationId xmlns:p14="http://schemas.microsoft.com/office/powerpoint/2010/main" val="1131524057"/>
       </p:ext>
     </p:extLst>
   </p:cSld>
@@ -9129,200 +10627,15 @@
             <a:pPr marL="0" indent="0">
               <a:buNone/>
             </a:pPr>
-            <a:endParaRPr lang="de-CH" sz="2000" b="0" dirty="0">
-              <a:solidFill>
-                <a:srgbClr val="0000FF"/>
-              </a:solidFill>
-              <a:effectLst/>
-              <a:latin typeface="Consolas" panose="020B0609020204030204" pitchFamily="49" charset="0"/>
-            </a:endParaRPr>
-          </a:p>
-          <a:p>
-            <a:pPr marL="0" indent="0">
-              <a:buNone/>
-            </a:pPr>
             <a:r>
               <a:rPr lang="de-CH" sz="2000" b="0" dirty="0">
                 <a:solidFill>
-                  <a:srgbClr val="0000FF"/>
-                </a:solidFill>
-                <a:effectLst/>
-                <a:latin typeface="Consolas" panose="020B0609020204030204" pitchFamily="49" charset="0"/>
-              </a:rPr>
-              <a:t>MANDATORY</a:t>
-            </a:r>
-            <a:r>
-              <a:rPr lang="de-CH" sz="2000" b="0" dirty="0">
-                <a:solidFill>
-                  <a:srgbClr val="3B3B3B"/>
-                </a:solidFill>
-                <a:effectLst/>
-                <a:latin typeface="Consolas" panose="020B0609020204030204" pitchFamily="49" charset="0"/>
-              </a:rPr>
-              <a:t> </a:t>
-            </a:r>
-            <a:r>
-              <a:rPr lang="de-CH" sz="2000" b="0" dirty="0">
-                <a:solidFill>
-                  <a:srgbClr val="0000FF"/>
-                </a:solidFill>
-                <a:effectLst/>
-                <a:latin typeface="Consolas" panose="020B0609020204030204" pitchFamily="49" charset="0"/>
-              </a:rPr>
-              <a:t>CONSTRAINT</a:t>
-            </a:r>
-            <a:r>
-              <a:rPr lang="de-CH" sz="2000" b="0" dirty="0">
-                <a:solidFill>
-                  <a:srgbClr val="3B3B3B"/>
-                </a:solidFill>
-                <a:effectLst/>
-                <a:latin typeface="Consolas" panose="020B0609020204030204" pitchFamily="49" charset="0"/>
-              </a:rPr>
-              <a:t> </a:t>
-            </a:r>
-            <a:r>
-              <a:rPr lang="de-CH" sz="2000" b="0" dirty="0" err="1">
-                <a:solidFill>
-                  <a:srgbClr val="3B3B3B"/>
-                </a:solidFill>
-                <a:effectLst/>
-                <a:latin typeface="Consolas" panose="020B0609020204030204" pitchFamily="49" charset="0"/>
-              </a:rPr>
-              <a:t>SAPProjNr</a:t>
-            </a:r>
-            <a:r>
-              <a:rPr lang="de-CH" sz="2000" b="0" dirty="0">
-                <a:solidFill>
-                  <a:srgbClr val="3B3B3B"/>
-                </a:solidFill>
-                <a:effectLst/>
-                <a:latin typeface="Consolas" panose="020B0609020204030204" pitchFamily="49" charset="0"/>
-              </a:rPr>
-              <a:t> </a:t>
-            </a:r>
-            <a:r>
-              <a:rPr lang="de-CH" sz="2000" b="0" dirty="0">
-                <a:solidFill>
-                  <a:srgbClr val="000000"/>
-                </a:solidFill>
-                <a:effectLst/>
-                <a:latin typeface="Consolas" panose="020B0609020204030204" pitchFamily="49" charset="0"/>
-              </a:rPr>
-              <a:t>:</a:t>
-            </a:r>
-            <a:r>
-              <a:rPr lang="de-CH" sz="2000" b="0" dirty="0">
-                <a:solidFill>
-                  <a:srgbClr val="3B3B3B"/>
-                </a:solidFill>
-                <a:effectLst/>
-                <a:latin typeface="Consolas" panose="020B0609020204030204" pitchFamily="49" charset="0"/>
-              </a:rPr>
-              <a:t> </a:t>
-            </a:r>
-          </a:p>
-          <a:p>
-            <a:pPr marL="0" indent="0">
-              <a:buNone/>
-            </a:pPr>
-            <a:r>
-              <a:rPr lang="de-CH" sz="2000" dirty="0">
-                <a:solidFill>
-                  <a:srgbClr val="3B3B3B"/>
-                </a:solidFill>
-                <a:latin typeface="Consolas" panose="020B0609020204030204" pitchFamily="49" charset="0"/>
-              </a:rPr>
-              <a:t> </a:t>
-            </a:r>
-            <a:r>
-              <a:rPr lang="de-CH" sz="2000" b="0" dirty="0" err="1">
-                <a:solidFill>
-                  <a:srgbClr val="3B3B3B"/>
-                </a:solidFill>
-                <a:effectLst/>
-                <a:latin typeface="Consolas" panose="020B0609020204030204" pitchFamily="49" charset="0"/>
-              </a:rPr>
-              <a:t>Text.matches</a:t>
-            </a:r>
-            <a:r>
-              <a:rPr lang="de-CH" sz="2000" b="0" dirty="0">
-                <a:solidFill>
-                  <a:srgbClr val="3B3B3B"/>
-                </a:solidFill>
-                <a:effectLst/>
-                <a:latin typeface="Consolas" panose="020B0609020204030204" pitchFamily="49" charset="0"/>
-              </a:rPr>
-              <a:t>(</a:t>
-            </a:r>
-            <a:r>
-              <a:rPr lang="de-CH" sz="2000" b="0" dirty="0">
-                <a:solidFill>
-                  <a:srgbClr val="0000FF"/>
-                </a:solidFill>
-                <a:effectLst/>
-                <a:latin typeface="Consolas" panose="020B0609020204030204" pitchFamily="49" charset="0"/>
-              </a:rPr>
-              <a:t>THIS</a:t>
-            </a:r>
-            <a:r>
-              <a:rPr lang="de-CH" sz="2000" dirty="0">
-                <a:solidFill>
-                  <a:srgbClr val="3B3B3B"/>
-                </a:solidFill>
-                <a:latin typeface="Consolas" panose="020B0609020204030204" pitchFamily="49" charset="0"/>
-              </a:rPr>
-              <a:t>-&gt;</a:t>
-            </a:r>
-            <a:r>
-              <a:rPr lang="de-CH" sz="2000" b="0" dirty="0" err="1">
-                <a:solidFill>
-                  <a:srgbClr val="3B3B3B"/>
-                </a:solidFill>
-                <a:effectLst/>
-                <a:latin typeface="Consolas" panose="020B0609020204030204" pitchFamily="49" charset="0"/>
-              </a:rPr>
-              <a:t>ProjektNummer</a:t>
-            </a:r>
-            <a:r>
-              <a:rPr lang="de-CH" sz="2000" b="0" dirty="0">
-                <a:solidFill>
-                  <a:srgbClr val="3B3B3B"/>
-                </a:solidFill>
-                <a:effectLst/>
-                <a:latin typeface="Consolas" panose="020B0609020204030204" pitchFamily="49" charset="0"/>
-              </a:rPr>
-              <a:t>, </a:t>
-            </a:r>
-            <a:r>
-              <a:rPr lang="de-CH" sz="2000" b="0" dirty="0">
-                <a:solidFill>
-                  <a:srgbClr val="A31515"/>
-                </a:solidFill>
-                <a:effectLst/>
-                <a:latin typeface="Consolas" panose="020B0609020204030204" pitchFamily="49" charset="0"/>
-              </a:rPr>
-              <a:t>"^[0-9]{4}-[A-Z]{2}$"</a:t>
-            </a:r>
-            <a:r>
-              <a:rPr lang="de-CH" sz="2000" b="0" dirty="0">
-                <a:solidFill>
-                  <a:srgbClr val="3B3B3B"/>
-                </a:solidFill>
-                <a:effectLst/>
-                <a:latin typeface="Consolas" panose="020B0609020204030204" pitchFamily="49" charset="0"/>
-              </a:rPr>
-              <a:t>)</a:t>
-            </a:r>
-            <a:r>
-              <a:rPr lang="de-CH" sz="2000" b="0" dirty="0">
-                <a:solidFill>
-                  <a:srgbClr val="000000"/>
-                </a:solidFill>
-                <a:effectLst/>
-                <a:latin typeface="Consolas" panose="020B0609020204030204" pitchFamily="49" charset="0"/>
-              </a:rPr>
-              <a:t>;</a:t>
+                  <a:srgbClr val="008000"/>
+                </a:solidFill>
+                <a:effectLst/>
+                <a:latin typeface="Consolas" panose="020B0609020204030204" pitchFamily="49" charset="0"/>
+              </a:rPr>
+              <a:t>!!@name=SAPProjNr</a:t>
             </a:r>
             <a:endParaRPr lang="de-CH" sz="2000" b="0" dirty="0">
               <a:solidFill>
@@ -9333,6 +10646,158 @@
             </a:endParaRPr>
           </a:p>
           <a:p>
+            <a:pPr marL="0" indent="0">
+              <a:buNone/>
+            </a:pPr>
+            <a:r>
+              <a:rPr lang="de-CH" sz="2000" b="0" dirty="0">
+                <a:solidFill>
+                  <a:srgbClr val="0000FF"/>
+                </a:solidFill>
+                <a:effectLst/>
+                <a:latin typeface="Consolas" panose="020B0609020204030204" pitchFamily="49" charset="0"/>
+              </a:rPr>
+              <a:t>MANDATORY</a:t>
+            </a:r>
+            <a:r>
+              <a:rPr lang="de-CH" sz="2000" b="0" dirty="0">
+                <a:solidFill>
+                  <a:srgbClr val="3B3B3B"/>
+                </a:solidFill>
+                <a:effectLst/>
+                <a:latin typeface="Consolas" panose="020B0609020204030204" pitchFamily="49" charset="0"/>
+              </a:rPr>
+              <a:t> </a:t>
+            </a:r>
+            <a:r>
+              <a:rPr lang="de-CH" sz="2000" b="0" dirty="0">
+                <a:solidFill>
+                  <a:srgbClr val="0000FF"/>
+                </a:solidFill>
+                <a:effectLst/>
+                <a:latin typeface="Consolas" panose="020B0609020204030204" pitchFamily="49" charset="0"/>
+              </a:rPr>
+              <a:t>CONSTRAINT</a:t>
+            </a:r>
+            <a:endParaRPr lang="de-CH" sz="2000" b="0" dirty="0">
+              <a:solidFill>
+                <a:srgbClr val="3B3B3B"/>
+              </a:solidFill>
+              <a:effectLst/>
+              <a:latin typeface="Consolas" panose="020B0609020204030204" pitchFamily="49" charset="0"/>
+            </a:endParaRPr>
+          </a:p>
+          <a:p>
+            <a:pPr marL="0" indent="0">
+              <a:buNone/>
+            </a:pPr>
+            <a:r>
+              <a:rPr lang="de-CH" sz="2000" dirty="0">
+                <a:solidFill>
+                  <a:srgbClr val="3B3B3B"/>
+                </a:solidFill>
+                <a:latin typeface="Consolas" panose="020B0609020204030204" pitchFamily="49" charset="0"/>
+              </a:rPr>
+              <a:t> </a:t>
+            </a:r>
+            <a:r>
+              <a:rPr lang="de-CH" sz="2000" b="0" dirty="0" err="1">
+                <a:solidFill>
+                  <a:srgbClr val="3B3B3B"/>
+                </a:solidFill>
+                <a:effectLst/>
+                <a:latin typeface="Consolas" panose="020B0609020204030204" pitchFamily="49" charset="0"/>
+              </a:rPr>
+              <a:t>Text.matches</a:t>
+            </a:r>
+            <a:r>
+              <a:rPr lang="de-CH" sz="2000" b="0" dirty="0">
+                <a:solidFill>
+                  <a:srgbClr val="3B3B3B"/>
+                </a:solidFill>
+                <a:effectLst/>
+                <a:latin typeface="Consolas" panose="020B0609020204030204" pitchFamily="49" charset="0"/>
+              </a:rPr>
+              <a:t>(</a:t>
+            </a:r>
+            <a:r>
+              <a:rPr lang="de-CH" sz="2000" b="0" dirty="0">
+                <a:solidFill>
+                  <a:srgbClr val="0000FF"/>
+                </a:solidFill>
+                <a:effectLst/>
+                <a:latin typeface="Consolas" panose="020B0609020204030204" pitchFamily="49" charset="0"/>
+              </a:rPr>
+              <a:t>THIS</a:t>
+            </a:r>
+            <a:r>
+              <a:rPr lang="de-CH" sz="2000" dirty="0">
+                <a:solidFill>
+                  <a:srgbClr val="3B3B3B"/>
+                </a:solidFill>
+                <a:latin typeface="Consolas" panose="020B0609020204030204" pitchFamily="49" charset="0"/>
+              </a:rPr>
+              <a:t>-&gt;</a:t>
+            </a:r>
+            <a:r>
+              <a:rPr lang="de-CH" sz="2000" b="0" dirty="0" err="1">
+                <a:solidFill>
+                  <a:srgbClr val="3B3B3B"/>
+                </a:solidFill>
+                <a:effectLst/>
+                <a:latin typeface="Consolas" panose="020B0609020204030204" pitchFamily="49" charset="0"/>
+              </a:rPr>
+              <a:t>ProjektNummer</a:t>
+            </a:r>
+            <a:r>
+              <a:rPr lang="de-CH" sz="2000" b="0" dirty="0">
+                <a:solidFill>
+                  <a:srgbClr val="3B3B3B"/>
+                </a:solidFill>
+                <a:effectLst/>
+                <a:latin typeface="Consolas" panose="020B0609020204030204" pitchFamily="49" charset="0"/>
+              </a:rPr>
+              <a:t>, </a:t>
+            </a:r>
+            <a:r>
+              <a:rPr lang="de-CH" sz="2000" b="0" dirty="0">
+                <a:solidFill>
+                  <a:srgbClr val="A31515"/>
+                </a:solidFill>
+                <a:effectLst/>
+                <a:latin typeface="Consolas" panose="020B0609020204030204" pitchFamily="49" charset="0"/>
+              </a:rPr>
+              <a:t>"^[0-9]{4}-[A-Z]{2}$"</a:t>
+            </a:r>
+            <a:r>
+              <a:rPr lang="de-CH" sz="2000" b="0" dirty="0">
+                <a:solidFill>
+                  <a:srgbClr val="3B3B3B"/>
+                </a:solidFill>
+                <a:effectLst/>
+                <a:latin typeface="Consolas" panose="020B0609020204030204" pitchFamily="49" charset="0"/>
+              </a:rPr>
+              <a:t>)</a:t>
+            </a:r>
+            <a:r>
+              <a:rPr lang="de-CH" sz="2000" b="0" dirty="0">
+                <a:solidFill>
+                  <a:srgbClr val="000000"/>
+                </a:solidFill>
+                <a:effectLst/>
+                <a:latin typeface="Consolas" panose="020B0609020204030204" pitchFamily="49" charset="0"/>
+              </a:rPr>
+              <a:t>;</a:t>
+            </a:r>
+            <a:endParaRPr lang="de-CH" sz="2000" b="0" dirty="0">
+              <a:solidFill>
+                <a:srgbClr val="3B3B3B"/>
+              </a:solidFill>
+              <a:effectLst/>
+              <a:latin typeface="Consolas" panose="020B0609020204030204" pitchFamily="49" charset="0"/>
+            </a:endParaRPr>
+          </a:p>
+          <a:p>
             <a:endParaRPr lang="de-CH" sz="4400" dirty="0"/>
           </a:p>
         </p:txBody>
@@ -9376,10 +10841,10 @@
       </p:sp>
       <p:sp>
         <p:nvSpPr>
-          <p:cNvPr id="4" name="Footer Placeholder 5">
+          <p:cNvPr id="6" name="Footer Placeholder 5">
             <a:extLst>
               <a:ext uri="{FF2B5EF4-FFF2-40B4-BE49-F238E27FC236}">
-                <a16:creationId xmlns:a16="http://schemas.microsoft.com/office/drawing/2014/main" id="{972C444B-8D4B-533E-B7EE-386A91C46AAF}"/>
+                <a16:creationId xmlns:a16="http://schemas.microsoft.com/office/drawing/2014/main" id="{EF688993-A845-F894-05D5-326E40D8B76F}"/>
               </a:ext>
             </a:extLst>
           </p:cNvPr>
@@ -9404,26 +10869,19 @@
               <a:defRPr/>
             </a:pPr>
             <a:r>
-              <a:rPr lang="de-CH" dirty="0"/>
-              <a:t>3. INTERLS </a:t>
-            </a:r>
-            <a:r>
-              <a:rPr lang="de-CH" dirty="0" err="1"/>
-              <a:t>Anwender:Innen</a:t>
-            </a:r>
-            <a:r>
-              <a:rPr lang="de-CH" dirty="0"/>
-              <a:t> Treffen</a:t>
-            </a:r>
-          </a:p>
-        </p:txBody>
-      </p:sp>
-      <p:sp>
-        <p:nvSpPr>
-          <p:cNvPr id="8" name="Slide Number Placeholder 6">
+              <a:rPr lang="de-CH"/>
+              <a:t>Ilicop UserGroup</a:t>
+            </a:r>
+            <a:endParaRPr lang="de-CH" dirty="0"/>
+          </a:p>
+        </p:txBody>
+      </p:sp>
+      <p:sp>
+        <p:nvSpPr>
+          <p:cNvPr id="7" name="Slide Number Placeholder 6">
             <a:extLst>
               <a:ext uri="{FF2B5EF4-FFF2-40B4-BE49-F238E27FC236}">
-                <a16:creationId xmlns:a16="http://schemas.microsoft.com/office/drawing/2014/main" id="{69165EFD-6D3F-D097-21D5-408573D7DA72}"/>
+                <a16:creationId xmlns:a16="http://schemas.microsoft.com/office/drawing/2014/main" id="{6BCB129F-C539-AC69-A7D6-A4D14EBA0A9C}"/>
               </a:ext>
             </a:extLst>
           </p:cNvPr>
@@ -9461,16 +10919,13 @@
     </p:spTree>
     <p:extLst>
       <p:ext uri="{BB962C8B-B14F-4D97-AF65-F5344CB8AC3E}">
-        <p14:creationId xmlns:p14="http://schemas.microsoft.com/office/powerpoint/2010/main" val="2483540066"/>
+        <p14:creationId xmlns:p14="http://schemas.microsoft.com/office/powerpoint/2010/main" val="4138670376"/>
       </p:ext>
     </p:extLst>
   </p:cSld>
   <p:clrMapOvr>
     <a:masterClrMapping/>
   </p:clrMapOvr>
-  <p:transition spd="slow">
-    <p:wipe dir="d"/>
-  </p:transition>
 </p:sld>
 </file>
 
@@ -9496,7 +10951,7 @@
           <p:cNvPr id="2" name="Title 1">
             <a:extLst>
               <a:ext uri="{FF2B5EF4-FFF2-40B4-BE49-F238E27FC236}">
-                <a16:creationId xmlns:a16="http://schemas.microsoft.com/office/drawing/2014/main" id="{E05E3436-7B1B-9DBF-AE77-A4AE1F07F490}"/>
+                <a16:creationId xmlns:a16="http://schemas.microsoft.com/office/drawing/2014/main" id="{88933A45-E18C-F654-9897-F4FC102132D3}"/>
               </a:ext>
             </a:extLst>
           </p:cNvPr>
@@ -9507,15 +10962,269 @@
             <p:ph type="title"/>
           </p:nvPr>
         </p:nvSpPr>
-        <p:spPr/>
+        <p:spPr>
+          <a:xfrm>
+            <a:off x="457200" y="1119188"/>
+            <a:ext cx="8229600" cy="869652"/>
+          </a:xfrm>
+        </p:spPr>
         <p:txBody>
           <a:bodyPr/>
           <a:lstStyle/>
           <a:p>
             <a:r>
+              <a:rPr lang="de-CH" dirty="0" err="1"/>
+              <a:t>Constraints</a:t>
+            </a:r>
+            <a:r>
               <a:rPr lang="de-CH" dirty="0"/>
-              <a:t>Implikation</a:t>
-            </a:r>
+              <a:t> </a:t>
+            </a:r>
+            <a:r>
+              <a:rPr lang="de-CH" dirty="0" err="1"/>
+              <a:t>bennennen</a:t>
+            </a:r>
+            <a:br>
+              <a:rPr lang="de-CH" dirty="0"/>
+            </a:br>
+            <a:endParaRPr lang="de-CH" dirty="0"/>
+          </a:p>
+        </p:txBody>
+      </p:sp>
+      <p:sp>
+        <p:nvSpPr>
+          <p:cNvPr id="3" name="Content Placeholder 2">
+            <a:extLst>
+              <a:ext uri="{FF2B5EF4-FFF2-40B4-BE49-F238E27FC236}">
+                <a16:creationId xmlns:a16="http://schemas.microsoft.com/office/drawing/2014/main" id="{F1D9EC27-9B5F-43BB-7C60-AC839AEACB1A}"/>
+              </a:ext>
+            </a:extLst>
+          </p:cNvPr>
+          <p:cNvSpPr>
+            <a:spLocks noGrp="1"/>
+          </p:cNvSpPr>
+          <p:nvPr>
+            <p:ph sz="half" idx="1"/>
+          </p:nvPr>
+        </p:nvSpPr>
+        <p:spPr>
+          <a:xfrm>
+            <a:off x="457200" y="1600200"/>
+            <a:ext cx="8291264" cy="4525963"/>
+          </a:xfrm>
+        </p:spPr>
+        <p:txBody>
+          <a:bodyPr anchor="ctr"/>
+          <a:lstStyle/>
+          <a:p>
+            <a:pPr marL="0" indent="0">
+              <a:buNone/>
+            </a:pPr>
+            <a:endParaRPr lang="de-CH" sz="2000" b="0" dirty="0">
+              <a:solidFill>
+                <a:srgbClr val="0000FF"/>
+              </a:solidFill>
+              <a:effectLst/>
+              <a:latin typeface="Consolas" panose="020B0609020204030204" pitchFamily="49" charset="0"/>
+            </a:endParaRPr>
+          </a:p>
+          <a:p>
+            <a:pPr marL="0" indent="0">
+              <a:buNone/>
+            </a:pPr>
+            <a:r>
+              <a:rPr lang="de-CH" sz="2000" b="0" dirty="0">
+                <a:solidFill>
+                  <a:srgbClr val="0000FF"/>
+                </a:solidFill>
+                <a:effectLst/>
+                <a:latin typeface="Consolas" panose="020B0609020204030204" pitchFamily="49" charset="0"/>
+              </a:rPr>
+              <a:t>MANDATORY</a:t>
+            </a:r>
+            <a:r>
+              <a:rPr lang="de-CH" sz="2000" b="0" dirty="0">
+                <a:solidFill>
+                  <a:srgbClr val="3B3B3B"/>
+                </a:solidFill>
+                <a:effectLst/>
+                <a:latin typeface="Consolas" panose="020B0609020204030204" pitchFamily="49" charset="0"/>
+              </a:rPr>
+              <a:t> </a:t>
+            </a:r>
+            <a:r>
+              <a:rPr lang="de-CH" sz="2000" b="0" dirty="0">
+                <a:solidFill>
+                  <a:srgbClr val="0000FF"/>
+                </a:solidFill>
+                <a:effectLst/>
+                <a:latin typeface="Consolas" panose="020B0609020204030204" pitchFamily="49" charset="0"/>
+              </a:rPr>
+              <a:t>CONSTRAINT</a:t>
+            </a:r>
+            <a:r>
+              <a:rPr lang="de-CH" sz="2000" b="0" dirty="0">
+                <a:solidFill>
+                  <a:srgbClr val="3B3B3B"/>
+                </a:solidFill>
+                <a:effectLst/>
+                <a:latin typeface="Consolas" panose="020B0609020204030204" pitchFamily="49" charset="0"/>
+              </a:rPr>
+              <a:t> </a:t>
+            </a:r>
+            <a:r>
+              <a:rPr lang="de-CH" sz="2000" b="0" dirty="0" err="1">
+                <a:solidFill>
+                  <a:srgbClr val="3B3B3B"/>
+                </a:solidFill>
+                <a:effectLst/>
+                <a:latin typeface="Consolas" panose="020B0609020204030204" pitchFamily="49" charset="0"/>
+              </a:rPr>
+              <a:t>SAPProjNr</a:t>
+            </a:r>
+            <a:r>
+              <a:rPr lang="de-CH" sz="2000" b="0" dirty="0">
+                <a:solidFill>
+                  <a:srgbClr val="3B3B3B"/>
+                </a:solidFill>
+                <a:effectLst/>
+                <a:latin typeface="Consolas" panose="020B0609020204030204" pitchFamily="49" charset="0"/>
+              </a:rPr>
+              <a:t> </a:t>
+            </a:r>
+            <a:r>
+              <a:rPr lang="de-CH" sz="2000" b="0" dirty="0">
+                <a:solidFill>
+                  <a:srgbClr val="000000"/>
+                </a:solidFill>
+                <a:effectLst/>
+                <a:latin typeface="Consolas" panose="020B0609020204030204" pitchFamily="49" charset="0"/>
+              </a:rPr>
+              <a:t>:</a:t>
+            </a:r>
+            <a:r>
+              <a:rPr lang="de-CH" sz="2000" b="0" dirty="0">
+                <a:solidFill>
+                  <a:srgbClr val="3B3B3B"/>
+                </a:solidFill>
+                <a:effectLst/>
+                <a:latin typeface="Consolas" panose="020B0609020204030204" pitchFamily="49" charset="0"/>
+              </a:rPr>
+              <a:t> </a:t>
+            </a:r>
+          </a:p>
+          <a:p>
+            <a:pPr marL="0" indent="0">
+              <a:buNone/>
+            </a:pPr>
+            <a:r>
+              <a:rPr lang="de-CH" sz="2000" dirty="0">
+                <a:solidFill>
+                  <a:srgbClr val="3B3B3B"/>
+                </a:solidFill>
+                <a:latin typeface="Consolas" panose="020B0609020204030204" pitchFamily="49" charset="0"/>
+              </a:rPr>
+              <a:t> </a:t>
+            </a:r>
+            <a:r>
+              <a:rPr lang="de-CH" sz="2000" b="0" dirty="0" err="1">
+                <a:solidFill>
+                  <a:srgbClr val="3B3B3B"/>
+                </a:solidFill>
+                <a:effectLst/>
+                <a:latin typeface="Consolas" panose="020B0609020204030204" pitchFamily="49" charset="0"/>
+              </a:rPr>
+              <a:t>Text.matches</a:t>
+            </a:r>
+            <a:r>
+              <a:rPr lang="de-CH" sz="2000" b="0" dirty="0">
+                <a:solidFill>
+                  <a:srgbClr val="3B3B3B"/>
+                </a:solidFill>
+                <a:effectLst/>
+                <a:latin typeface="Consolas" panose="020B0609020204030204" pitchFamily="49" charset="0"/>
+              </a:rPr>
+              <a:t>(</a:t>
+            </a:r>
+            <a:r>
+              <a:rPr lang="de-CH" sz="2000" b="0" dirty="0">
+                <a:solidFill>
+                  <a:srgbClr val="0000FF"/>
+                </a:solidFill>
+                <a:effectLst/>
+                <a:latin typeface="Consolas" panose="020B0609020204030204" pitchFamily="49" charset="0"/>
+              </a:rPr>
+              <a:t>THIS</a:t>
+            </a:r>
+            <a:r>
+              <a:rPr lang="de-CH" sz="2000" dirty="0">
+                <a:solidFill>
+                  <a:srgbClr val="3B3B3B"/>
+                </a:solidFill>
+                <a:latin typeface="Consolas" panose="020B0609020204030204" pitchFamily="49" charset="0"/>
+              </a:rPr>
+              <a:t>-&gt;</a:t>
+            </a:r>
+            <a:r>
+              <a:rPr lang="de-CH" sz="2000" b="0" dirty="0" err="1">
+                <a:solidFill>
+                  <a:srgbClr val="3B3B3B"/>
+                </a:solidFill>
+                <a:effectLst/>
+                <a:latin typeface="Consolas" panose="020B0609020204030204" pitchFamily="49" charset="0"/>
+              </a:rPr>
+              <a:t>ProjektNummer</a:t>
+            </a:r>
+            <a:r>
+              <a:rPr lang="de-CH" sz="2000" b="0" dirty="0">
+                <a:solidFill>
+                  <a:srgbClr val="3B3B3B"/>
+                </a:solidFill>
+                <a:effectLst/>
+                <a:latin typeface="Consolas" panose="020B0609020204030204" pitchFamily="49" charset="0"/>
+              </a:rPr>
+              <a:t>, </a:t>
+            </a:r>
+            <a:r>
+              <a:rPr lang="de-CH" sz="2000" b="0" dirty="0">
+                <a:solidFill>
+                  <a:srgbClr val="A31515"/>
+                </a:solidFill>
+                <a:effectLst/>
+                <a:latin typeface="Consolas" panose="020B0609020204030204" pitchFamily="49" charset="0"/>
+              </a:rPr>
+              <a:t>"^[0-9]{4}-[A-Z]{2}$"</a:t>
+            </a:r>
+            <a:r>
+              <a:rPr lang="de-CH" sz="2000" b="0" dirty="0">
+                <a:solidFill>
+                  <a:srgbClr val="3B3B3B"/>
+                </a:solidFill>
+                <a:effectLst/>
+                <a:latin typeface="Consolas" panose="020B0609020204030204" pitchFamily="49" charset="0"/>
+              </a:rPr>
+              <a:t>)</a:t>
+            </a:r>
+            <a:r>
+              <a:rPr lang="de-CH" sz="2000" b="0" dirty="0">
+                <a:solidFill>
+                  <a:srgbClr val="000000"/>
+                </a:solidFill>
+                <a:effectLst/>
+                <a:latin typeface="Consolas" panose="020B0609020204030204" pitchFamily="49" charset="0"/>
+              </a:rPr>
+              <a:t>;</a:t>
+            </a:r>
+            <a:endParaRPr lang="de-CH" sz="2000" b="0" dirty="0">
+              <a:solidFill>
+                <a:srgbClr val="3B3B3B"/>
+              </a:solidFill>
+              <a:effectLst/>
+              <a:latin typeface="Consolas" panose="020B0609020204030204" pitchFamily="49" charset="0"/>
+            </a:endParaRPr>
+          </a:p>
+          <a:p>
+            <a:endParaRPr lang="de-CH" sz="4400" dirty="0"/>
           </a:p>
         </p:txBody>
       </p:sp>
@@ -9524,7 +11233,7 @@
           <p:cNvPr id="5" name="Date Placeholder 4">
             <a:extLst>
               <a:ext uri="{FF2B5EF4-FFF2-40B4-BE49-F238E27FC236}">
-                <a16:creationId xmlns:a16="http://schemas.microsoft.com/office/drawing/2014/main" id="{779CE9A4-6AF1-C5A7-AAD0-CF850E91B865}"/>
+                <a16:creationId xmlns:a16="http://schemas.microsoft.com/office/drawing/2014/main" id="{334523AA-7EE7-0392-79F4-22232DC81057}"/>
               </a:ext>
             </a:extLst>
           </p:cNvPr>
@@ -9535,7 +11244,12 @@
             <p:ph type="dt" sz="half" idx="13"/>
           </p:nvPr>
         </p:nvSpPr>
-        <p:spPr/>
+        <p:spPr>
+          <a:xfrm>
+            <a:off x="0" y="6453188"/>
+            <a:ext cx="1187624" cy="215900"/>
+          </a:xfrm>
+        </p:spPr>
         <p:txBody>
           <a:bodyPr/>
           <a:lstStyle/>
@@ -9545,7 +11259,7 @@
             </a:pPr>
             <a:r>
               <a:rPr lang="de-CH"/>
-              <a:t>22.11.2023</a:t>
+              <a:t>Sept. 2023</a:t>
             </a:r>
             <a:endParaRPr lang="de-CH" dirty="0"/>
           </a:p>
@@ -9553,10 +11267,10 @@
       </p:sp>
       <p:sp>
         <p:nvSpPr>
-          <p:cNvPr id="6" name="Footer Placeholder 5">
+          <p:cNvPr id="4" name="Footer Placeholder 5">
             <a:extLst>
               <a:ext uri="{FF2B5EF4-FFF2-40B4-BE49-F238E27FC236}">
-                <a16:creationId xmlns:a16="http://schemas.microsoft.com/office/drawing/2014/main" id="{F2B3037D-A03B-7075-C2B4-D552EDAB3848}"/>
+                <a16:creationId xmlns:a16="http://schemas.microsoft.com/office/drawing/2014/main" id="{972C444B-8D4B-533E-B7EE-386A91C46AAF}"/>
               </a:ext>
             </a:extLst>
           </p:cNvPr>
@@ -9567,7 +11281,12 @@
             <p:ph type="ftr" sz="quarter" idx="3"/>
           </p:nvPr>
         </p:nvSpPr>
-        <p:spPr/>
+        <p:spPr>
+          <a:xfrm>
+            <a:off x="3124200" y="6453188"/>
+            <a:ext cx="2895600" cy="215900"/>
+          </a:xfrm>
+        </p:spPr>
         <p:txBody>
           <a:bodyPr/>
           <a:lstStyle/>
@@ -9576,19 +11295,26 @@
               <a:defRPr/>
             </a:pPr>
             <a:r>
-              <a:rPr lang="de-CH"/>
-              <a:t>3. INTERLIS Anwender:Innen Treffen</a:t>
-            </a:r>
-            <a:endParaRPr lang="de-CH" dirty="0"/>
-          </a:p>
-        </p:txBody>
-      </p:sp>
-      <p:sp>
-        <p:nvSpPr>
-          <p:cNvPr id="7" name="Slide Number Placeholder 6">
+              <a:rPr lang="de-CH" dirty="0"/>
+              <a:t>3. INTERLS </a:t>
+            </a:r>
+            <a:r>
+              <a:rPr lang="de-CH" dirty="0" err="1"/>
+              <a:t>Anwender:Innen</a:t>
+            </a:r>
+            <a:r>
+              <a:rPr lang="de-CH" dirty="0"/>
+              <a:t> Treffen</a:t>
+            </a:r>
+          </a:p>
+        </p:txBody>
+      </p:sp>
+      <p:sp>
+        <p:nvSpPr>
+          <p:cNvPr id="8" name="Slide Number Placeholder 6">
             <a:extLst>
               <a:ext uri="{FF2B5EF4-FFF2-40B4-BE49-F238E27FC236}">
-                <a16:creationId xmlns:a16="http://schemas.microsoft.com/office/drawing/2014/main" id="{95FF8E72-EED4-AC4B-D6CF-2DA48FBE93C5}"/>
+                <a16:creationId xmlns:a16="http://schemas.microsoft.com/office/drawing/2014/main" id="{69165EFD-6D3F-D097-21D5-408573D7DA72}"/>
               </a:ext>
             </a:extLst>
           </p:cNvPr>
@@ -9599,7 +11325,12 @@
             <p:ph type="sldNum" sz="quarter" idx="4"/>
           </p:nvPr>
         </p:nvSpPr>
-        <p:spPr/>
+        <p:spPr>
+          <a:xfrm>
+            <a:off x="6553200" y="6453188"/>
+            <a:ext cx="2133600" cy="215900"/>
+          </a:xfrm>
+        </p:spPr>
         <p:txBody>
           <a:bodyPr/>
           <a:lstStyle/>
@@ -9607,7 +11338,7 @@
             <a:pPr>
               <a:defRPr/>
             </a:pPr>
-            <a:fld id="{CF6E12DF-9ECE-463F-89B2-3CF702297A6B}" type="slidenum">
+            <a:fld id="{8FC82157-7644-43C8-B832-2A3ED392D66B}" type="slidenum">
               <a:rPr lang="de-DE" smtClean="0"/>
               <a:pPr>
                 <a:defRPr/>
@@ -9618,424 +11349,19 @@
           </a:p>
         </p:txBody>
       </p:sp>
-      <p:sp>
-        <p:nvSpPr>
-          <p:cNvPr id="8" name="Content Placeholder 2">
-            <a:extLst>
-              <a:ext uri="{FF2B5EF4-FFF2-40B4-BE49-F238E27FC236}">
-                <a16:creationId xmlns:a16="http://schemas.microsoft.com/office/drawing/2014/main" id="{65274E1B-3D59-F39A-3443-30E102207486}"/>
-              </a:ext>
-            </a:extLst>
-          </p:cNvPr>
-          <p:cNvSpPr>
-            <a:spLocks noGrp="1"/>
-          </p:cNvSpPr>
-          <p:nvPr>
-            <p:ph sz="half" idx="1"/>
-          </p:nvPr>
-        </p:nvSpPr>
-        <p:spPr>
-          <a:xfrm>
-            <a:off x="457200" y="1600201"/>
-            <a:ext cx="8507288" cy="3701008"/>
-          </a:xfrm>
-        </p:spPr>
-        <p:txBody>
-          <a:bodyPr anchor="ctr"/>
-          <a:lstStyle/>
-          <a:p>
-            <a:pPr marL="0" indent="0">
-              <a:buNone/>
-            </a:pPr>
-            <a:r>
-              <a:rPr lang="de-CH" sz="2000" b="0" dirty="0">
-                <a:solidFill>
-                  <a:srgbClr val="0000FF"/>
-                </a:solidFill>
-                <a:effectLst/>
-                <a:latin typeface="Consolas" panose="020B0609020204030204" pitchFamily="49" charset="0"/>
-              </a:rPr>
-              <a:t>CLASS</a:t>
-            </a:r>
-            <a:r>
-              <a:rPr lang="de-CH" sz="2000" b="0" dirty="0">
-                <a:solidFill>
-                  <a:srgbClr val="3B3B3B"/>
-                </a:solidFill>
-                <a:effectLst/>
-                <a:latin typeface="Consolas" panose="020B0609020204030204" pitchFamily="49" charset="0"/>
-              </a:rPr>
-              <a:t> Projekt</a:t>
-            </a:r>
-          </a:p>
-          <a:p>
-            <a:pPr marL="0" indent="0">
-              <a:buNone/>
-            </a:pPr>
-            <a:r>
-              <a:rPr lang="de-CH" sz="2000" b="0" dirty="0">
-                <a:solidFill>
-                  <a:srgbClr val="3B3B3B"/>
-                </a:solidFill>
-                <a:effectLst/>
-                <a:latin typeface="Consolas" panose="020B0609020204030204" pitchFamily="49" charset="0"/>
-              </a:rPr>
-              <a:t>  Status </a:t>
-            </a:r>
-            <a:r>
-              <a:rPr lang="de-CH" sz="2000" b="0" dirty="0">
-                <a:solidFill>
-                  <a:srgbClr val="000000"/>
-                </a:solidFill>
-                <a:effectLst/>
-                <a:latin typeface="Consolas" panose="020B0609020204030204" pitchFamily="49" charset="0"/>
-              </a:rPr>
-              <a:t>:</a:t>
-            </a:r>
-            <a:r>
-              <a:rPr lang="de-CH" sz="2000" b="0" dirty="0">
-                <a:solidFill>
-                  <a:srgbClr val="3B3B3B"/>
-                </a:solidFill>
-                <a:effectLst/>
-                <a:latin typeface="Consolas" panose="020B0609020204030204" pitchFamily="49" charset="0"/>
-              </a:rPr>
-              <a:t> </a:t>
-            </a:r>
-            <a:r>
-              <a:rPr lang="de-CH" sz="2000" b="0" dirty="0">
-                <a:solidFill>
-                  <a:srgbClr val="0000FF"/>
-                </a:solidFill>
-                <a:effectLst/>
-                <a:latin typeface="Consolas" panose="020B0609020204030204" pitchFamily="49" charset="0"/>
-              </a:rPr>
-              <a:t>MANDATORY</a:t>
-            </a:r>
-            <a:r>
-              <a:rPr lang="de-CH" sz="2000" b="0" dirty="0">
-                <a:solidFill>
-                  <a:srgbClr val="3B3B3B"/>
-                </a:solidFill>
-                <a:effectLst/>
-                <a:latin typeface="Consolas" panose="020B0609020204030204" pitchFamily="49" charset="0"/>
-              </a:rPr>
-              <a:t> (geplant, laufend, abgeschlossen)</a:t>
-            </a:r>
-            <a:r>
-              <a:rPr lang="de-CH" sz="2000" b="0" dirty="0">
-                <a:solidFill>
-                  <a:srgbClr val="000000"/>
-                </a:solidFill>
-                <a:effectLst/>
-                <a:latin typeface="Consolas" panose="020B0609020204030204" pitchFamily="49" charset="0"/>
-              </a:rPr>
-              <a:t>;</a:t>
-            </a:r>
-            <a:endParaRPr lang="de-CH" sz="2000" b="0" dirty="0">
-              <a:solidFill>
-                <a:srgbClr val="3B3B3B"/>
-              </a:solidFill>
-              <a:effectLst/>
-              <a:latin typeface="Consolas" panose="020B0609020204030204" pitchFamily="49" charset="0"/>
-            </a:endParaRPr>
-          </a:p>
-          <a:p>
-            <a:pPr marL="0" indent="0">
-              <a:buNone/>
-            </a:pPr>
-            <a:r>
-              <a:rPr lang="de-CH" sz="2000" b="0" dirty="0">
-                <a:solidFill>
-                  <a:srgbClr val="3B3B3B"/>
-                </a:solidFill>
-                <a:effectLst/>
-                <a:latin typeface="Consolas" panose="020B0609020204030204" pitchFamily="49" charset="0"/>
-              </a:rPr>
-              <a:t>  </a:t>
-            </a:r>
-            <a:r>
-              <a:rPr lang="de-CH" sz="2000" b="0" dirty="0" err="1">
-                <a:solidFill>
-                  <a:srgbClr val="3B3B3B"/>
-                </a:solidFill>
-                <a:effectLst/>
-                <a:latin typeface="Consolas" panose="020B0609020204030204" pitchFamily="49" charset="0"/>
-              </a:rPr>
-              <a:t>ProjektStart</a:t>
-            </a:r>
-            <a:r>
-              <a:rPr lang="de-CH" sz="2000" b="0" dirty="0">
-                <a:solidFill>
-                  <a:srgbClr val="3B3B3B"/>
-                </a:solidFill>
-                <a:effectLst/>
-                <a:latin typeface="Consolas" panose="020B0609020204030204" pitchFamily="49" charset="0"/>
-              </a:rPr>
-              <a:t> </a:t>
-            </a:r>
-            <a:r>
-              <a:rPr lang="de-CH" sz="2000" b="0" dirty="0">
-                <a:solidFill>
-                  <a:srgbClr val="000000"/>
-                </a:solidFill>
-                <a:effectLst/>
-                <a:latin typeface="Consolas" panose="020B0609020204030204" pitchFamily="49" charset="0"/>
-              </a:rPr>
-              <a:t>:</a:t>
-            </a:r>
-            <a:r>
-              <a:rPr lang="de-CH" sz="2000" b="0" dirty="0">
-                <a:solidFill>
-                  <a:srgbClr val="3B3B3B"/>
-                </a:solidFill>
-                <a:effectLst/>
-                <a:latin typeface="Consolas" panose="020B0609020204030204" pitchFamily="49" charset="0"/>
-              </a:rPr>
-              <a:t> </a:t>
-            </a:r>
-            <a:r>
-              <a:rPr lang="de-CH" sz="2000" b="0" dirty="0" err="1">
-                <a:solidFill>
-                  <a:srgbClr val="0000FF"/>
-                </a:solidFill>
-                <a:effectLst/>
-                <a:latin typeface="Consolas" panose="020B0609020204030204" pitchFamily="49" charset="0"/>
-              </a:rPr>
-              <a:t>INTERLIS</a:t>
-            </a:r>
-            <a:r>
-              <a:rPr lang="de-CH" sz="2000" b="0" dirty="0" err="1">
-                <a:solidFill>
-                  <a:srgbClr val="3B3B3B"/>
-                </a:solidFill>
-                <a:effectLst/>
-                <a:latin typeface="Consolas" panose="020B0609020204030204" pitchFamily="49" charset="0"/>
-              </a:rPr>
-              <a:t>.XMLDate</a:t>
-            </a:r>
-            <a:r>
-              <a:rPr lang="de-CH" sz="2000" b="0" dirty="0">
-                <a:solidFill>
-                  <a:srgbClr val="000000"/>
-                </a:solidFill>
-                <a:effectLst/>
-                <a:latin typeface="Consolas" panose="020B0609020204030204" pitchFamily="49" charset="0"/>
-              </a:rPr>
-              <a:t>;</a:t>
-            </a:r>
-            <a:endParaRPr lang="de-CH" sz="2000" b="0" dirty="0">
-              <a:solidFill>
-                <a:srgbClr val="3B3B3B"/>
-              </a:solidFill>
-              <a:effectLst/>
-              <a:latin typeface="Consolas" panose="020B0609020204030204" pitchFamily="49" charset="0"/>
-            </a:endParaRPr>
-          </a:p>
-          <a:p>
-            <a:pPr marL="0" indent="0">
-              <a:buNone/>
-            </a:pPr>
-            <a:r>
-              <a:rPr lang="de-CH" sz="2000" b="0" dirty="0">
-                <a:solidFill>
-                  <a:srgbClr val="0000FF"/>
-                </a:solidFill>
-                <a:effectLst/>
-                <a:latin typeface="Consolas" panose="020B0609020204030204" pitchFamily="49" charset="0"/>
-              </a:rPr>
-              <a:t>END</a:t>
-            </a:r>
-            <a:endParaRPr lang="de-CH" sz="2000" b="0" dirty="0">
-              <a:solidFill>
-                <a:srgbClr val="3B3B3B"/>
-              </a:solidFill>
-              <a:effectLst/>
-              <a:latin typeface="Consolas" panose="020B0609020204030204" pitchFamily="49" charset="0"/>
-            </a:endParaRPr>
-          </a:p>
-          <a:p>
-            <a:pPr marL="0" indent="0">
-              <a:buNone/>
-            </a:pPr>
-            <a:endParaRPr lang="de-CH" sz="2000" b="0" dirty="0">
-              <a:solidFill>
-                <a:srgbClr val="0000FF"/>
-              </a:solidFill>
-              <a:effectLst/>
-              <a:latin typeface="Consolas" panose="020B0609020204030204" pitchFamily="49" charset="0"/>
-            </a:endParaRPr>
-          </a:p>
-          <a:p>
-            <a:pPr marL="0" indent="0">
-              <a:buNone/>
-            </a:pPr>
-            <a:r>
-              <a:rPr lang="en-US" sz="2000" b="0" dirty="0">
-                <a:solidFill>
-                  <a:srgbClr val="0000FF"/>
-                </a:solidFill>
-                <a:effectLst/>
-                <a:latin typeface="Consolas" panose="020B0609020204030204" pitchFamily="49" charset="0"/>
-              </a:rPr>
-              <a:t>MANDATORY</a:t>
-            </a:r>
-            <a:r>
-              <a:rPr lang="en-US" sz="2000" b="0" dirty="0">
-                <a:solidFill>
-                  <a:srgbClr val="3B3B3B"/>
-                </a:solidFill>
-                <a:effectLst/>
-                <a:latin typeface="Consolas" panose="020B0609020204030204" pitchFamily="49" charset="0"/>
-              </a:rPr>
-              <a:t> </a:t>
-            </a:r>
-            <a:r>
-              <a:rPr lang="en-US" sz="2000" b="0" dirty="0">
-                <a:solidFill>
-                  <a:srgbClr val="0000FF"/>
-                </a:solidFill>
-                <a:effectLst/>
-                <a:latin typeface="Consolas" panose="020B0609020204030204" pitchFamily="49" charset="0"/>
-              </a:rPr>
-              <a:t>CONSTRAINT</a:t>
-            </a:r>
-            <a:r>
-              <a:rPr lang="en-US" sz="2000" b="0" dirty="0">
-                <a:solidFill>
-                  <a:srgbClr val="3B3B3B"/>
-                </a:solidFill>
-                <a:effectLst/>
-                <a:latin typeface="Consolas" panose="020B0609020204030204" pitchFamily="49" charset="0"/>
-              </a:rPr>
-              <a:t> </a:t>
-            </a:r>
-            <a:r>
-              <a:rPr lang="en-US" sz="2000" dirty="0" err="1">
-                <a:solidFill>
-                  <a:srgbClr val="3B3B3B"/>
-                </a:solidFill>
-                <a:latin typeface="Consolas" panose="020B0609020204030204" pitchFamily="49" charset="0"/>
-              </a:rPr>
-              <a:t>ProjektGestartet</a:t>
-            </a:r>
-            <a:r>
-              <a:rPr lang="en-US" sz="2000" dirty="0">
-                <a:solidFill>
-                  <a:srgbClr val="3B3B3B"/>
-                </a:solidFill>
-                <a:latin typeface="Consolas" panose="020B0609020204030204" pitchFamily="49" charset="0"/>
-              </a:rPr>
-              <a:t> :</a:t>
-            </a:r>
-          </a:p>
-          <a:p>
-            <a:pPr marL="0" indent="0">
-              <a:buNone/>
-            </a:pPr>
-            <a:r>
-              <a:rPr lang="en-US" sz="2000" b="0" dirty="0">
-                <a:solidFill>
-                  <a:srgbClr val="3B3B3B"/>
-                </a:solidFill>
-                <a:effectLst/>
-                <a:latin typeface="Consolas" panose="020B0609020204030204" pitchFamily="49" charset="0"/>
-              </a:rPr>
-              <a:t>  Status </a:t>
-            </a:r>
-            <a:r>
-              <a:rPr lang="en-US" sz="2000" b="0" dirty="0">
-                <a:solidFill>
-                  <a:srgbClr val="000000"/>
-                </a:solidFill>
-                <a:effectLst/>
-                <a:latin typeface="Consolas" panose="020B0609020204030204" pitchFamily="49" charset="0"/>
-              </a:rPr>
-              <a:t>==</a:t>
-            </a:r>
-            <a:r>
-              <a:rPr lang="en-US" sz="2000" b="0" dirty="0">
-                <a:solidFill>
-                  <a:srgbClr val="3B3B3B"/>
-                </a:solidFill>
-                <a:effectLst/>
-                <a:latin typeface="Consolas" panose="020B0609020204030204" pitchFamily="49" charset="0"/>
-              </a:rPr>
-              <a:t> #laufend </a:t>
-            </a:r>
-            <a:r>
-              <a:rPr lang="en-US" sz="2000" b="0" dirty="0">
-                <a:solidFill>
-                  <a:srgbClr val="000000"/>
-                </a:solidFill>
-                <a:effectLst/>
-                <a:latin typeface="Consolas" panose="020B0609020204030204" pitchFamily="49" charset="0"/>
-              </a:rPr>
-              <a:t>=</a:t>
-            </a:r>
-            <a:r>
-              <a:rPr lang="en-US" sz="2000" b="0" dirty="0">
-                <a:solidFill>
-                  <a:srgbClr val="3B3B3B"/>
-                </a:solidFill>
-                <a:effectLst/>
-                <a:latin typeface="Consolas" panose="020B0609020204030204" pitchFamily="49" charset="0"/>
-              </a:rPr>
-              <a:t>&gt; </a:t>
-            </a:r>
-            <a:r>
-              <a:rPr lang="en-US" sz="2000" b="0" dirty="0">
-                <a:solidFill>
-                  <a:srgbClr val="0000FF"/>
-                </a:solidFill>
-                <a:effectLst/>
-                <a:latin typeface="Consolas" panose="020B0609020204030204" pitchFamily="49" charset="0"/>
-              </a:rPr>
-              <a:t>DEFINED</a:t>
-            </a:r>
-            <a:r>
-              <a:rPr lang="en-US" sz="2000" b="0" dirty="0">
-                <a:solidFill>
-                  <a:srgbClr val="3B3B3B"/>
-                </a:solidFill>
-                <a:effectLst/>
-                <a:latin typeface="Consolas" panose="020B0609020204030204" pitchFamily="49" charset="0"/>
-              </a:rPr>
-              <a:t>(</a:t>
-            </a:r>
-            <a:r>
-              <a:rPr lang="en-US" sz="2000" b="0" dirty="0" err="1">
-                <a:solidFill>
-                  <a:srgbClr val="3B3B3B"/>
-                </a:solidFill>
-                <a:effectLst/>
-                <a:latin typeface="Consolas" panose="020B0609020204030204" pitchFamily="49" charset="0"/>
-              </a:rPr>
-              <a:t>ProjektStart</a:t>
-            </a:r>
-            <a:r>
-              <a:rPr lang="en-US" sz="2000" b="0" dirty="0">
-                <a:solidFill>
-                  <a:srgbClr val="3B3B3B"/>
-                </a:solidFill>
-                <a:effectLst/>
-                <a:latin typeface="Consolas" panose="020B0609020204030204" pitchFamily="49" charset="0"/>
-              </a:rPr>
-              <a:t>) </a:t>
-            </a:r>
-          </a:p>
-        </p:txBody>
-      </p:sp>
     </p:spTree>
     <p:extLst>
       <p:ext uri="{BB962C8B-B14F-4D97-AF65-F5344CB8AC3E}">
-        <p14:creationId xmlns:p14="http://schemas.microsoft.com/office/powerpoint/2010/main" val="4152758701"/>
+        <p14:creationId xmlns:p14="http://schemas.microsoft.com/office/powerpoint/2010/main" val="2483540066"/>
       </p:ext>
     </p:extLst>
   </p:cSld>
   <p:clrMapOvr>
     <a:masterClrMapping/>
   </p:clrMapOvr>
+  <p:transition spd="slow">
+    <p:wipe dir="d"/>
+  </p:transition>
 </p:sld>
 </file>
 
@@ -10061,7 +11387,7 @@
           <p:cNvPr id="2" name="Title 1">
             <a:extLst>
               <a:ext uri="{FF2B5EF4-FFF2-40B4-BE49-F238E27FC236}">
-                <a16:creationId xmlns:a16="http://schemas.microsoft.com/office/drawing/2014/main" id="{3A97D44B-EBDF-506D-D0CB-44C3A0DDE7FF}"/>
+                <a16:creationId xmlns:a16="http://schemas.microsoft.com/office/drawing/2014/main" id="{E05E3436-7B1B-9DBF-AE77-A4AE1F07F490}"/>
               </a:ext>
             </a:extLst>
           </p:cNvPr>
@@ -10079,17 +11405,17 @@
           <a:p>
             <a:r>
               <a:rPr lang="de-CH" dirty="0"/>
-              <a:t>Primitive typen in BAGs</a:t>
-            </a:r>
-          </a:p>
-        </p:txBody>
-      </p:sp>
-      <p:sp>
-        <p:nvSpPr>
-          <p:cNvPr id="3" name="Content Placeholder 2">
+              <a:t>Implikation</a:t>
+            </a:r>
+          </a:p>
+        </p:txBody>
+      </p:sp>
+      <p:sp>
+        <p:nvSpPr>
+          <p:cNvPr id="5" name="Date Placeholder 4">
             <a:extLst>
               <a:ext uri="{FF2B5EF4-FFF2-40B4-BE49-F238E27FC236}">
-                <a16:creationId xmlns:a16="http://schemas.microsoft.com/office/drawing/2014/main" id="{BFEE331B-9A17-172A-B548-0552796C813F}"/>
+                <a16:creationId xmlns:a16="http://schemas.microsoft.com/office/drawing/2014/main" id="{779CE9A4-6AF1-C5A7-AAD0-CF850E91B865}"/>
               </a:ext>
             </a:extLst>
           </p:cNvPr>
@@ -10097,352 +11423,31 @@
             <a:spLocks noGrp="1"/>
           </p:cNvSpPr>
           <p:nvPr>
-            <p:ph idx="1"/>
+            <p:ph type="dt" sz="half" idx="13"/>
           </p:nvPr>
         </p:nvSpPr>
         <p:spPr/>
         <p:txBody>
-          <a:bodyPr anchor="ctr"/>
+          <a:bodyPr/>
           <a:lstStyle/>
           <a:p>
-            <a:pPr marL="0" indent="0">
-              <a:buNone/>
-            </a:pPr>
-            <a:r>
-              <a:rPr lang="de-CH" b="0" dirty="0">
-                <a:solidFill>
-                  <a:srgbClr val="0000FF"/>
-                </a:solidFill>
-                <a:effectLst/>
-                <a:latin typeface="Consolas" panose="020B0609020204030204" pitchFamily="49" charset="0"/>
-              </a:rPr>
-              <a:t>CLASS</a:t>
-            </a:r>
-            <a:r>
-              <a:rPr lang="de-CH" b="0" dirty="0">
-                <a:solidFill>
-                  <a:srgbClr val="3B3B3B"/>
-                </a:solidFill>
-                <a:effectLst/>
-                <a:latin typeface="Consolas" panose="020B0609020204030204" pitchFamily="49" charset="0"/>
-              </a:rPr>
-              <a:t> Projekt </a:t>
-            </a:r>
-            <a:r>
-              <a:rPr lang="de-CH" b="0" dirty="0">
-                <a:solidFill>
-                  <a:srgbClr val="000000"/>
-                </a:solidFill>
-                <a:effectLst/>
-                <a:latin typeface="Consolas" panose="020B0609020204030204" pitchFamily="49" charset="0"/>
-              </a:rPr>
-              <a:t>=</a:t>
-            </a:r>
-            <a:endParaRPr lang="de-CH" b="0" dirty="0">
-              <a:solidFill>
-                <a:srgbClr val="3B3B3B"/>
-              </a:solidFill>
-              <a:effectLst/>
-              <a:latin typeface="Consolas" panose="020B0609020204030204" pitchFamily="49" charset="0"/>
-            </a:endParaRPr>
-          </a:p>
-          <a:p>
-            <a:pPr marL="0" indent="0">
-              <a:buNone/>
-            </a:pPr>
-            <a:r>
-              <a:rPr lang="de-CH" b="0" dirty="0">
-                <a:solidFill>
-                  <a:srgbClr val="3B3B3B"/>
-                </a:solidFill>
-                <a:effectLst/>
-                <a:latin typeface="Consolas" panose="020B0609020204030204" pitchFamily="49" charset="0"/>
-              </a:rPr>
-              <a:t>  </a:t>
-            </a:r>
-            <a:r>
-              <a:rPr lang="de-CH" b="0" dirty="0" err="1">
-                <a:solidFill>
-                  <a:srgbClr val="3B3B3B"/>
-                </a:solidFill>
-                <a:effectLst/>
-                <a:latin typeface="Consolas" panose="020B0609020204030204" pitchFamily="49" charset="0"/>
-              </a:rPr>
-              <a:t>ProjektNummer</a:t>
-            </a:r>
-            <a:r>
-              <a:rPr lang="de-CH" b="0" dirty="0">
-                <a:solidFill>
-                  <a:srgbClr val="3B3B3B"/>
-                </a:solidFill>
-                <a:effectLst/>
-                <a:latin typeface="Consolas" panose="020B0609020204030204" pitchFamily="49" charset="0"/>
-              </a:rPr>
-              <a:t> </a:t>
-            </a:r>
-            <a:r>
-              <a:rPr lang="de-CH" b="0" dirty="0">
-                <a:solidFill>
-                  <a:srgbClr val="000000"/>
-                </a:solidFill>
-                <a:effectLst/>
-                <a:latin typeface="Consolas" panose="020B0609020204030204" pitchFamily="49" charset="0"/>
-              </a:rPr>
-              <a:t>:</a:t>
-            </a:r>
-            <a:r>
-              <a:rPr lang="de-CH" b="0" dirty="0">
-                <a:solidFill>
-                  <a:srgbClr val="3B3B3B"/>
-                </a:solidFill>
-                <a:effectLst/>
-                <a:latin typeface="Consolas" panose="020B0609020204030204" pitchFamily="49" charset="0"/>
-              </a:rPr>
-              <a:t> </a:t>
-            </a:r>
-            <a:r>
-              <a:rPr lang="de-CH" b="0" dirty="0">
-                <a:solidFill>
-                  <a:srgbClr val="0000FF"/>
-                </a:solidFill>
-                <a:effectLst/>
-                <a:latin typeface="Consolas" panose="020B0609020204030204" pitchFamily="49" charset="0"/>
-              </a:rPr>
-              <a:t>MANDATORY</a:t>
-            </a:r>
-            <a:r>
-              <a:rPr lang="de-CH" b="0" dirty="0">
-                <a:solidFill>
-                  <a:srgbClr val="3B3B3B"/>
-                </a:solidFill>
-                <a:effectLst/>
-                <a:latin typeface="Consolas" panose="020B0609020204030204" pitchFamily="49" charset="0"/>
-              </a:rPr>
-              <a:t> </a:t>
-            </a:r>
-            <a:r>
-              <a:rPr lang="de-CH" b="0" dirty="0" err="1">
-                <a:solidFill>
-                  <a:srgbClr val="3B3B3B"/>
-                </a:solidFill>
-                <a:effectLst/>
-                <a:latin typeface="Consolas" panose="020B0609020204030204" pitchFamily="49" charset="0"/>
-              </a:rPr>
-              <a:t>ProjektID</a:t>
-            </a:r>
-            <a:r>
-              <a:rPr lang="de-CH" b="0" dirty="0">
-                <a:solidFill>
-                  <a:srgbClr val="000000"/>
-                </a:solidFill>
-                <a:effectLst/>
-                <a:latin typeface="Consolas" panose="020B0609020204030204" pitchFamily="49" charset="0"/>
-              </a:rPr>
-              <a:t>;</a:t>
-            </a:r>
-            <a:endParaRPr lang="de-CH" b="0" dirty="0">
-              <a:solidFill>
-                <a:srgbClr val="3B3B3B"/>
-              </a:solidFill>
-              <a:effectLst/>
-              <a:latin typeface="Consolas" panose="020B0609020204030204" pitchFamily="49" charset="0"/>
-            </a:endParaRPr>
-          </a:p>
-          <a:p>
-            <a:pPr marL="0" indent="0">
-              <a:buNone/>
-            </a:pPr>
-            <a:r>
-              <a:rPr lang="de-CH" b="0" dirty="0">
-                <a:solidFill>
-                  <a:srgbClr val="3B3B3B"/>
-                </a:solidFill>
-                <a:effectLst/>
-                <a:latin typeface="Consolas" panose="020B0609020204030204" pitchFamily="49" charset="0"/>
-              </a:rPr>
-              <a:t>  Eigenschaften </a:t>
-            </a:r>
-            <a:r>
-              <a:rPr lang="de-CH" b="0" dirty="0">
-                <a:solidFill>
-                  <a:srgbClr val="000000"/>
-                </a:solidFill>
-                <a:effectLst/>
-                <a:latin typeface="Consolas" panose="020B0609020204030204" pitchFamily="49" charset="0"/>
-              </a:rPr>
-              <a:t>:</a:t>
-            </a:r>
-            <a:r>
-              <a:rPr lang="de-CH" b="0" dirty="0">
-                <a:solidFill>
-                  <a:srgbClr val="3B3B3B"/>
-                </a:solidFill>
-                <a:effectLst/>
-                <a:latin typeface="Consolas" panose="020B0609020204030204" pitchFamily="49" charset="0"/>
-              </a:rPr>
-              <a:t> </a:t>
-            </a:r>
-            <a:r>
-              <a:rPr lang="de-CH" b="0" dirty="0">
-                <a:solidFill>
-                  <a:srgbClr val="0000FF"/>
-                </a:solidFill>
-                <a:effectLst/>
-                <a:latin typeface="Consolas" panose="020B0609020204030204" pitchFamily="49" charset="0"/>
-              </a:rPr>
-              <a:t>BAG</a:t>
-            </a:r>
-            <a:r>
-              <a:rPr lang="de-CH" b="0" dirty="0">
-                <a:solidFill>
-                  <a:srgbClr val="3B3B3B"/>
-                </a:solidFill>
-                <a:effectLst/>
-                <a:latin typeface="Consolas" panose="020B0609020204030204" pitchFamily="49" charset="0"/>
-              </a:rPr>
-              <a:t> {0..</a:t>
-            </a:r>
-            <a:r>
-              <a:rPr lang="de-CH" b="0" dirty="0">
-                <a:solidFill>
-                  <a:srgbClr val="098658"/>
-                </a:solidFill>
-                <a:effectLst/>
-                <a:latin typeface="Consolas" panose="020B0609020204030204" pitchFamily="49" charset="0"/>
-              </a:rPr>
-              <a:t>3</a:t>
-            </a:r>
-            <a:r>
-              <a:rPr lang="de-CH" b="0" dirty="0">
-                <a:solidFill>
-                  <a:srgbClr val="3B3B3B"/>
-                </a:solidFill>
-                <a:effectLst/>
-                <a:latin typeface="Consolas" panose="020B0609020204030204" pitchFamily="49" charset="0"/>
-              </a:rPr>
-              <a:t>} </a:t>
-            </a:r>
-            <a:r>
-              <a:rPr lang="de-CH" b="0" dirty="0">
-                <a:solidFill>
-                  <a:srgbClr val="0000FF"/>
-                </a:solidFill>
-                <a:effectLst/>
-                <a:latin typeface="Consolas" panose="020B0609020204030204" pitchFamily="49" charset="0"/>
-              </a:rPr>
-              <a:t>OF</a:t>
-            </a:r>
-            <a:r>
-              <a:rPr lang="de-CH" b="0" dirty="0">
-                <a:solidFill>
-                  <a:srgbClr val="3B3B3B"/>
-                </a:solidFill>
-                <a:effectLst/>
-                <a:latin typeface="Consolas" panose="020B0609020204030204" pitchFamily="49" charset="0"/>
-              </a:rPr>
-              <a:t> </a:t>
-            </a:r>
-            <a:r>
-              <a:rPr lang="de-CH" b="0" dirty="0">
-                <a:solidFill>
-                  <a:srgbClr val="267F99"/>
-                </a:solidFill>
-                <a:effectLst/>
-                <a:latin typeface="Consolas" panose="020B0609020204030204" pitchFamily="49" charset="0"/>
-              </a:rPr>
-              <a:t>TEXT</a:t>
-            </a:r>
-            <a:r>
-              <a:rPr lang="de-CH" b="0" dirty="0">
-                <a:solidFill>
-                  <a:srgbClr val="3B3B3B"/>
-                </a:solidFill>
-                <a:effectLst/>
-                <a:latin typeface="Consolas" panose="020B0609020204030204" pitchFamily="49" charset="0"/>
-              </a:rPr>
-              <a:t>*</a:t>
-            </a:r>
-            <a:r>
-              <a:rPr lang="de-CH" b="0" dirty="0">
-                <a:solidFill>
-                  <a:srgbClr val="098658"/>
-                </a:solidFill>
-                <a:effectLst/>
-                <a:latin typeface="Consolas" panose="020B0609020204030204" pitchFamily="49" charset="0"/>
-              </a:rPr>
-              <a:t>50</a:t>
-            </a:r>
-            <a:r>
-              <a:rPr lang="de-CH" b="0" dirty="0">
-                <a:solidFill>
-                  <a:srgbClr val="000000"/>
-                </a:solidFill>
-                <a:effectLst/>
-                <a:latin typeface="Consolas" panose="020B0609020204030204" pitchFamily="49" charset="0"/>
-              </a:rPr>
-              <a:t>;</a:t>
-            </a:r>
-            <a:endParaRPr lang="de-CH" b="0" dirty="0">
-              <a:solidFill>
-                <a:srgbClr val="3B3B3B"/>
-              </a:solidFill>
-              <a:effectLst/>
-              <a:latin typeface="Consolas" panose="020B0609020204030204" pitchFamily="49" charset="0"/>
-            </a:endParaRPr>
-          </a:p>
-          <a:p>
-            <a:pPr marL="0" indent="0">
-              <a:buNone/>
-            </a:pPr>
-            <a:r>
-              <a:rPr lang="de-CH" b="0" dirty="0">
-                <a:solidFill>
-                  <a:srgbClr val="0000FF"/>
-                </a:solidFill>
-                <a:effectLst/>
-                <a:latin typeface="Consolas" panose="020B0609020204030204" pitchFamily="49" charset="0"/>
-              </a:rPr>
-              <a:t>END</a:t>
-            </a:r>
-            <a:r>
-              <a:rPr lang="de-CH" b="0" dirty="0">
-                <a:solidFill>
-                  <a:srgbClr val="3B3B3B"/>
-                </a:solidFill>
-                <a:effectLst/>
-                <a:latin typeface="Consolas" panose="020B0609020204030204" pitchFamily="49" charset="0"/>
-              </a:rPr>
-              <a:t> Projekt</a:t>
-            </a:r>
-            <a:r>
-              <a:rPr lang="de-CH" b="0" dirty="0">
-                <a:solidFill>
-                  <a:srgbClr val="000000"/>
-                </a:solidFill>
-                <a:effectLst/>
-                <a:latin typeface="Consolas" panose="020B0609020204030204" pitchFamily="49" charset="0"/>
-              </a:rPr>
-              <a:t>;</a:t>
-            </a:r>
-            <a:endParaRPr lang="de-CH" b="0" dirty="0">
-              <a:solidFill>
-                <a:srgbClr val="3B3B3B"/>
-              </a:solidFill>
-              <a:effectLst/>
-              <a:latin typeface="Consolas" panose="020B0609020204030204" pitchFamily="49" charset="0"/>
-            </a:endParaRPr>
-          </a:p>
-          <a:p>
+            <a:pPr>
+              <a:defRPr/>
+            </a:pPr>
+            <a:r>
+              <a:rPr lang="de-CH"/>
+              <a:t>22.11.2023</a:t>
+            </a:r>
             <a:endParaRPr lang="de-CH" dirty="0"/>
           </a:p>
         </p:txBody>
       </p:sp>
       <p:sp>
         <p:nvSpPr>
-          <p:cNvPr id="4" name="Date Placeholder 3">
+          <p:cNvPr id="6" name="Footer Placeholder 5">
             <a:extLst>
               <a:ext uri="{FF2B5EF4-FFF2-40B4-BE49-F238E27FC236}">
-                <a16:creationId xmlns:a16="http://schemas.microsoft.com/office/drawing/2014/main" id="{3903347B-C420-036C-265A-AD62F9761819}"/>
+                <a16:creationId xmlns:a16="http://schemas.microsoft.com/office/drawing/2014/main" id="{F2B3037D-A03B-7075-C2B4-D552EDAB3848}"/>
               </a:ext>
             </a:extLst>
           </p:cNvPr>
@@ -10450,15 +11455,10 @@
             <a:spLocks noGrp="1"/>
           </p:cNvSpPr>
           <p:nvPr>
-            <p:ph type="dt" sz="half" idx="2"/>
-          </p:nvPr>
-        </p:nvSpPr>
-        <p:spPr>
-          <a:xfrm>
-            <a:off x="0" y="6453188"/>
-            <a:ext cx="1331640" cy="215900"/>
-          </a:xfrm>
-        </p:spPr>
+            <p:ph type="ftr" sz="quarter" idx="3"/>
+          </p:nvPr>
+        </p:nvSpPr>
+        <p:spPr/>
         <p:txBody>
           <a:bodyPr/>
           <a:lstStyle/>
@@ -10468,7 +11468,7 @@
             </a:pPr>
             <a:r>
               <a:rPr lang="de-CH"/>
-              <a:t>Sept. 2023</a:t>
+              <a:t>3. INTERLIS Anwender:Innen Treffen</a:t>
             </a:r>
             <a:endParaRPr lang="de-CH" dirty="0"/>
           </a:p>
@@ -10476,10 +11476,10 @@
       </p:sp>
       <p:sp>
         <p:nvSpPr>
-          <p:cNvPr id="7" name="Footer Placeholder 5">
+          <p:cNvPr id="7" name="Slide Number Placeholder 6">
             <a:extLst>
               <a:ext uri="{FF2B5EF4-FFF2-40B4-BE49-F238E27FC236}">
-                <a16:creationId xmlns:a16="http://schemas.microsoft.com/office/drawing/2014/main" id="{C264EC78-C12F-4AAE-68C0-E634C11486B9}"/>
+                <a16:creationId xmlns:a16="http://schemas.microsoft.com/office/drawing/2014/main" id="{95FF8E72-EED4-AC4B-D6CF-2DA48FBE93C5}"/>
               </a:ext>
             </a:extLst>
           </p:cNvPr>
@@ -10487,15 +11487,10 @@
             <a:spLocks noGrp="1"/>
           </p:cNvSpPr>
           <p:nvPr>
-            <p:ph type="ftr" sz="quarter" idx="3"/>
-          </p:nvPr>
-        </p:nvSpPr>
-        <p:spPr>
-          <a:xfrm>
-            <a:off x="3124200" y="6453188"/>
-            <a:ext cx="2895600" cy="215900"/>
-          </a:xfrm>
-        </p:spPr>
+            <p:ph type="sldNum" sz="quarter" idx="4"/>
+          </p:nvPr>
+        </p:nvSpPr>
+        <p:spPr/>
         <p:txBody>
           <a:bodyPr/>
           <a:lstStyle/>
@@ -10503,51 +11498,7 @@
             <a:pPr>
               <a:defRPr/>
             </a:pPr>
-            <a:r>
-              <a:rPr lang="de-CH" dirty="0"/>
-              <a:t>3. INTERLS </a:t>
-            </a:r>
-            <a:r>
-              <a:rPr lang="de-CH" dirty="0" err="1"/>
-              <a:t>Anwender:Innen</a:t>
-            </a:r>
-            <a:r>
-              <a:rPr lang="de-CH" dirty="0"/>
-              <a:t> Treffen</a:t>
-            </a:r>
-          </a:p>
-        </p:txBody>
-      </p:sp>
-      <p:sp>
-        <p:nvSpPr>
-          <p:cNvPr id="8" name="Slide Number Placeholder 6">
-            <a:extLst>
-              <a:ext uri="{FF2B5EF4-FFF2-40B4-BE49-F238E27FC236}">
-                <a16:creationId xmlns:a16="http://schemas.microsoft.com/office/drawing/2014/main" id="{2F92AE66-6BDE-7DED-1D40-23CCC3A27A35}"/>
-              </a:ext>
-            </a:extLst>
-          </p:cNvPr>
-          <p:cNvSpPr>
-            <a:spLocks noGrp="1"/>
-          </p:cNvSpPr>
-          <p:nvPr>
-            <p:ph type="sldNum" sz="quarter" idx="4"/>
-          </p:nvPr>
-        </p:nvSpPr>
-        <p:spPr>
-          <a:xfrm>
-            <a:off x="6553200" y="6453188"/>
-            <a:ext cx="2133600" cy="215900"/>
-          </a:xfrm>
-        </p:spPr>
-        <p:txBody>
-          <a:bodyPr/>
-          <a:lstStyle/>
-          <a:p>
-            <a:pPr>
-              <a:defRPr/>
-            </a:pPr>
-            <a:fld id="{8FC82157-7644-43C8-B832-2A3ED392D66B}" type="slidenum">
+            <a:fld id="{CF6E12DF-9ECE-463F-89B2-3CF702297A6B}" type="slidenum">
               <a:rPr lang="de-DE" smtClean="0"/>
               <a:pPr>
                 <a:defRPr/>
@@ -10558,10 +11509,418 @@
           </a:p>
         </p:txBody>
       </p:sp>
+      <p:sp>
+        <p:nvSpPr>
+          <p:cNvPr id="8" name="Content Placeholder 2">
+            <a:extLst>
+              <a:ext uri="{FF2B5EF4-FFF2-40B4-BE49-F238E27FC236}">
+                <a16:creationId xmlns:a16="http://schemas.microsoft.com/office/drawing/2014/main" id="{65274E1B-3D59-F39A-3443-30E102207486}"/>
+              </a:ext>
+            </a:extLst>
+          </p:cNvPr>
+          <p:cNvSpPr>
+            <a:spLocks noGrp="1"/>
+          </p:cNvSpPr>
+          <p:nvPr>
+            <p:ph sz="half" idx="1"/>
+          </p:nvPr>
+        </p:nvSpPr>
+        <p:spPr>
+          <a:xfrm>
+            <a:off x="457200" y="1600201"/>
+            <a:ext cx="8507288" cy="3701008"/>
+          </a:xfrm>
+        </p:spPr>
+        <p:txBody>
+          <a:bodyPr anchor="ctr"/>
+          <a:lstStyle/>
+          <a:p>
+            <a:pPr marL="0" indent="0">
+              <a:buNone/>
+            </a:pPr>
+            <a:r>
+              <a:rPr lang="de-CH" sz="2000" b="0" dirty="0">
+                <a:solidFill>
+                  <a:srgbClr val="0000FF"/>
+                </a:solidFill>
+                <a:effectLst/>
+                <a:latin typeface="Consolas" panose="020B0609020204030204" pitchFamily="49" charset="0"/>
+              </a:rPr>
+              <a:t>CLASS</a:t>
+            </a:r>
+            <a:r>
+              <a:rPr lang="de-CH" sz="2000" b="0" dirty="0">
+                <a:solidFill>
+                  <a:srgbClr val="3B3B3B"/>
+                </a:solidFill>
+                <a:effectLst/>
+                <a:latin typeface="Consolas" panose="020B0609020204030204" pitchFamily="49" charset="0"/>
+              </a:rPr>
+              <a:t> Projekt</a:t>
+            </a:r>
+          </a:p>
+          <a:p>
+            <a:pPr marL="0" indent="0">
+              <a:buNone/>
+            </a:pPr>
+            <a:r>
+              <a:rPr lang="de-CH" sz="2000" b="0" dirty="0">
+                <a:solidFill>
+                  <a:srgbClr val="3B3B3B"/>
+                </a:solidFill>
+                <a:effectLst/>
+                <a:latin typeface="Consolas" panose="020B0609020204030204" pitchFamily="49" charset="0"/>
+              </a:rPr>
+              <a:t>  Status </a:t>
+            </a:r>
+            <a:r>
+              <a:rPr lang="de-CH" sz="2000" b="0" dirty="0">
+                <a:solidFill>
+                  <a:srgbClr val="000000"/>
+                </a:solidFill>
+                <a:effectLst/>
+                <a:latin typeface="Consolas" panose="020B0609020204030204" pitchFamily="49" charset="0"/>
+              </a:rPr>
+              <a:t>:</a:t>
+            </a:r>
+            <a:r>
+              <a:rPr lang="de-CH" sz="2000" b="0" dirty="0">
+                <a:solidFill>
+                  <a:srgbClr val="3B3B3B"/>
+                </a:solidFill>
+                <a:effectLst/>
+                <a:latin typeface="Consolas" panose="020B0609020204030204" pitchFamily="49" charset="0"/>
+              </a:rPr>
+              <a:t> </a:t>
+            </a:r>
+            <a:r>
+              <a:rPr lang="de-CH" sz="2000" b="0" dirty="0">
+                <a:solidFill>
+                  <a:srgbClr val="0000FF"/>
+                </a:solidFill>
+                <a:effectLst/>
+                <a:latin typeface="Consolas" panose="020B0609020204030204" pitchFamily="49" charset="0"/>
+              </a:rPr>
+              <a:t>MANDATORY</a:t>
+            </a:r>
+            <a:r>
+              <a:rPr lang="de-CH" sz="2000" b="0" dirty="0">
+                <a:solidFill>
+                  <a:srgbClr val="3B3B3B"/>
+                </a:solidFill>
+                <a:effectLst/>
+                <a:latin typeface="Consolas" panose="020B0609020204030204" pitchFamily="49" charset="0"/>
+              </a:rPr>
+              <a:t> (geplant, laufend, abgeschlossen)</a:t>
+            </a:r>
+            <a:r>
+              <a:rPr lang="de-CH" sz="2000" b="0" dirty="0">
+                <a:solidFill>
+                  <a:srgbClr val="000000"/>
+                </a:solidFill>
+                <a:effectLst/>
+                <a:latin typeface="Consolas" panose="020B0609020204030204" pitchFamily="49" charset="0"/>
+              </a:rPr>
+              <a:t>;</a:t>
+            </a:r>
+            <a:endParaRPr lang="de-CH" sz="2000" b="0" dirty="0">
+              <a:solidFill>
+                <a:srgbClr val="3B3B3B"/>
+              </a:solidFill>
+              <a:effectLst/>
+              <a:latin typeface="Consolas" panose="020B0609020204030204" pitchFamily="49" charset="0"/>
+            </a:endParaRPr>
+          </a:p>
+          <a:p>
+            <a:pPr marL="0" indent="0">
+              <a:buNone/>
+            </a:pPr>
+            <a:r>
+              <a:rPr lang="de-CH" sz="2000" b="0" dirty="0">
+                <a:solidFill>
+                  <a:srgbClr val="3B3B3B"/>
+                </a:solidFill>
+                <a:effectLst/>
+                <a:latin typeface="Consolas" panose="020B0609020204030204" pitchFamily="49" charset="0"/>
+              </a:rPr>
+              <a:t>  </a:t>
+            </a:r>
+            <a:r>
+              <a:rPr lang="de-CH" sz="2000" b="0" dirty="0" err="1">
+                <a:solidFill>
+                  <a:srgbClr val="3B3B3B"/>
+                </a:solidFill>
+                <a:effectLst/>
+                <a:latin typeface="Consolas" panose="020B0609020204030204" pitchFamily="49" charset="0"/>
+              </a:rPr>
+              <a:t>ProjektStart</a:t>
+            </a:r>
+            <a:r>
+              <a:rPr lang="de-CH" sz="2000" b="0" dirty="0">
+                <a:solidFill>
+                  <a:srgbClr val="3B3B3B"/>
+                </a:solidFill>
+                <a:effectLst/>
+                <a:latin typeface="Consolas" panose="020B0609020204030204" pitchFamily="49" charset="0"/>
+              </a:rPr>
+              <a:t> </a:t>
+            </a:r>
+            <a:r>
+              <a:rPr lang="de-CH" sz="2000" b="0" dirty="0">
+                <a:solidFill>
+                  <a:srgbClr val="000000"/>
+                </a:solidFill>
+                <a:effectLst/>
+                <a:latin typeface="Consolas" panose="020B0609020204030204" pitchFamily="49" charset="0"/>
+              </a:rPr>
+              <a:t>:</a:t>
+            </a:r>
+            <a:r>
+              <a:rPr lang="de-CH" sz="2000" b="0" dirty="0">
+                <a:solidFill>
+                  <a:srgbClr val="3B3B3B"/>
+                </a:solidFill>
+                <a:effectLst/>
+                <a:latin typeface="Consolas" panose="020B0609020204030204" pitchFamily="49" charset="0"/>
+              </a:rPr>
+              <a:t> </a:t>
+            </a:r>
+            <a:r>
+              <a:rPr lang="de-CH" sz="2000" b="0" dirty="0" err="1">
+                <a:solidFill>
+                  <a:srgbClr val="0000FF"/>
+                </a:solidFill>
+                <a:effectLst/>
+                <a:latin typeface="Consolas" panose="020B0609020204030204" pitchFamily="49" charset="0"/>
+              </a:rPr>
+              <a:t>INTERLIS</a:t>
+            </a:r>
+            <a:r>
+              <a:rPr lang="de-CH" sz="2000" b="0" dirty="0" err="1">
+                <a:solidFill>
+                  <a:srgbClr val="3B3B3B"/>
+                </a:solidFill>
+                <a:effectLst/>
+                <a:latin typeface="Consolas" panose="020B0609020204030204" pitchFamily="49" charset="0"/>
+              </a:rPr>
+              <a:t>.XMLDate</a:t>
+            </a:r>
+            <a:r>
+              <a:rPr lang="de-CH" sz="2000" b="0" dirty="0">
+                <a:solidFill>
+                  <a:srgbClr val="000000"/>
+                </a:solidFill>
+                <a:effectLst/>
+                <a:latin typeface="Consolas" panose="020B0609020204030204" pitchFamily="49" charset="0"/>
+              </a:rPr>
+              <a:t>;</a:t>
+            </a:r>
+            <a:endParaRPr lang="de-CH" sz="2000" b="0" dirty="0">
+              <a:solidFill>
+                <a:srgbClr val="3B3B3B"/>
+              </a:solidFill>
+              <a:effectLst/>
+              <a:latin typeface="Consolas" panose="020B0609020204030204" pitchFamily="49" charset="0"/>
+            </a:endParaRPr>
+          </a:p>
+          <a:p>
+            <a:pPr marL="0" indent="0">
+              <a:buNone/>
+            </a:pPr>
+            <a:r>
+              <a:rPr lang="de-CH" sz="2000" b="0" dirty="0">
+                <a:solidFill>
+                  <a:srgbClr val="0000FF"/>
+                </a:solidFill>
+                <a:effectLst/>
+                <a:latin typeface="Consolas" panose="020B0609020204030204" pitchFamily="49" charset="0"/>
+              </a:rPr>
+              <a:t>END</a:t>
+            </a:r>
+            <a:endParaRPr lang="de-CH" sz="2000" b="0" dirty="0">
+              <a:solidFill>
+                <a:srgbClr val="3B3B3B"/>
+              </a:solidFill>
+              <a:effectLst/>
+              <a:latin typeface="Consolas" panose="020B0609020204030204" pitchFamily="49" charset="0"/>
+            </a:endParaRPr>
+          </a:p>
+          <a:p>
+            <a:pPr marL="0" indent="0">
+              <a:buNone/>
+            </a:pPr>
+            <a:endParaRPr lang="de-CH" sz="2000" b="0" dirty="0">
+              <a:solidFill>
+                <a:srgbClr val="0000FF"/>
+              </a:solidFill>
+              <a:effectLst/>
+              <a:latin typeface="Consolas" panose="020B0609020204030204" pitchFamily="49" charset="0"/>
+            </a:endParaRPr>
+          </a:p>
+          <a:p>
+            <a:pPr marL="0" indent="0">
+              <a:buNone/>
+            </a:pPr>
+            <a:r>
+              <a:rPr lang="en-US" sz="2000" b="0" dirty="0">
+                <a:solidFill>
+                  <a:srgbClr val="0000FF"/>
+                </a:solidFill>
+                <a:effectLst/>
+                <a:latin typeface="Consolas" panose="020B0609020204030204" pitchFamily="49" charset="0"/>
+              </a:rPr>
+              <a:t>MANDATORY</a:t>
+            </a:r>
+            <a:r>
+              <a:rPr lang="en-US" sz="2000" b="0" dirty="0">
+                <a:solidFill>
+                  <a:srgbClr val="3B3B3B"/>
+                </a:solidFill>
+                <a:effectLst/>
+                <a:latin typeface="Consolas" panose="020B0609020204030204" pitchFamily="49" charset="0"/>
+              </a:rPr>
+              <a:t> </a:t>
+            </a:r>
+            <a:r>
+              <a:rPr lang="en-US" sz="2000" b="0" dirty="0">
+                <a:solidFill>
+                  <a:srgbClr val="0000FF"/>
+                </a:solidFill>
+                <a:effectLst/>
+                <a:latin typeface="Consolas" panose="020B0609020204030204" pitchFamily="49" charset="0"/>
+              </a:rPr>
+              <a:t>CONSTRAINT</a:t>
+            </a:r>
+            <a:r>
+              <a:rPr lang="en-US" sz="2000" b="0" dirty="0">
+                <a:solidFill>
+                  <a:srgbClr val="3B3B3B"/>
+                </a:solidFill>
+                <a:effectLst/>
+                <a:latin typeface="Consolas" panose="020B0609020204030204" pitchFamily="49" charset="0"/>
+              </a:rPr>
+              <a:t> </a:t>
+            </a:r>
+            <a:r>
+              <a:rPr lang="en-US" sz="2000" dirty="0" err="1">
+                <a:solidFill>
+                  <a:srgbClr val="3B3B3B"/>
+                </a:solidFill>
+                <a:latin typeface="Consolas" panose="020B0609020204030204" pitchFamily="49" charset="0"/>
+              </a:rPr>
+              <a:t>ProjektGestartet</a:t>
+            </a:r>
+            <a:r>
+              <a:rPr lang="en-US" sz="2000" dirty="0">
+                <a:solidFill>
+                  <a:srgbClr val="3B3B3B"/>
+                </a:solidFill>
+                <a:latin typeface="Consolas" panose="020B0609020204030204" pitchFamily="49" charset="0"/>
+              </a:rPr>
+              <a:t> :</a:t>
+            </a:r>
+          </a:p>
+          <a:p>
+            <a:pPr marL="0" indent="0">
+              <a:buNone/>
+            </a:pPr>
+            <a:r>
+              <a:rPr lang="en-US" sz="2000" b="0" dirty="0">
+                <a:solidFill>
+                  <a:srgbClr val="3B3B3B"/>
+                </a:solidFill>
+                <a:effectLst/>
+                <a:latin typeface="Consolas" panose="020B0609020204030204" pitchFamily="49" charset="0"/>
+              </a:rPr>
+              <a:t>  Status </a:t>
+            </a:r>
+            <a:r>
+              <a:rPr lang="en-US" sz="2000" b="0" dirty="0">
+                <a:solidFill>
+                  <a:srgbClr val="000000"/>
+                </a:solidFill>
+                <a:effectLst/>
+                <a:latin typeface="Consolas" panose="020B0609020204030204" pitchFamily="49" charset="0"/>
+              </a:rPr>
+              <a:t>==</a:t>
+            </a:r>
+            <a:r>
+              <a:rPr lang="en-US" sz="2000" b="0" dirty="0">
+                <a:solidFill>
+                  <a:srgbClr val="3B3B3B"/>
+                </a:solidFill>
+                <a:effectLst/>
+                <a:latin typeface="Consolas" panose="020B0609020204030204" pitchFamily="49" charset="0"/>
+              </a:rPr>
+              <a:t> #laufend </a:t>
+            </a:r>
+            <a:r>
+              <a:rPr lang="en-US" sz="2000" b="0" dirty="0">
+                <a:solidFill>
+                  <a:srgbClr val="000000"/>
+                </a:solidFill>
+                <a:effectLst/>
+                <a:latin typeface="Consolas" panose="020B0609020204030204" pitchFamily="49" charset="0"/>
+              </a:rPr>
+              <a:t>=</a:t>
+            </a:r>
+            <a:r>
+              <a:rPr lang="en-US" sz="2000" b="0" dirty="0">
+                <a:solidFill>
+                  <a:srgbClr val="3B3B3B"/>
+                </a:solidFill>
+                <a:effectLst/>
+                <a:latin typeface="Consolas" panose="020B0609020204030204" pitchFamily="49" charset="0"/>
+              </a:rPr>
+              <a:t>&gt; </a:t>
+            </a:r>
+            <a:r>
+              <a:rPr lang="en-US" sz="2000" b="0" dirty="0">
+                <a:solidFill>
+                  <a:srgbClr val="0000FF"/>
+                </a:solidFill>
+                <a:effectLst/>
+                <a:latin typeface="Consolas" panose="020B0609020204030204" pitchFamily="49" charset="0"/>
+              </a:rPr>
+              <a:t>DEFINED</a:t>
+            </a:r>
+            <a:r>
+              <a:rPr lang="en-US" sz="2000" b="0" dirty="0">
+                <a:solidFill>
+                  <a:srgbClr val="3B3B3B"/>
+                </a:solidFill>
+                <a:effectLst/>
+                <a:latin typeface="Consolas" panose="020B0609020204030204" pitchFamily="49" charset="0"/>
+              </a:rPr>
+              <a:t>(</a:t>
+            </a:r>
+            <a:r>
+              <a:rPr lang="en-US" sz="2000" b="0" dirty="0" err="1">
+                <a:solidFill>
+                  <a:srgbClr val="3B3B3B"/>
+                </a:solidFill>
+                <a:effectLst/>
+                <a:latin typeface="Consolas" panose="020B0609020204030204" pitchFamily="49" charset="0"/>
+              </a:rPr>
+              <a:t>ProjektStart</a:t>
+            </a:r>
+            <a:r>
+              <a:rPr lang="en-US" sz="2000" b="0" dirty="0">
+                <a:solidFill>
+                  <a:srgbClr val="3B3B3B"/>
+                </a:solidFill>
+                <a:effectLst/>
+                <a:latin typeface="Consolas" panose="020B0609020204030204" pitchFamily="49" charset="0"/>
+              </a:rPr>
+              <a:t>) </a:t>
+            </a:r>
+          </a:p>
+        </p:txBody>
+      </p:sp>
     </p:spTree>
     <p:extLst>
       <p:ext uri="{BB962C8B-B14F-4D97-AF65-F5344CB8AC3E}">
-        <p14:creationId xmlns:p14="http://schemas.microsoft.com/office/powerpoint/2010/main" val="2647706805"/>
+        <p14:creationId xmlns:p14="http://schemas.microsoft.com/office/powerpoint/2010/main" val="4152758701"/>
       </p:ext>
     </p:extLst>
   </p:cSld>
@@ -10593,7 +11952,7 @@
           <p:cNvPr id="2" name="Title 1">
             <a:extLst>
               <a:ext uri="{FF2B5EF4-FFF2-40B4-BE49-F238E27FC236}">
-                <a16:creationId xmlns:a16="http://schemas.microsoft.com/office/drawing/2014/main" id="{C7B0EC69-C21C-A8A8-BB1F-2B29FE3D8663}"/>
+                <a16:creationId xmlns:a16="http://schemas.microsoft.com/office/drawing/2014/main" id="{3A97D44B-EBDF-506D-D0CB-44C3A0DDE7FF}"/>
               </a:ext>
             </a:extLst>
           </p:cNvPr>
@@ -10611,7 +11970,7 @@
           <a:p>
             <a:r>
               <a:rPr lang="de-CH" dirty="0"/>
-              <a:t>MULTI Geometrien</a:t>
+              <a:t>Primitive typen in BAGs</a:t>
             </a:r>
           </a:p>
         </p:txBody>
@@ -10621,7 +11980,7 @@
           <p:cNvPr id="3" name="Content Placeholder 2">
             <a:extLst>
               <a:ext uri="{FF2B5EF4-FFF2-40B4-BE49-F238E27FC236}">
-                <a16:creationId xmlns:a16="http://schemas.microsoft.com/office/drawing/2014/main" id="{95DAE41A-13FC-1C2C-C69F-E39BD38AC9EC}"/>
+                <a16:creationId xmlns:a16="http://schemas.microsoft.com/office/drawing/2014/main" id="{BFEE331B-9A17-172A-B548-0552796C813F}"/>
               </a:ext>
             </a:extLst>
           </p:cNvPr>
@@ -10634,80 +11993,34 @@
         </p:nvSpPr>
         <p:spPr/>
         <p:txBody>
-          <a:bodyPr/>
+          <a:bodyPr anchor="ctr"/>
           <a:lstStyle/>
           <a:p>
             <a:pPr marL="0" indent="0">
               <a:buNone/>
             </a:pPr>
             <a:r>
-              <a:rPr lang="de-CH" sz="2000" b="0" dirty="0">
+              <a:rPr lang="de-CH" b="0" dirty="0">
                 <a:solidFill>
                   <a:srgbClr val="0000FF"/>
                 </a:solidFill>
                 <a:effectLst/>
                 <a:latin typeface="Consolas" panose="020B0609020204030204" pitchFamily="49" charset="0"/>
               </a:rPr>
-              <a:t>INTERLIS 2.3</a:t>
-            </a:r>
-          </a:p>
-          <a:p>
-            <a:pPr marL="0" indent="0">
-              <a:buNone/>
-            </a:pPr>
-            <a:endParaRPr lang="de-CH" sz="2000" dirty="0">
-              <a:solidFill>
-                <a:srgbClr val="0000FF"/>
-              </a:solidFill>
-              <a:latin typeface="Consolas" panose="020B0609020204030204" pitchFamily="49" charset="0"/>
-            </a:endParaRPr>
-          </a:p>
-          <a:p>
-            <a:pPr marL="0" indent="0">
-              <a:buNone/>
-            </a:pPr>
-            <a:r>
-              <a:rPr lang="de-CH" sz="2000" b="0" dirty="0">
-                <a:solidFill>
-                  <a:srgbClr val="0000FF"/>
-                </a:solidFill>
-                <a:effectLst/>
-                <a:latin typeface="Consolas" panose="020B0609020204030204" pitchFamily="49" charset="0"/>
-              </a:rPr>
-              <a:t>STRUCTURE</a:t>
-            </a:r>
-            <a:r>
-              <a:rPr lang="de-CH" sz="2000" b="0" dirty="0">
-                <a:solidFill>
-                  <a:srgbClr val="3B3B3B"/>
-                </a:solidFill>
-                <a:effectLst/>
-                <a:latin typeface="Consolas" panose="020B0609020204030204" pitchFamily="49" charset="0"/>
-              </a:rPr>
-              <a:t> </a:t>
-            </a:r>
-            <a:r>
-              <a:rPr lang="de-CH" sz="2000" b="0" dirty="0" err="1">
-                <a:solidFill>
-                  <a:srgbClr val="3B3B3B"/>
-                </a:solidFill>
-                <a:effectLst/>
-                <a:latin typeface="Consolas" panose="020B0609020204030204" pitchFamily="49" charset="0"/>
-              </a:rPr>
-              <a:t>SurfaceStructure</a:t>
-            </a:r>
-            <a:r>
-              <a:rPr lang="de-CH" sz="2000" b="0" dirty="0">
-                <a:solidFill>
-                  <a:srgbClr val="3B3B3B"/>
-                </a:solidFill>
-                <a:effectLst/>
-                <a:latin typeface="Consolas" panose="020B0609020204030204" pitchFamily="49" charset="0"/>
-              </a:rPr>
-              <a:t> </a:t>
-            </a:r>
-            <a:r>
-              <a:rPr lang="de-CH" sz="2000" b="0" dirty="0">
+              <a:t>CLASS</a:t>
+            </a:r>
+            <a:r>
+              <a:rPr lang="de-CH" b="0" dirty="0">
+                <a:solidFill>
+                  <a:srgbClr val="3B3B3B"/>
+                </a:solidFill>
+                <a:effectLst/>
+                <a:latin typeface="Consolas" panose="020B0609020204030204" pitchFamily="49" charset="0"/>
+              </a:rPr>
+              <a:t> Projekt </a:t>
+            </a:r>
+            <a:r>
+              <a:rPr lang="de-CH" b="0" dirty="0">
                 <a:solidFill>
                   <a:srgbClr val="000000"/>
                 </a:solidFill>
@@ -10716,7 +12029,7 @@
               </a:rPr>
               <a:t>=</a:t>
             </a:r>
-            <a:endParaRPr lang="de-CH" sz="2000" b="0" dirty="0">
+            <a:endParaRPr lang="de-CH" b="0" dirty="0">
               <a:solidFill>
                 <a:srgbClr val="3B3B3B"/>
               </a:solidFill>
@@ -10729,17 +12042,37 @@
               <a:buNone/>
             </a:pPr>
             <a:r>
-              <a:rPr lang="de-CH" sz="2000" b="0" dirty="0">
-                <a:solidFill>
-                  <a:srgbClr val="3B3B3B"/>
-                </a:solidFill>
-                <a:effectLst/>
-                <a:latin typeface="Consolas" panose="020B0609020204030204" pitchFamily="49" charset="0"/>
-              </a:rPr>
-              <a:t>  Surface</a:t>
-            </a:r>
-            <a:r>
-              <a:rPr lang="de-CH" sz="2000" b="0" dirty="0">
+              <a:rPr lang="de-CH" b="0" dirty="0">
+                <a:solidFill>
+                  <a:srgbClr val="3B3B3B"/>
+                </a:solidFill>
+                <a:effectLst/>
+                <a:latin typeface="Consolas" panose="020B0609020204030204" pitchFamily="49" charset="0"/>
+              </a:rPr>
+              <a:t>  </a:t>
+            </a:r>
+            <a:r>
+              <a:rPr lang="de-CH" b="0" dirty="0" err="1">
+                <a:solidFill>
+                  <a:srgbClr val="3B3B3B"/>
+                </a:solidFill>
+                <a:effectLst/>
+                <a:latin typeface="Consolas" panose="020B0609020204030204" pitchFamily="49" charset="0"/>
+              </a:rPr>
+              <a:t>ProjektNummer</a:t>
+            </a:r>
+            <a:r>
+              <a:rPr lang="de-CH" b="0" dirty="0">
+                <a:solidFill>
+                  <a:srgbClr val="3B3B3B"/>
+                </a:solidFill>
+                <a:effectLst/>
+                <a:latin typeface="Consolas" panose="020B0609020204030204" pitchFamily="49" charset="0"/>
+              </a:rPr>
+              <a:t> </a:t>
+            </a:r>
+            <a:r>
+              <a:rPr lang="de-CH" b="0" dirty="0">
                 <a:solidFill>
                   <a:srgbClr val="000000"/>
                 </a:solidFill>
@@ -10749,7 +12082,7 @@
               <a:t>:</a:t>
             </a:r>
             <a:r>
-              <a:rPr lang="de-CH" sz="2000" b="0" dirty="0">
+              <a:rPr lang="de-CH" b="0" dirty="0">
                 <a:solidFill>
                   <a:srgbClr val="3B3B3B"/>
                 </a:solidFill>
@@ -10759,17 +12092,37 @@
               <a:t> </a:t>
             </a:r>
             <a:r>
-              <a:rPr lang="de-CH" sz="2000" b="0" dirty="0">
-                <a:solidFill>
-                  <a:srgbClr val="267F99"/>
-                </a:solidFill>
-                <a:effectLst/>
-                <a:latin typeface="Consolas" panose="020B0609020204030204" pitchFamily="49" charset="0"/>
-              </a:rPr>
-              <a:t>SURFACE</a:t>
-            </a:r>
-            <a:r>
-              <a:rPr lang="de-CH" sz="2000" b="0" dirty="0">
+              <a:rPr lang="de-CH" b="0" dirty="0">
+                <a:solidFill>
+                  <a:srgbClr val="0000FF"/>
+                </a:solidFill>
+                <a:effectLst/>
+                <a:latin typeface="Consolas" panose="020B0609020204030204" pitchFamily="49" charset="0"/>
+              </a:rPr>
+              <a:t>MANDATORY</a:t>
+            </a:r>
+            <a:r>
+              <a:rPr lang="de-CH" b="0" dirty="0">
+                <a:solidFill>
+                  <a:srgbClr val="3B3B3B"/>
+                </a:solidFill>
+                <a:effectLst/>
+                <a:latin typeface="Consolas" panose="020B0609020204030204" pitchFamily="49" charset="0"/>
+              </a:rPr>
+              <a:t> </a:t>
+            </a:r>
+            <a:r>
+              <a:rPr lang="de-CH" b="0" dirty="0" err="1">
+                <a:solidFill>
+                  <a:srgbClr val="3B3B3B"/>
+                </a:solidFill>
+                <a:effectLst/>
+                <a:latin typeface="Consolas" panose="020B0609020204030204" pitchFamily="49" charset="0"/>
+              </a:rPr>
+              <a:t>ProjektID</a:t>
+            </a:r>
+            <a:r>
+              <a:rPr lang="de-CH" b="0" dirty="0">
                 <a:solidFill>
                   <a:srgbClr val="000000"/>
                 </a:solidFill>
@@ -10778,7 +12131,7 @@
               </a:rPr>
               <a:t>;</a:t>
             </a:r>
-            <a:endParaRPr lang="de-CH" sz="2000" b="0" dirty="0">
+            <a:endParaRPr lang="de-CH" b="0" dirty="0">
               <a:solidFill>
                 <a:srgbClr val="3B3B3B"/>
               </a:solidFill>
@@ -10791,17 +12144,87 @@
               <a:buNone/>
             </a:pPr>
             <a:r>
-              <a:rPr lang="de-CH" sz="2000" b="0" dirty="0">
+              <a:rPr lang="de-CH" b="0" dirty="0">
+                <a:solidFill>
+                  <a:srgbClr val="3B3B3B"/>
+                </a:solidFill>
+                <a:effectLst/>
+                <a:latin typeface="Consolas" panose="020B0609020204030204" pitchFamily="49" charset="0"/>
+              </a:rPr>
+              <a:t>  Eigenschaften </a:t>
+            </a:r>
+            <a:r>
+              <a:rPr lang="de-CH" b="0" dirty="0">
+                <a:solidFill>
+                  <a:srgbClr val="000000"/>
+                </a:solidFill>
+                <a:effectLst/>
+                <a:latin typeface="Consolas" panose="020B0609020204030204" pitchFamily="49" charset="0"/>
+              </a:rPr>
+              <a:t>:</a:t>
+            </a:r>
+            <a:r>
+              <a:rPr lang="de-CH" b="0" dirty="0">
+                <a:solidFill>
+                  <a:srgbClr val="3B3B3B"/>
+                </a:solidFill>
+                <a:effectLst/>
+                <a:latin typeface="Consolas" panose="020B0609020204030204" pitchFamily="49" charset="0"/>
+              </a:rPr>
+              <a:t> </a:t>
+            </a:r>
+            <a:r>
+              <a:rPr lang="de-CH" b="0" dirty="0">
                 <a:solidFill>
                   <a:srgbClr val="0000FF"/>
                 </a:solidFill>
                 <a:effectLst/>
                 <a:latin typeface="Consolas" panose="020B0609020204030204" pitchFamily="49" charset="0"/>
               </a:rPr>
-              <a:t>END</a:t>
-            </a:r>
-            <a:r>
-              <a:rPr lang="de-CH" sz="2000" b="0" dirty="0">
+              <a:t>BAG</a:t>
+            </a:r>
+            <a:r>
+              <a:rPr lang="de-CH" b="0" dirty="0">
+                <a:solidFill>
+                  <a:srgbClr val="3B3B3B"/>
+                </a:solidFill>
+                <a:effectLst/>
+                <a:latin typeface="Consolas" panose="020B0609020204030204" pitchFamily="49" charset="0"/>
+              </a:rPr>
+              <a:t> {0..</a:t>
+            </a:r>
+            <a:r>
+              <a:rPr lang="de-CH" b="0" dirty="0">
+                <a:solidFill>
+                  <a:srgbClr val="098658"/>
+                </a:solidFill>
+                <a:effectLst/>
+                <a:latin typeface="Consolas" panose="020B0609020204030204" pitchFamily="49" charset="0"/>
+              </a:rPr>
+              <a:t>3</a:t>
+            </a:r>
+            <a:r>
+              <a:rPr lang="de-CH" b="0" dirty="0">
+                <a:solidFill>
+                  <a:srgbClr val="3B3B3B"/>
+                </a:solidFill>
+                <a:effectLst/>
+                <a:latin typeface="Consolas" panose="020B0609020204030204" pitchFamily="49" charset="0"/>
+              </a:rPr>
+              <a:t>} </a:t>
+            </a:r>
+            <a:r>
+              <a:rPr lang="de-CH" b="0" dirty="0">
+                <a:solidFill>
+                  <a:srgbClr val="0000FF"/>
+                </a:solidFill>
+                <a:effectLst/>
+                <a:latin typeface="Consolas" panose="020B0609020204030204" pitchFamily="49" charset="0"/>
+              </a:rPr>
+              <a:t>OF</a:t>
+            </a:r>
+            <a:r>
+              <a:rPr lang="de-CH" b="0" dirty="0">
                 <a:solidFill>
                   <a:srgbClr val="3B3B3B"/>
                 </a:solidFill>
@@ -10811,17 +12234,37 @@
               <a:t> </a:t>
             </a:r>
             <a:r>
-              <a:rPr lang="de-CH" sz="2000" b="0" dirty="0" err="1">
-                <a:solidFill>
-                  <a:srgbClr val="3B3B3B"/>
-                </a:solidFill>
-                <a:effectLst/>
-                <a:latin typeface="Consolas" panose="020B0609020204030204" pitchFamily="49" charset="0"/>
-              </a:rPr>
-              <a:t>SurfaceStructure</a:t>
-            </a:r>
-            <a:r>
-              <a:rPr lang="de-CH" sz="2000" b="0" dirty="0">
+              <a:rPr lang="de-CH" b="0" dirty="0">
+                <a:solidFill>
+                  <a:srgbClr val="267F99"/>
+                </a:solidFill>
+                <a:effectLst/>
+                <a:latin typeface="Consolas" panose="020B0609020204030204" pitchFamily="49" charset="0"/>
+              </a:rPr>
+              <a:t>TEXT</a:t>
+            </a:r>
+            <a:r>
+              <a:rPr lang="de-CH" b="0" dirty="0">
+                <a:solidFill>
+                  <a:srgbClr val="3B3B3B"/>
+                </a:solidFill>
+                <a:effectLst/>
+                <a:latin typeface="Consolas" panose="020B0609020204030204" pitchFamily="49" charset="0"/>
+              </a:rPr>
+              <a:t>*</a:t>
+            </a:r>
+            <a:r>
+              <a:rPr lang="de-CH" b="0" dirty="0">
+                <a:solidFill>
+                  <a:srgbClr val="098658"/>
+                </a:solidFill>
+                <a:effectLst/>
+                <a:latin typeface="Consolas" panose="020B0609020204030204" pitchFamily="49" charset="0"/>
+              </a:rPr>
+              <a:t>50</a:t>
+            </a:r>
+            <a:r>
+              <a:rPr lang="de-CH" b="0" dirty="0">
                 <a:solidFill>
                   <a:srgbClr val="000000"/>
                 </a:solidFill>
@@ -10830,7 +12273,7 @@
               </a:rPr>
               <a:t>;</a:t>
             </a:r>
-            <a:endParaRPr lang="de-CH" sz="2000" b="0" dirty="0">
+            <a:endParaRPr lang="de-CH" b="0" dirty="0">
               <a:solidFill>
                 <a:srgbClr val="3B3B3B"/>
               </a:solidFill>
@@ -10842,66 +12285,37 @@
             <a:pPr marL="0" indent="0">
               <a:buNone/>
             </a:pPr>
-            <a:br>
-              <a:rPr lang="de-CH" sz="2000" b="0" dirty="0">
-                <a:solidFill>
-                  <a:srgbClr val="3B3B3B"/>
-                </a:solidFill>
-                <a:effectLst/>
-                <a:latin typeface="Consolas" panose="020B0609020204030204" pitchFamily="49" charset="0"/>
-              </a:rPr>
-            </a:br>
-            <a:r>
-              <a:rPr lang="de-CH" sz="2000" b="0" dirty="0">
+            <a:r>
+              <a:rPr lang="de-CH" b="0" dirty="0">
                 <a:solidFill>
                   <a:srgbClr val="0000FF"/>
                 </a:solidFill>
                 <a:effectLst/>
                 <a:latin typeface="Consolas" panose="020B0609020204030204" pitchFamily="49" charset="0"/>
               </a:rPr>
-              <a:t>CLASS</a:t>
-            </a:r>
-            <a:r>
-              <a:rPr lang="de-CH" sz="2000" b="0" dirty="0">
-                <a:solidFill>
-                  <a:srgbClr val="3B3B3B"/>
-                </a:solidFill>
-                <a:effectLst/>
-                <a:latin typeface="Consolas" panose="020B0609020204030204" pitchFamily="49" charset="0"/>
-              </a:rPr>
-              <a:t> </a:t>
-            </a:r>
-            <a:r>
-              <a:rPr lang="de-CH" sz="2000" b="0" dirty="0" err="1">
-                <a:solidFill>
-                  <a:srgbClr val="3B3B3B"/>
-                </a:solidFill>
-                <a:effectLst/>
-                <a:latin typeface="Consolas" panose="020B0609020204030204" pitchFamily="49" charset="0"/>
-              </a:rPr>
-              <a:t>LZ_Flaeche</a:t>
-            </a:r>
-            <a:r>
-              <a:rPr lang="de-CH" sz="2000" b="0" dirty="0">
-                <a:solidFill>
-                  <a:srgbClr val="3B3B3B"/>
-                </a:solidFill>
-                <a:effectLst/>
-                <a:latin typeface="Consolas" panose="020B0609020204030204" pitchFamily="49" charset="0"/>
-              </a:rPr>
-              <a:t> </a:t>
-            </a:r>
-            <a:r>
-              <a:rPr lang="de-CH" sz="2000" b="0" dirty="0">
+              <a:t>END</a:t>
+            </a:r>
+            <a:r>
+              <a:rPr lang="de-CH" b="0" dirty="0">
+                <a:solidFill>
+                  <a:srgbClr val="3B3B3B"/>
+                </a:solidFill>
+                <a:effectLst/>
+                <a:latin typeface="Consolas" panose="020B0609020204030204" pitchFamily="49" charset="0"/>
+              </a:rPr>
+              <a:t> Projekt</a:t>
+            </a:r>
+            <a:r>
+              <a:rPr lang="de-CH" b="0" dirty="0">
                 <a:solidFill>
                   <a:srgbClr val="000000"/>
                 </a:solidFill>
                 <a:effectLst/>
                 <a:latin typeface="Consolas" panose="020B0609020204030204" pitchFamily="49" charset="0"/>
               </a:rPr>
-              <a:t>=</a:t>
-            </a:r>
-            <a:endParaRPr lang="de-CH" sz="2000" b="0" dirty="0">
+              <a:t>;</a:t>
+            </a:r>
+            <a:endParaRPr lang="de-CH" b="0" dirty="0">
               <a:solidFill>
                 <a:srgbClr val="3B3B3B"/>
               </a:solidFill>
@@ -10910,198 +12324,7 @@
             </a:endParaRPr>
           </a:p>
           <a:p>
-            <a:pPr marL="0" indent="0">
-              <a:buNone/>
-            </a:pPr>
-            <a:r>
-              <a:rPr lang="de-CH" sz="2000" b="0" dirty="0">
-                <a:solidFill>
-                  <a:srgbClr val="3B3B3B"/>
-                </a:solidFill>
-                <a:effectLst/>
-                <a:latin typeface="Consolas" panose="020B0609020204030204" pitchFamily="49" charset="0"/>
-              </a:rPr>
-              <a:t>  </a:t>
-            </a:r>
-            <a:r>
-              <a:rPr lang="de-CH" sz="2000" b="0" dirty="0" err="1">
-                <a:solidFill>
-                  <a:srgbClr val="3B3B3B"/>
-                </a:solidFill>
-                <a:effectLst/>
-                <a:latin typeface="Consolas" panose="020B0609020204030204" pitchFamily="49" charset="0"/>
-              </a:rPr>
-              <a:t>Flaeche</a:t>
-            </a:r>
-            <a:r>
-              <a:rPr lang="de-CH" sz="2000" b="0" dirty="0">
-                <a:solidFill>
-                  <a:srgbClr val="3B3B3B"/>
-                </a:solidFill>
-                <a:effectLst/>
-                <a:latin typeface="Consolas" panose="020B0609020204030204" pitchFamily="49" charset="0"/>
-              </a:rPr>
-              <a:t> </a:t>
-            </a:r>
-            <a:r>
-              <a:rPr lang="de-CH" sz="2000" b="0" dirty="0">
-                <a:solidFill>
-                  <a:srgbClr val="000000"/>
-                </a:solidFill>
-                <a:effectLst/>
-                <a:latin typeface="Consolas" panose="020B0609020204030204" pitchFamily="49" charset="0"/>
-              </a:rPr>
-              <a:t>:</a:t>
-            </a:r>
-            <a:r>
-              <a:rPr lang="de-CH" sz="2000" b="0" dirty="0">
-                <a:solidFill>
-                  <a:srgbClr val="3B3B3B"/>
-                </a:solidFill>
-                <a:effectLst/>
-                <a:latin typeface="Consolas" panose="020B0609020204030204" pitchFamily="49" charset="0"/>
-              </a:rPr>
-              <a:t> </a:t>
-            </a:r>
-            <a:r>
-              <a:rPr lang="de-CH" sz="2000" b="0" dirty="0">
-                <a:solidFill>
-                  <a:srgbClr val="0000FF"/>
-                </a:solidFill>
-                <a:effectLst/>
-                <a:latin typeface="Consolas" panose="020B0609020204030204" pitchFamily="49" charset="0"/>
-              </a:rPr>
-              <a:t>BAG</a:t>
-            </a:r>
-            <a:r>
-              <a:rPr lang="de-CH" sz="2000" b="0" dirty="0">
-                <a:solidFill>
-                  <a:srgbClr val="3B3B3B"/>
-                </a:solidFill>
-                <a:effectLst/>
-                <a:latin typeface="Consolas" panose="020B0609020204030204" pitchFamily="49" charset="0"/>
-              </a:rPr>
-              <a:t> {</a:t>
-            </a:r>
-            <a:r>
-              <a:rPr lang="de-CH" sz="2000" b="0" dirty="0">
-                <a:solidFill>
-                  <a:srgbClr val="098658"/>
-                </a:solidFill>
-                <a:effectLst/>
-                <a:latin typeface="Consolas" panose="020B0609020204030204" pitchFamily="49" charset="0"/>
-              </a:rPr>
-              <a:t>1</a:t>
-            </a:r>
-            <a:r>
-              <a:rPr lang="de-CH" sz="2000" b="0" dirty="0">
-                <a:solidFill>
-                  <a:srgbClr val="3B3B3B"/>
-                </a:solidFill>
-                <a:effectLst/>
-                <a:latin typeface="Consolas" panose="020B0609020204030204" pitchFamily="49" charset="0"/>
-              </a:rPr>
-              <a:t>..*} </a:t>
-            </a:r>
-            <a:r>
-              <a:rPr lang="de-CH" sz="2000" b="0" dirty="0">
-                <a:solidFill>
-                  <a:srgbClr val="0000FF"/>
-                </a:solidFill>
-                <a:effectLst/>
-                <a:latin typeface="Consolas" panose="020B0609020204030204" pitchFamily="49" charset="0"/>
-              </a:rPr>
-              <a:t>OF</a:t>
-            </a:r>
-            <a:r>
-              <a:rPr lang="de-CH" sz="2000" b="0" dirty="0">
-                <a:solidFill>
-                  <a:srgbClr val="3B3B3B"/>
-                </a:solidFill>
-                <a:effectLst/>
-                <a:latin typeface="Consolas" panose="020B0609020204030204" pitchFamily="49" charset="0"/>
-              </a:rPr>
-              <a:t> </a:t>
-            </a:r>
-            <a:r>
-              <a:rPr lang="de-CH" sz="2000" b="0" dirty="0" err="1">
-                <a:solidFill>
-                  <a:srgbClr val="3B3B3B"/>
-                </a:solidFill>
-                <a:effectLst/>
-                <a:latin typeface="Consolas" panose="020B0609020204030204" pitchFamily="49" charset="0"/>
-              </a:rPr>
-              <a:t>SurfaceStructure</a:t>
-            </a:r>
-            <a:r>
-              <a:rPr lang="de-CH" sz="2000" b="0" dirty="0">
-                <a:solidFill>
-                  <a:srgbClr val="000000"/>
-                </a:solidFill>
-                <a:effectLst/>
-                <a:latin typeface="Consolas" panose="020B0609020204030204" pitchFamily="49" charset="0"/>
-              </a:rPr>
-              <a:t>;</a:t>
-            </a:r>
-            <a:endParaRPr lang="de-CH" sz="2000" b="0" dirty="0">
-              <a:solidFill>
-                <a:srgbClr val="3B3B3B"/>
-              </a:solidFill>
-              <a:effectLst/>
-              <a:latin typeface="Consolas" panose="020B0609020204030204" pitchFamily="49" charset="0"/>
-            </a:endParaRPr>
-          </a:p>
-          <a:p>
-            <a:pPr marL="0" indent="0">
-              <a:buNone/>
-            </a:pPr>
-            <a:r>
-              <a:rPr lang="de-CH" sz="2000" b="0" dirty="0">
-                <a:solidFill>
-                  <a:srgbClr val="0000FF"/>
-                </a:solidFill>
-                <a:effectLst/>
-                <a:latin typeface="Consolas" panose="020B0609020204030204" pitchFamily="49" charset="0"/>
-              </a:rPr>
-              <a:t>END</a:t>
-            </a:r>
-            <a:r>
-              <a:rPr lang="de-CH" sz="2000" b="0" dirty="0">
-                <a:solidFill>
-                  <a:srgbClr val="3B3B3B"/>
-                </a:solidFill>
-                <a:effectLst/>
-                <a:latin typeface="Consolas" panose="020B0609020204030204" pitchFamily="49" charset="0"/>
-              </a:rPr>
-              <a:t> </a:t>
-            </a:r>
-            <a:r>
-              <a:rPr lang="de-CH" sz="2000" b="0" dirty="0" err="1">
-                <a:solidFill>
-                  <a:srgbClr val="3B3B3B"/>
-                </a:solidFill>
-                <a:effectLst/>
-                <a:latin typeface="Consolas" panose="020B0609020204030204" pitchFamily="49" charset="0"/>
-              </a:rPr>
-              <a:t>LZ_Flaeche</a:t>
-            </a:r>
-            <a:r>
-              <a:rPr lang="de-CH" sz="2000" b="0" dirty="0">
-                <a:solidFill>
-                  <a:srgbClr val="000000"/>
-                </a:solidFill>
-                <a:effectLst/>
-                <a:latin typeface="Consolas" panose="020B0609020204030204" pitchFamily="49" charset="0"/>
-              </a:rPr>
-              <a:t>;</a:t>
-            </a:r>
-            <a:endParaRPr lang="de-CH" sz="2000" b="0" dirty="0">
-              <a:solidFill>
-                <a:srgbClr val="3B3B3B"/>
-              </a:solidFill>
-              <a:effectLst/>
-              <a:latin typeface="Consolas" panose="020B0609020204030204" pitchFamily="49" charset="0"/>
-            </a:endParaRPr>
+            <a:endParaRPr lang="de-CH" dirty="0"/>
           </a:p>
         </p:txBody>
       </p:sp>
@@ -11110,7 +12333,7 @@
           <p:cNvPr id="4" name="Date Placeholder 3">
             <a:extLst>
               <a:ext uri="{FF2B5EF4-FFF2-40B4-BE49-F238E27FC236}">
-                <a16:creationId xmlns:a16="http://schemas.microsoft.com/office/drawing/2014/main" id="{664E7194-7185-4D53-A31A-F0FE9B55F1B9}"/>
+                <a16:creationId xmlns:a16="http://schemas.microsoft.com/office/drawing/2014/main" id="{3903347B-C420-036C-265A-AD62F9761819}"/>
               </a:ext>
             </a:extLst>
           </p:cNvPr>
@@ -11121,7 +12344,12 @@
             <p:ph type="dt" sz="half" idx="2"/>
           </p:nvPr>
         </p:nvSpPr>
-        <p:spPr/>
+        <p:spPr>
+          <a:xfrm>
+            <a:off x="0" y="6453188"/>
+            <a:ext cx="1331640" cy="215900"/>
+          </a:xfrm>
+        </p:spPr>
         <p:txBody>
           <a:bodyPr/>
           <a:lstStyle/>
@@ -11131,7 +12359,7 @@
             </a:pPr>
             <a:r>
               <a:rPr lang="de-CH"/>
-              <a:t>22.11.2023</a:t>
+              <a:t>Sept. 2023</a:t>
             </a:r>
             <a:endParaRPr lang="de-CH" dirty="0"/>
           </a:p>
@@ -11139,10 +12367,10 @@
       </p:sp>
       <p:sp>
         <p:nvSpPr>
-          <p:cNvPr id="5" name="Footer Placeholder 4">
+          <p:cNvPr id="7" name="Footer Placeholder 5">
             <a:extLst>
               <a:ext uri="{FF2B5EF4-FFF2-40B4-BE49-F238E27FC236}">
-                <a16:creationId xmlns:a16="http://schemas.microsoft.com/office/drawing/2014/main" id="{27154BE8-A697-501E-A55B-DB7153654F1B}"/>
+                <a16:creationId xmlns:a16="http://schemas.microsoft.com/office/drawing/2014/main" id="{C264EC78-C12F-4AAE-68C0-E634C11486B9}"/>
               </a:ext>
             </a:extLst>
           </p:cNvPr>
@@ -11153,7 +12381,12 @@
             <p:ph type="ftr" sz="quarter" idx="3"/>
           </p:nvPr>
         </p:nvSpPr>
-        <p:spPr/>
+        <p:spPr>
+          <a:xfrm>
+            <a:off x="3124200" y="6453188"/>
+            <a:ext cx="2895600" cy="215900"/>
+          </a:xfrm>
+        </p:spPr>
         <p:txBody>
           <a:bodyPr/>
           <a:lstStyle/>
@@ -11162,19 +12395,26 @@
               <a:defRPr/>
             </a:pPr>
             <a:r>
-              <a:rPr lang="de-CH"/>
-              <a:t>3. INTERLIS Anwender:Innen Treffen</a:t>
-            </a:r>
-            <a:endParaRPr lang="de-CH" dirty="0"/>
-          </a:p>
-        </p:txBody>
-      </p:sp>
-      <p:sp>
-        <p:nvSpPr>
-          <p:cNvPr id="6" name="Slide Number Placeholder 5">
+              <a:rPr lang="de-CH" dirty="0"/>
+              <a:t>3. INTERLS </a:t>
+            </a:r>
+            <a:r>
+              <a:rPr lang="de-CH" dirty="0" err="1"/>
+              <a:t>Anwender:Innen</a:t>
+            </a:r>
+            <a:r>
+              <a:rPr lang="de-CH" dirty="0"/>
+              <a:t> Treffen</a:t>
+            </a:r>
+          </a:p>
+        </p:txBody>
+      </p:sp>
+      <p:sp>
+        <p:nvSpPr>
+          <p:cNvPr id="8" name="Slide Number Placeholder 6">
             <a:extLst>
               <a:ext uri="{FF2B5EF4-FFF2-40B4-BE49-F238E27FC236}">
-                <a16:creationId xmlns:a16="http://schemas.microsoft.com/office/drawing/2014/main" id="{574F7006-D364-18A0-5A2B-6F4535137609}"/>
+                <a16:creationId xmlns:a16="http://schemas.microsoft.com/office/drawing/2014/main" id="{2F92AE66-6BDE-7DED-1D40-23CCC3A27A35}"/>
               </a:ext>
             </a:extLst>
           </p:cNvPr>
@@ -11185,7 +12425,12 @@
             <p:ph type="sldNum" sz="quarter" idx="4"/>
           </p:nvPr>
         </p:nvSpPr>
-        <p:spPr/>
+        <p:spPr>
+          <a:xfrm>
+            <a:off x="6553200" y="6453188"/>
+            <a:ext cx="2133600" cy="215900"/>
+          </a:xfrm>
+        </p:spPr>
         <p:txBody>
           <a:bodyPr/>
           <a:lstStyle/>
@@ -11193,7 +12438,7 @@
             <a:pPr>
               <a:defRPr/>
             </a:pPr>
-            <a:fld id="{CF6E12DF-9ECE-463F-89B2-3CF702297A6B}" type="slidenum">
+            <a:fld id="{8FC82157-7644-43C8-B832-2A3ED392D66B}" type="slidenum">
               <a:rPr lang="de-DE" smtClean="0"/>
               <a:pPr>
                 <a:defRPr/>
@@ -11207,7 +12452,7 @@
     </p:spTree>
     <p:extLst>
       <p:ext uri="{BB962C8B-B14F-4D97-AF65-F5344CB8AC3E}">
-        <p14:creationId xmlns:p14="http://schemas.microsoft.com/office/powerpoint/2010/main" val="3769758428"/>
+        <p14:creationId xmlns:p14="http://schemas.microsoft.com/office/powerpoint/2010/main" val="2647706805"/>
       </p:ext>
     </p:extLst>
   </p:cSld>

--- a/vortrag/20231122_LuethiPhilipp_Neuerungen INTERLIS 2.4.pptx
+++ b/vortrag/20231122_LuethiPhilipp_Neuerungen INTERLIS 2.4.pptx
@@ -5,10 +5,10 @@
     <p:sldMasterId id="2147483648" r:id="rId1"/>
   </p:sldMasterIdLst>
   <p:notesMasterIdLst>
-    <p:notesMasterId r:id="rId15"/>
+    <p:notesMasterId r:id="rId16"/>
   </p:notesMasterIdLst>
   <p:handoutMasterIdLst>
-    <p:handoutMasterId r:id="rId16"/>
+    <p:handoutMasterId r:id="rId17"/>
   </p:handoutMasterIdLst>
   <p:sldIdLst>
     <p:sldId id="297" r:id="rId2"/>
@@ -18,12 +18,13 @@
     <p:sldId id="310" r:id="rId6"/>
     <p:sldId id="300" r:id="rId7"/>
     <p:sldId id="301" r:id="rId8"/>
-    <p:sldId id="308" r:id="rId9"/>
-    <p:sldId id="303" r:id="rId10"/>
-    <p:sldId id="305" r:id="rId11"/>
-    <p:sldId id="306" r:id="rId12"/>
-    <p:sldId id="307" r:id="rId13"/>
-    <p:sldId id="309" r:id="rId14"/>
+    <p:sldId id="311" r:id="rId9"/>
+    <p:sldId id="308" r:id="rId10"/>
+    <p:sldId id="303" r:id="rId11"/>
+    <p:sldId id="305" r:id="rId12"/>
+    <p:sldId id="306" r:id="rId13"/>
+    <p:sldId id="307" r:id="rId14"/>
+    <p:sldId id="309" r:id="rId15"/>
   </p:sldIdLst>
   <p:sldSz cx="9144000" cy="6858000" type="screen4x3"/>
   <p:notesSz cx="6797675" cy="9926638"/>
@@ -164,6 +165,7 @@
             <p14:sldId id="310"/>
             <p14:sldId id="300"/>
             <p14:sldId id="301"/>
+            <p14:sldId id="311"/>
             <p14:sldId id="308"/>
             <p14:sldId id="303"/>
             <p14:sldId id="305"/>
@@ -868,7 +870,7 @@
               <a:pPr>
                 <a:defRPr/>
               </a:pPr>
-              <a:t>13</a:t>
+              <a:t>14</a:t>
             </a:fld>
             <a:endParaRPr lang="de-CH" dirty="0"/>
           </a:p>
@@ -6032,7 +6034,7 @@
           <p:cNvPr id="2" name="Title 1">
             <a:extLst>
               <a:ext uri="{FF2B5EF4-FFF2-40B4-BE49-F238E27FC236}">
-                <a16:creationId xmlns:a16="http://schemas.microsoft.com/office/drawing/2014/main" id="{C7B0EC69-C21C-A8A8-BB1F-2B29FE3D8663}"/>
+                <a16:creationId xmlns:a16="http://schemas.microsoft.com/office/drawing/2014/main" id="{3A97D44B-EBDF-506D-D0CB-44C3A0DDE7FF}"/>
               </a:ext>
             </a:extLst>
           </p:cNvPr>
@@ -6050,7 +6052,7 @@
           <a:p>
             <a:r>
               <a:rPr lang="de-CH" dirty="0"/>
-              <a:t>MULTI Geometrien</a:t>
+              <a:t>Primitive typen in BAGs</a:t>
             </a:r>
           </a:p>
         </p:txBody>
@@ -6060,7 +6062,7 @@
           <p:cNvPr id="3" name="Content Placeholder 2">
             <a:extLst>
               <a:ext uri="{FF2B5EF4-FFF2-40B4-BE49-F238E27FC236}">
-                <a16:creationId xmlns:a16="http://schemas.microsoft.com/office/drawing/2014/main" id="{95DAE41A-13FC-1C2C-C69F-E39BD38AC9EC}"/>
+                <a16:creationId xmlns:a16="http://schemas.microsoft.com/office/drawing/2014/main" id="{BFEE331B-9A17-172A-B548-0552796C813F}"/>
               </a:ext>
             </a:extLst>
           </p:cNvPr>
@@ -6073,80 +6075,34 @@
         </p:nvSpPr>
         <p:spPr/>
         <p:txBody>
-          <a:bodyPr/>
+          <a:bodyPr anchor="ctr"/>
           <a:lstStyle/>
           <a:p>
             <a:pPr marL="0" indent="0">
               <a:buNone/>
             </a:pPr>
             <a:r>
-              <a:rPr lang="de-CH" sz="2000" b="0" dirty="0">
+              <a:rPr lang="de-CH" b="0" dirty="0">
                 <a:solidFill>
                   <a:srgbClr val="0000FF"/>
                 </a:solidFill>
                 <a:effectLst/>
                 <a:latin typeface="Consolas" panose="020B0609020204030204" pitchFamily="49" charset="0"/>
               </a:rPr>
-              <a:t>INTERLIS 2.3</a:t>
-            </a:r>
-          </a:p>
-          <a:p>
-            <a:pPr marL="0" indent="0">
-              <a:buNone/>
-            </a:pPr>
-            <a:endParaRPr lang="de-CH" sz="2000" dirty="0">
-              <a:solidFill>
-                <a:srgbClr val="0000FF"/>
-              </a:solidFill>
-              <a:latin typeface="Consolas" panose="020B0609020204030204" pitchFamily="49" charset="0"/>
-            </a:endParaRPr>
-          </a:p>
-          <a:p>
-            <a:pPr marL="0" indent="0">
-              <a:buNone/>
-            </a:pPr>
-            <a:r>
-              <a:rPr lang="de-CH" sz="2000" b="0" dirty="0">
-                <a:solidFill>
-                  <a:srgbClr val="0000FF"/>
-                </a:solidFill>
-                <a:effectLst/>
-                <a:latin typeface="Consolas" panose="020B0609020204030204" pitchFamily="49" charset="0"/>
-              </a:rPr>
-              <a:t>STRUCTURE</a:t>
-            </a:r>
-            <a:r>
-              <a:rPr lang="de-CH" sz="2000" b="0" dirty="0">
-                <a:solidFill>
-                  <a:srgbClr val="3B3B3B"/>
-                </a:solidFill>
-                <a:effectLst/>
-                <a:latin typeface="Consolas" panose="020B0609020204030204" pitchFamily="49" charset="0"/>
-              </a:rPr>
-              <a:t> </a:t>
-            </a:r>
-            <a:r>
-              <a:rPr lang="de-CH" sz="2000" b="0" dirty="0" err="1">
-                <a:solidFill>
-                  <a:srgbClr val="3B3B3B"/>
-                </a:solidFill>
-                <a:effectLst/>
-                <a:latin typeface="Consolas" panose="020B0609020204030204" pitchFamily="49" charset="0"/>
-              </a:rPr>
-              <a:t>SurfaceStructure</a:t>
-            </a:r>
-            <a:r>
-              <a:rPr lang="de-CH" sz="2000" b="0" dirty="0">
-                <a:solidFill>
-                  <a:srgbClr val="3B3B3B"/>
-                </a:solidFill>
-                <a:effectLst/>
-                <a:latin typeface="Consolas" panose="020B0609020204030204" pitchFamily="49" charset="0"/>
-              </a:rPr>
-              <a:t> </a:t>
-            </a:r>
-            <a:r>
-              <a:rPr lang="de-CH" sz="2000" b="0" dirty="0">
+              <a:t>CLASS</a:t>
+            </a:r>
+            <a:r>
+              <a:rPr lang="de-CH" b="0" dirty="0">
+                <a:solidFill>
+                  <a:srgbClr val="3B3B3B"/>
+                </a:solidFill>
+                <a:effectLst/>
+                <a:latin typeface="Consolas" panose="020B0609020204030204" pitchFamily="49" charset="0"/>
+              </a:rPr>
+              <a:t> Projekt </a:t>
+            </a:r>
+            <a:r>
+              <a:rPr lang="de-CH" b="0" dirty="0">
                 <a:solidFill>
                   <a:srgbClr val="000000"/>
                 </a:solidFill>
@@ -6155,7 +6111,7 @@
               </a:rPr>
               <a:t>=</a:t>
             </a:r>
-            <a:endParaRPr lang="de-CH" sz="2000" b="0" dirty="0">
+            <a:endParaRPr lang="de-CH" b="0" dirty="0">
               <a:solidFill>
                 <a:srgbClr val="3B3B3B"/>
               </a:solidFill>
@@ -6168,17 +6124,37 @@
               <a:buNone/>
             </a:pPr>
             <a:r>
-              <a:rPr lang="de-CH" sz="2000" b="0" dirty="0">
-                <a:solidFill>
-                  <a:srgbClr val="3B3B3B"/>
-                </a:solidFill>
-                <a:effectLst/>
-                <a:latin typeface="Consolas" panose="020B0609020204030204" pitchFamily="49" charset="0"/>
-              </a:rPr>
-              <a:t>  Surface</a:t>
-            </a:r>
-            <a:r>
-              <a:rPr lang="de-CH" sz="2000" b="0" dirty="0">
+              <a:rPr lang="de-CH" b="0" dirty="0">
+                <a:solidFill>
+                  <a:srgbClr val="3B3B3B"/>
+                </a:solidFill>
+                <a:effectLst/>
+                <a:latin typeface="Consolas" panose="020B0609020204030204" pitchFamily="49" charset="0"/>
+              </a:rPr>
+              <a:t>  </a:t>
+            </a:r>
+            <a:r>
+              <a:rPr lang="de-CH" b="0" dirty="0" err="1">
+                <a:solidFill>
+                  <a:srgbClr val="3B3B3B"/>
+                </a:solidFill>
+                <a:effectLst/>
+                <a:latin typeface="Consolas" panose="020B0609020204030204" pitchFamily="49" charset="0"/>
+              </a:rPr>
+              <a:t>ProjektNummer</a:t>
+            </a:r>
+            <a:r>
+              <a:rPr lang="de-CH" b="0" dirty="0">
+                <a:solidFill>
+                  <a:srgbClr val="3B3B3B"/>
+                </a:solidFill>
+                <a:effectLst/>
+                <a:latin typeface="Consolas" panose="020B0609020204030204" pitchFamily="49" charset="0"/>
+              </a:rPr>
+              <a:t> </a:t>
+            </a:r>
+            <a:r>
+              <a:rPr lang="de-CH" b="0" dirty="0">
                 <a:solidFill>
                   <a:srgbClr val="000000"/>
                 </a:solidFill>
@@ -6188,7 +6164,7 @@
               <a:t>:</a:t>
             </a:r>
             <a:r>
-              <a:rPr lang="de-CH" sz="2000" b="0" dirty="0">
+              <a:rPr lang="de-CH" b="0" dirty="0">
                 <a:solidFill>
                   <a:srgbClr val="3B3B3B"/>
                 </a:solidFill>
@@ -6198,17 +6174,37 @@
               <a:t> </a:t>
             </a:r>
             <a:r>
-              <a:rPr lang="de-CH" sz="2000" b="0" dirty="0">
-                <a:solidFill>
-                  <a:srgbClr val="267F99"/>
-                </a:solidFill>
-                <a:effectLst/>
-                <a:latin typeface="Consolas" panose="020B0609020204030204" pitchFamily="49" charset="0"/>
-              </a:rPr>
-              <a:t>SURFACE</a:t>
-            </a:r>
-            <a:r>
-              <a:rPr lang="de-CH" sz="2000" b="0" dirty="0">
+              <a:rPr lang="de-CH" b="0" dirty="0">
+                <a:solidFill>
+                  <a:srgbClr val="0000FF"/>
+                </a:solidFill>
+                <a:effectLst/>
+                <a:latin typeface="Consolas" panose="020B0609020204030204" pitchFamily="49" charset="0"/>
+              </a:rPr>
+              <a:t>MANDATORY</a:t>
+            </a:r>
+            <a:r>
+              <a:rPr lang="de-CH" b="0" dirty="0">
+                <a:solidFill>
+                  <a:srgbClr val="3B3B3B"/>
+                </a:solidFill>
+                <a:effectLst/>
+                <a:latin typeface="Consolas" panose="020B0609020204030204" pitchFamily="49" charset="0"/>
+              </a:rPr>
+              <a:t> </a:t>
+            </a:r>
+            <a:r>
+              <a:rPr lang="de-CH" b="0" dirty="0" err="1">
+                <a:solidFill>
+                  <a:srgbClr val="3B3B3B"/>
+                </a:solidFill>
+                <a:effectLst/>
+                <a:latin typeface="Consolas" panose="020B0609020204030204" pitchFamily="49" charset="0"/>
+              </a:rPr>
+              <a:t>ProjektID</a:t>
+            </a:r>
+            <a:r>
+              <a:rPr lang="de-CH" b="0" dirty="0">
                 <a:solidFill>
                   <a:srgbClr val="000000"/>
                 </a:solidFill>
@@ -6217,7 +6213,7 @@
               </a:rPr>
               <a:t>;</a:t>
             </a:r>
-            <a:endParaRPr lang="de-CH" sz="2000" b="0" dirty="0">
+            <a:endParaRPr lang="de-CH" b="0" dirty="0">
               <a:solidFill>
                 <a:srgbClr val="3B3B3B"/>
               </a:solidFill>
@@ -6230,17 +6226,87 @@
               <a:buNone/>
             </a:pPr>
             <a:r>
-              <a:rPr lang="de-CH" sz="2000" b="0" dirty="0">
+              <a:rPr lang="de-CH" b="0" dirty="0">
+                <a:solidFill>
+                  <a:srgbClr val="3B3B3B"/>
+                </a:solidFill>
+                <a:effectLst/>
+                <a:latin typeface="Consolas" panose="020B0609020204030204" pitchFamily="49" charset="0"/>
+              </a:rPr>
+              <a:t>  Eigenschaften </a:t>
+            </a:r>
+            <a:r>
+              <a:rPr lang="de-CH" b="0" dirty="0">
+                <a:solidFill>
+                  <a:srgbClr val="000000"/>
+                </a:solidFill>
+                <a:effectLst/>
+                <a:latin typeface="Consolas" panose="020B0609020204030204" pitchFamily="49" charset="0"/>
+              </a:rPr>
+              <a:t>:</a:t>
+            </a:r>
+            <a:r>
+              <a:rPr lang="de-CH" b="0" dirty="0">
+                <a:solidFill>
+                  <a:srgbClr val="3B3B3B"/>
+                </a:solidFill>
+                <a:effectLst/>
+                <a:latin typeface="Consolas" panose="020B0609020204030204" pitchFamily="49" charset="0"/>
+              </a:rPr>
+              <a:t> </a:t>
+            </a:r>
+            <a:r>
+              <a:rPr lang="de-CH" b="0" dirty="0">
                 <a:solidFill>
                   <a:srgbClr val="0000FF"/>
                 </a:solidFill>
                 <a:effectLst/>
                 <a:latin typeface="Consolas" panose="020B0609020204030204" pitchFamily="49" charset="0"/>
               </a:rPr>
-              <a:t>END</a:t>
-            </a:r>
-            <a:r>
-              <a:rPr lang="de-CH" sz="2000" b="0" dirty="0">
+              <a:t>BAG</a:t>
+            </a:r>
+            <a:r>
+              <a:rPr lang="de-CH" b="0" dirty="0">
+                <a:solidFill>
+                  <a:srgbClr val="3B3B3B"/>
+                </a:solidFill>
+                <a:effectLst/>
+                <a:latin typeface="Consolas" panose="020B0609020204030204" pitchFamily="49" charset="0"/>
+              </a:rPr>
+              <a:t> {0..</a:t>
+            </a:r>
+            <a:r>
+              <a:rPr lang="de-CH" b="0" dirty="0">
+                <a:solidFill>
+                  <a:srgbClr val="098658"/>
+                </a:solidFill>
+                <a:effectLst/>
+                <a:latin typeface="Consolas" panose="020B0609020204030204" pitchFamily="49" charset="0"/>
+              </a:rPr>
+              <a:t>3</a:t>
+            </a:r>
+            <a:r>
+              <a:rPr lang="de-CH" b="0" dirty="0">
+                <a:solidFill>
+                  <a:srgbClr val="3B3B3B"/>
+                </a:solidFill>
+                <a:effectLst/>
+                <a:latin typeface="Consolas" panose="020B0609020204030204" pitchFamily="49" charset="0"/>
+              </a:rPr>
+              <a:t>} </a:t>
+            </a:r>
+            <a:r>
+              <a:rPr lang="de-CH" b="0" dirty="0">
+                <a:solidFill>
+                  <a:srgbClr val="0000FF"/>
+                </a:solidFill>
+                <a:effectLst/>
+                <a:latin typeface="Consolas" panose="020B0609020204030204" pitchFamily="49" charset="0"/>
+              </a:rPr>
+              <a:t>OF</a:t>
+            </a:r>
+            <a:r>
+              <a:rPr lang="de-CH" b="0" dirty="0">
                 <a:solidFill>
                   <a:srgbClr val="3B3B3B"/>
                 </a:solidFill>
@@ -6250,17 +6316,37 @@
               <a:t> </a:t>
             </a:r>
             <a:r>
-              <a:rPr lang="de-CH" sz="2000" b="0" dirty="0" err="1">
-                <a:solidFill>
-                  <a:srgbClr val="3B3B3B"/>
-                </a:solidFill>
-                <a:effectLst/>
-                <a:latin typeface="Consolas" panose="020B0609020204030204" pitchFamily="49" charset="0"/>
-              </a:rPr>
-              <a:t>SurfaceStructure</a:t>
-            </a:r>
-            <a:r>
-              <a:rPr lang="de-CH" sz="2000" b="0" dirty="0">
+              <a:rPr lang="de-CH" b="0" dirty="0">
+                <a:solidFill>
+                  <a:srgbClr val="267F99"/>
+                </a:solidFill>
+                <a:effectLst/>
+                <a:latin typeface="Consolas" panose="020B0609020204030204" pitchFamily="49" charset="0"/>
+              </a:rPr>
+              <a:t>TEXT</a:t>
+            </a:r>
+            <a:r>
+              <a:rPr lang="de-CH" b="0" dirty="0">
+                <a:solidFill>
+                  <a:srgbClr val="3B3B3B"/>
+                </a:solidFill>
+                <a:effectLst/>
+                <a:latin typeface="Consolas" panose="020B0609020204030204" pitchFamily="49" charset="0"/>
+              </a:rPr>
+              <a:t>*</a:t>
+            </a:r>
+            <a:r>
+              <a:rPr lang="de-CH" b="0" dirty="0">
+                <a:solidFill>
+                  <a:srgbClr val="098658"/>
+                </a:solidFill>
+                <a:effectLst/>
+                <a:latin typeface="Consolas" panose="020B0609020204030204" pitchFamily="49" charset="0"/>
+              </a:rPr>
+              <a:t>50</a:t>
+            </a:r>
+            <a:r>
+              <a:rPr lang="de-CH" b="0" dirty="0">
                 <a:solidFill>
                   <a:srgbClr val="000000"/>
                 </a:solidFill>
@@ -6269,7 +6355,7 @@
               </a:rPr>
               <a:t>;</a:t>
             </a:r>
-            <a:endParaRPr lang="de-CH" sz="2000" b="0" dirty="0">
+            <a:endParaRPr lang="de-CH" b="0" dirty="0">
               <a:solidFill>
                 <a:srgbClr val="3B3B3B"/>
               </a:solidFill>
@@ -6281,66 +6367,37 @@
             <a:pPr marL="0" indent="0">
               <a:buNone/>
             </a:pPr>
-            <a:br>
-              <a:rPr lang="de-CH" sz="2000" b="0" dirty="0">
-                <a:solidFill>
-                  <a:srgbClr val="3B3B3B"/>
-                </a:solidFill>
-                <a:effectLst/>
-                <a:latin typeface="Consolas" panose="020B0609020204030204" pitchFamily="49" charset="0"/>
-              </a:rPr>
-            </a:br>
-            <a:r>
-              <a:rPr lang="de-CH" sz="2000" b="0" dirty="0">
+            <a:r>
+              <a:rPr lang="de-CH" b="0" dirty="0">
                 <a:solidFill>
                   <a:srgbClr val="0000FF"/>
                 </a:solidFill>
                 <a:effectLst/>
                 <a:latin typeface="Consolas" panose="020B0609020204030204" pitchFamily="49" charset="0"/>
               </a:rPr>
-              <a:t>CLASS</a:t>
-            </a:r>
-            <a:r>
-              <a:rPr lang="de-CH" sz="2000" b="0" dirty="0">
-                <a:solidFill>
-                  <a:srgbClr val="3B3B3B"/>
-                </a:solidFill>
-                <a:effectLst/>
-                <a:latin typeface="Consolas" panose="020B0609020204030204" pitchFamily="49" charset="0"/>
-              </a:rPr>
-              <a:t> </a:t>
-            </a:r>
-            <a:r>
-              <a:rPr lang="de-CH" sz="2000" b="0" dirty="0" err="1">
-                <a:solidFill>
-                  <a:srgbClr val="3B3B3B"/>
-                </a:solidFill>
-                <a:effectLst/>
-                <a:latin typeface="Consolas" panose="020B0609020204030204" pitchFamily="49" charset="0"/>
-              </a:rPr>
-              <a:t>LZ_Flaeche</a:t>
-            </a:r>
-            <a:r>
-              <a:rPr lang="de-CH" sz="2000" b="0" dirty="0">
-                <a:solidFill>
-                  <a:srgbClr val="3B3B3B"/>
-                </a:solidFill>
-                <a:effectLst/>
-                <a:latin typeface="Consolas" panose="020B0609020204030204" pitchFamily="49" charset="0"/>
-              </a:rPr>
-              <a:t> </a:t>
-            </a:r>
-            <a:r>
-              <a:rPr lang="de-CH" sz="2000" b="0" dirty="0">
+              <a:t>END</a:t>
+            </a:r>
+            <a:r>
+              <a:rPr lang="de-CH" b="0" dirty="0">
+                <a:solidFill>
+                  <a:srgbClr val="3B3B3B"/>
+                </a:solidFill>
+                <a:effectLst/>
+                <a:latin typeface="Consolas" panose="020B0609020204030204" pitchFamily="49" charset="0"/>
+              </a:rPr>
+              <a:t> Projekt</a:t>
+            </a:r>
+            <a:r>
+              <a:rPr lang="de-CH" b="0" dirty="0">
                 <a:solidFill>
                   <a:srgbClr val="000000"/>
                 </a:solidFill>
                 <a:effectLst/>
                 <a:latin typeface="Consolas" panose="020B0609020204030204" pitchFamily="49" charset="0"/>
               </a:rPr>
-              <a:t>=</a:t>
-            </a:r>
-            <a:endParaRPr lang="de-CH" sz="2000" b="0" dirty="0">
+              <a:t>;</a:t>
+            </a:r>
+            <a:endParaRPr lang="de-CH" b="0" dirty="0">
               <a:solidFill>
                 <a:srgbClr val="3B3B3B"/>
               </a:solidFill>
@@ -6349,198 +6406,7 @@
             </a:endParaRPr>
           </a:p>
           <a:p>
-            <a:pPr marL="0" indent="0">
-              <a:buNone/>
-            </a:pPr>
-            <a:r>
-              <a:rPr lang="de-CH" sz="2000" b="0" dirty="0">
-                <a:solidFill>
-                  <a:srgbClr val="3B3B3B"/>
-                </a:solidFill>
-                <a:effectLst/>
-                <a:latin typeface="Consolas" panose="020B0609020204030204" pitchFamily="49" charset="0"/>
-              </a:rPr>
-              <a:t>  </a:t>
-            </a:r>
-            <a:r>
-              <a:rPr lang="de-CH" sz="2000" b="0" dirty="0" err="1">
-                <a:solidFill>
-                  <a:srgbClr val="3B3B3B"/>
-                </a:solidFill>
-                <a:effectLst/>
-                <a:latin typeface="Consolas" panose="020B0609020204030204" pitchFamily="49" charset="0"/>
-              </a:rPr>
-              <a:t>Flaeche</a:t>
-            </a:r>
-            <a:r>
-              <a:rPr lang="de-CH" sz="2000" b="0" dirty="0">
-                <a:solidFill>
-                  <a:srgbClr val="3B3B3B"/>
-                </a:solidFill>
-                <a:effectLst/>
-                <a:latin typeface="Consolas" panose="020B0609020204030204" pitchFamily="49" charset="0"/>
-              </a:rPr>
-              <a:t> </a:t>
-            </a:r>
-            <a:r>
-              <a:rPr lang="de-CH" sz="2000" b="0" dirty="0">
-                <a:solidFill>
-                  <a:srgbClr val="000000"/>
-                </a:solidFill>
-                <a:effectLst/>
-                <a:latin typeface="Consolas" panose="020B0609020204030204" pitchFamily="49" charset="0"/>
-              </a:rPr>
-              <a:t>:</a:t>
-            </a:r>
-            <a:r>
-              <a:rPr lang="de-CH" sz="2000" b="0" dirty="0">
-                <a:solidFill>
-                  <a:srgbClr val="3B3B3B"/>
-                </a:solidFill>
-                <a:effectLst/>
-                <a:latin typeface="Consolas" panose="020B0609020204030204" pitchFamily="49" charset="0"/>
-              </a:rPr>
-              <a:t> </a:t>
-            </a:r>
-            <a:r>
-              <a:rPr lang="de-CH" sz="2000" b="0" dirty="0">
-                <a:solidFill>
-                  <a:srgbClr val="0000FF"/>
-                </a:solidFill>
-                <a:effectLst/>
-                <a:latin typeface="Consolas" panose="020B0609020204030204" pitchFamily="49" charset="0"/>
-              </a:rPr>
-              <a:t>BAG</a:t>
-            </a:r>
-            <a:r>
-              <a:rPr lang="de-CH" sz="2000" b="0" dirty="0">
-                <a:solidFill>
-                  <a:srgbClr val="3B3B3B"/>
-                </a:solidFill>
-                <a:effectLst/>
-                <a:latin typeface="Consolas" panose="020B0609020204030204" pitchFamily="49" charset="0"/>
-              </a:rPr>
-              <a:t> {</a:t>
-            </a:r>
-            <a:r>
-              <a:rPr lang="de-CH" sz="2000" b="0" dirty="0">
-                <a:solidFill>
-                  <a:srgbClr val="098658"/>
-                </a:solidFill>
-                <a:effectLst/>
-                <a:latin typeface="Consolas" panose="020B0609020204030204" pitchFamily="49" charset="0"/>
-              </a:rPr>
-              <a:t>1</a:t>
-            </a:r>
-            <a:r>
-              <a:rPr lang="de-CH" sz="2000" b="0" dirty="0">
-                <a:solidFill>
-                  <a:srgbClr val="3B3B3B"/>
-                </a:solidFill>
-                <a:effectLst/>
-                <a:latin typeface="Consolas" panose="020B0609020204030204" pitchFamily="49" charset="0"/>
-              </a:rPr>
-              <a:t>..*} </a:t>
-            </a:r>
-            <a:r>
-              <a:rPr lang="de-CH" sz="2000" b="0" dirty="0">
-                <a:solidFill>
-                  <a:srgbClr val="0000FF"/>
-                </a:solidFill>
-                <a:effectLst/>
-                <a:latin typeface="Consolas" panose="020B0609020204030204" pitchFamily="49" charset="0"/>
-              </a:rPr>
-              <a:t>OF</a:t>
-            </a:r>
-            <a:r>
-              <a:rPr lang="de-CH" sz="2000" b="0" dirty="0">
-                <a:solidFill>
-                  <a:srgbClr val="3B3B3B"/>
-                </a:solidFill>
-                <a:effectLst/>
-                <a:latin typeface="Consolas" panose="020B0609020204030204" pitchFamily="49" charset="0"/>
-              </a:rPr>
-              <a:t> </a:t>
-            </a:r>
-            <a:r>
-              <a:rPr lang="de-CH" sz="2000" b="0" dirty="0" err="1">
-                <a:solidFill>
-                  <a:srgbClr val="3B3B3B"/>
-                </a:solidFill>
-                <a:effectLst/>
-                <a:latin typeface="Consolas" panose="020B0609020204030204" pitchFamily="49" charset="0"/>
-              </a:rPr>
-              <a:t>SurfaceStructure</a:t>
-            </a:r>
-            <a:r>
-              <a:rPr lang="de-CH" sz="2000" b="0" dirty="0">
-                <a:solidFill>
-                  <a:srgbClr val="000000"/>
-                </a:solidFill>
-                <a:effectLst/>
-                <a:latin typeface="Consolas" panose="020B0609020204030204" pitchFamily="49" charset="0"/>
-              </a:rPr>
-              <a:t>;</a:t>
-            </a:r>
-            <a:endParaRPr lang="de-CH" sz="2000" b="0" dirty="0">
-              <a:solidFill>
-                <a:srgbClr val="3B3B3B"/>
-              </a:solidFill>
-              <a:effectLst/>
-              <a:latin typeface="Consolas" panose="020B0609020204030204" pitchFamily="49" charset="0"/>
-            </a:endParaRPr>
-          </a:p>
-          <a:p>
-            <a:pPr marL="0" indent="0">
-              <a:buNone/>
-            </a:pPr>
-            <a:r>
-              <a:rPr lang="de-CH" sz="2000" b="0" dirty="0">
-                <a:solidFill>
-                  <a:srgbClr val="0000FF"/>
-                </a:solidFill>
-                <a:effectLst/>
-                <a:latin typeface="Consolas" panose="020B0609020204030204" pitchFamily="49" charset="0"/>
-              </a:rPr>
-              <a:t>END</a:t>
-            </a:r>
-            <a:r>
-              <a:rPr lang="de-CH" sz="2000" b="0" dirty="0">
-                <a:solidFill>
-                  <a:srgbClr val="3B3B3B"/>
-                </a:solidFill>
-                <a:effectLst/>
-                <a:latin typeface="Consolas" panose="020B0609020204030204" pitchFamily="49" charset="0"/>
-              </a:rPr>
-              <a:t> </a:t>
-            </a:r>
-            <a:r>
-              <a:rPr lang="de-CH" sz="2000" b="0" dirty="0" err="1">
-                <a:solidFill>
-                  <a:srgbClr val="3B3B3B"/>
-                </a:solidFill>
-                <a:effectLst/>
-                <a:latin typeface="Consolas" panose="020B0609020204030204" pitchFamily="49" charset="0"/>
-              </a:rPr>
-              <a:t>LZ_Flaeche</a:t>
-            </a:r>
-            <a:r>
-              <a:rPr lang="de-CH" sz="2000" b="0" dirty="0">
-                <a:solidFill>
-                  <a:srgbClr val="000000"/>
-                </a:solidFill>
-                <a:effectLst/>
-                <a:latin typeface="Consolas" panose="020B0609020204030204" pitchFamily="49" charset="0"/>
-              </a:rPr>
-              <a:t>;</a:t>
-            </a:r>
-            <a:endParaRPr lang="de-CH" sz="2000" b="0" dirty="0">
-              <a:solidFill>
-                <a:srgbClr val="3B3B3B"/>
-              </a:solidFill>
-              <a:effectLst/>
-              <a:latin typeface="Consolas" panose="020B0609020204030204" pitchFamily="49" charset="0"/>
-            </a:endParaRPr>
+            <a:endParaRPr lang="de-CH" dirty="0"/>
           </a:p>
         </p:txBody>
       </p:sp>
@@ -6549,7 +6415,7 @@
           <p:cNvPr id="4" name="Date Placeholder 3">
             <a:extLst>
               <a:ext uri="{FF2B5EF4-FFF2-40B4-BE49-F238E27FC236}">
-                <a16:creationId xmlns:a16="http://schemas.microsoft.com/office/drawing/2014/main" id="{664E7194-7185-4D53-A31A-F0FE9B55F1B9}"/>
+                <a16:creationId xmlns:a16="http://schemas.microsoft.com/office/drawing/2014/main" id="{3903347B-C420-036C-265A-AD62F9761819}"/>
               </a:ext>
             </a:extLst>
           </p:cNvPr>
@@ -6560,7 +6426,12 @@
             <p:ph type="dt" sz="half" idx="2"/>
           </p:nvPr>
         </p:nvSpPr>
-        <p:spPr/>
+        <p:spPr>
+          <a:xfrm>
+            <a:off x="0" y="6453188"/>
+            <a:ext cx="1331640" cy="215900"/>
+          </a:xfrm>
+        </p:spPr>
         <p:txBody>
           <a:bodyPr/>
           <a:lstStyle/>
@@ -6570,7 +6441,7 @@
             </a:pPr>
             <a:r>
               <a:rPr lang="de-CH"/>
-              <a:t>22.11.2023</a:t>
+              <a:t>Sept. 2023</a:t>
             </a:r>
             <a:endParaRPr lang="de-CH" dirty="0"/>
           </a:p>
@@ -6578,10 +6449,10 @@
       </p:sp>
       <p:sp>
         <p:nvSpPr>
-          <p:cNvPr id="5" name="Footer Placeholder 4">
+          <p:cNvPr id="7" name="Footer Placeholder 5">
             <a:extLst>
               <a:ext uri="{FF2B5EF4-FFF2-40B4-BE49-F238E27FC236}">
-                <a16:creationId xmlns:a16="http://schemas.microsoft.com/office/drawing/2014/main" id="{27154BE8-A697-501E-A55B-DB7153654F1B}"/>
+                <a16:creationId xmlns:a16="http://schemas.microsoft.com/office/drawing/2014/main" id="{C264EC78-C12F-4AAE-68C0-E634C11486B9}"/>
               </a:ext>
             </a:extLst>
           </p:cNvPr>
@@ -6592,7 +6463,12 @@
             <p:ph type="ftr" sz="quarter" idx="3"/>
           </p:nvPr>
         </p:nvSpPr>
-        <p:spPr/>
+        <p:spPr>
+          <a:xfrm>
+            <a:off x="3124200" y="6453188"/>
+            <a:ext cx="2895600" cy="215900"/>
+          </a:xfrm>
+        </p:spPr>
         <p:txBody>
           <a:bodyPr/>
           <a:lstStyle/>
@@ -6601,19 +6477,26 @@
               <a:defRPr/>
             </a:pPr>
             <a:r>
-              <a:rPr lang="de-CH"/>
-              <a:t>3. INTERLIS Anwender:Innen Treffen</a:t>
-            </a:r>
-            <a:endParaRPr lang="de-CH" dirty="0"/>
-          </a:p>
-        </p:txBody>
-      </p:sp>
-      <p:sp>
-        <p:nvSpPr>
-          <p:cNvPr id="6" name="Slide Number Placeholder 5">
+              <a:rPr lang="de-CH" dirty="0"/>
+              <a:t>3. INTERLS </a:t>
+            </a:r>
+            <a:r>
+              <a:rPr lang="de-CH" dirty="0" err="1"/>
+              <a:t>Anwender:Innen</a:t>
+            </a:r>
+            <a:r>
+              <a:rPr lang="de-CH" dirty="0"/>
+              <a:t> Treffen</a:t>
+            </a:r>
+          </a:p>
+        </p:txBody>
+      </p:sp>
+      <p:sp>
+        <p:nvSpPr>
+          <p:cNvPr id="8" name="Slide Number Placeholder 6">
             <a:extLst>
               <a:ext uri="{FF2B5EF4-FFF2-40B4-BE49-F238E27FC236}">
-                <a16:creationId xmlns:a16="http://schemas.microsoft.com/office/drawing/2014/main" id="{574F7006-D364-18A0-5A2B-6F4535137609}"/>
+                <a16:creationId xmlns:a16="http://schemas.microsoft.com/office/drawing/2014/main" id="{2F92AE66-6BDE-7DED-1D40-23CCC3A27A35}"/>
               </a:ext>
             </a:extLst>
           </p:cNvPr>
@@ -6624,7 +6507,12 @@
             <p:ph type="sldNum" sz="quarter" idx="4"/>
           </p:nvPr>
         </p:nvSpPr>
-        <p:spPr/>
+        <p:spPr>
+          <a:xfrm>
+            <a:off x="6553200" y="6453188"/>
+            <a:ext cx="2133600" cy="215900"/>
+          </a:xfrm>
+        </p:spPr>
         <p:txBody>
           <a:bodyPr/>
           <a:lstStyle/>
@@ -6632,7 +6520,7 @@
             <a:pPr>
               <a:defRPr/>
             </a:pPr>
-            <a:fld id="{CF6E12DF-9ECE-463F-89B2-3CF702297A6B}" type="slidenum">
+            <a:fld id="{8FC82157-7644-43C8-B832-2A3ED392D66B}" type="slidenum">
               <a:rPr lang="de-DE" smtClean="0"/>
               <a:pPr>
                 <a:defRPr/>
@@ -6646,7 +6534,7 @@
     </p:spTree>
     <p:extLst>
       <p:ext uri="{BB962C8B-B14F-4D97-AF65-F5344CB8AC3E}">
-        <p14:creationId xmlns:p14="http://schemas.microsoft.com/office/powerpoint/2010/main" val="3769758428"/>
+        <p14:creationId xmlns:p14="http://schemas.microsoft.com/office/powerpoint/2010/main" val="2647706805"/>
       </p:ext>
     </p:extLst>
   </p:cSld>
@@ -6725,13 +6613,16 @@
             <a:pPr marL="0" indent="0">
               <a:buNone/>
             </a:pPr>
-            <a:endParaRPr lang="de-CH" sz="2000" b="0" dirty="0">
-              <a:solidFill>
-                <a:srgbClr val="0000FF"/>
-              </a:solidFill>
-              <a:effectLst/>
-              <a:latin typeface="Consolas" panose="020B0609020204030204" pitchFamily="49" charset="0"/>
-            </a:endParaRPr>
+            <a:r>
+              <a:rPr lang="de-CH" sz="2000" b="0" dirty="0">
+                <a:solidFill>
+                  <a:srgbClr val="0000FF"/>
+                </a:solidFill>
+                <a:effectLst/>
+                <a:latin typeface="Consolas" panose="020B0609020204030204" pitchFamily="49" charset="0"/>
+              </a:rPr>
+              <a:t>INTERLIS 2.3</a:t>
+            </a:r>
           </a:p>
           <a:p>
             <a:pPr marL="0" indent="0">
@@ -6756,7 +6647,7 @@
                 <a:effectLst/>
                 <a:latin typeface="Consolas" panose="020B0609020204030204" pitchFamily="49" charset="0"/>
               </a:rPr>
-              <a:t>CLASS</a:t>
+              <a:t>STRUCTURE</a:t>
             </a:r>
             <a:r>
               <a:rPr lang="de-CH" sz="2000" b="0" dirty="0">
@@ -6776,7 +6667,7 @@
                 <a:effectLst/>
                 <a:latin typeface="Consolas" panose="020B0609020204030204" pitchFamily="49" charset="0"/>
               </a:rPr>
-              <a:t>LZ_Flaeche</a:t>
+              <a:t>SurfaceStructure</a:t>
             </a:r>
             <a:r>
               <a:rPr lang="de-CH" sz="2000" b="0" dirty="0">
@@ -6818,17 +6709,17 @@
                 <a:effectLst/>
                 <a:latin typeface="Consolas" panose="020B0609020204030204" pitchFamily="49" charset="0"/>
               </a:rPr>
-              <a:t>  </a:t>
-            </a:r>
-            <a:r>
-              <a:rPr lang="de-CH" sz="2000" b="0" dirty="0" err="1">
-                <a:solidFill>
-                  <a:srgbClr val="3B3B3B"/>
-                </a:solidFill>
-                <a:effectLst/>
-                <a:latin typeface="Consolas" panose="020B0609020204030204" pitchFamily="49" charset="0"/>
-              </a:rPr>
-              <a:t>Flaeche</a:t>
+              <a:t>  Surface</a:t>
+            </a:r>
+            <a:r>
+              <a:rPr lang="de-CH" sz="2000" b="0" dirty="0">
+                <a:solidFill>
+                  <a:srgbClr val="000000"/>
+                </a:solidFill>
+                <a:effectLst/>
+                <a:latin typeface="Consolas" panose="020B0609020204030204" pitchFamily="49" charset="0"/>
+              </a:rPr>
+              <a:t>:</a:t>
             </a:r>
             <a:r>
               <a:rPr lang="de-CH" sz="2000" b="0" dirty="0">
@@ -6843,32 +6734,12 @@
             <a:r>
               <a:rPr lang="de-CH" sz="2000" b="0" dirty="0">
                 <a:solidFill>
-                  <a:srgbClr val="000000"/>
-                </a:solidFill>
-                <a:effectLst/>
-                <a:latin typeface="Consolas" panose="020B0609020204030204" pitchFamily="49" charset="0"/>
-              </a:rPr>
-              <a:t>:</a:t>
-            </a:r>
-            <a:r>
-              <a:rPr lang="de-CH" sz="2000" b="0" dirty="0">
-                <a:solidFill>
-                  <a:srgbClr val="3B3B3B"/>
-                </a:solidFill>
-                <a:effectLst/>
-                <a:latin typeface="Consolas" panose="020B0609020204030204" pitchFamily="49" charset="0"/>
-              </a:rPr>
-              <a:t> </a:t>
-            </a:r>
-            <a:r>
-              <a:rPr lang="de-CH" sz="2000" b="0" dirty="0">
-                <a:solidFill>
                   <a:srgbClr val="267F99"/>
                 </a:solidFill>
                 <a:effectLst/>
                 <a:latin typeface="Consolas" panose="020B0609020204030204" pitchFamily="49" charset="0"/>
               </a:rPr>
-              <a:t>MULTIAREA</a:t>
+              <a:t>SURFACE</a:t>
             </a:r>
             <a:r>
               <a:rPr lang="de-CH" sz="2000" b="0" dirty="0">
@@ -6895,22 +6766,12 @@
             <a:r>
               <a:rPr lang="de-CH" sz="2000" b="0" dirty="0">
                 <a:solidFill>
-                  <a:srgbClr val="3B3B3B"/>
-                </a:solidFill>
-                <a:effectLst/>
-                <a:latin typeface="Consolas" panose="020B0609020204030204" pitchFamily="49" charset="0"/>
-              </a:rPr>
-              <a:t>  Messpunkte</a:t>
-            </a:r>
-            <a:r>
-              <a:rPr lang="de-CH" sz="2000" b="0" dirty="0">
-                <a:solidFill>
-                  <a:srgbClr val="000000"/>
-                </a:solidFill>
-                <a:effectLst/>
-                <a:latin typeface="Consolas" panose="020B0609020204030204" pitchFamily="49" charset="0"/>
-              </a:rPr>
-              <a:t>:</a:t>
+                  <a:srgbClr val="0000FF"/>
+                </a:solidFill>
+                <a:effectLst/>
+                <a:latin typeface="Consolas" panose="020B0609020204030204" pitchFamily="49" charset="0"/>
+              </a:rPr>
+              <a:t>END</a:t>
             </a:r>
             <a:r>
               <a:rPr lang="de-CH" sz="2000" b="0" dirty="0">
@@ -6923,14 +6784,14 @@
               <a:t> </a:t>
             </a:r>
             <a:r>
-              <a:rPr lang="de-CH" sz="2000" b="0" dirty="0">
-                <a:solidFill>
-                  <a:srgbClr val="267F99"/>
-                </a:solidFill>
-                <a:effectLst/>
-                <a:latin typeface="Consolas" panose="020B0609020204030204" pitchFamily="49" charset="0"/>
-              </a:rPr>
-              <a:t>MULTICOORD</a:t>
+              <a:rPr lang="de-CH" sz="2000" b="0" dirty="0" err="1">
+                <a:solidFill>
+                  <a:srgbClr val="3B3B3B"/>
+                </a:solidFill>
+                <a:effectLst/>
+                <a:latin typeface="Consolas" panose="020B0609020204030204" pitchFamily="49" charset="0"/>
+              </a:rPr>
+              <a:t>SurfaceStructure</a:t>
             </a:r>
             <a:r>
               <a:rPr lang="de-CH" sz="2000" b="0" dirty="0">
@@ -6954,15 +6815,54 @@
             <a:pPr marL="0" indent="0">
               <a:buNone/>
             </a:pPr>
-            <a:r>
-              <a:rPr lang="de-CH" sz="2000" b="0" dirty="0">
-                <a:solidFill>
-                  <a:srgbClr val="3B3B3B"/>
-                </a:solidFill>
-                <a:effectLst/>
-                <a:latin typeface="Consolas" panose="020B0609020204030204" pitchFamily="49" charset="0"/>
-              </a:rPr>
-              <a:t>  Leitungen</a:t>
+            <a:br>
+              <a:rPr lang="de-CH" sz="2000" b="0" dirty="0">
+                <a:solidFill>
+                  <a:srgbClr val="3B3B3B"/>
+                </a:solidFill>
+                <a:effectLst/>
+                <a:latin typeface="Consolas" panose="020B0609020204030204" pitchFamily="49" charset="0"/>
+              </a:rPr>
+            </a:br>
+            <a:r>
+              <a:rPr lang="de-CH" sz="2000" b="0" dirty="0">
+                <a:solidFill>
+                  <a:srgbClr val="0000FF"/>
+                </a:solidFill>
+                <a:effectLst/>
+                <a:latin typeface="Consolas" panose="020B0609020204030204" pitchFamily="49" charset="0"/>
+              </a:rPr>
+              <a:t>CLASS</a:t>
+            </a:r>
+            <a:r>
+              <a:rPr lang="de-CH" sz="2000" b="0" dirty="0">
+                <a:solidFill>
+                  <a:srgbClr val="3B3B3B"/>
+                </a:solidFill>
+                <a:effectLst/>
+                <a:latin typeface="Consolas" panose="020B0609020204030204" pitchFamily="49" charset="0"/>
+              </a:rPr>
+              <a:t> </a:t>
+            </a:r>
+            <a:r>
+              <a:rPr lang="de-CH" sz="2000" b="0" dirty="0" err="1">
+                <a:solidFill>
+                  <a:srgbClr val="3B3B3B"/>
+                </a:solidFill>
+                <a:effectLst/>
+                <a:latin typeface="Consolas" panose="020B0609020204030204" pitchFamily="49" charset="0"/>
+              </a:rPr>
+              <a:t>LZ_Flaeche</a:t>
+            </a:r>
+            <a:r>
+              <a:rPr lang="de-CH" sz="2000" b="0" dirty="0">
+                <a:solidFill>
+                  <a:srgbClr val="3B3B3B"/>
+                </a:solidFill>
+                <a:effectLst/>
+                <a:latin typeface="Consolas" panose="020B0609020204030204" pitchFamily="49" charset="0"/>
+              </a:rPr>
+              <a:t> </a:t>
             </a:r>
             <a:r>
               <a:rPr lang="de-CH" sz="2000" b="0" dirty="0">
@@ -6972,37 +6872,7 @@
                 <a:effectLst/>
                 <a:latin typeface="Consolas" panose="020B0609020204030204" pitchFamily="49" charset="0"/>
               </a:rPr>
-              <a:t>:</a:t>
-            </a:r>
-            <a:r>
-              <a:rPr lang="de-CH" sz="2000" b="0" dirty="0">
-                <a:solidFill>
-                  <a:srgbClr val="3B3B3B"/>
-                </a:solidFill>
-                <a:effectLst/>
-                <a:latin typeface="Consolas" panose="020B0609020204030204" pitchFamily="49" charset="0"/>
-              </a:rPr>
-              <a:t> </a:t>
-            </a:r>
-            <a:r>
-              <a:rPr lang="de-CH" sz="2000" b="0" dirty="0">
-                <a:solidFill>
-                  <a:srgbClr val="267F99"/>
-                </a:solidFill>
-                <a:effectLst/>
-                <a:latin typeface="Consolas" panose="020B0609020204030204" pitchFamily="49" charset="0"/>
-              </a:rPr>
-              <a:t>MULTIPOLYLINE</a:t>
-            </a:r>
-            <a:r>
-              <a:rPr lang="de-CH" sz="2000" b="0" dirty="0">
-                <a:solidFill>
-                  <a:srgbClr val="000000"/>
-                </a:solidFill>
-                <a:effectLst/>
-                <a:latin typeface="Consolas" panose="020B0609020204030204" pitchFamily="49" charset="0"/>
-              </a:rPr>
-              <a:t>;</a:t>
+              <a:t>=</a:t>
             </a:r>
             <a:endParaRPr lang="de-CH" sz="2000" b="0" dirty="0">
               <a:solidFill>
@@ -7019,12 +6889,102 @@
             <a:r>
               <a:rPr lang="de-CH" sz="2000" b="0" dirty="0">
                 <a:solidFill>
+                  <a:srgbClr val="3B3B3B"/>
+                </a:solidFill>
+                <a:effectLst/>
+                <a:latin typeface="Consolas" panose="020B0609020204030204" pitchFamily="49" charset="0"/>
+              </a:rPr>
+              <a:t>  </a:t>
+            </a:r>
+            <a:r>
+              <a:rPr lang="de-CH" sz="2000" b="0" dirty="0" err="1">
+                <a:solidFill>
+                  <a:srgbClr val="3B3B3B"/>
+                </a:solidFill>
+                <a:effectLst/>
+                <a:latin typeface="Consolas" panose="020B0609020204030204" pitchFamily="49" charset="0"/>
+              </a:rPr>
+              <a:t>Flaeche</a:t>
+            </a:r>
+            <a:r>
+              <a:rPr lang="de-CH" sz="2000" b="0" dirty="0">
+                <a:solidFill>
+                  <a:srgbClr val="3B3B3B"/>
+                </a:solidFill>
+                <a:effectLst/>
+                <a:latin typeface="Consolas" panose="020B0609020204030204" pitchFamily="49" charset="0"/>
+              </a:rPr>
+              <a:t> </a:t>
+            </a:r>
+            <a:r>
+              <a:rPr lang="de-CH" sz="2000" b="0" dirty="0">
+                <a:solidFill>
+                  <a:srgbClr val="000000"/>
+                </a:solidFill>
+                <a:effectLst/>
+                <a:latin typeface="Consolas" panose="020B0609020204030204" pitchFamily="49" charset="0"/>
+              </a:rPr>
+              <a:t>:</a:t>
+            </a:r>
+            <a:r>
+              <a:rPr lang="de-CH" sz="2000" b="0" dirty="0">
+                <a:solidFill>
+                  <a:srgbClr val="3B3B3B"/>
+                </a:solidFill>
+                <a:effectLst/>
+                <a:latin typeface="Consolas" panose="020B0609020204030204" pitchFamily="49" charset="0"/>
+              </a:rPr>
+              <a:t> </a:t>
+            </a:r>
+            <a:r>
+              <a:rPr lang="de-CH" sz="2000" b="0" dirty="0">
+                <a:solidFill>
                   <a:srgbClr val="0000FF"/>
                 </a:solidFill>
                 <a:effectLst/>
                 <a:latin typeface="Consolas" panose="020B0609020204030204" pitchFamily="49" charset="0"/>
               </a:rPr>
-              <a:t>END</a:t>
+              <a:t>BAG</a:t>
+            </a:r>
+            <a:r>
+              <a:rPr lang="de-CH" sz="2000" b="0" dirty="0">
+                <a:solidFill>
+                  <a:srgbClr val="3B3B3B"/>
+                </a:solidFill>
+                <a:effectLst/>
+                <a:latin typeface="Consolas" panose="020B0609020204030204" pitchFamily="49" charset="0"/>
+              </a:rPr>
+              <a:t> {</a:t>
+            </a:r>
+            <a:r>
+              <a:rPr lang="de-CH" sz="2000" b="0" dirty="0">
+                <a:solidFill>
+                  <a:srgbClr val="098658"/>
+                </a:solidFill>
+                <a:effectLst/>
+                <a:latin typeface="Consolas" panose="020B0609020204030204" pitchFamily="49" charset="0"/>
+              </a:rPr>
+              <a:t>1</a:t>
+            </a:r>
+            <a:r>
+              <a:rPr lang="de-CH" sz="2000" b="0" dirty="0">
+                <a:solidFill>
+                  <a:srgbClr val="3B3B3B"/>
+                </a:solidFill>
+                <a:effectLst/>
+                <a:latin typeface="Consolas" panose="020B0609020204030204" pitchFamily="49" charset="0"/>
+              </a:rPr>
+              <a:t>..*} </a:t>
+            </a:r>
+            <a:r>
+              <a:rPr lang="de-CH" sz="2000" b="0" dirty="0">
+                <a:solidFill>
+                  <a:srgbClr val="0000FF"/>
+                </a:solidFill>
+                <a:effectLst/>
+                <a:latin typeface="Consolas" panose="020B0609020204030204" pitchFamily="49" charset="0"/>
+              </a:rPr>
+              <a:t>OF</a:t>
             </a:r>
             <a:r>
               <a:rPr lang="de-CH" sz="2000" b="0" dirty="0">
@@ -7044,7 +7004,7 @@
                 <a:effectLst/>
                 <a:latin typeface="Consolas" panose="020B0609020204030204" pitchFamily="49" charset="0"/>
               </a:rPr>
-              <a:t>LZ_Flaeche</a:t>
+              <a:t>SurfaceStructure</a:t>
             </a:r>
             <a:r>
               <a:rPr lang="de-CH" sz="2000" b="0" dirty="0">
@@ -7068,7 +7028,53 @@
             <a:pPr marL="0" indent="0">
               <a:buNone/>
             </a:pPr>
-            <a:endParaRPr lang="de-CH" dirty="0"/>
+            <a:r>
+              <a:rPr lang="de-CH" sz="2000" b="0" dirty="0">
+                <a:solidFill>
+                  <a:srgbClr val="0000FF"/>
+                </a:solidFill>
+                <a:effectLst/>
+                <a:latin typeface="Consolas" panose="020B0609020204030204" pitchFamily="49" charset="0"/>
+              </a:rPr>
+              <a:t>END</a:t>
+            </a:r>
+            <a:r>
+              <a:rPr lang="de-CH" sz="2000" b="0" dirty="0">
+                <a:solidFill>
+                  <a:srgbClr val="3B3B3B"/>
+                </a:solidFill>
+                <a:effectLst/>
+                <a:latin typeface="Consolas" panose="020B0609020204030204" pitchFamily="49" charset="0"/>
+              </a:rPr>
+              <a:t> </a:t>
+            </a:r>
+            <a:r>
+              <a:rPr lang="de-CH" sz="2000" b="0" dirty="0" err="1">
+                <a:solidFill>
+                  <a:srgbClr val="3B3B3B"/>
+                </a:solidFill>
+                <a:effectLst/>
+                <a:latin typeface="Consolas" panose="020B0609020204030204" pitchFamily="49" charset="0"/>
+              </a:rPr>
+              <a:t>LZ_Flaeche</a:t>
+            </a:r>
+            <a:r>
+              <a:rPr lang="de-CH" sz="2000" b="0" dirty="0">
+                <a:solidFill>
+                  <a:srgbClr val="000000"/>
+                </a:solidFill>
+                <a:effectLst/>
+                <a:latin typeface="Consolas" panose="020B0609020204030204" pitchFamily="49" charset="0"/>
+              </a:rPr>
+              <a:t>;</a:t>
+            </a:r>
+            <a:endParaRPr lang="de-CH" sz="2000" b="0" dirty="0">
+              <a:solidFill>
+                <a:srgbClr val="3B3B3B"/>
+              </a:solidFill>
+              <a:effectLst/>
+              <a:latin typeface="Consolas" panose="020B0609020204030204" pitchFamily="49" charset="0"/>
+            </a:endParaRPr>
           </a:p>
         </p:txBody>
       </p:sp>
@@ -7174,7 +7180,7 @@
     </p:spTree>
     <p:extLst>
       <p:ext uri="{BB962C8B-B14F-4D97-AF65-F5344CB8AC3E}">
-        <p14:creationId xmlns:p14="http://schemas.microsoft.com/office/powerpoint/2010/main" val="2291710656"/>
+        <p14:creationId xmlns:p14="http://schemas.microsoft.com/office/powerpoint/2010/main" val="3769758428"/>
       </p:ext>
     </p:extLst>
   </p:cSld>
@@ -7206,7 +7212,7 @@
           <p:cNvPr id="2" name="Title 1">
             <a:extLst>
               <a:ext uri="{FF2B5EF4-FFF2-40B4-BE49-F238E27FC236}">
-                <a16:creationId xmlns:a16="http://schemas.microsoft.com/office/drawing/2014/main" id="{7759E637-07F0-FAD0-7E85-248527C89F6C}"/>
+                <a16:creationId xmlns:a16="http://schemas.microsoft.com/office/drawing/2014/main" id="{C7B0EC69-C21C-A8A8-BB1F-2B29FE3D8663}"/>
               </a:ext>
             </a:extLst>
           </p:cNvPr>
@@ -7224,7 +7230,7 @@
           <a:p>
             <a:r>
               <a:rPr lang="de-CH" dirty="0"/>
-              <a:t>Weitere Änderungen in INTERLIS 2.4</a:t>
+              <a:t>MULTI Geometrien</a:t>
             </a:r>
           </a:p>
         </p:txBody>
@@ -7234,7 +7240,7 @@
           <p:cNvPr id="3" name="Content Placeholder 2">
             <a:extLst>
               <a:ext uri="{FF2B5EF4-FFF2-40B4-BE49-F238E27FC236}">
-                <a16:creationId xmlns:a16="http://schemas.microsoft.com/office/drawing/2014/main" id="{5F44CB77-ACC7-0923-44D3-9BAF5557F9D5}"/>
+                <a16:creationId xmlns:a16="http://schemas.microsoft.com/office/drawing/2014/main" id="{95DAE41A-13FC-1C2C-C69F-E39BD38AC9EC}"/>
               </a:ext>
             </a:extLst>
           </p:cNvPr>
@@ -7250,40 +7256,44 @@
           <a:bodyPr/>
           <a:lstStyle/>
           <a:p>
-            <a:r>
-              <a:rPr lang="de-CH" dirty="0"/>
-              <a:t>Alle Änderungen werde in </a:t>
-            </a:r>
-            <a:r>
-              <a:rPr lang="de-CH" dirty="0">
-                <a:hlinkClick r:id="rId2"/>
-              </a:rPr>
-              <a:t>Referenzhandbuch S. 8 erläutert</a:t>
-            </a:r>
-            <a:br>
-              <a:rPr lang="de-CH" dirty="0"/>
-            </a:br>
-            <a:endParaRPr lang="de-CH" dirty="0"/>
-          </a:p>
-          <a:p>
-            <a:r>
-              <a:rPr lang="de-CH" dirty="0"/>
-              <a:t>2.3 Modelle sind 2.4 kompatibel</a:t>
-            </a:r>
-          </a:p>
-          <a:p>
-            <a:r>
-              <a:rPr lang="de-CH" b="0" dirty="0">
+            <a:pPr marL="0" indent="0">
+              <a:buNone/>
+            </a:pPr>
+            <a:endParaRPr lang="de-CH" sz="2000" b="0" dirty="0">
+              <a:solidFill>
+                <a:srgbClr val="0000FF"/>
+              </a:solidFill>
+              <a:effectLst/>
+              <a:latin typeface="Consolas" panose="020B0609020204030204" pitchFamily="49" charset="0"/>
+            </a:endParaRPr>
+          </a:p>
+          <a:p>
+            <a:pPr marL="0" indent="0">
+              <a:buNone/>
+            </a:pPr>
+            <a:endParaRPr lang="de-CH" sz="2000" dirty="0">
+              <a:solidFill>
+                <a:srgbClr val="0000FF"/>
+              </a:solidFill>
+              <a:latin typeface="Consolas" panose="020B0609020204030204" pitchFamily="49" charset="0"/>
+            </a:endParaRPr>
+          </a:p>
+          <a:p>
+            <a:pPr marL="0" indent="0">
+              <a:buNone/>
+            </a:pPr>
+            <a:r>
+              <a:rPr lang="de-CH" sz="2000" b="0" dirty="0">
                 <a:solidFill>
                   <a:srgbClr val="0000FF"/>
                 </a:solidFill>
                 <a:effectLst/>
                 <a:latin typeface="Consolas" panose="020B0609020204030204" pitchFamily="49" charset="0"/>
               </a:rPr>
-              <a:t>SET</a:t>
-            </a:r>
-            <a:r>
-              <a:rPr lang="de-CH" b="0" dirty="0">
+              <a:t>CLASS</a:t>
+            </a:r>
+            <a:r>
+              <a:rPr lang="de-CH" sz="2000" b="0" dirty="0">
                 <a:solidFill>
                   <a:srgbClr val="3B3B3B"/>
                 </a:solidFill>
@@ -7293,17 +7303,265 @@
               <a:t> </a:t>
             </a:r>
             <a:r>
-              <a:rPr lang="de-CH" b="0" dirty="0">
+              <a:rPr lang="de-CH" sz="2000" b="0" dirty="0" err="1">
+                <a:solidFill>
+                  <a:srgbClr val="3B3B3B"/>
+                </a:solidFill>
+                <a:effectLst/>
+                <a:latin typeface="Consolas" panose="020B0609020204030204" pitchFamily="49" charset="0"/>
+              </a:rPr>
+              <a:t>LZ_Flaeche</a:t>
+            </a:r>
+            <a:r>
+              <a:rPr lang="de-CH" sz="2000" b="0" dirty="0">
+                <a:solidFill>
+                  <a:srgbClr val="3B3B3B"/>
+                </a:solidFill>
+                <a:effectLst/>
+                <a:latin typeface="Consolas" panose="020B0609020204030204" pitchFamily="49" charset="0"/>
+              </a:rPr>
+              <a:t> </a:t>
+            </a:r>
+            <a:r>
+              <a:rPr lang="de-CH" sz="2000" b="0" dirty="0">
+                <a:solidFill>
+                  <a:srgbClr val="000000"/>
+                </a:solidFill>
+                <a:effectLst/>
+                <a:latin typeface="Consolas" panose="020B0609020204030204" pitchFamily="49" charset="0"/>
+              </a:rPr>
+              <a:t>=</a:t>
+            </a:r>
+            <a:endParaRPr lang="de-CH" sz="2000" b="0" dirty="0">
+              <a:solidFill>
+                <a:srgbClr val="3B3B3B"/>
+              </a:solidFill>
+              <a:effectLst/>
+              <a:latin typeface="Consolas" panose="020B0609020204030204" pitchFamily="49" charset="0"/>
+            </a:endParaRPr>
+          </a:p>
+          <a:p>
+            <a:pPr marL="0" indent="0">
+              <a:buNone/>
+            </a:pPr>
+            <a:r>
+              <a:rPr lang="de-CH" sz="2000" b="0" dirty="0">
+                <a:solidFill>
+                  <a:srgbClr val="3B3B3B"/>
+                </a:solidFill>
+                <a:effectLst/>
+                <a:latin typeface="Consolas" panose="020B0609020204030204" pitchFamily="49" charset="0"/>
+              </a:rPr>
+              <a:t>  </a:t>
+            </a:r>
+            <a:r>
+              <a:rPr lang="de-CH" sz="2000" b="0" dirty="0" err="1">
+                <a:solidFill>
+                  <a:srgbClr val="3B3B3B"/>
+                </a:solidFill>
+                <a:effectLst/>
+                <a:latin typeface="Consolas" panose="020B0609020204030204" pitchFamily="49" charset="0"/>
+              </a:rPr>
+              <a:t>Flaeche</a:t>
+            </a:r>
+            <a:r>
+              <a:rPr lang="de-CH" sz="2000" b="0" dirty="0">
+                <a:solidFill>
+                  <a:srgbClr val="3B3B3B"/>
+                </a:solidFill>
+                <a:effectLst/>
+                <a:latin typeface="Consolas" panose="020B0609020204030204" pitchFamily="49" charset="0"/>
+              </a:rPr>
+              <a:t> </a:t>
+            </a:r>
+            <a:r>
+              <a:rPr lang="de-CH" sz="2000" b="0" dirty="0">
+                <a:solidFill>
+                  <a:srgbClr val="000000"/>
+                </a:solidFill>
+                <a:effectLst/>
+                <a:latin typeface="Consolas" panose="020B0609020204030204" pitchFamily="49" charset="0"/>
+              </a:rPr>
+              <a:t>:</a:t>
+            </a:r>
+            <a:r>
+              <a:rPr lang="de-CH" sz="2000" b="0" dirty="0">
+                <a:solidFill>
+                  <a:srgbClr val="3B3B3B"/>
+                </a:solidFill>
+                <a:effectLst/>
+                <a:latin typeface="Consolas" panose="020B0609020204030204" pitchFamily="49" charset="0"/>
+              </a:rPr>
+              <a:t> </a:t>
+            </a:r>
+            <a:r>
+              <a:rPr lang="de-CH" sz="2000" b="0" dirty="0">
+                <a:solidFill>
+                  <a:srgbClr val="267F99"/>
+                </a:solidFill>
+                <a:effectLst/>
+                <a:latin typeface="Consolas" panose="020B0609020204030204" pitchFamily="49" charset="0"/>
+              </a:rPr>
+              <a:t>MULTIAREA</a:t>
+            </a:r>
+            <a:r>
+              <a:rPr lang="de-CH" sz="2000" b="0" dirty="0">
+                <a:solidFill>
+                  <a:srgbClr val="000000"/>
+                </a:solidFill>
+                <a:effectLst/>
+                <a:latin typeface="Consolas" panose="020B0609020204030204" pitchFamily="49" charset="0"/>
+              </a:rPr>
+              <a:t>;</a:t>
+            </a:r>
+            <a:endParaRPr lang="de-CH" sz="2000" b="0" dirty="0">
+              <a:solidFill>
+                <a:srgbClr val="3B3B3B"/>
+              </a:solidFill>
+              <a:effectLst/>
+              <a:latin typeface="Consolas" panose="020B0609020204030204" pitchFamily="49" charset="0"/>
+            </a:endParaRPr>
+          </a:p>
+          <a:p>
+            <a:pPr marL="0" indent="0">
+              <a:buNone/>
+            </a:pPr>
+            <a:r>
+              <a:rPr lang="de-CH" sz="2000" b="0" dirty="0">
+                <a:solidFill>
+                  <a:srgbClr val="3B3B3B"/>
+                </a:solidFill>
+                <a:effectLst/>
+                <a:latin typeface="Consolas" panose="020B0609020204030204" pitchFamily="49" charset="0"/>
+              </a:rPr>
+              <a:t>  Messpunkte</a:t>
+            </a:r>
+            <a:r>
+              <a:rPr lang="de-CH" sz="2000" b="0" dirty="0">
+                <a:solidFill>
+                  <a:srgbClr val="000000"/>
+                </a:solidFill>
+                <a:effectLst/>
+                <a:latin typeface="Consolas" panose="020B0609020204030204" pitchFamily="49" charset="0"/>
+              </a:rPr>
+              <a:t>:</a:t>
+            </a:r>
+            <a:r>
+              <a:rPr lang="de-CH" sz="2000" b="0" dirty="0">
+                <a:solidFill>
+                  <a:srgbClr val="3B3B3B"/>
+                </a:solidFill>
+                <a:effectLst/>
+                <a:latin typeface="Consolas" panose="020B0609020204030204" pitchFamily="49" charset="0"/>
+              </a:rPr>
+              <a:t> </a:t>
+            </a:r>
+            <a:r>
+              <a:rPr lang="de-CH" sz="2000" b="0" dirty="0">
+                <a:solidFill>
+                  <a:srgbClr val="267F99"/>
+                </a:solidFill>
+                <a:effectLst/>
+                <a:latin typeface="Consolas" panose="020B0609020204030204" pitchFamily="49" charset="0"/>
+              </a:rPr>
+              <a:t>MULTICOORD</a:t>
+            </a:r>
+            <a:r>
+              <a:rPr lang="de-CH" sz="2000" b="0" dirty="0">
+                <a:solidFill>
+                  <a:srgbClr val="000000"/>
+                </a:solidFill>
+                <a:effectLst/>
+                <a:latin typeface="Consolas" panose="020B0609020204030204" pitchFamily="49" charset="0"/>
+              </a:rPr>
+              <a:t>;</a:t>
+            </a:r>
+            <a:endParaRPr lang="de-CH" sz="2000" b="0" dirty="0">
+              <a:solidFill>
+                <a:srgbClr val="3B3B3B"/>
+              </a:solidFill>
+              <a:effectLst/>
+              <a:latin typeface="Consolas" panose="020B0609020204030204" pitchFamily="49" charset="0"/>
+            </a:endParaRPr>
+          </a:p>
+          <a:p>
+            <a:pPr marL="0" indent="0">
+              <a:buNone/>
+            </a:pPr>
+            <a:r>
+              <a:rPr lang="de-CH" sz="2000" b="0" dirty="0">
+                <a:solidFill>
+                  <a:srgbClr val="3B3B3B"/>
+                </a:solidFill>
+                <a:effectLst/>
+                <a:latin typeface="Consolas" panose="020B0609020204030204" pitchFamily="49" charset="0"/>
+              </a:rPr>
+              <a:t>  Leitungen</a:t>
+            </a:r>
+            <a:r>
+              <a:rPr lang="de-CH" sz="2000" b="0" dirty="0">
+                <a:solidFill>
+                  <a:srgbClr val="000000"/>
+                </a:solidFill>
+                <a:effectLst/>
+                <a:latin typeface="Consolas" panose="020B0609020204030204" pitchFamily="49" charset="0"/>
+              </a:rPr>
+              <a:t>:</a:t>
+            </a:r>
+            <a:r>
+              <a:rPr lang="de-CH" sz="2000" b="0" dirty="0">
+                <a:solidFill>
+                  <a:srgbClr val="3B3B3B"/>
+                </a:solidFill>
+                <a:effectLst/>
+                <a:latin typeface="Consolas" panose="020B0609020204030204" pitchFamily="49" charset="0"/>
+              </a:rPr>
+              <a:t> </a:t>
+            </a:r>
+            <a:r>
+              <a:rPr lang="de-CH" sz="2000" b="0" dirty="0">
+                <a:solidFill>
+                  <a:srgbClr val="267F99"/>
+                </a:solidFill>
+                <a:effectLst/>
+                <a:latin typeface="Consolas" panose="020B0609020204030204" pitchFamily="49" charset="0"/>
+              </a:rPr>
+              <a:t>MULTIPOLYLINE</a:t>
+            </a:r>
+            <a:r>
+              <a:rPr lang="de-CH" sz="2000" b="0" dirty="0">
+                <a:solidFill>
+                  <a:srgbClr val="000000"/>
+                </a:solidFill>
+                <a:effectLst/>
+                <a:latin typeface="Consolas" panose="020B0609020204030204" pitchFamily="49" charset="0"/>
+              </a:rPr>
+              <a:t>;</a:t>
+            </a:r>
+            <a:endParaRPr lang="de-CH" sz="2000" b="0" dirty="0">
+              <a:solidFill>
+                <a:srgbClr val="3B3B3B"/>
+              </a:solidFill>
+              <a:effectLst/>
+              <a:latin typeface="Consolas" panose="020B0609020204030204" pitchFamily="49" charset="0"/>
+            </a:endParaRPr>
+          </a:p>
+          <a:p>
+            <a:pPr marL="0" indent="0">
+              <a:buNone/>
+            </a:pPr>
+            <a:r>
+              <a:rPr lang="de-CH" sz="2000" b="0" dirty="0">
                 <a:solidFill>
                   <a:srgbClr val="0000FF"/>
                 </a:solidFill>
                 <a:effectLst/>
                 <a:latin typeface="Consolas" panose="020B0609020204030204" pitchFamily="49" charset="0"/>
               </a:rPr>
-              <a:t>CONSTRAINTS</a:t>
-            </a:r>
-            <a:r>
-              <a:rPr lang="de-CH" b="0" dirty="0">
+              <a:t>END</a:t>
+            </a:r>
+            <a:r>
+              <a:rPr lang="de-CH" sz="2000" b="0" dirty="0">
                 <a:solidFill>
                   <a:srgbClr val="3B3B3B"/>
                 </a:solidFill>
@@ -7313,78 +7571,37 @@
               <a:t> </a:t>
             </a:r>
             <a:r>
-              <a:rPr lang="de-CH" dirty="0"/>
-              <a:t>auf</a:t>
-            </a:r>
-            <a:r>
-              <a:rPr lang="de-CH" b="0" dirty="0">
-                <a:solidFill>
-                  <a:srgbClr val="3B3B3B"/>
-                </a:solidFill>
-                <a:effectLst/>
-                <a:latin typeface="Consolas" panose="020B0609020204030204" pitchFamily="49" charset="0"/>
-              </a:rPr>
-              <a:t> (</a:t>
-            </a:r>
-            <a:r>
-              <a:rPr lang="de-CH" b="0" dirty="0">
-                <a:solidFill>
-                  <a:srgbClr val="0000FF"/>
-                </a:solidFill>
-                <a:effectLst/>
-                <a:latin typeface="Consolas" panose="020B0609020204030204" pitchFamily="49" charset="0"/>
-              </a:rPr>
-              <a:t>BASKET</a:t>
-            </a:r>
-            <a:r>
-              <a:rPr lang="de-CH" b="0" dirty="0">
-                <a:solidFill>
-                  <a:srgbClr val="3B3B3B"/>
-                </a:solidFill>
-                <a:effectLst/>
-                <a:latin typeface="Consolas" panose="020B0609020204030204" pitchFamily="49" charset="0"/>
-              </a:rPr>
-              <a:t>) </a:t>
-            </a:r>
-            <a:r>
-              <a:rPr lang="de-CH" dirty="0"/>
-              <a:t>beschränken</a:t>
-            </a:r>
-          </a:p>
-          <a:p>
-            <a:r>
-              <a:rPr lang="de-CH" dirty="0"/>
-              <a:t>Änderungen im XTF/XML Schema &amp; Namespaces</a:t>
-            </a:r>
-          </a:p>
-          <a:p>
-            <a:r>
-              <a:rPr lang="de-CH" dirty="0"/>
-              <a:t>Vereinfachung des Umgangs mit Zeit</a:t>
-            </a:r>
-          </a:p>
-          <a:p>
-            <a:r>
-              <a:rPr lang="de-CH" dirty="0"/>
-              <a:t>Linienattribute werden abgeschafft.</a:t>
-            </a:r>
-          </a:p>
-          <a:p>
-            <a:r>
-              <a:rPr lang="de-CH" dirty="0"/>
-              <a:t>Generische Koordinaten-Wertebereiche</a:t>
-            </a:r>
-          </a:p>
-          <a:p>
-            <a:r>
-              <a:rPr lang="de-CH" dirty="0"/>
-              <a:t>CONTRACTED ohne Bedeutung</a:t>
-            </a:r>
-          </a:p>
-          <a:p>
-            <a:endParaRPr lang="de-CH" dirty="0"/>
-          </a:p>
-          <a:p>
+              <a:rPr lang="de-CH" sz="2000" b="0" dirty="0" err="1">
+                <a:solidFill>
+                  <a:srgbClr val="3B3B3B"/>
+                </a:solidFill>
+                <a:effectLst/>
+                <a:latin typeface="Consolas" panose="020B0609020204030204" pitchFamily="49" charset="0"/>
+              </a:rPr>
+              <a:t>LZ_Flaeche</a:t>
+            </a:r>
+            <a:r>
+              <a:rPr lang="de-CH" sz="2000" b="0" dirty="0">
+                <a:solidFill>
+                  <a:srgbClr val="000000"/>
+                </a:solidFill>
+                <a:effectLst/>
+                <a:latin typeface="Consolas" panose="020B0609020204030204" pitchFamily="49" charset="0"/>
+              </a:rPr>
+              <a:t>;</a:t>
+            </a:r>
+            <a:endParaRPr lang="de-CH" sz="2000" b="0" dirty="0">
+              <a:solidFill>
+                <a:srgbClr val="3B3B3B"/>
+              </a:solidFill>
+              <a:effectLst/>
+              <a:latin typeface="Consolas" panose="020B0609020204030204" pitchFamily="49" charset="0"/>
+            </a:endParaRPr>
+          </a:p>
+          <a:p>
+            <a:pPr marL="0" indent="0">
+              <a:buNone/>
+            </a:pPr>
             <a:endParaRPr lang="de-CH" dirty="0"/>
           </a:p>
         </p:txBody>
@@ -7394,7 +7611,7 @@
           <p:cNvPr id="4" name="Date Placeholder 3">
             <a:extLst>
               <a:ext uri="{FF2B5EF4-FFF2-40B4-BE49-F238E27FC236}">
-                <a16:creationId xmlns:a16="http://schemas.microsoft.com/office/drawing/2014/main" id="{CFBBB9F4-F134-86AD-70E8-47CC4C522E2F}"/>
+                <a16:creationId xmlns:a16="http://schemas.microsoft.com/office/drawing/2014/main" id="{664E7194-7185-4D53-A31A-F0FE9B55F1B9}"/>
               </a:ext>
             </a:extLst>
           </p:cNvPr>
@@ -7426,7 +7643,7 @@
           <p:cNvPr id="5" name="Footer Placeholder 4">
             <a:extLst>
               <a:ext uri="{FF2B5EF4-FFF2-40B4-BE49-F238E27FC236}">
-                <a16:creationId xmlns:a16="http://schemas.microsoft.com/office/drawing/2014/main" id="{DEF484E8-C36D-9623-1160-B6C527D5F760}"/>
+                <a16:creationId xmlns:a16="http://schemas.microsoft.com/office/drawing/2014/main" id="{27154BE8-A697-501E-A55B-DB7153654F1B}"/>
               </a:ext>
             </a:extLst>
           </p:cNvPr>
@@ -7458,7 +7675,7 @@
           <p:cNvPr id="6" name="Slide Number Placeholder 5">
             <a:extLst>
               <a:ext uri="{FF2B5EF4-FFF2-40B4-BE49-F238E27FC236}">
-                <a16:creationId xmlns:a16="http://schemas.microsoft.com/office/drawing/2014/main" id="{B8FF4442-63C5-353E-8D97-182ECF575C49}"/>
+                <a16:creationId xmlns:a16="http://schemas.microsoft.com/office/drawing/2014/main" id="{574F7006-D364-18A0-5A2B-6F4535137609}"/>
               </a:ext>
             </a:extLst>
           </p:cNvPr>
@@ -7491,7 +7708,7 @@
     </p:spTree>
     <p:extLst>
       <p:ext uri="{BB962C8B-B14F-4D97-AF65-F5344CB8AC3E}">
-        <p14:creationId xmlns:p14="http://schemas.microsoft.com/office/powerpoint/2010/main" val="3809425577"/>
+        <p14:creationId xmlns:p14="http://schemas.microsoft.com/office/powerpoint/2010/main" val="2291710656"/>
       </p:ext>
     </p:extLst>
   </p:cSld>
@@ -7520,6 +7737,323 @@
       </p:grpSpPr>
       <p:sp>
         <p:nvSpPr>
+          <p:cNvPr id="2" name="Title 1">
+            <a:extLst>
+              <a:ext uri="{FF2B5EF4-FFF2-40B4-BE49-F238E27FC236}">
+                <a16:creationId xmlns:a16="http://schemas.microsoft.com/office/drawing/2014/main" id="{7759E637-07F0-FAD0-7E85-248527C89F6C}"/>
+              </a:ext>
+            </a:extLst>
+          </p:cNvPr>
+          <p:cNvSpPr>
+            <a:spLocks noGrp="1"/>
+          </p:cNvSpPr>
+          <p:nvPr>
+            <p:ph type="title"/>
+          </p:nvPr>
+        </p:nvSpPr>
+        <p:spPr/>
+        <p:txBody>
+          <a:bodyPr/>
+          <a:lstStyle/>
+          <a:p>
+            <a:r>
+              <a:rPr lang="de-CH" dirty="0"/>
+              <a:t>Weitere Änderungen in INTERLIS 2.4</a:t>
+            </a:r>
+          </a:p>
+        </p:txBody>
+      </p:sp>
+      <p:sp>
+        <p:nvSpPr>
+          <p:cNvPr id="3" name="Content Placeholder 2">
+            <a:extLst>
+              <a:ext uri="{FF2B5EF4-FFF2-40B4-BE49-F238E27FC236}">
+                <a16:creationId xmlns:a16="http://schemas.microsoft.com/office/drawing/2014/main" id="{5F44CB77-ACC7-0923-44D3-9BAF5557F9D5}"/>
+              </a:ext>
+            </a:extLst>
+          </p:cNvPr>
+          <p:cNvSpPr>
+            <a:spLocks noGrp="1"/>
+          </p:cNvSpPr>
+          <p:nvPr>
+            <p:ph idx="1"/>
+          </p:nvPr>
+        </p:nvSpPr>
+        <p:spPr/>
+        <p:txBody>
+          <a:bodyPr/>
+          <a:lstStyle/>
+          <a:p>
+            <a:r>
+              <a:rPr lang="de-CH" dirty="0"/>
+              <a:t>Alle Änderungen werde in </a:t>
+            </a:r>
+            <a:r>
+              <a:rPr lang="de-CH" dirty="0">
+                <a:hlinkClick r:id="rId2"/>
+              </a:rPr>
+              <a:t>Referenzhandbuch S. 8 erläutert</a:t>
+            </a:r>
+            <a:br>
+              <a:rPr lang="de-CH" dirty="0"/>
+            </a:br>
+            <a:endParaRPr lang="de-CH" dirty="0"/>
+          </a:p>
+          <a:p>
+            <a:r>
+              <a:rPr lang="de-CH" dirty="0"/>
+              <a:t>2.3 Modelle sind 2.4 kompatibel</a:t>
+            </a:r>
+          </a:p>
+          <a:p>
+            <a:r>
+              <a:rPr lang="de-CH" b="0" dirty="0">
+                <a:solidFill>
+                  <a:srgbClr val="0000FF"/>
+                </a:solidFill>
+                <a:effectLst/>
+                <a:latin typeface="Consolas" panose="020B0609020204030204" pitchFamily="49" charset="0"/>
+              </a:rPr>
+              <a:t>SET</a:t>
+            </a:r>
+            <a:r>
+              <a:rPr lang="de-CH" b="0" dirty="0">
+                <a:solidFill>
+                  <a:srgbClr val="3B3B3B"/>
+                </a:solidFill>
+                <a:effectLst/>
+                <a:latin typeface="Consolas" panose="020B0609020204030204" pitchFamily="49" charset="0"/>
+              </a:rPr>
+              <a:t> </a:t>
+            </a:r>
+            <a:r>
+              <a:rPr lang="de-CH" b="0" dirty="0">
+                <a:solidFill>
+                  <a:srgbClr val="0000FF"/>
+                </a:solidFill>
+                <a:effectLst/>
+                <a:latin typeface="Consolas" panose="020B0609020204030204" pitchFamily="49" charset="0"/>
+              </a:rPr>
+              <a:t>CONSTRAINTS</a:t>
+            </a:r>
+            <a:r>
+              <a:rPr lang="de-CH" b="0" dirty="0">
+                <a:solidFill>
+                  <a:srgbClr val="3B3B3B"/>
+                </a:solidFill>
+                <a:effectLst/>
+                <a:latin typeface="Consolas" panose="020B0609020204030204" pitchFamily="49" charset="0"/>
+              </a:rPr>
+              <a:t> </a:t>
+            </a:r>
+            <a:r>
+              <a:rPr lang="de-CH" dirty="0"/>
+              <a:t>auf</a:t>
+            </a:r>
+            <a:r>
+              <a:rPr lang="de-CH" b="0" dirty="0">
+                <a:solidFill>
+                  <a:srgbClr val="3B3B3B"/>
+                </a:solidFill>
+                <a:effectLst/>
+                <a:latin typeface="Consolas" panose="020B0609020204030204" pitchFamily="49" charset="0"/>
+              </a:rPr>
+              <a:t> (</a:t>
+            </a:r>
+            <a:r>
+              <a:rPr lang="de-CH" b="0" dirty="0">
+                <a:solidFill>
+                  <a:srgbClr val="0000FF"/>
+                </a:solidFill>
+                <a:effectLst/>
+                <a:latin typeface="Consolas" panose="020B0609020204030204" pitchFamily="49" charset="0"/>
+              </a:rPr>
+              <a:t>BASKET</a:t>
+            </a:r>
+            <a:r>
+              <a:rPr lang="de-CH" b="0" dirty="0">
+                <a:solidFill>
+                  <a:srgbClr val="3B3B3B"/>
+                </a:solidFill>
+                <a:effectLst/>
+                <a:latin typeface="Consolas" panose="020B0609020204030204" pitchFamily="49" charset="0"/>
+              </a:rPr>
+              <a:t>) </a:t>
+            </a:r>
+            <a:r>
+              <a:rPr lang="de-CH" dirty="0"/>
+              <a:t>beschränken</a:t>
+            </a:r>
+          </a:p>
+          <a:p>
+            <a:r>
+              <a:rPr lang="de-CH" dirty="0"/>
+              <a:t>Änderungen im XTF/XML Schema &amp; Namespaces</a:t>
+            </a:r>
+          </a:p>
+          <a:p>
+            <a:r>
+              <a:rPr lang="de-CH" dirty="0"/>
+              <a:t>Vereinfachung des Umgangs mit Zeit</a:t>
+            </a:r>
+          </a:p>
+          <a:p>
+            <a:r>
+              <a:rPr lang="de-CH" dirty="0"/>
+              <a:t>Linienattribute werden abgeschafft.</a:t>
+            </a:r>
+          </a:p>
+          <a:p>
+            <a:r>
+              <a:rPr lang="de-CH" dirty="0"/>
+              <a:t>Generische Koordinaten-Wertebereiche</a:t>
+            </a:r>
+          </a:p>
+          <a:p>
+            <a:r>
+              <a:rPr lang="de-CH" dirty="0"/>
+              <a:t>CONTRACTED ohne Bedeutung</a:t>
+            </a:r>
+          </a:p>
+          <a:p>
+            <a:endParaRPr lang="de-CH" dirty="0"/>
+          </a:p>
+          <a:p>
+            <a:endParaRPr lang="de-CH" dirty="0"/>
+          </a:p>
+        </p:txBody>
+      </p:sp>
+      <p:sp>
+        <p:nvSpPr>
+          <p:cNvPr id="4" name="Date Placeholder 3">
+            <a:extLst>
+              <a:ext uri="{FF2B5EF4-FFF2-40B4-BE49-F238E27FC236}">
+                <a16:creationId xmlns:a16="http://schemas.microsoft.com/office/drawing/2014/main" id="{CFBBB9F4-F134-86AD-70E8-47CC4C522E2F}"/>
+              </a:ext>
+            </a:extLst>
+          </p:cNvPr>
+          <p:cNvSpPr>
+            <a:spLocks noGrp="1"/>
+          </p:cNvSpPr>
+          <p:nvPr>
+            <p:ph type="dt" sz="half" idx="2"/>
+          </p:nvPr>
+        </p:nvSpPr>
+        <p:spPr/>
+        <p:txBody>
+          <a:bodyPr/>
+          <a:lstStyle/>
+          <a:p>
+            <a:pPr>
+              <a:defRPr/>
+            </a:pPr>
+            <a:r>
+              <a:rPr lang="de-CH"/>
+              <a:t>22.11.2023</a:t>
+            </a:r>
+            <a:endParaRPr lang="de-CH" dirty="0"/>
+          </a:p>
+        </p:txBody>
+      </p:sp>
+      <p:sp>
+        <p:nvSpPr>
+          <p:cNvPr id="5" name="Footer Placeholder 4">
+            <a:extLst>
+              <a:ext uri="{FF2B5EF4-FFF2-40B4-BE49-F238E27FC236}">
+                <a16:creationId xmlns:a16="http://schemas.microsoft.com/office/drawing/2014/main" id="{DEF484E8-C36D-9623-1160-B6C527D5F760}"/>
+              </a:ext>
+            </a:extLst>
+          </p:cNvPr>
+          <p:cNvSpPr>
+            <a:spLocks noGrp="1"/>
+          </p:cNvSpPr>
+          <p:nvPr>
+            <p:ph type="ftr" sz="quarter" idx="3"/>
+          </p:nvPr>
+        </p:nvSpPr>
+        <p:spPr/>
+        <p:txBody>
+          <a:bodyPr/>
+          <a:lstStyle/>
+          <a:p>
+            <a:pPr>
+              <a:defRPr/>
+            </a:pPr>
+            <a:r>
+              <a:rPr lang="de-CH"/>
+              <a:t>3. INTERLIS Anwender:Innen Treffen</a:t>
+            </a:r>
+            <a:endParaRPr lang="de-CH" dirty="0"/>
+          </a:p>
+        </p:txBody>
+      </p:sp>
+      <p:sp>
+        <p:nvSpPr>
+          <p:cNvPr id="6" name="Slide Number Placeholder 5">
+            <a:extLst>
+              <a:ext uri="{FF2B5EF4-FFF2-40B4-BE49-F238E27FC236}">
+                <a16:creationId xmlns:a16="http://schemas.microsoft.com/office/drawing/2014/main" id="{B8FF4442-63C5-353E-8D97-182ECF575C49}"/>
+              </a:ext>
+            </a:extLst>
+          </p:cNvPr>
+          <p:cNvSpPr>
+            <a:spLocks noGrp="1"/>
+          </p:cNvSpPr>
+          <p:nvPr>
+            <p:ph type="sldNum" sz="quarter" idx="4"/>
+          </p:nvPr>
+        </p:nvSpPr>
+        <p:spPr/>
+        <p:txBody>
+          <a:bodyPr/>
+          <a:lstStyle/>
+          <a:p>
+            <a:pPr>
+              <a:defRPr/>
+            </a:pPr>
+            <a:fld id="{CF6E12DF-9ECE-463F-89B2-3CF702297A6B}" type="slidenum">
+              <a:rPr lang="de-DE" smtClean="0"/>
+              <a:pPr>
+                <a:defRPr/>
+              </a:pPr>
+              <a:t>13</a:t>
+            </a:fld>
+            <a:endParaRPr lang="de-DE" dirty="0"/>
+          </a:p>
+        </p:txBody>
+      </p:sp>
+    </p:spTree>
+    <p:extLst>
+      <p:ext uri="{BB962C8B-B14F-4D97-AF65-F5344CB8AC3E}">
+        <p14:creationId xmlns:p14="http://schemas.microsoft.com/office/powerpoint/2010/main" val="3809425577"/>
+      </p:ext>
+    </p:extLst>
+  </p:cSld>
+  <p:clrMapOvr>
+    <a:masterClrMapping/>
+  </p:clrMapOvr>
+</p:sld>
+</file>
+
+<file path=ppt/slides/slide14.xml><?xml version="1.0" encoding="utf-8"?>
+<p:sld xmlns:a="http://schemas.openxmlformats.org/drawingml/2006/main" xmlns:r="http://schemas.openxmlformats.org/officeDocument/2006/relationships" xmlns:p="http://schemas.openxmlformats.org/presentationml/2006/main">
+  <p:cSld>
+    <p:spTree>
+      <p:nvGrpSpPr>
+        <p:cNvPr id="1" name=""/>
+        <p:cNvGrpSpPr/>
+        <p:nvPr/>
+      </p:nvGrpSpPr>
+      <p:grpSpPr>
+        <a:xfrm>
+          <a:off x="0" y="0"/>
+          <a:ext cx="0" cy="0"/>
+          <a:chOff x="0" y="0"/>
+          <a:chExt cx="0" cy="0"/>
+        </a:xfrm>
+      </p:grpSpPr>
+      <p:sp>
+        <p:nvSpPr>
           <p:cNvPr id="11" name="Title 10">
             <a:extLst>
               <a:ext uri="{FF2B5EF4-FFF2-40B4-BE49-F238E27FC236}">
@@ -7644,7 +8178,7 @@
               <a:pPr>
                 <a:defRPr/>
               </a:pPr>
-              <a:t>13</a:t>
+              <a:t>14</a:t>
             </a:fld>
             <a:endParaRPr lang="de-DE" dirty="0"/>
           </a:p>
@@ -11387,7 +11921,7 @@
           <p:cNvPr id="2" name="Title 1">
             <a:extLst>
               <a:ext uri="{FF2B5EF4-FFF2-40B4-BE49-F238E27FC236}">
-                <a16:creationId xmlns:a16="http://schemas.microsoft.com/office/drawing/2014/main" id="{E05E3436-7B1B-9DBF-AE77-A4AE1F07F490}"/>
+                <a16:creationId xmlns:a16="http://schemas.microsoft.com/office/drawing/2014/main" id="{88933A45-E18C-F654-9897-F4FC102132D3}"/>
               </a:ext>
             </a:extLst>
           </p:cNvPr>
@@ -11398,24 +11932,41 @@
             <p:ph type="title"/>
           </p:nvPr>
         </p:nvSpPr>
-        <p:spPr/>
+        <p:spPr>
+          <a:xfrm>
+            <a:off x="457200" y="1119188"/>
+            <a:ext cx="8229600" cy="869652"/>
+          </a:xfrm>
+        </p:spPr>
         <p:txBody>
           <a:bodyPr/>
           <a:lstStyle/>
           <a:p>
             <a:r>
+              <a:rPr lang="de-CH" dirty="0" err="1"/>
+              <a:t>Constraints</a:t>
+            </a:r>
+            <a:r>
               <a:rPr lang="de-CH" dirty="0"/>
-              <a:t>Implikation</a:t>
-            </a:r>
-          </a:p>
-        </p:txBody>
-      </p:sp>
-      <p:sp>
-        <p:nvSpPr>
-          <p:cNvPr id="5" name="Date Placeholder 4">
+              <a:t> </a:t>
+            </a:r>
+            <a:r>
+              <a:rPr lang="de-CH" dirty="0" err="1"/>
+              <a:t>bennennen</a:t>
+            </a:r>
+            <a:br>
+              <a:rPr lang="de-CH" dirty="0"/>
+            </a:br>
+            <a:endParaRPr lang="de-CH" dirty="0"/>
+          </a:p>
+        </p:txBody>
+      </p:sp>
+      <p:sp>
+        <p:nvSpPr>
+          <p:cNvPr id="3" name="Content Placeholder 2">
             <a:extLst>
               <a:ext uri="{FF2B5EF4-FFF2-40B4-BE49-F238E27FC236}">
-                <a16:creationId xmlns:a16="http://schemas.microsoft.com/office/drawing/2014/main" id="{779CE9A4-6AF1-C5A7-AAD0-CF850E91B865}"/>
+                <a16:creationId xmlns:a16="http://schemas.microsoft.com/office/drawing/2014/main" id="{F1D9EC27-9B5F-43BB-7C60-AC839AEACB1A}"/>
               </a:ext>
             </a:extLst>
           </p:cNvPr>
@@ -11423,31 +11974,236 @@
             <a:spLocks noGrp="1"/>
           </p:cNvSpPr>
           <p:nvPr>
-            <p:ph type="dt" sz="half" idx="13"/>
-          </p:nvPr>
-        </p:nvSpPr>
-        <p:spPr/>
-        <p:txBody>
-          <a:bodyPr/>
+            <p:ph sz="half" idx="1"/>
+          </p:nvPr>
+        </p:nvSpPr>
+        <p:spPr>
+          <a:xfrm>
+            <a:off x="457200" y="1600200"/>
+            <a:ext cx="8291264" cy="4525963"/>
+          </a:xfrm>
+        </p:spPr>
+        <p:txBody>
+          <a:bodyPr anchor="ctr"/>
           <a:lstStyle/>
           <a:p>
-            <a:pPr>
-              <a:defRPr/>
-            </a:pPr>
-            <a:r>
-              <a:rPr lang="de-CH"/>
-              <a:t>22.11.2023</a:t>
-            </a:r>
-            <a:endParaRPr lang="de-CH" dirty="0"/>
-          </a:p>
-        </p:txBody>
-      </p:sp>
-      <p:sp>
-        <p:nvSpPr>
-          <p:cNvPr id="6" name="Footer Placeholder 5">
+            <a:pPr marL="0" indent="0">
+              <a:buNone/>
+            </a:pPr>
+            <a:endParaRPr lang="de-CH" sz="2000" b="0" dirty="0">
+              <a:solidFill>
+                <a:srgbClr val="0000FF"/>
+              </a:solidFill>
+              <a:effectLst/>
+              <a:latin typeface="Consolas" panose="020B0609020204030204" pitchFamily="49" charset="0"/>
+            </a:endParaRPr>
+          </a:p>
+          <a:p>
+            <a:pPr marL="0" indent="0">
+              <a:buNone/>
+            </a:pPr>
+            <a:r>
+              <a:rPr lang="de-CH" sz="2000" b="0" dirty="0">
+                <a:solidFill>
+                  <a:srgbClr val="0000FF"/>
+                </a:solidFill>
+                <a:effectLst/>
+                <a:latin typeface="Consolas" panose="020B0609020204030204" pitchFamily="49" charset="0"/>
+              </a:rPr>
+              <a:t>MANDATORY</a:t>
+            </a:r>
+            <a:r>
+              <a:rPr lang="de-CH" sz="2000" b="0" dirty="0">
+                <a:solidFill>
+                  <a:srgbClr val="3B3B3B"/>
+                </a:solidFill>
+                <a:effectLst/>
+                <a:latin typeface="Consolas" panose="020B0609020204030204" pitchFamily="49" charset="0"/>
+              </a:rPr>
+              <a:t> </a:t>
+            </a:r>
+            <a:r>
+              <a:rPr lang="de-CH" sz="2000" b="0" dirty="0">
+                <a:solidFill>
+                  <a:srgbClr val="0000FF"/>
+                </a:solidFill>
+                <a:effectLst/>
+                <a:latin typeface="Consolas" panose="020B0609020204030204" pitchFamily="49" charset="0"/>
+              </a:rPr>
+              <a:t>CONSTRAINT</a:t>
+            </a:r>
+            <a:r>
+              <a:rPr lang="de-CH" sz="2000" b="0" dirty="0">
+                <a:solidFill>
+                  <a:srgbClr val="3B3B3B"/>
+                </a:solidFill>
+                <a:effectLst/>
+                <a:latin typeface="Consolas" panose="020B0609020204030204" pitchFamily="49" charset="0"/>
+              </a:rPr>
+              <a:t> </a:t>
+            </a:r>
+            <a:r>
+              <a:rPr lang="de-CH" sz="2000" b="0" dirty="0" err="1">
+                <a:solidFill>
+                  <a:srgbClr val="3B3B3B"/>
+                </a:solidFill>
+                <a:effectLst/>
+                <a:latin typeface="Consolas" panose="020B0609020204030204" pitchFamily="49" charset="0"/>
+              </a:rPr>
+              <a:t>SAPProjNr</a:t>
+            </a:r>
+            <a:r>
+              <a:rPr lang="de-CH" sz="2000" b="0" dirty="0">
+                <a:solidFill>
+                  <a:srgbClr val="3B3B3B"/>
+                </a:solidFill>
+                <a:effectLst/>
+                <a:latin typeface="Consolas" panose="020B0609020204030204" pitchFamily="49" charset="0"/>
+              </a:rPr>
+              <a:t> </a:t>
+            </a:r>
+            <a:r>
+              <a:rPr lang="de-CH" sz="2000" b="0" dirty="0">
+                <a:solidFill>
+                  <a:srgbClr val="000000"/>
+                </a:solidFill>
+                <a:effectLst/>
+                <a:latin typeface="Consolas" panose="020B0609020204030204" pitchFamily="49" charset="0"/>
+              </a:rPr>
+              <a:t>:</a:t>
+            </a:r>
+            <a:r>
+              <a:rPr lang="de-CH" sz="2000" b="0" dirty="0">
+                <a:solidFill>
+                  <a:srgbClr val="3B3B3B"/>
+                </a:solidFill>
+                <a:effectLst/>
+                <a:latin typeface="Consolas" panose="020B0609020204030204" pitchFamily="49" charset="0"/>
+              </a:rPr>
+              <a:t> </a:t>
+            </a:r>
+          </a:p>
+          <a:p>
+            <a:pPr marL="0" indent="0">
+              <a:buNone/>
+            </a:pPr>
+            <a:r>
+              <a:rPr lang="de-CH" sz="2000" dirty="0">
+                <a:solidFill>
+                  <a:srgbClr val="3B3B3B"/>
+                </a:solidFill>
+                <a:latin typeface="Consolas" panose="020B0609020204030204" pitchFamily="49" charset="0"/>
+              </a:rPr>
+              <a:t> </a:t>
+            </a:r>
+            <a:r>
+              <a:rPr lang="de-CH" sz="2000" b="0" dirty="0" err="1">
+                <a:solidFill>
+                  <a:srgbClr val="3B3B3B"/>
+                </a:solidFill>
+                <a:effectLst/>
+                <a:latin typeface="Consolas" panose="020B0609020204030204" pitchFamily="49" charset="0"/>
+              </a:rPr>
+              <a:t>Text.matches</a:t>
+            </a:r>
+            <a:r>
+              <a:rPr lang="de-CH" sz="2000" b="0" dirty="0">
+                <a:solidFill>
+                  <a:srgbClr val="3B3B3B"/>
+                </a:solidFill>
+                <a:effectLst/>
+                <a:latin typeface="Consolas" panose="020B0609020204030204" pitchFamily="49" charset="0"/>
+              </a:rPr>
+              <a:t>(</a:t>
+            </a:r>
+            <a:r>
+              <a:rPr lang="de-CH" sz="2000" b="0" dirty="0">
+                <a:solidFill>
+                  <a:srgbClr val="0000FF"/>
+                </a:solidFill>
+                <a:effectLst/>
+                <a:latin typeface="Consolas" panose="020B0609020204030204" pitchFamily="49" charset="0"/>
+              </a:rPr>
+              <a:t>THIS</a:t>
+            </a:r>
+            <a:r>
+              <a:rPr lang="de-CH" sz="2000" dirty="0">
+                <a:solidFill>
+                  <a:srgbClr val="3B3B3B"/>
+                </a:solidFill>
+                <a:latin typeface="Consolas" panose="020B0609020204030204" pitchFamily="49" charset="0"/>
+              </a:rPr>
+              <a:t>-&gt;</a:t>
+            </a:r>
+            <a:r>
+              <a:rPr lang="de-CH" sz="2000" b="0" dirty="0" err="1">
+                <a:solidFill>
+                  <a:srgbClr val="3B3B3B"/>
+                </a:solidFill>
+                <a:effectLst/>
+                <a:latin typeface="Consolas" panose="020B0609020204030204" pitchFamily="49" charset="0"/>
+              </a:rPr>
+              <a:t>ProjektNummer</a:t>
+            </a:r>
+            <a:r>
+              <a:rPr lang="de-CH" sz="2000" b="0" dirty="0">
+                <a:solidFill>
+                  <a:srgbClr val="3B3B3B"/>
+                </a:solidFill>
+                <a:effectLst/>
+                <a:latin typeface="Consolas" panose="020B0609020204030204" pitchFamily="49" charset="0"/>
+              </a:rPr>
+              <a:t>, </a:t>
+            </a:r>
+            <a:r>
+              <a:rPr lang="de-CH" sz="2000" b="0" dirty="0">
+                <a:solidFill>
+                  <a:srgbClr val="A31515"/>
+                </a:solidFill>
+                <a:effectLst/>
+                <a:latin typeface="Consolas" panose="020B0609020204030204" pitchFamily="49" charset="0"/>
+              </a:rPr>
+              <a:t>"^[0-9]{4}-[A-Z]{2}$"</a:t>
+            </a:r>
+            <a:r>
+              <a:rPr lang="de-CH" sz="2000" b="0" dirty="0">
+                <a:solidFill>
+                  <a:srgbClr val="3B3B3B"/>
+                </a:solidFill>
+                <a:effectLst/>
+                <a:latin typeface="Consolas" panose="020B0609020204030204" pitchFamily="49" charset="0"/>
+              </a:rPr>
+              <a:t>)</a:t>
+            </a:r>
+            <a:r>
+              <a:rPr lang="de-CH" sz="2000" b="0" dirty="0">
+                <a:solidFill>
+                  <a:srgbClr val="000000"/>
+                </a:solidFill>
+                <a:effectLst/>
+                <a:latin typeface="Consolas" panose="020B0609020204030204" pitchFamily="49" charset="0"/>
+              </a:rPr>
+              <a:t>;</a:t>
+            </a:r>
+            <a:endParaRPr lang="de-CH" sz="2000" b="0" dirty="0">
+              <a:solidFill>
+                <a:srgbClr val="3B3B3B"/>
+              </a:solidFill>
+              <a:effectLst/>
+              <a:latin typeface="Consolas" panose="020B0609020204030204" pitchFamily="49" charset="0"/>
+            </a:endParaRPr>
+          </a:p>
+          <a:p>
+            <a:endParaRPr lang="de-CH" sz="4400" dirty="0"/>
+          </a:p>
+        </p:txBody>
+      </p:sp>
+      <p:sp>
+        <p:nvSpPr>
+          <p:cNvPr id="5" name="Date Placeholder 4">
             <a:extLst>
               <a:ext uri="{FF2B5EF4-FFF2-40B4-BE49-F238E27FC236}">
-                <a16:creationId xmlns:a16="http://schemas.microsoft.com/office/drawing/2014/main" id="{F2B3037D-A03B-7075-C2B4-D552EDAB3848}"/>
+                <a16:creationId xmlns:a16="http://schemas.microsoft.com/office/drawing/2014/main" id="{334523AA-7EE7-0392-79F4-22232DC81057}"/>
               </a:ext>
             </a:extLst>
           </p:cNvPr>
@@ -11455,10 +12211,15 @@
             <a:spLocks noGrp="1"/>
           </p:cNvSpPr>
           <p:nvPr>
-            <p:ph type="ftr" sz="quarter" idx="3"/>
-          </p:nvPr>
-        </p:nvSpPr>
-        <p:spPr/>
+            <p:ph type="dt" sz="half" idx="13"/>
+          </p:nvPr>
+        </p:nvSpPr>
+        <p:spPr>
+          <a:xfrm>
+            <a:off x="0" y="6453188"/>
+            <a:ext cx="1187624" cy="215900"/>
+          </a:xfrm>
+        </p:spPr>
         <p:txBody>
           <a:bodyPr/>
           <a:lstStyle/>
@@ -11468,7 +12229,7 @@
             </a:pPr>
             <a:r>
               <a:rPr lang="de-CH"/>
-              <a:t>3. INTERLIS Anwender:Innen Treffen</a:t>
+              <a:t>Sept. 2023</a:t>
             </a:r>
             <a:endParaRPr lang="de-CH" dirty="0"/>
           </a:p>
@@ -11476,10 +12237,10 @@
       </p:sp>
       <p:sp>
         <p:nvSpPr>
-          <p:cNvPr id="7" name="Slide Number Placeholder 6">
+          <p:cNvPr id="4" name="Footer Placeholder 5">
             <a:extLst>
               <a:ext uri="{FF2B5EF4-FFF2-40B4-BE49-F238E27FC236}">
-                <a16:creationId xmlns:a16="http://schemas.microsoft.com/office/drawing/2014/main" id="{95FF8E72-EED4-AC4B-D6CF-2DA48FBE93C5}"/>
+                <a16:creationId xmlns:a16="http://schemas.microsoft.com/office/drawing/2014/main" id="{972C444B-8D4B-533E-B7EE-386A91C46AAF}"/>
               </a:ext>
             </a:extLst>
           </p:cNvPr>
@@ -11487,10 +12248,15 @@
             <a:spLocks noGrp="1"/>
           </p:cNvSpPr>
           <p:nvPr>
-            <p:ph type="sldNum" sz="quarter" idx="4"/>
-          </p:nvPr>
-        </p:nvSpPr>
-        <p:spPr/>
+            <p:ph type="ftr" sz="quarter" idx="3"/>
+          </p:nvPr>
+        </p:nvSpPr>
+        <p:spPr>
+          <a:xfrm>
+            <a:off x="3124200" y="6453188"/>
+            <a:ext cx="2895600" cy="215900"/>
+          </a:xfrm>
+        </p:spPr>
         <p:txBody>
           <a:bodyPr/>
           <a:lstStyle/>
@@ -11498,7 +12264,51 @@
             <a:pPr>
               <a:defRPr/>
             </a:pPr>
-            <a:fld id="{CF6E12DF-9ECE-463F-89B2-3CF702297A6B}" type="slidenum">
+            <a:r>
+              <a:rPr lang="de-CH" dirty="0"/>
+              <a:t>3. INTERLS </a:t>
+            </a:r>
+            <a:r>
+              <a:rPr lang="de-CH" dirty="0" err="1"/>
+              <a:t>Anwender:Innen</a:t>
+            </a:r>
+            <a:r>
+              <a:rPr lang="de-CH" dirty="0"/>
+              <a:t> Treffen</a:t>
+            </a:r>
+          </a:p>
+        </p:txBody>
+      </p:sp>
+      <p:sp>
+        <p:nvSpPr>
+          <p:cNvPr id="8" name="Slide Number Placeholder 6">
+            <a:extLst>
+              <a:ext uri="{FF2B5EF4-FFF2-40B4-BE49-F238E27FC236}">
+                <a16:creationId xmlns:a16="http://schemas.microsoft.com/office/drawing/2014/main" id="{69165EFD-6D3F-D097-21D5-408573D7DA72}"/>
+              </a:ext>
+            </a:extLst>
+          </p:cNvPr>
+          <p:cNvSpPr>
+            <a:spLocks noGrp="1"/>
+          </p:cNvSpPr>
+          <p:nvPr>
+            <p:ph type="sldNum" sz="quarter" idx="4"/>
+          </p:nvPr>
+        </p:nvSpPr>
+        <p:spPr>
+          <a:xfrm>
+            <a:off x="6553200" y="6453188"/>
+            <a:ext cx="2133600" cy="215900"/>
+          </a:xfrm>
+        </p:spPr>
+        <p:txBody>
+          <a:bodyPr/>
+          <a:lstStyle/>
+          <a:p>
+            <a:pPr>
+              <a:defRPr/>
+            </a:pPr>
+            <a:fld id="{8FC82157-7644-43C8-B832-2A3ED392D66B}" type="slidenum">
               <a:rPr lang="de-DE" smtClean="0"/>
               <a:pPr>
                 <a:defRPr/>
@@ -11511,422 +12321,186 @@
       </p:sp>
       <p:sp>
         <p:nvSpPr>
-          <p:cNvPr id="8" name="Content Placeholder 2">
+          <p:cNvPr id="6" name="TextBox 5">
             <a:extLst>
               <a:ext uri="{FF2B5EF4-FFF2-40B4-BE49-F238E27FC236}">
-                <a16:creationId xmlns:a16="http://schemas.microsoft.com/office/drawing/2014/main" id="{65274E1B-3D59-F39A-3443-30E102207486}"/>
+                <a16:creationId xmlns:a16="http://schemas.microsoft.com/office/drawing/2014/main" id="{76E41443-97D3-ABE2-2507-CD7C14B0ACC7}"/>
               </a:ext>
             </a:extLst>
           </p:cNvPr>
-          <p:cNvSpPr>
-            <a:spLocks noGrp="1"/>
-          </p:cNvSpPr>
-          <p:nvPr>
-            <p:ph sz="half" idx="1"/>
-          </p:nvPr>
+          <p:cNvSpPr txBox="1"/>
+          <p:nvPr/>
         </p:nvSpPr>
         <p:spPr>
           <a:xfrm>
-            <a:off x="457200" y="1600201"/>
-            <a:ext cx="8507288" cy="3701008"/>
+            <a:off x="179512" y="4296955"/>
+            <a:ext cx="8712968" cy="646331"/>
           </a:xfrm>
+          <a:prstGeom prst="rect">
+            <a:avLst/>
+          </a:prstGeom>
+          <a:noFill/>
         </p:spPr>
         <p:txBody>
-          <a:bodyPr anchor="ctr"/>
+          <a:bodyPr wrap="square" rtlCol="0">
+            <a:spAutoFit/>
+          </a:bodyPr>
           <a:lstStyle/>
           <a:p>
-            <a:pPr marL="0" indent="0">
-              <a:buNone/>
-            </a:pPr>
-            <a:r>
-              <a:rPr lang="de-CH" sz="2000" b="0" dirty="0">
-                <a:solidFill>
-                  <a:srgbClr val="0000FF"/>
-                </a:solidFill>
-                <a:effectLst/>
-                <a:latin typeface="Consolas" panose="020B0609020204030204" pitchFamily="49" charset="0"/>
-              </a:rPr>
-              <a:t>CLASS</a:t>
-            </a:r>
-            <a:r>
-              <a:rPr lang="de-CH" sz="2000" b="0" dirty="0">
-                <a:solidFill>
-                  <a:srgbClr val="3B3B3B"/>
-                </a:solidFill>
-                <a:effectLst/>
-                <a:latin typeface="Consolas" panose="020B0609020204030204" pitchFamily="49" charset="0"/>
-              </a:rPr>
-              <a:t> Projekt</a:t>
-            </a:r>
-          </a:p>
-          <a:p>
-            <a:pPr marL="0" indent="0">
-              <a:buNone/>
-            </a:pPr>
-            <a:r>
-              <a:rPr lang="de-CH" sz="2000" b="0" dirty="0">
-                <a:solidFill>
-                  <a:srgbClr val="3B3B3B"/>
-                </a:solidFill>
-                <a:effectLst/>
-                <a:latin typeface="Consolas" panose="020B0609020204030204" pitchFamily="49" charset="0"/>
-              </a:rPr>
-              <a:t>  Status </a:t>
-            </a:r>
-            <a:r>
-              <a:rPr lang="de-CH" sz="2000" b="0" dirty="0">
-                <a:solidFill>
-                  <a:srgbClr val="000000"/>
-                </a:solidFill>
-                <a:effectLst/>
-                <a:latin typeface="Consolas" panose="020B0609020204030204" pitchFamily="49" charset="0"/>
-              </a:rPr>
-              <a:t>:</a:t>
-            </a:r>
-            <a:r>
-              <a:rPr lang="de-CH" sz="2000" b="0" dirty="0">
-                <a:solidFill>
-                  <a:srgbClr val="3B3B3B"/>
-                </a:solidFill>
-                <a:effectLst/>
-                <a:latin typeface="Consolas" panose="020B0609020204030204" pitchFamily="49" charset="0"/>
-              </a:rPr>
+            <a:r>
+              <a:rPr lang="de-CH" sz="1200" dirty="0"/>
+              <a:t>Error: </a:t>
+            </a:r>
+            <a:r>
+              <a:rPr lang="de-CH" sz="1200" dirty="0" err="1"/>
+              <a:t>line</a:t>
+            </a:r>
+            <a:r>
+              <a:rPr lang="de-CH" sz="1200" dirty="0"/>
+              <a:t> 81001: LWB_Landwirtschaftliche_Zonengrenzen_V2_0_ILI24.Zonengrenzen.MeliorationsProjekt: </a:t>
+            </a:r>
+            <a:r>
+              <a:rPr lang="de-CH" sz="1200" dirty="0" err="1"/>
+              <a:t>tid</a:t>
+            </a:r>
+            <a:r>
+              <a:rPr lang="de-CH" sz="1200" dirty="0"/>
+              <a:t> a49ac986-82f8-11ee-b962-0242ac120002: </a:t>
+            </a:r>
+            <a:r>
+              <a:rPr lang="de-CH" sz="1200" dirty="0" err="1"/>
+              <a:t>Mandatory</a:t>
+            </a:r>
+            <a:r>
+              <a:rPr lang="de-CH" sz="1200" dirty="0"/>
               <a:t> </a:t>
             </a:r>
             <a:r>
-              <a:rPr lang="de-CH" sz="2000" b="0" dirty="0">
-                <a:solidFill>
-                  <a:srgbClr val="0000FF"/>
-                </a:solidFill>
-                <a:effectLst/>
-                <a:latin typeface="Consolas" panose="020B0609020204030204" pitchFamily="49" charset="0"/>
-              </a:rPr>
-              <a:t>MANDATORY</a:t>
-            </a:r>
-            <a:r>
-              <a:rPr lang="de-CH" sz="2000" b="0" dirty="0">
-                <a:solidFill>
-                  <a:srgbClr val="3B3B3B"/>
-                </a:solidFill>
-                <a:effectLst/>
-                <a:latin typeface="Consolas" panose="020B0609020204030204" pitchFamily="49" charset="0"/>
-              </a:rPr>
-              <a:t> (geplant, laufend, abgeschlossen)</a:t>
-            </a:r>
-            <a:r>
-              <a:rPr lang="de-CH" sz="2000" b="0" dirty="0">
-                <a:solidFill>
-                  <a:srgbClr val="000000"/>
-                </a:solidFill>
-                <a:effectLst/>
-                <a:latin typeface="Consolas" panose="020B0609020204030204" pitchFamily="49" charset="0"/>
-              </a:rPr>
-              <a:t>;</a:t>
-            </a:r>
-            <a:endParaRPr lang="de-CH" sz="2000" b="0" dirty="0">
-              <a:solidFill>
-                <a:srgbClr val="3B3B3B"/>
-              </a:solidFill>
-              <a:effectLst/>
-              <a:latin typeface="Consolas" panose="020B0609020204030204" pitchFamily="49" charset="0"/>
-            </a:endParaRPr>
-          </a:p>
-          <a:p>
-            <a:pPr marL="0" indent="0">
-              <a:buNone/>
-            </a:pPr>
-            <a:r>
-              <a:rPr lang="de-CH" sz="2000" b="0" dirty="0">
-                <a:solidFill>
-                  <a:srgbClr val="3B3B3B"/>
-                </a:solidFill>
-                <a:effectLst/>
-                <a:latin typeface="Consolas" panose="020B0609020204030204" pitchFamily="49" charset="0"/>
-              </a:rPr>
-              <a:t>  </a:t>
-            </a:r>
-            <a:r>
-              <a:rPr lang="de-CH" sz="2000" b="0" dirty="0" err="1">
-                <a:solidFill>
-                  <a:srgbClr val="3B3B3B"/>
-                </a:solidFill>
-                <a:effectLst/>
-                <a:latin typeface="Consolas" panose="020B0609020204030204" pitchFamily="49" charset="0"/>
-              </a:rPr>
-              <a:t>ProjektStart</a:t>
-            </a:r>
-            <a:r>
-              <a:rPr lang="de-CH" sz="2000" b="0" dirty="0">
-                <a:solidFill>
-                  <a:srgbClr val="3B3B3B"/>
-                </a:solidFill>
-                <a:effectLst/>
-                <a:latin typeface="Consolas" panose="020B0609020204030204" pitchFamily="49" charset="0"/>
+              <a:rPr lang="de-CH" sz="1200" dirty="0" err="1"/>
+              <a:t>Constraint</a:t>
+            </a:r>
+            <a:r>
+              <a:rPr lang="de-CH" sz="1200" dirty="0"/>
+              <a:t> LWB_Landwirtschaftliche_Zonengrenzen_V2_0_ILI24.Zonengrenzen.MeliorationsProjekt.</a:t>
+            </a:r>
+            <a:r>
+              <a:rPr lang="de-CH" sz="1200" b="1" dirty="0">
+                <a:highlight>
+                  <a:srgbClr val="FFFF00"/>
+                </a:highlight>
+              </a:rPr>
+              <a:t>SAPProjNr</a:t>
+            </a:r>
+            <a:r>
+              <a:rPr lang="de-CH" sz="1200" dirty="0">
+                <a:highlight>
+                  <a:srgbClr val="FFFF00"/>
+                </a:highlight>
               </a:rPr>
               <a:t> </a:t>
             </a:r>
             <a:r>
-              <a:rPr lang="de-CH" sz="2000" b="0" dirty="0">
-                <a:solidFill>
-                  <a:srgbClr val="000000"/>
-                </a:solidFill>
-                <a:effectLst/>
-                <a:latin typeface="Consolas" panose="020B0609020204030204" pitchFamily="49" charset="0"/>
-              </a:rPr>
-              <a:t>:</a:t>
-            </a:r>
-            <a:r>
-              <a:rPr lang="de-CH" sz="2000" b="0" dirty="0">
-                <a:solidFill>
-                  <a:srgbClr val="3B3B3B"/>
-                </a:solidFill>
-                <a:effectLst/>
-                <a:latin typeface="Consolas" panose="020B0609020204030204" pitchFamily="49" charset="0"/>
-              </a:rPr>
-              <a:t> </a:t>
-            </a:r>
-            <a:r>
-              <a:rPr lang="de-CH" sz="2000" b="0" dirty="0" err="1">
-                <a:solidFill>
-                  <a:srgbClr val="0000FF"/>
-                </a:solidFill>
-                <a:effectLst/>
-                <a:latin typeface="Consolas" panose="020B0609020204030204" pitchFamily="49" charset="0"/>
-              </a:rPr>
-              <a:t>INTERLIS</a:t>
-            </a:r>
-            <a:r>
-              <a:rPr lang="de-CH" sz="2000" b="0" dirty="0" err="1">
-                <a:solidFill>
-                  <a:srgbClr val="3B3B3B"/>
-                </a:solidFill>
-                <a:effectLst/>
-                <a:latin typeface="Consolas" panose="020B0609020204030204" pitchFamily="49" charset="0"/>
-              </a:rPr>
-              <a:t>.XMLDate</a:t>
-            </a:r>
-            <a:r>
-              <a:rPr lang="de-CH" sz="2000" b="0" dirty="0">
-                <a:solidFill>
-                  <a:srgbClr val="000000"/>
-                </a:solidFill>
-                <a:effectLst/>
-                <a:latin typeface="Consolas" panose="020B0609020204030204" pitchFamily="49" charset="0"/>
-              </a:rPr>
-              <a:t>;</a:t>
-            </a:r>
-            <a:endParaRPr lang="de-CH" sz="2000" b="0" dirty="0">
-              <a:solidFill>
-                <a:srgbClr val="3B3B3B"/>
-              </a:solidFill>
-              <a:effectLst/>
-              <a:latin typeface="Consolas" panose="020B0609020204030204" pitchFamily="49" charset="0"/>
-            </a:endParaRPr>
-          </a:p>
-          <a:p>
-            <a:pPr marL="0" indent="0">
-              <a:buNone/>
-            </a:pPr>
-            <a:r>
-              <a:rPr lang="de-CH" sz="2000" b="0" dirty="0">
-                <a:solidFill>
-                  <a:srgbClr val="0000FF"/>
-                </a:solidFill>
-                <a:effectLst/>
-                <a:latin typeface="Consolas" panose="020B0609020204030204" pitchFamily="49" charset="0"/>
-              </a:rPr>
-              <a:t>END</a:t>
-            </a:r>
-            <a:endParaRPr lang="de-CH" sz="2000" b="0" dirty="0">
-              <a:solidFill>
-                <a:srgbClr val="3B3B3B"/>
-              </a:solidFill>
-              <a:effectLst/>
-              <a:latin typeface="Consolas" panose="020B0609020204030204" pitchFamily="49" charset="0"/>
-            </a:endParaRPr>
-          </a:p>
-          <a:p>
-            <a:pPr marL="0" indent="0">
-              <a:buNone/>
-            </a:pPr>
-            <a:endParaRPr lang="de-CH" sz="2000" b="0" dirty="0">
-              <a:solidFill>
-                <a:srgbClr val="0000FF"/>
-              </a:solidFill>
-              <a:effectLst/>
-              <a:latin typeface="Consolas" panose="020B0609020204030204" pitchFamily="49" charset="0"/>
-            </a:endParaRPr>
-          </a:p>
-          <a:p>
-            <a:pPr marL="0" indent="0">
-              <a:buNone/>
-            </a:pPr>
-            <a:r>
-              <a:rPr lang="en-US" sz="2000" b="0" dirty="0">
-                <a:solidFill>
-                  <a:srgbClr val="0000FF"/>
-                </a:solidFill>
-                <a:effectLst/>
-                <a:latin typeface="Consolas" panose="020B0609020204030204" pitchFamily="49" charset="0"/>
-              </a:rPr>
-              <a:t>MANDATORY</a:t>
-            </a:r>
-            <a:r>
-              <a:rPr lang="en-US" sz="2000" b="0" dirty="0">
-                <a:solidFill>
-                  <a:srgbClr val="3B3B3B"/>
-                </a:solidFill>
-                <a:effectLst/>
-                <a:latin typeface="Consolas" panose="020B0609020204030204" pitchFamily="49" charset="0"/>
-              </a:rPr>
-              <a:t> </a:t>
-            </a:r>
-            <a:r>
-              <a:rPr lang="en-US" sz="2000" b="0" dirty="0">
-                <a:solidFill>
-                  <a:srgbClr val="0000FF"/>
-                </a:solidFill>
-                <a:effectLst/>
-                <a:latin typeface="Consolas" panose="020B0609020204030204" pitchFamily="49" charset="0"/>
-              </a:rPr>
-              <a:t>CONSTRAINT</a:t>
-            </a:r>
-            <a:r>
-              <a:rPr lang="en-US" sz="2000" b="0" dirty="0">
-                <a:solidFill>
-                  <a:srgbClr val="3B3B3B"/>
-                </a:solidFill>
-                <a:effectLst/>
-                <a:latin typeface="Consolas" panose="020B0609020204030204" pitchFamily="49" charset="0"/>
-              </a:rPr>
-              <a:t> </a:t>
-            </a:r>
-            <a:r>
-              <a:rPr lang="en-US" sz="2000" dirty="0" err="1">
-                <a:solidFill>
-                  <a:srgbClr val="3B3B3B"/>
-                </a:solidFill>
-                <a:latin typeface="Consolas" panose="020B0609020204030204" pitchFamily="49" charset="0"/>
-              </a:rPr>
-              <a:t>ProjektGestartet</a:t>
-            </a:r>
-            <a:r>
-              <a:rPr lang="en-US" sz="2000" dirty="0">
-                <a:solidFill>
-                  <a:srgbClr val="3B3B3B"/>
-                </a:solidFill>
-                <a:latin typeface="Consolas" panose="020B0609020204030204" pitchFamily="49" charset="0"/>
-              </a:rPr>
-              <a:t> :</a:t>
-            </a:r>
-          </a:p>
-          <a:p>
-            <a:pPr marL="0" indent="0">
-              <a:buNone/>
-            </a:pPr>
-            <a:r>
-              <a:rPr lang="en-US" sz="2000" b="0" dirty="0">
-                <a:solidFill>
-                  <a:srgbClr val="3B3B3B"/>
-                </a:solidFill>
-                <a:effectLst/>
-                <a:latin typeface="Consolas" panose="020B0609020204030204" pitchFamily="49" charset="0"/>
-              </a:rPr>
-              <a:t>  Status </a:t>
-            </a:r>
-            <a:r>
-              <a:rPr lang="en-US" sz="2000" b="0" dirty="0">
-                <a:solidFill>
-                  <a:srgbClr val="000000"/>
-                </a:solidFill>
-                <a:effectLst/>
-                <a:latin typeface="Consolas" panose="020B0609020204030204" pitchFamily="49" charset="0"/>
-              </a:rPr>
-              <a:t>==</a:t>
-            </a:r>
-            <a:r>
-              <a:rPr lang="en-US" sz="2000" b="0" dirty="0">
-                <a:solidFill>
-                  <a:srgbClr val="3B3B3B"/>
-                </a:solidFill>
-                <a:effectLst/>
-                <a:latin typeface="Consolas" panose="020B0609020204030204" pitchFamily="49" charset="0"/>
-              </a:rPr>
-              <a:t> #laufend </a:t>
-            </a:r>
-            <a:r>
-              <a:rPr lang="en-US" sz="2000" b="0" dirty="0">
-                <a:solidFill>
-                  <a:srgbClr val="000000"/>
-                </a:solidFill>
-                <a:effectLst/>
-                <a:latin typeface="Consolas" panose="020B0609020204030204" pitchFamily="49" charset="0"/>
-              </a:rPr>
-              <a:t>=</a:t>
-            </a:r>
-            <a:r>
-              <a:rPr lang="en-US" sz="2000" b="0" dirty="0">
-                <a:solidFill>
-                  <a:srgbClr val="3B3B3B"/>
-                </a:solidFill>
-                <a:effectLst/>
-                <a:latin typeface="Consolas" panose="020B0609020204030204" pitchFamily="49" charset="0"/>
-              </a:rPr>
-              <a:t>&gt; </a:t>
-            </a:r>
-            <a:r>
-              <a:rPr lang="en-US" sz="2000" b="0" dirty="0">
-                <a:solidFill>
-                  <a:srgbClr val="0000FF"/>
-                </a:solidFill>
-                <a:effectLst/>
-                <a:latin typeface="Consolas" panose="020B0609020204030204" pitchFamily="49" charset="0"/>
-              </a:rPr>
-              <a:t>DEFINED</a:t>
-            </a:r>
-            <a:r>
-              <a:rPr lang="en-US" sz="2000" b="0" dirty="0">
-                <a:solidFill>
-                  <a:srgbClr val="3B3B3B"/>
-                </a:solidFill>
-                <a:effectLst/>
-                <a:latin typeface="Consolas" panose="020B0609020204030204" pitchFamily="49" charset="0"/>
-              </a:rPr>
-              <a:t>(</a:t>
-            </a:r>
-            <a:r>
-              <a:rPr lang="en-US" sz="2000" b="0" dirty="0" err="1">
-                <a:solidFill>
-                  <a:srgbClr val="3B3B3B"/>
-                </a:solidFill>
-                <a:effectLst/>
-                <a:latin typeface="Consolas" panose="020B0609020204030204" pitchFamily="49" charset="0"/>
-              </a:rPr>
-              <a:t>ProjektStart</a:t>
-            </a:r>
-            <a:r>
-              <a:rPr lang="en-US" sz="2000" b="0" dirty="0">
-                <a:solidFill>
-                  <a:srgbClr val="3B3B3B"/>
-                </a:solidFill>
-                <a:effectLst/>
-                <a:latin typeface="Consolas" panose="020B0609020204030204" pitchFamily="49" charset="0"/>
-              </a:rPr>
-              <a:t>) </a:t>
-            </a:r>
+              <a:rPr lang="de-CH" sz="1200" dirty="0" err="1">
+                <a:highlight>
+                  <a:srgbClr val="FFFF00"/>
+                </a:highlight>
+              </a:rPr>
+              <a:t>is</a:t>
+            </a:r>
+            <a:r>
+              <a:rPr lang="de-CH" sz="1200" dirty="0">
+                <a:highlight>
+                  <a:srgbClr val="FFFF00"/>
+                </a:highlight>
+              </a:rPr>
+              <a:t> not </a:t>
+            </a:r>
+            <a:r>
+              <a:rPr lang="de-CH" sz="1200" dirty="0" err="1">
+                <a:highlight>
+                  <a:srgbClr val="FFFF00"/>
+                </a:highlight>
+              </a:rPr>
+              <a:t>true</a:t>
+            </a:r>
+            <a:r>
+              <a:rPr lang="de-CH" sz="1200" dirty="0">
+                <a:highlight>
+                  <a:srgbClr val="FFFF00"/>
+                </a:highlight>
+              </a:rPr>
+              <a:t>.</a:t>
+            </a:r>
+          </a:p>
+        </p:txBody>
+      </p:sp>
+      <p:sp>
+        <p:nvSpPr>
+          <p:cNvPr id="9" name="Rectangle 8">
+            <a:extLst>
+              <a:ext uri="{FF2B5EF4-FFF2-40B4-BE49-F238E27FC236}">
+                <a16:creationId xmlns:a16="http://schemas.microsoft.com/office/drawing/2014/main" id="{0D3FB292-5092-D749-B595-1A3148B05B45}"/>
+              </a:ext>
+            </a:extLst>
+          </p:cNvPr>
+          <p:cNvSpPr/>
+          <p:nvPr/>
+        </p:nvSpPr>
+        <p:spPr>
+          <a:xfrm>
+            <a:off x="179512" y="3140968"/>
+            <a:ext cx="8568952" cy="1152128"/>
+          </a:xfrm>
+          <a:prstGeom prst="rect">
+            <a:avLst/>
+          </a:prstGeom>
+          <a:solidFill>
+            <a:srgbClr val="FFFFFF">
+              <a:alpha val="58039"/>
+            </a:srgbClr>
+          </a:solidFill>
+          <a:ln>
+            <a:noFill/>
+          </a:ln>
+        </p:spPr>
+        <p:style>
+          <a:lnRef idx="2">
+            <a:schemeClr val="accent1">
+              <a:shade val="15000"/>
+            </a:schemeClr>
+          </a:lnRef>
+          <a:fillRef idx="1">
+            <a:schemeClr val="accent1"/>
+          </a:fillRef>
+          <a:effectRef idx="0">
+            <a:schemeClr val="accent1"/>
+          </a:effectRef>
+          <a:fontRef idx="minor">
+            <a:schemeClr val="lt1"/>
+          </a:fontRef>
+        </p:style>
+        <p:txBody>
+          <a:bodyPr rtlCol="0" anchor="ctr"/>
+          <a:lstStyle/>
+          <a:p>
+            <a:pPr algn="ctr"/>
+            <a:endParaRPr lang="de-CH"/>
           </a:p>
         </p:txBody>
       </p:sp>
     </p:spTree>
     <p:extLst>
       <p:ext uri="{BB962C8B-B14F-4D97-AF65-F5344CB8AC3E}">
-        <p14:creationId xmlns:p14="http://schemas.microsoft.com/office/powerpoint/2010/main" val="4152758701"/>
+        <p14:creationId xmlns:p14="http://schemas.microsoft.com/office/powerpoint/2010/main" val="2984367805"/>
       </p:ext>
     </p:extLst>
   </p:cSld>
   <p:clrMapOvr>
     <a:masterClrMapping/>
   </p:clrMapOvr>
+  <p:transition spd="slow">
+    <p:wipe dir="d"/>
+  </p:transition>
 </p:sld>
 </file>
 
@@ -11952,7 +12526,7 @@
           <p:cNvPr id="2" name="Title 1">
             <a:extLst>
               <a:ext uri="{FF2B5EF4-FFF2-40B4-BE49-F238E27FC236}">
-                <a16:creationId xmlns:a16="http://schemas.microsoft.com/office/drawing/2014/main" id="{3A97D44B-EBDF-506D-D0CB-44C3A0DDE7FF}"/>
+                <a16:creationId xmlns:a16="http://schemas.microsoft.com/office/drawing/2014/main" id="{E05E3436-7B1B-9DBF-AE77-A4AE1F07F490}"/>
               </a:ext>
             </a:extLst>
           </p:cNvPr>
@@ -11970,17 +12544,17 @@
           <a:p>
             <a:r>
               <a:rPr lang="de-CH" dirty="0"/>
-              <a:t>Primitive typen in BAGs</a:t>
-            </a:r>
-          </a:p>
-        </p:txBody>
-      </p:sp>
-      <p:sp>
-        <p:nvSpPr>
-          <p:cNvPr id="3" name="Content Placeholder 2">
+              <a:t>Implikation</a:t>
+            </a:r>
+          </a:p>
+        </p:txBody>
+      </p:sp>
+      <p:sp>
+        <p:nvSpPr>
+          <p:cNvPr id="5" name="Date Placeholder 4">
             <a:extLst>
               <a:ext uri="{FF2B5EF4-FFF2-40B4-BE49-F238E27FC236}">
-                <a16:creationId xmlns:a16="http://schemas.microsoft.com/office/drawing/2014/main" id="{BFEE331B-9A17-172A-B548-0552796C813F}"/>
+                <a16:creationId xmlns:a16="http://schemas.microsoft.com/office/drawing/2014/main" id="{779CE9A4-6AF1-C5A7-AAD0-CF850E91B865}"/>
               </a:ext>
             </a:extLst>
           </p:cNvPr>
@@ -11988,352 +12562,31 @@
             <a:spLocks noGrp="1"/>
           </p:cNvSpPr>
           <p:nvPr>
-            <p:ph idx="1"/>
+            <p:ph type="dt" sz="half" idx="13"/>
           </p:nvPr>
         </p:nvSpPr>
         <p:spPr/>
         <p:txBody>
-          <a:bodyPr anchor="ctr"/>
+          <a:bodyPr/>
           <a:lstStyle/>
           <a:p>
-            <a:pPr marL="0" indent="0">
-              <a:buNone/>
-            </a:pPr>
-            <a:r>
-              <a:rPr lang="de-CH" b="0" dirty="0">
-                <a:solidFill>
-                  <a:srgbClr val="0000FF"/>
-                </a:solidFill>
-                <a:effectLst/>
-                <a:latin typeface="Consolas" panose="020B0609020204030204" pitchFamily="49" charset="0"/>
-              </a:rPr>
-              <a:t>CLASS</a:t>
-            </a:r>
-            <a:r>
-              <a:rPr lang="de-CH" b="0" dirty="0">
-                <a:solidFill>
-                  <a:srgbClr val="3B3B3B"/>
-                </a:solidFill>
-                <a:effectLst/>
-                <a:latin typeface="Consolas" panose="020B0609020204030204" pitchFamily="49" charset="0"/>
-              </a:rPr>
-              <a:t> Projekt </a:t>
-            </a:r>
-            <a:r>
-              <a:rPr lang="de-CH" b="0" dirty="0">
-                <a:solidFill>
-                  <a:srgbClr val="000000"/>
-                </a:solidFill>
-                <a:effectLst/>
-                <a:latin typeface="Consolas" panose="020B0609020204030204" pitchFamily="49" charset="0"/>
-              </a:rPr>
-              <a:t>=</a:t>
-            </a:r>
-            <a:endParaRPr lang="de-CH" b="0" dirty="0">
-              <a:solidFill>
-                <a:srgbClr val="3B3B3B"/>
-              </a:solidFill>
-              <a:effectLst/>
-              <a:latin typeface="Consolas" panose="020B0609020204030204" pitchFamily="49" charset="0"/>
-            </a:endParaRPr>
-          </a:p>
-          <a:p>
-            <a:pPr marL="0" indent="0">
-              <a:buNone/>
-            </a:pPr>
-            <a:r>
-              <a:rPr lang="de-CH" b="0" dirty="0">
-                <a:solidFill>
-                  <a:srgbClr val="3B3B3B"/>
-                </a:solidFill>
-                <a:effectLst/>
-                <a:latin typeface="Consolas" panose="020B0609020204030204" pitchFamily="49" charset="0"/>
-              </a:rPr>
-              <a:t>  </a:t>
-            </a:r>
-            <a:r>
-              <a:rPr lang="de-CH" b="0" dirty="0" err="1">
-                <a:solidFill>
-                  <a:srgbClr val="3B3B3B"/>
-                </a:solidFill>
-                <a:effectLst/>
-                <a:latin typeface="Consolas" panose="020B0609020204030204" pitchFamily="49" charset="0"/>
-              </a:rPr>
-              <a:t>ProjektNummer</a:t>
-            </a:r>
-            <a:r>
-              <a:rPr lang="de-CH" b="0" dirty="0">
-                <a:solidFill>
-                  <a:srgbClr val="3B3B3B"/>
-                </a:solidFill>
-                <a:effectLst/>
-                <a:latin typeface="Consolas" panose="020B0609020204030204" pitchFamily="49" charset="0"/>
-              </a:rPr>
-              <a:t> </a:t>
-            </a:r>
-            <a:r>
-              <a:rPr lang="de-CH" b="0" dirty="0">
-                <a:solidFill>
-                  <a:srgbClr val="000000"/>
-                </a:solidFill>
-                <a:effectLst/>
-                <a:latin typeface="Consolas" panose="020B0609020204030204" pitchFamily="49" charset="0"/>
-              </a:rPr>
-              <a:t>:</a:t>
-            </a:r>
-            <a:r>
-              <a:rPr lang="de-CH" b="0" dirty="0">
-                <a:solidFill>
-                  <a:srgbClr val="3B3B3B"/>
-                </a:solidFill>
-                <a:effectLst/>
-                <a:latin typeface="Consolas" panose="020B0609020204030204" pitchFamily="49" charset="0"/>
-              </a:rPr>
-              <a:t> </a:t>
-            </a:r>
-            <a:r>
-              <a:rPr lang="de-CH" b="0" dirty="0">
-                <a:solidFill>
-                  <a:srgbClr val="0000FF"/>
-                </a:solidFill>
-                <a:effectLst/>
-                <a:latin typeface="Consolas" panose="020B0609020204030204" pitchFamily="49" charset="0"/>
-              </a:rPr>
-              <a:t>MANDATORY</a:t>
-            </a:r>
-            <a:r>
-              <a:rPr lang="de-CH" b="0" dirty="0">
-                <a:solidFill>
-                  <a:srgbClr val="3B3B3B"/>
-                </a:solidFill>
-                <a:effectLst/>
-                <a:latin typeface="Consolas" panose="020B0609020204030204" pitchFamily="49" charset="0"/>
-              </a:rPr>
-              <a:t> </a:t>
-            </a:r>
-            <a:r>
-              <a:rPr lang="de-CH" b="0" dirty="0" err="1">
-                <a:solidFill>
-                  <a:srgbClr val="3B3B3B"/>
-                </a:solidFill>
-                <a:effectLst/>
-                <a:latin typeface="Consolas" panose="020B0609020204030204" pitchFamily="49" charset="0"/>
-              </a:rPr>
-              <a:t>ProjektID</a:t>
-            </a:r>
-            <a:r>
-              <a:rPr lang="de-CH" b="0" dirty="0">
-                <a:solidFill>
-                  <a:srgbClr val="000000"/>
-                </a:solidFill>
-                <a:effectLst/>
-                <a:latin typeface="Consolas" panose="020B0609020204030204" pitchFamily="49" charset="0"/>
-              </a:rPr>
-              <a:t>;</a:t>
-            </a:r>
-            <a:endParaRPr lang="de-CH" b="0" dirty="0">
-              <a:solidFill>
-                <a:srgbClr val="3B3B3B"/>
-              </a:solidFill>
-              <a:effectLst/>
-              <a:latin typeface="Consolas" panose="020B0609020204030204" pitchFamily="49" charset="0"/>
-            </a:endParaRPr>
-          </a:p>
-          <a:p>
-            <a:pPr marL="0" indent="0">
-              <a:buNone/>
-            </a:pPr>
-            <a:r>
-              <a:rPr lang="de-CH" b="0" dirty="0">
-                <a:solidFill>
-                  <a:srgbClr val="3B3B3B"/>
-                </a:solidFill>
-                <a:effectLst/>
-                <a:latin typeface="Consolas" panose="020B0609020204030204" pitchFamily="49" charset="0"/>
-              </a:rPr>
-              <a:t>  Eigenschaften </a:t>
-            </a:r>
-            <a:r>
-              <a:rPr lang="de-CH" b="0" dirty="0">
-                <a:solidFill>
-                  <a:srgbClr val="000000"/>
-                </a:solidFill>
-                <a:effectLst/>
-                <a:latin typeface="Consolas" panose="020B0609020204030204" pitchFamily="49" charset="0"/>
-              </a:rPr>
-              <a:t>:</a:t>
-            </a:r>
-            <a:r>
-              <a:rPr lang="de-CH" b="0" dirty="0">
-                <a:solidFill>
-                  <a:srgbClr val="3B3B3B"/>
-                </a:solidFill>
-                <a:effectLst/>
-                <a:latin typeface="Consolas" panose="020B0609020204030204" pitchFamily="49" charset="0"/>
-              </a:rPr>
-              <a:t> </a:t>
-            </a:r>
-            <a:r>
-              <a:rPr lang="de-CH" b="0" dirty="0">
-                <a:solidFill>
-                  <a:srgbClr val="0000FF"/>
-                </a:solidFill>
-                <a:effectLst/>
-                <a:latin typeface="Consolas" panose="020B0609020204030204" pitchFamily="49" charset="0"/>
-              </a:rPr>
-              <a:t>BAG</a:t>
-            </a:r>
-            <a:r>
-              <a:rPr lang="de-CH" b="0" dirty="0">
-                <a:solidFill>
-                  <a:srgbClr val="3B3B3B"/>
-                </a:solidFill>
-                <a:effectLst/>
-                <a:latin typeface="Consolas" panose="020B0609020204030204" pitchFamily="49" charset="0"/>
-              </a:rPr>
-              <a:t> {0..</a:t>
-            </a:r>
-            <a:r>
-              <a:rPr lang="de-CH" b="0" dirty="0">
-                <a:solidFill>
-                  <a:srgbClr val="098658"/>
-                </a:solidFill>
-                <a:effectLst/>
-                <a:latin typeface="Consolas" panose="020B0609020204030204" pitchFamily="49" charset="0"/>
-              </a:rPr>
-              <a:t>3</a:t>
-            </a:r>
-            <a:r>
-              <a:rPr lang="de-CH" b="0" dirty="0">
-                <a:solidFill>
-                  <a:srgbClr val="3B3B3B"/>
-                </a:solidFill>
-                <a:effectLst/>
-                <a:latin typeface="Consolas" panose="020B0609020204030204" pitchFamily="49" charset="0"/>
-              </a:rPr>
-              <a:t>} </a:t>
-            </a:r>
-            <a:r>
-              <a:rPr lang="de-CH" b="0" dirty="0">
-                <a:solidFill>
-                  <a:srgbClr val="0000FF"/>
-                </a:solidFill>
-                <a:effectLst/>
-                <a:latin typeface="Consolas" panose="020B0609020204030204" pitchFamily="49" charset="0"/>
-              </a:rPr>
-              <a:t>OF</a:t>
-            </a:r>
-            <a:r>
-              <a:rPr lang="de-CH" b="0" dirty="0">
-                <a:solidFill>
-                  <a:srgbClr val="3B3B3B"/>
-                </a:solidFill>
-                <a:effectLst/>
-                <a:latin typeface="Consolas" panose="020B0609020204030204" pitchFamily="49" charset="0"/>
-              </a:rPr>
-              <a:t> </a:t>
-            </a:r>
-            <a:r>
-              <a:rPr lang="de-CH" b="0" dirty="0">
-                <a:solidFill>
-                  <a:srgbClr val="267F99"/>
-                </a:solidFill>
-                <a:effectLst/>
-                <a:latin typeface="Consolas" panose="020B0609020204030204" pitchFamily="49" charset="0"/>
-              </a:rPr>
-              <a:t>TEXT</a:t>
-            </a:r>
-            <a:r>
-              <a:rPr lang="de-CH" b="0" dirty="0">
-                <a:solidFill>
-                  <a:srgbClr val="3B3B3B"/>
-                </a:solidFill>
-                <a:effectLst/>
-                <a:latin typeface="Consolas" panose="020B0609020204030204" pitchFamily="49" charset="0"/>
-              </a:rPr>
-              <a:t>*</a:t>
-            </a:r>
-            <a:r>
-              <a:rPr lang="de-CH" b="0" dirty="0">
-                <a:solidFill>
-                  <a:srgbClr val="098658"/>
-                </a:solidFill>
-                <a:effectLst/>
-                <a:latin typeface="Consolas" panose="020B0609020204030204" pitchFamily="49" charset="0"/>
-              </a:rPr>
-              <a:t>50</a:t>
-            </a:r>
-            <a:r>
-              <a:rPr lang="de-CH" b="0" dirty="0">
-                <a:solidFill>
-                  <a:srgbClr val="000000"/>
-                </a:solidFill>
-                <a:effectLst/>
-                <a:latin typeface="Consolas" panose="020B0609020204030204" pitchFamily="49" charset="0"/>
-              </a:rPr>
-              <a:t>;</a:t>
-            </a:r>
-            <a:endParaRPr lang="de-CH" b="0" dirty="0">
-              <a:solidFill>
-                <a:srgbClr val="3B3B3B"/>
-              </a:solidFill>
-              <a:effectLst/>
-              <a:latin typeface="Consolas" panose="020B0609020204030204" pitchFamily="49" charset="0"/>
-            </a:endParaRPr>
-          </a:p>
-          <a:p>
-            <a:pPr marL="0" indent="0">
-              <a:buNone/>
-            </a:pPr>
-            <a:r>
-              <a:rPr lang="de-CH" b="0" dirty="0">
-                <a:solidFill>
-                  <a:srgbClr val="0000FF"/>
-                </a:solidFill>
-                <a:effectLst/>
-                <a:latin typeface="Consolas" panose="020B0609020204030204" pitchFamily="49" charset="0"/>
-              </a:rPr>
-              <a:t>END</a:t>
-            </a:r>
-            <a:r>
-              <a:rPr lang="de-CH" b="0" dirty="0">
-                <a:solidFill>
-                  <a:srgbClr val="3B3B3B"/>
-                </a:solidFill>
-                <a:effectLst/>
-                <a:latin typeface="Consolas" panose="020B0609020204030204" pitchFamily="49" charset="0"/>
-              </a:rPr>
-              <a:t> Projekt</a:t>
-            </a:r>
-            <a:r>
-              <a:rPr lang="de-CH" b="0" dirty="0">
-                <a:solidFill>
-                  <a:srgbClr val="000000"/>
-                </a:solidFill>
-                <a:effectLst/>
-                <a:latin typeface="Consolas" panose="020B0609020204030204" pitchFamily="49" charset="0"/>
-              </a:rPr>
-              <a:t>;</a:t>
-            </a:r>
-            <a:endParaRPr lang="de-CH" b="0" dirty="0">
-              <a:solidFill>
-                <a:srgbClr val="3B3B3B"/>
-              </a:solidFill>
-              <a:effectLst/>
-              <a:latin typeface="Consolas" panose="020B0609020204030204" pitchFamily="49" charset="0"/>
-            </a:endParaRPr>
-          </a:p>
-          <a:p>
+            <a:pPr>
+              <a:defRPr/>
+            </a:pPr>
+            <a:r>
+              <a:rPr lang="de-CH"/>
+              <a:t>22.11.2023</a:t>
+            </a:r>
             <a:endParaRPr lang="de-CH" dirty="0"/>
           </a:p>
         </p:txBody>
       </p:sp>
       <p:sp>
         <p:nvSpPr>
-          <p:cNvPr id="4" name="Date Placeholder 3">
+          <p:cNvPr id="6" name="Footer Placeholder 5">
             <a:extLst>
               <a:ext uri="{FF2B5EF4-FFF2-40B4-BE49-F238E27FC236}">
-                <a16:creationId xmlns:a16="http://schemas.microsoft.com/office/drawing/2014/main" id="{3903347B-C420-036C-265A-AD62F9761819}"/>
+                <a16:creationId xmlns:a16="http://schemas.microsoft.com/office/drawing/2014/main" id="{F2B3037D-A03B-7075-C2B4-D552EDAB3848}"/>
               </a:ext>
             </a:extLst>
           </p:cNvPr>
@@ -12341,15 +12594,10 @@
             <a:spLocks noGrp="1"/>
           </p:cNvSpPr>
           <p:nvPr>
-            <p:ph type="dt" sz="half" idx="2"/>
-          </p:nvPr>
-        </p:nvSpPr>
-        <p:spPr>
-          <a:xfrm>
-            <a:off x="0" y="6453188"/>
-            <a:ext cx="1331640" cy="215900"/>
-          </a:xfrm>
-        </p:spPr>
+            <p:ph type="ftr" sz="quarter" idx="3"/>
+          </p:nvPr>
+        </p:nvSpPr>
+        <p:spPr/>
         <p:txBody>
           <a:bodyPr/>
           <a:lstStyle/>
@@ -12359,7 +12607,7 @@
             </a:pPr>
             <a:r>
               <a:rPr lang="de-CH"/>
-              <a:t>Sept. 2023</a:t>
+              <a:t>3. INTERLIS Anwender:Innen Treffen</a:t>
             </a:r>
             <a:endParaRPr lang="de-CH" dirty="0"/>
           </a:p>
@@ -12367,10 +12615,10 @@
       </p:sp>
       <p:sp>
         <p:nvSpPr>
-          <p:cNvPr id="7" name="Footer Placeholder 5">
+          <p:cNvPr id="7" name="Slide Number Placeholder 6">
             <a:extLst>
               <a:ext uri="{FF2B5EF4-FFF2-40B4-BE49-F238E27FC236}">
-                <a16:creationId xmlns:a16="http://schemas.microsoft.com/office/drawing/2014/main" id="{C264EC78-C12F-4AAE-68C0-E634C11486B9}"/>
+                <a16:creationId xmlns:a16="http://schemas.microsoft.com/office/drawing/2014/main" id="{95FF8E72-EED4-AC4B-D6CF-2DA48FBE93C5}"/>
               </a:ext>
             </a:extLst>
           </p:cNvPr>
@@ -12378,15 +12626,10 @@
             <a:spLocks noGrp="1"/>
           </p:cNvSpPr>
           <p:nvPr>
-            <p:ph type="ftr" sz="quarter" idx="3"/>
-          </p:nvPr>
-        </p:nvSpPr>
-        <p:spPr>
-          <a:xfrm>
-            <a:off x="3124200" y="6453188"/>
-            <a:ext cx="2895600" cy="215900"/>
-          </a:xfrm>
-        </p:spPr>
+            <p:ph type="sldNum" sz="quarter" idx="4"/>
+          </p:nvPr>
+        </p:nvSpPr>
+        <p:spPr/>
         <p:txBody>
           <a:bodyPr/>
           <a:lstStyle/>
@@ -12394,51 +12637,7 @@
             <a:pPr>
               <a:defRPr/>
             </a:pPr>
-            <a:r>
-              <a:rPr lang="de-CH" dirty="0"/>
-              <a:t>3. INTERLS </a:t>
-            </a:r>
-            <a:r>
-              <a:rPr lang="de-CH" dirty="0" err="1"/>
-              <a:t>Anwender:Innen</a:t>
-            </a:r>
-            <a:r>
-              <a:rPr lang="de-CH" dirty="0"/>
-              <a:t> Treffen</a:t>
-            </a:r>
-          </a:p>
-        </p:txBody>
-      </p:sp>
-      <p:sp>
-        <p:nvSpPr>
-          <p:cNvPr id="8" name="Slide Number Placeholder 6">
-            <a:extLst>
-              <a:ext uri="{FF2B5EF4-FFF2-40B4-BE49-F238E27FC236}">
-                <a16:creationId xmlns:a16="http://schemas.microsoft.com/office/drawing/2014/main" id="{2F92AE66-6BDE-7DED-1D40-23CCC3A27A35}"/>
-              </a:ext>
-            </a:extLst>
-          </p:cNvPr>
-          <p:cNvSpPr>
-            <a:spLocks noGrp="1"/>
-          </p:cNvSpPr>
-          <p:nvPr>
-            <p:ph type="sldNum" sz="quarter" idx="4"/>
-          </p:nvPr>
-        </p:nvSpPr>
-        <p:spPr>
-          <a:xfrm>
-            <a:off x="6553200" y="6453188"/>
-            <a:ext cx="2133600" cy="215900"/>
-          </a:xfrm>
-        </p:spPr>
-        <p:txBody>
-          <a:bodyPr/>
-          <a:lstStyle/>
-          <a:p>
-            <a:pPr>
-              <a:defRPr/>
-            </a:pPr>
-            <a:fld id="{8FC82157-7644-43C8-B832-2A3ED392D66B}" type="slidenum">
+            <a:fld id="{CF6E12DF-9ECE-463F-89B2-3CF702297A6B}" type="slidenum">
               <a:rPr lang="de-DE" smtClean="0"/>
               <a:pPr>
                 <a:defRPr/>
@@ -12449,10 +12648,418 @@
           </a:p>
         </p:txBody>
       </p:sp>
+      <p:sp>
+        <p:nvSpPr>
+          <p:cNvPr id="8" name="Content Placeholder 2">
+            <a:extLst>
+              <a:ext uri="{FF2B5EF4-FFF2-40B4-BE49-F238E27FC236}">
+                <a16:creationId xmlns:a16="http://schemas.microsoft.com/office/drawing/2014/main" id="{65274E1B-3D59-F39A-3443-30E102207486}"/>
+              </a:ext>
+            </a:extLst>
+          </p:cNvPr>
+          <p:cNvSpPr>
+            <a:spLocks noGrp="1"/>
+          </p:cNvSpPr>
+          <p:nvPr>
+            <p:ph sz="half" idx="1"/>
+          </p:nvPr>
+        </p:nvSpPr>
+        <p:spPr>
+          <a:xfrm>
+            <a:off x="457200" y="1600201"/>
+            <a:ext cx="8507288" cy="3701008"/>
+          </a:xfrm>
+        </p:spPr>
+        <p:txBody>
+          <a:bodyPr anchor="ctr"/>
+          <a:lstStyle/>
+          <a:p>
+            <a:pPr marL="0" indent="0">
+              <a:buNone/>
+            </a:pPr>
+            <a:r>
+              <a:rPr lang="de-CH" sz="2000" b="0" dirty="0">
+                <a:solidFill>
+                  <a:srgbClr val="0000FF"/>
+                </a:solidFill>
+                <a:effectLst/>
+                <a:latin typeface="Consolas" panose="020B0609020204030204" pitchFamily="49" charset="0"/>
+              </a:rPr>
+              <a:t>CLASS</a:t>
+            </a:r>
+            <a:r>
+              <a:rPr lang="de-CH" sz="2000" b="0" dirty="0">
+                <a:solidFill>
+                  <a:srgbClr val="3B3B3B"/>
+                </a:solidFill>
+                <a:effectLst/>
+                <a:latin typeface="Consolas" panose="020B0609020204030204" pitchFamily="49" charset="0"/>
+              </a:rPr>
+              <a:t> Projekt</a:t>
+            </a:r>
+          </a:p>
+          <a:p>
+            <a:pPr marL="0" indent="0">
+              <a:buNone/>
+            </a:pPr>
+            <a:r>
+              <a:rPr lang="de-CH" sz="2000" b="0" dirty="0">
+                <a:solidFill>
+                  <a:srgbClr val="3B3B3B"/>
+                </a:solidFill>
+                <a:effectLst/>
+                <a:latin typeface="Consolas" panose="020B0609020204030204" pitchFamily="49" charset="0"/>
+              </a:rPr>
+              <a:t>  Status </a:t>
+            </a:r>
+            <a:r>
+              <a:rPr lang="de-CH" sz="2000" b="0" dirty="0">
+                <a:solidFill>
+                  <a:srgbClr val="000000"/>
+                </a:solidFill>
+                <a:effectLst/>
+                <a:latin typeface="Consolas" panose="020B0609020204030204" pitchFamily="49" charset="0"/>
+              </a:rPr>
+              <a:t>:</a:t>
+            </a:r>
+            <a:r>
+              <a:rPr lang="de-CH" sz="2000" b="0" dirty="0">
+                <a:solidFill>
+                  <a:srgbClr val="3B3B3B"/>
+                </a:solidFill>
+                <a:effectLst/>
+                <a:latin typeface="Consolas" panose="020B0609020204030204" pitchFamily="49" charset="0"/>
+              </a:rPr>
+              <a:t> </a:t>
+            </a:r>
+            <a:r>
+              <a:rPr lang="de-CH" sz="2000" b="0" dirty="0">
+                <a:solidFill>
+                  <a:srgbClr val="0000FF"/>
+                </a:solidFill>
+                <a:effectLst/>
+                <a:latin typeface="Consolas" panose="020B0609020204030204" pitchFamily="49" charset="0"/>
+              </a:rPr>
+              <a:t>MANDATORY</a:t>
+            </a:r>
+            <a:r>
+              <a:rPr lang="de-CH" sz="2000" b="0" dirty="0">
+                <a:solidFill>
+                  <a:srgbClr val="3B3B3B"/>
+                </a:solidFill>
+                <a:effectLst/>
+                <a:latin typeface="Consolas" panose="020B0609020204030204" pitchFamily="49" charset="0"/>
+              </a:rPr>
+              <a:t> (geplant, laufend, abgeschlossen)</a:t>
+            </a:r>
+            <a:r>
+              <a:rPr lang="de-CH" sz="2000" b="0" dirty="0">
+                <a:solidFill>
+                  <a:srgbClr val="000000"/>
+                </a:solidFill>
+                <a:effectLst/>
+                <a:latin typeface="Consolas" panose="020B0609020204030204" pitchFamily="49" charset="0"/>
+              </a:rPr>
+              <a:t>;</a:t>
+            </a:r>
+            <a:endParaRPr lang="de-CH" sz="2000" b="0" dirty="0">
+              <a:solidFill>
+                <a:srgbClr val="3B3B3B"/>
+              </a:solidFill>
+              <a:effectLst/>
+              <a:latin typeface="Consolas" panose="020B0609020204030204" pitchFamily="49" charset="0"/>
+            </a:endParaRPr>
+          </a:p>
+          <a:p>
+            <a:pPr marL="0" indent="0">
+              <a:buNone/>
+            </a:pPr>
+            <a:r>
+              <a:rPr lang="de-CH" sz="2000" b="0" dirty="0">
+                <a:solidFill>
+                  <a:srgbClr val="3B3B3B"/>
+                </a:solidFill>
+                <a:effectLst/>
+                <a:latin typeface="Consolas" panose="020B0609020204030204" pitchFamily="49" charset="0"/>
+              </a:rPr>
+              <a:t>  </a:t>
+            </a:r>
+            <a:r>
+              <a:rPr lang="de-CH" sz="2000" b="0" dirty="0" err="1">
+                <a:solidFill>
+                  <a:srgbClr val="3B3B3B"/>
+                </a:solidFill>
+                <a:effectLst/>
+                <a:latin typeface="Consolas" panose="020B0609020204030204" pitchFamily="49" charset="0"/>
+              </a:rPr>
+              <a:t>ProjektStart</a:t>
+            </a:r>
+            <a:r>
+              <a:rPr lang="de-CH" sz="2000" b="0" dirty="0">
+                <a:solidFill>
+                  <a:srgbClr val="3B3B3B"/>
+                </a:solidFill>
+                <a:effectLst/>
+                <a:latin typeface="Consolas" panose="020B0609020204030204" pitchFamily="49" charset="0"/>
+              </a:rPr>
+              <a:t> </a:t>
+            </a:r>
+            <a:r>
+              <a:rPr lang="de-CH" sz="2000" b="0" dirty="0">
+                <a:solidFill>
+                  <a:srgbClr val="000000"/>
+                </a:solidFill>
+                <a:effectLst/>
+                <a:latin typeface="Consolas" panose="020B0609020204030204" pitchFamily="49" charset="0"/>
+              </a:rPr>
+              <a:t>:</a:t>
+            </a:r>
+            <a:r>
+              <a:rPr lang="de-CH" sz="2000" b="0" dirty="0">
+                <a:solidFill>
+                  <a:srgbClr val="3B3B3B"/>
+                </a:solidFill>
+                <a:effectLst/>
+                <a:latin typeface="Consolas" panose="020B0609020204030204" pitchFamily="49" charset="0"/>
+              </a:rPr>
+              <a:t> </a:t>
+            </a:r>
+            <a:r>
+              <a:rPr lang="de-CH" sz="2000" b="0" dirty="0" err="1">
+                <a:solidFill>
+                  <a:srgbClr val="0000FF"/>
+                </a:solidFill>
+                <a:effectLst/>
+                <a:latin typeface="Consolas" panose="020B0609020204030204" pitchFamily="49" charset="0"/>
+              </a:rPr>
+              <a:t>INTERLIS</a:t>
+            </a:r>
+            <a:r>
+              <a:rPr lang="de-CH" sz="2000" b="0" dirty="0" err="1">
+                <a:solidFill>
+                  <a:srgbClr val="3B3B3B"/>
+                </a:solidFill>
+                <a:effectLst/>
+                <a:latin typeface="Consolas" panose="020B0609020204030204" pitchFamily="49" charset="0"/>
+              </a:rPr>
+              <a:t>.XMLDate</a:t>
+            </a:r>
+            <a:r>
+              <a:rPr lang="de-CH" sz="2000" b="0" dirty="0">
+                <a:solidFill>
+                  <a:srgbClr val="000000"/>
+                </a:solidFill>
+                <a:effectLst/>
+                <a:latin typeface="Consolas" panose="020B0609020204030204" pitchFamily="49" charset="0"/>
+              </a:rPr>
+              <a:t>;</a:t>
+            </a:r>
+            <a:endParaRPr lang="de-CH" sz="2000" b="0" dirty="0">
+              <a:solidFill>
+                <a:srgbClr val="3B3B3B"/>
+              </a:solidFill>
+              <a:effectLst/>
+              <a:latin typeface="Consolas" panose="020B0609020204030204" pitchFamily="49" charset="0"/>
+            </a:endParaRPr>
+          </a:p>
+          <a:p>
+            <a:pPr marL="0" indent="0">
+              <a:buNone/>
+            </a:pPr>
+            <a:r>
+              <a:rPr lang="de-CH" sz="2000" b="0" dirty="0">
+                <a:solidFill>
+                  <a:srgbClr val="0000FF"/>
+                </a:solidFill>
+                <a:effectLst/>
+                <a:latin typeface="Consolas" panose="020B0609020204030204" pitchFamily="49" charset="0"/>
+              </a:rPr>
+              <a:t>END</a:t>
+            </a:r>
+            <a:endParaRPr lang="de-CH" sz="2000" b="0" dirty="0">
+              <a:solidFill>
+                <a:srgbClr val="3B3B3B"/>
+              </a:solidFill>
+              <a:effectLst/>
+              <a:latin typeface="Consolas" panose="020B0609020204030204" pitchFamily="49" charset="0"/>
+            </a:endParaRPr>
+          </a:p>
+          <a:p>
+            <a:pPr marL="0" indent="0">
+              <a:buNone/>
+            </a:pPr>
+            <a:endParaRPr lang="de-CH" sz="2000" b="0" dirty="0">
+              <a:solidFill>
+                <a:srgbClr val="0000FF"/>
+              </a:solidFill>
+              <a:effectLst/>
+              <a:latin typeface="Consolas" panose="020B0609020204030204" pitchFamily="49" charset="0"/>
+            </a:endParaRPr>
+          </a:p>
+          <a:p>
+            <a:pPr marL="0" indent="0">
+              <a:buNone/>
+            </a:pPr>
+            <a:r>
+              <a:rPr lang="en-US" sz="2000" b="0" dirty="0">
+                <a:solidFill>
+                  <a:srgbClr val="0000FF"/>
+                </a:solidFill>
+                <a:effectLst/>
+                <a:latin typeface="Consolas" panose="020B0609020204030204" pitchFamily="49" charset="0"/>
+              </a:rPr>
+              <a:t>MANDATORY</a:t>
+            </a:r>
+            <a:r>
+              <a:rPr lang="en-US" sz="2000" b="0" dirty="0">
+                <a:solidFill>
+                  <a:srgbClr val="3B3B3B"/>
+                </a:solidFill>
+                <a:effectLst/>
+                <a:latin typeface="Consolas" panose="020B0609020204030204" pitchFamily="49" charset="0"/>
+              </a:rPr>
+              <a:t> </a:t>
+            </a:r>
+            <a:r>
+              <a:rPr lang="en-US" sz="2000" b="0" dirty="0">
+                <a:solidFill>
+                  <a:srgbClr val="0000FF"/>
+                </a:solidFill>
+                <a:effectLst/>
+                <a:latin typeface="Consolas" panose="020B0609020204030204" pitchFamily="49" charset="0"/>
+              </a:rPr>
+              <a:t>CONSTRAINT</a:t>
+            </a:r>
+            <a:r>
+              <a:rPr lang="en-US" sz="2000" b="0" dirty="0">
+                <a:solidFill>
+                  <a:srgbClr val="3B3B3B"/>
+                </a:solidFill>
+                <a:effectLst/>
+                <a:latin typeface="Consolas" panose="020B0609020204030204" pitchFamily="49" charset="0"/>
+              </a:rPr>
+              <a:t> </a:t>
+            </a:r>
+            <a:r>
+              <a:rPr lang="en-US" sz="2000" dirty="0" err="1">
+                <a:solidFill>
+                  <a:srgbClr val="3B3B3B"/>
+                </a:solidFill>
+                <a:latin typeface="Consolas" panose="020B0609020204030204" pitchFamily="49" charset="0"/>
+              </a:rPr>
+              <a:t>ProjektGestartet</a:t>
+            </a:r>
+            <a:r>
+              <a:rPr lang="en-US" sz="2000" dirty="0">
+                <a:solidFill>
+                  <a:srgbClr val="3B3B3B"/>
+                </a:solidFill>
+                <a:latin typeface="Consolas" panose="020B0609020204030204" pitchFamily="49" charset="0"/>
+              </a:rPr>
+              <a:t> :</a:t>
+            </a:r>
+          </a:p>
+          <a:p>
+            <a:pPr marL="0" indent="0">
+              <a:buNone/>
+            </a:pPr>
+            <a:r>
+              <a:rPr lang="en-US" sz="2000" b="0" dirty="0">
+                <a:solidFill>
+                  <a:srgbClr val="3B3B3B"/>
+                </a:solidFill>
+                <a:effectLst/>
+                <a:latin typeface="Consolas" panose="020B0609020204030204" pitchFamily="49" charset="0"/>
+              </a:rPr>
+              <a:t>  Status </a:t>
+            </a:r>
+            <a:r>
+              <a:rPr lang="en-US" sz="2000" b="0" dirty="0">
+                <a:solidFill>
+                  <a:srgbClr val="000000"/>
+                </a:solidFill>
+                <a:effectLst/>
+                <a:latin typeface="Consolas" panose="020B0609020204030204" pitchFamily="49" charset="0"/>
+              </a:rPr>
+              <a:t>==</a:t>
+            </a:r>
+            <a:r>
+              <a:rPr lang="en-US" sz="2000" b="0" dirty="0">
+                <a:solidFill>
+                  <a:srgbClr val="3B3B3B"/>
+                </a:solidFill>
+                <a:effectLst/>
+                <a:latin typeface="Consolas" panose="020B0609020204030204" pitchFamily="49" charset="0"/>
+              </a:rPr>
+              <a:t> #laufend </a:t>
+            </a:r>
+            <a:r>
+              <a:rPr lang="en-US" sz="2000" b="0" dirty="0">
+                <a:solidFill>
+                  <a:srgbClr val="000000"/>
+                </a:solidFill>
+                <a:effectLst/>
+                <a:latin typeface="Consolas" panose="020B0609020204030204" pitchFamily="49" charset="0"/>
+              </a:rPr>
+              <a:t>=</a:t>
+            </a:r>
+            <a:r>
+              <a:rPr lang="en-US" sz="2000" b="0" dirty="0">
+                <a:solidFill>
+                  <a:srgbClr val="3B3B3B"/>
+                </a:solidFill>
+                <a:effectLst/>
+                <a:latin typeface="Consolas" panose="020B0609020204030204" pitchFamily="49" charset="0"/>
+              </a:rPr>
+              <a:t>&gt; </a:t>
+            </a:r>
+            <a:r>
+              <a:rPr lang="en-US" sz="2000" b="0" dirty="0">
+                <a:solidFill>
+                  <a:srgbClr val="0000FF"/>
+                </a:solidFill>
+                <a:effectLst/>
+                <a:latin typeface="Consolas" panose="020B0609020204030204" pitchFamily="49" charset="0"/>
+              </a:rPr>
+              <a:t>DEFINED</a:t>
+            </a:r>
+            <a:r>
+              <a:rPr lang="en-US" sz="2000" b="0" dirty="0">
+                <a:solidFill>
+                  <a:srgbClr val="3B3B3B"/>
+                </a:solidFill>
+                <a:effectLst/>
+                <a:latin typeface="Consolas" panose="020B0609020204030204" pitchFamily="49" charset="0"/>
+              </a:rPr>
+              <a:t>(</a:t>
+            </a:r>
+            <a:r>
+              <a:rPr lang="en-US" sz="2000" b="0" dirty="0" err="1">
+                <a:solidFill>
+                  <a:srgbClr val="3B3B3B"/>
+                </a:solidFill>
+                <a:effectLst/>
+                <a:latin typeface="Consolas" panose="020B0609020204030204" pitchFamily="49" charset="0"/>
+              </a:rPr>
+              <a:t>ProjektStart</a:t>
+            </a:r>
+            <a:r>
+              <a:rPr lang="en-US" sz="2000" b="0" dirty="0">
+                <a:solidFill>
+                  <a:srgbClr val="3B3B3B"/>
+                </a:solidFill>
+                <a:effectLst/>
+                <a:latin typeface="Consolas" panose="020B0609020204030204" pitchFamily="49" charset="0"/>
+              </a:rPr>
+              <a:t>) </a:t>
+            </a:r>
+          </a:p>
+        </p:txBody>
+      </p:sp>
     </p:spTree>
     <p:extLst>
       <p:ext uri="{BB962C8B-B14F-4D97-AF65-F5344CB8AC3E}">
-        <p14:creationId xmlns:p14="http://schemas.microsoft.com/office/powerpoint/2010/main" val="2647706805"/>
+        <p14:creationId xmlns:p14="http://schemas.microsoft.com/office/powerpoint/2010/main" val="4152758701"/>
       </p:ext>
     </p:extLst>
   </p:cSld>

--- a/vortrag/20231122_LuethiPhilipp_Neuerungen INTERLIS 2.4.pptx
+++ b/vortrag/20231122_LuethiPhilipp_Neuerungen INTERLIS 2.4.pptx
@@ -828,13 +828,99 @@
           <a:bodyPr/>
           <a:lstStyle/>
           <a:p>
-            <a:r>
-              <a:rPr lang="de-CH" dirty="0" err="1"/>
-              <a:t>Erfähnen</a:t>
-            </a:r>
+            <a:endParaRPr lang="de-CH" dirty="0"/>
+          </a:p>
+        </p:txBody>
+      </p:sp>
+      <p:sp>
+        <p:nvSpPr>
+          <p:cNvPr id="4" name="Slide Number Placeholder 3"/>
+          <p:cNvSpPr>
+            <a:spLocks noGrp="1"/>
+          </p:cNvSpPr>
+          <p:nvPr>
+            <p:ph type="sldNum" sz="quarter" idx="5"/>
+          </p:nvPr>
+        </p:nvSpPr>
+        <p:spPr/>
+        <p:txBody>
+          <a:bodyPr/>
+          <a:lstStyle/>
+          <a:p>
+            <a:pPr>
+              <a:defRPr/>
+            </a:pPr>
+            <a:fld id="{4A569610-FA95-4448-8C8B-F3D250FBFC51}" type="slidenum">
+              <a:rPr lang="de-CH" smtClean="0"/>
+              <a:pPr>
+                <a:defRPr/>
+              </a:pPr>
+              <a:t>2</a:t>
+            </a:fld>
+            <a:endParaRPr lang="de-CH" dirty="0"/>
+          </a:p>
+        </p:txBody>
+      </p:sp>
+    </p:spTree>
+    <p:extLst>
+      <p:ext uri="{BB962C8B-B14F-4D97-AF65-F5344CB8AC3E}">
+        <p14:creationId xmlns:p14="http://schemas.microsoft.com/office/powerpoint/2010/main" val="2463141366"/>
+      </p:ext>
+    </p:extLst>
+  </p:cSld>
+  <p:clrMapOvr>
+    <a:masterClrMapping/>
+  </p:clrMapOvr>
+</p:notes>
+</file>
+
+<file path=ppt/notesSlides/notesSlide2.xml><?xml version="1.0" encoding="utf-8"?>
+<p:notes xmlns:a="http://schemas.openxmlformats.org/drawingml/2006/main" xmlns:r="http://schemas.openxmlformats.org/officeDocument/2006/relationships" xmlns:p="http://schemas.openxmlformats.org/presentationml/2006/main">
+  <p:cSld>
+    <p:spTree>
+      <p:nvGrpSpPr>
+        <p:cNvPr id="1" name=""/>
+        <p:cNvGrpSpPr/>
+        <p:nvPr/>
+      </p:nvGrpSpPr>
+      <p:grpSpPr>
+        <a:xfrm>
+          <a:off x="0" y="0"/>
+          <a:ext cx="0" cy="0"/>
+          <a:chOff x="0" y="0"/>
+          <a:chExt cx="0" cy="0"/>
+        </a:xfrm>
+      </p:grpSpPr>
+      <p:sp>
+        <p:nvSpPr>
+          <p:cNvPr id="2" name="Slide Image Placeholder 1"/>
+          <p:cNvSpPr>
+            <a:spLocks noGrp="1" noRot="1" noChangeAspect="1"/>
+          </p:cNvSpPr>
+          <p:nvPr>
+            <p:ph type="sldImg"/>
+          </p:nvPr>
+        </p:nvSpPr>
+        <p:spPr/>
+      </p:sp>
+      <p:sp>
+        <p:nvSpPr>
+          <p:cNvPr id="3" name="Notes Placeholder 2"/>
+          <p:cNvSpPr>
+            <a:spLocks noGrp="1"/>
+          </p:cNvSpPr>
+          <p:nvPr>
+            <p:ph type="body" idx="1"/>
+          </p:nvPr>
+        </p:nvSpPr>
+        <p:spPr/>
+        <p:txBody>
+          <a:bodyPr/>
+          <a:lstStyle/>
+          <a:p>
             <a:r>
               <a:rPr lang="de-CH" dirty="0"/>
-              <a:t> INTERLIS 2.4 Support in den </a:t>
+              <a:t>Erwähnen INTERLIS 2.4 Support in den </a:t>
             </a:r>
             <a:r>
               <a:rPr lang="de-CH" dirty="0" err="1"/>
@@ -5437,37 +5523,6 @@
       </p:grpSpPr>
       <p:sp>
         <p:nvSpPr>
-          <p:cNvPr id="4" name="Date Placeholder 3"/>
-          <p:cNvSpPr>
-            <a:spLocks noGrp="1"/>
-          </p:cNvSpPr>
-          <p:nvPr>
-            <p:ph type="dt" sz="half" idx="2"/>
-          </p:nvPr>
-        </p:nvSpPr>
-        <p:spPr>
-          <a:xfrm>
-            <a:off x="0" y="6453188"/>
-            <a:ext cx="1331640" cy="215900"/>
-          </a:xfrm>
-        </p:spPr>
-        <p:txBody>
-          <a:bodyPr/>
-          <a:lstStyle/>
-          <a:p>
-            <a:pPr>
-              <a:defRPr/>
-            </a:pPr>
-            <a:r>
-              <a:rPr lang="de-CH"/>
-              <a:t>Sept. 2023</a:t>
-            </a:r>
-            <a:endParaRPr lang="de-CH" dirty="0"/>
-          </a:p>
-        </p:txBody>
-      </p:sp>
-      <p:sp>
-        <p:nvSpPr>
           <p:cNvPr id="6" name="Slide Number Placeholder 5"/>
           <p:cNvSpPr>
             <a:spLocks noGrp="1"/>
@@ -6052,7 +6107,7 @@
           <a:p>
             <a:r>
               <a:rPr lang="de-CH" dirty="0"/>
-              <a:t>Primitive typen in BAGs</a:t>
+              <a:t>Primitive Typen in BAG / LIST</a:t>
             </a:r>
           </a:p>
         </p:txBody>
@@ -6412,43 +6467,6 @@
       </p:sp>
       <p:sp>
         <p:nvSpPr>
-          <p:cNvPr id="4" name="Date Placeholder 3">
-            <a:extLst>
-              <a:ext uri="{FF2B5EF4-FFF2-40B4-BE49-F238E27FC236}">
-                <a16:creationId xmlns:a16="http://schemas.microsoft.com/office/drawing/2014/main" id="{3903347B-C420-036C-265A-AD62F9761819}"/>
-              </a:ext>
-            </a:extLst>
-          </p:cNvPr>
-          <p:cNvSpPr>
-            <a:spLocks noGrp="1"/>
-          </p:cNvSpPr>
-          <p:nvPr>
-            <p:ph type="dt" sz="half" idx="2"/>
-          </p:nvPr>
-        </p:nvSpPr>
-        <p:spPr>
-          <a:xfrm>
-            <a:off x="0" y="6453188"/>
-            <a:ext cx="1331640" cy="215900"/>
-          </a:xfrm>
-        </p:spPr>
-        <p:txBody>
-          <a:bodyPr/>
-          <a:lstStyle/>
-          <a:p>
-            <a:pPr>
-              <a:defRPr/>
-            </a:pPr>
-            <a:r>
-              <a:rPr lang="de-CH"/>
-              <a:t>Sept. 2023</a:t>
-            </a:r>
-            <a:endParaRPr lang="de-CH" dirty="0"/>
-          </a:p>
-        </p:txBody>
-      </p:sp>
-      <p:sp>
-        <p:nvSpPr>
           <p:cNvPr id="7" name="Footer Placeholder 5">
             <a:extLst>
               <a:ext uri="{FF2B5EF4-FFF2-40B4-BE49-F238E27FC236}">
@@ -6478,7 +6496,7 @@
             </a:pPr>
             <a:r>
               <a:rPr lang="de-CH" dirty="0"/>
-              <a:t>3. INTERLS </a:t>
+              <a:t>3. INTERLIS </a:t>
             </a:r>
             <a:r>
               <a:rPr lang="de-CH" dirty="0" err="1"/>
@@ -6528,6 +6546,43 @@
               <a:t>10</a:t>
             </a:fld>
             <a:endParaRPr lang="de-DE" dirty="0"/>
+          </a:p>
+        </p:txBody>
+      </p:sp>
+      <p:sp>
+        <p:nvSpPr>
+          <p:cNvPr id="6" name="Date Placeholder 3">
+            <a:extLst>
+              <a:ext uri="{FF2B5EF4-FFF2-40B4-BE49-F238E27FC236}">
+                <a16:creationId xmlns:a16="http://schemas.microsoft.com/office/drawing/2014/main" id="{F3B05DE8-F144-D68D-0649-25679421B398}"/>
+              </a:ext>
+            </a:extLst>
+          </p:cNvPr>
+          <p:cNvSpPr>
+            <a:spLocks noGrp="1"/>
+          </p:cNvSpPr>
+          <p:nvPr>
+            <p:ph type="dt" sz="half" idx="2"/>
+          </p:nvPr>
+        </p:nvSpPr>
+        <p:spPr>
+          <a:xfrm>
+            <a:off x="0" y="6453188"/>
+            <a:ext cx="1042988" cy="215900"/>
+          </a:xfrm>
+        </p:spPr>
+        <p:txBody>
+          <a:bodyPr/>
+          <a:lstStyle/>
+          <a:p>
+            <a:pPr>
+              <a:defRPr/>
+            </a:pPr>
+            <a:r>
+              <a:rPr lang="de-CH"/>
+              <a:t>22.11.2023</a:t>
+            </a:r>
+            <a:endParaRPr lang="de-CH" dirty="0"/>
           </a:p>
         </p:txBody>
       </p:sp>
@@ -7807,6 +7862,12 @@
           </a:p>
           <a:p>
             <a:r>
+              <a:rPr lang="de-CH" dirty="0"/>
+              <a:t>Linienattribute werden abgeschafft</a:t>
+            </a:r>
+          </a:p>
+          <a:p>
+            <a:r>
               <a:rPr lang="de-CH" b="0" dirty="0">
                 <a:solidFill>
                   <a:srgbClr val="0000FF"/>
@@ -7888,19 +7949,13 @@
           <a:p>
             <a:r>
               <a:rPr lang="de-CH" dirty="0"/>
-              <a:t>Änderungen im XTF/XML Schema &amp; Namespaces</a:t>
+              <a:t>Änderungen im XTF / XML Schema &amp; Namespaces</a:t>
             </a:r>
           </a:p>
           <a:p>
             <a:r>
               <a:rPr lang="de-CH" dirty="0"/>
               <a:t>Vereinfachung des Umgangs mit Zeit</a:t>
-            </a:r>
-          </a:p>
-          <a:p>
-            <a:r>
-              <a:rPr lang="de-CH" dirty="0"/>
-              <a:t>Linienattribute werden abgeschafft.</a:t>
             </a:r>
           </a:p>
           <a:p>
@@ -8486,7 +8541,7 @@
           </p:nvPr>
         </p:nvPicPr>
         <p:blipFill>
-          <a:blip r:embed="rId2"/>
+          <a:blip r:embed="rId3"/>
           <a:stretch>
             <a:fillRect/>
           </a:stretch>
@@ -8601,50 +8656,6 @@
       </p:sp>
       <p:sp>
         <p:nvSpPr>
-          <p:cNvPr id="4" name="Date Placeholder 3">
-            <a:extLst>
-              <a:ext uri="{FF2B5EF4-FFF2-40B4-BE49-F238E27FC236}">
-                <a16:creationId xmlns:a16="http://schemas.microsoft.com/office/drawing/2014/main" id="{07C6BFB0-95D3-B008-F4CB-7E8C91C0D274}"/>
-              </a:ext>
-            </a:extLst>
-          </p:cNvPr>
-          <p:cNvSpPr>
-            <a:spLocks noGrp="1"/>
-          </p:cNvSpPr>
-          <p:nvPr>
-            <p:ph type="dt" sz="half" idx="13"/>
-          </p:nvPr>
-        </p:nvSpPr>
-        <p:spPr>
-          <a:xfrm>
-            <a:off x="0" y="6453188"/>
-            <a:ext cx="1187624" cy="215900"/>
-          </a:xfrm>
-        </p:spPr>
-        <p:txBody>
-          <a:bodyPr anchor="ctr">
-            <a:normAutofit/>
-          </a:bodyPr>
-          <a:lstStyle/>
-          <a:p>
-            <a:pPr>
-              <a:lnSpc>
-                <a:spcPct val="90000"/>
-              </a:lnSpc>
-              <a:spcAft>
-                <a:spcPts val="600"/>
-              </a:spcAft>
-              <a:defRPr/>
-            </a:pPr>
-            <a:r>
-              <a:rPr lang="de-CH" sz="900" dirty="0"/>
-              <a:t>Sept. 2023</a:t>
-            </a:r>
-          </a:p>
-        </p:txBody>
-      </p:sp>
-      <p:sp>
-        <p:nvSpPr>
           <p:cNvPr id="6" name="Slide Number Placeholder 5">
             <a:extLst>
               <a:ext uri="{FF2B5EF4-FFF2-40B4-BE49-F238E27FC236}">
@@ -8728,7 +8739,7 @@
             </a:pPr>
             <a:r>
               <a:rPr lang="de-CH" dirty="0"/>
-              <a:t>3. INTERLS </a:t>
+              <a:t>3. INTERLIS </a:t>
             </a:r>
             <a:r>
               <a:rPr lang="de-CH" dirty="0" err="1"/>
@@ -8772,6 +8783,42 @@
             <a:r>
               <a:rPr lang="de-CH" sz="1000" dirty="0"/>
               <a:t>* In Zusammenarbeit mit Eisenhut Informatik AG / Sponsoring durch SGS, AG, BE, SH, SO, SZ, ZG</a:t>
+            </a:r>
+          </a:p>
+        </p:txBody>
+      </p:sp>
+      <p:sp>
+        <p:nvSpPr>
+          <p:cNvPr id="3" name="Date Placeholder 4">
+            <a:extLst>
+              <a:ext uri="{FF2B5EF4-FFF2-40B4-BE49-F238E27FC236}">
+                <a16:creationId xmlns:a16="http://schemas.microsoft.com/office/drawing/2014/main" id="{70900465-6C0B-FEB9-733E-5BCA842677DD}"/>
+              </a:ext>
+            </a:extLst>
+          </p:cNvPr>
+          <p:cNvSpPr>
+            <a:spLocks noGrp="1"/>
+          </p:cNvSpPr>
+          <p:nvPr>
+            <p:ph type="dt" sz="half" idx="13"/>
+          </p:nvPr>
+        </p:nvSpPr>
+        <p:spPr>
+          <a:xfrm>
+            <a:off x="0" y="6453188"/>
+            <a:ext cx="1042988" cy="215900"/>
+          </a:xfrm>
+        </p:spPr>
+        <p:txBody>
+          <a:bodyPr/>
+          <a:lstStyle/>
+          <a:p>
+            <a:pPr>
+              <a:defRPr/>
+            </a:pPr>
+            <a:r>
+              <a:rPr lang="de-CH" dirty="0"/>
+              <a:t>22.11.2023</a:t>
             </a:r>
           </a:p>
         </p:txBody>
@@ -9118,43 +9165,6 @@
       </p:sp>
       <p:sp>
         <p:nvSpPr>
-          <p:cNvPr id="5" name="Date Placeholder 4">
-            <a:extLst>
-              <a:ext uri="{FF2B5EF4-FFF2-40B4-BE49-F238E27FC236}">
-                <a16:creationId xmlns:a16="http://schemas.microsoft.com/office/drawing/2014/main" id="{334523AA-7EE7-0392-79F4-22232DC81057}"/>
-              </a:ext>
-            </a:extLst>
-          </p:cNvPr>
-          <p:cNvSpPr>
-            <a:spLocks noGrp="1"/>
-          </p:cNvSpPr>
-          <p:nvPr>
-            <p:ph type="dt" sz="half" idx="13"/>
-          </p:nvPr>
-        </p:nvSpPr>
-        <p:spPr>
-          <a:xfrm>
-            <a:off x="0" y="6453188"/>
-            <a:ext cx="1187624" cy="215900"/>
-          </a:xfrm>
-        </p:spPr>
-        <p:txBody>
-          <a:bodyPr/>
-          <a:lstStyle/>
-          <a:p>
-            <a:pPr>
-              <a:defRPr/>
-            </a:pPr>
-            <a:r>
-              <a:rPr lang="de-CH"/>
-              <a:t>Sept. 2023</a:t>
-            </a:r>
-            <a:endParaRPr lang="de-CH" dirty="0"/>
-          </a:p>
-        </p:txBody>
-      </p:sp>
-      <p:sp>
-        <p:nvSpPr>
           <p:cNvPr id="6" name="Footer Placeholder 5">
             <a:extLst>
               <a:ext uri="{FF2B5EF4-FFF2-40B4-BE49-F238E27FC236}">
@@ -9184,7 +9194,7 @@
             </a:pPr>
             <a:r>
               <a:rPr lang="de-CH" dirty="0"/>
-              <a:t>3. INTERLS </a:t>
+              <a:t>3. INTERLIS </a:t>
             </a:r>
             <a:r>
               <a:rPr lang="de-CH" dirty="0" err="1"/>
@@ -9234,6 +9244,42 @@
               <a:t>3</a:t>
             </a:fld>
             <a:endParaRPr lang="de-DE" dirty="0"/>
+          </a:p>
+        </p:txBody>
+      </p:sp>
+      <p:sp>
+        <p:nvSpPr>
+          <p:cNvPr id="4" name="Date Placeholder 4">
+            <a:extLst>
+              <a:ext uri="{FF2B5EF4-FFF2-40B4-BE49-F238E27FC236}">
+                <a16:creationId xmlns:a16="http://schemas.microsoft.com/office/drawing/2014/main" id="{517E7A45-65EE-6CCD-B8DC-E86F59368E1A}"/>
+              </a:ext>
+            </a:extLst>
+          </p:cNvPr>
+          <p:cNvSpPr>
+            <a:spLocks noGrp="1"/>
+          </p:cNvSpPr>
+          <p:nvPr>
+            <p:ph type="dt" sz="half" idx="13"/>
+          </p:nvPr>
+        </p:nvSpPr>
+        <p:spPr>
+          <a:xfrm>
+            <a:off x="0" y="6453188"/>
+            <a:ext cx="1042988" cy="215900"/>
+          </a:xfrm>
+        </p:spPr>
+        <p:txBody>
+          <a:bodyPr/>
+          <a:lstStyle/>
+          <a:p>
+            <a:pPr>
+              <a:defRPr/>
+            </a:pPr>
+            <a:r>
+              <a:rPr lang="de-CH" dirty="0"/>
+              <a:t>22.11.2023</a:t>
+            </a:r>
           </a:p>
         </p:txBody>
       </p:sp>
@@ -9645,43 +9691,6 @@
       </p:sp>
       <p:sp>
         <p:nvSpPr>
-          <p:cNvPr id="5" name="Date Placeholder 4">
-            <a:extLst>
-              <a:ext uri="{FF2B5EF4-FFF2-40B4-BE49-F238E27FC236}">
-                <a16:creationId xmlns:a16="http://schemas.microsoft.com/office/drawing/2014/main" id="{334523AA-7EE7-0392-79F4-22232DC81057}"/>
-              </a:ext>
-            </a:extLst>
-          </p:cNvPr>
-          <p:cNvSpPr>
-            <a:spLocks noGrp="1"/>
-          </p:cNvSpPr>
-          <p:nvPr>
-            <p:ph type="dt" sz="half" idx="13"/>
-          </p:nvPr>
-        </p:nvSpPr>
-        <p:spPr>
-          <a:xfrm>
-            <a:off x="0" y="6453188"/>
-            <a:ext cx="1187624" cy="215900"/>
-          </a:xfrm>
-        </p:spPr>
-        <p:txBody>
-          <a:bodyPr/>
-          <a:lstStyle/>
-          <a:p>
-            <a:pPr>
-              <a:defRPr/>
-            </a:pPr>
-            <a:r>
-              <a:rPr lang="de-CH"/>
-              <a:t>Sept. 2023</a:t>
-            </a:r>
-            <a:endParaRPr lang="de-CH" dirty="0"/>
-          </a:p>
-        </p:txBody>
-      </p:sp>
-      <p:sp>
-        <p:nvSpPr>
           <p:cNvPr id="8" name="Content Placeholder 3">
             <a:extLst>
               <a:ext uri="{FF2B5EF4-FFF2-40B4-BE49-F238E27FC236}">
@@ -9959,7 +9968,7 @@
             </a:pPr>
             <a:r>
               <a:rPr lang="de-CH" dirty="0"/>
-              <a:t>3. INTERLS </a:t>
+              <a:t>3. INTERLIS </a:t>
             </a:r>
             <a:r>
               <a:rPr lang="de-CH" dirty="0" err="1"/>
@@ -10009,6 +10018,42 @@
               <a:t>4</a:t>
             </a:fld>
             <a:endParaRPr lang="de-DE" dirty="0"/>
+          </a:p>
+        </p:txBody>
+      </p:sp>
+      <p:sp>
+        <p:nvSpPr>
+          <p:cNvPr id="6" name="Date Placeholder 4">
+            <a:extLst>
+              <a:ext uri="{FF2B5EF4-FFF2-40B4-BE49-F238E27FC236}">
+                <a16:creationId xmlns:a16="http://schemas.microsoft.com/office/drawing/2014/main" id="{9E65C176-8156-304A-F19F-F9A0120E41F6}"/>
+              </a:ext>
+            </a:extLst>
+          </p:cNvPr>
+          <p:cNvSpPr>
+            <a:spLocks noGrp="1"/>
+          </p:cNvSpPr>
+          <p:nvPr>
+            <p:ph type="dt" sz="half" idx="13"/>
+          </p:nvPr>
+        </p:nvSpPr>
+        <p:spPr>
+          <a:xfrm>
+            <a:off x="0" y="6453188"/>
+            <a:ext cx="1042988" cy="215900"/>
+          </a:xfrm>
+        </p:spPr>
+        <p:txBody>
+          <a:bodyPr/>
+          <a:lstStyle/>
+          <a:p>
+            <a:pPr>
+              <a:defRPr/>
+            </a:pPr>
+            <a:r>
+              <a:rPr lang="de-CH" dirty="0"/>
+              <a:t>22.11.2023</a:t>
+            </a:r>
           </a:p>
         </p:txBody>
       </p:sp>
@@ -10022,14 +10067,14 @@
   <p:clrMapOvr>
     <a:masterClrMapping/>
   </p:clrMapOvr>
-  <mc:AlternateContent xmlns:mc="http://schemas.openxmlformats.org/markup-compatibility/2006" xmlns:p159="http://schemas.microsoft.com/office/powerpoint/2015/09/main">
-    <mc:Choice Requires="p159">
-      <p:transition xmlns:p14="http://schemas.microsoft.com/office/powerpoint/2010/main" spd="slow" p14:dur="2000">
+  <mc:AlternateContent xmlns:mc="http://schemas.openxmlformats.org/markup-compatibility/2006">
+    <mc:Choice xmlns:p159="http://schemas.microsoft.com/office/powerpoint/2015/09/main" Requires="p159">
+      <p:transition xmlns:p14="http://schemas.microsoft.com/office/powerpoint/2010/main" p14:dur="300">
         <p159:morph option="byObject"/>
       </p:transition>
     </mc:Choice>
-    <mc:Fallback xmlns="">
-      <p:transition spd="slow">
+    <mc:Fallback>
+      <p:transition>
         <p:fade/>
       </p:transition>
     </mc:Fallback>
@@ -10884,43 +10929,6 @@
       </p:sp>
       <p:sp>
         <p:nvSpPr>
-          <p:cNvPr id="5" name="Date Placeholder 4">
-            <a:extLst>
-              <a:ext uri="{FF2B5EF4-FFF2-40B4-BE49-F238E27FC236}">
-                <a16:creationId xmlns:a16="http://schemas.microsoft.com/office/drawing/2014/main" id="{334523AA-7EE7-0392-79F4-22232DC81057}"/>
-              </a:ext>
-            </a:extLst>
-          </p:cNvPr>
-          <p:cNvSpPr>
-            <a:spLocks noGrp="1"/>
-          </p:cNvSpPr>
-          <p:nvPr>
-            <p:ph type="dt" sz="half" idx="13"/>
-          </p:nvPr>
-        </p:nvSpPr>
-        <p:spPr>
-          <a:xfrm>
-            <a:off x="0" y="6453188"/>
-            <a:ext cx="1187624" cy="215900"/>
-          </a:xfrm>
-        </p:spPr>
-        <p:txBody>
-          <a:bodyPr/>
-          <a:lstStyle/>
-          <a:p>
-            <a:pPr>
-              <a:defRPr/>
-            </a:pPr>
-            <a:r>
-              <a:rPr lang="de-CH"/>
-              <a:t>Sept. 2023</a:t>
-            </a:r>
-            <a:endParaRPr lang="de-CH" dirty="0"/>
-          </a:p>
-        </p:txBody>
-      </p:sp>
-      <p:sp>
-        <p:nvSpPr>
           <p:cNvPr id="11" name="Footer Placeholder 5">
             <a:extLst>
               <a:ext uri="{FF2B5EF4-FFF2-40B4-BE49-F238E27FC236}">
@@ -10950,7 +10958,7 @@
             </a:pPr>
             <a:r>
               <a:rPr lang="de-CH" dirty="0"/>
-              <a:t>3. INTERLS </a:t>
+              <a:t>3. INTERLIS </a:t>
             </a:r>
             <a:r>
               <a:rPr lang="de-CH" dirty="0" err="1"/>
@@ -11057,6 +11065,42 @@
           </a:p>
         </p:txBody>
       </p:sp>
+      <p:sp>
+        <p:nvSpPr>
+          <p:cNvPr id="4" name="Date Placeholder 4">
+            <a:extLst>
+              <a:ext uri="{FF2B5EF4-FFF2-40B4-BE49-F238E27FC236}">
+                <a16:creationId xmlns:a16="http://schemas.microsoft.com/office/drawing/2014/main" id="{36A27256-63C0-8D19-F147-9991AA030FF7}"/>
+              </a:ext>
+            </a:extLst>
+          </p:cNvPr>
+          <p:cNvSpPr>
+            <a:spLocks noGrp="1"/>
+          </p:cNvSpPr>
+          <p:nvPr>
+            <p:ph type="dt" sz="half" idx="13"/>
+          </p:nvPr>
+        </p:nvSpPr>
+        <p:spPr>
+          <a:xfrm>
+            <a:off x="0" y="6453188"/>
+            <a:ext cx="1042988" cy="215900"/>
+          </a:xfrm>
+        </p:spPr>
+        <p:txBody>
+          <a:bodyPr/>
+          <a:lstStyle/>
+          <a:p>
+            <a:pPr>
+              <a:defRPr/>
+            </a:pPr>
+            <a:r>
+              <a:rPr lang="de-CH" dirty="0"/>
+              <a:t>22.11.2023</a:t>
+            </a:r>
+          </a:p>
+        </p:txBody>
+      </p:sp>
     </p:spTree>
     <p:extLst>
       <p:ext uri="{BB962C8B-B14F-4D97-AF65-F5344CB8AC3E}">
@@ -11067,6 +11111,14 @@
   <p:clrMapOvr>
     <a:masterClrMapping/>
   </p:clrMapOvr>
+  <mc:AlternateContent xmlns:mc="http://schemas.openxmlformats.org/markup-compatibility/2006">
+    <mc:Choice xmlns:p14="http://schemas.microsoft.com/office/powerpoint/2010/main" Requires="p14">
+      <p:transition p14:dur="300"/>
+    </mc:Choice>
+    <mc:Fallback>
+      <p:transition/>
+    </mc:Fallback>
+  </mc:AlternateContent>
 </p:sld>
 </file>
 
@@ -11338,80 +11390,6 @@
       </p:sp>
       <p:sp>
         <p:nvSpPr>
-          <p:cNvPr id="5" name="Date Placeholder 4">
-            <a:extLst>
-              <a:ext uri="{FF2B5EF4-FFF2-40B4-BE49-F238E27FC236}">
-                <a16:creationId xmlns:a16="http://schemas.microsoft.com/office/drawing/2014/main" id="{334523AA-7EE7-0392-79F4-22232DC81057}"/>
-              </a:ext>
-            </a:extLst>
-          </p:cNvPr>
-          <p:cNvSpPr>
-            <a:spLocks noGrp="1"/>
-          </p:cNvSpPr>
-          <p:nvPr>
-            <p:ph type="dt" sz="half" idx="13"/>
-          </p:nvPr>
-        </p:nvSpPr>
-        <p:spPr>
-          <a:xfrm>
-            <a:off x="0" y="6453188"/>
-            <a:ext cx="1187624" cy="215900"/>
-          </a:xfrm>
-        </p:spPr>
-        <p:txBody>
-          <a:bodyPr/>
-          <a:lstStyle/>
-          <a:p>
-            <a:pPr>
-              <a:defRPr/>
-            </a:pPr>
-            <a:r>
-              <a:rPr lang="de-CH"/>
-              <a:t>Sept. 2023</a:t>
-            </a:r>
-            <a:endParaRPr lang="de-CH" dirty="0"/>
-          </a:p>
-        </p:txBody>
-      </p:sp>
-      <p:sp>
-        <p:nvSpPr>
-          <p:cNvPr id="6" name="Footer Placeholder 5">
-            <a:extLst>
-              <a:ext uri="{FF2B5EF4-FFF2-40B4-BE49-F238E27FC236}">
-                <a16:creationId xmlns:a16="http://schemas.microsoft.com/office/drawing/2014/main" id="{EF688993-A845-F894-05D5-326E40D8B76F}"/>
-              </a:ext>
-            </a:extLst>
-          </p:cNvPr>
-          <p:cNvSpPr>
-            <a:spLocks noGrp="1"/>
-          </p:cNvSpPr>
-          <p:nvPr>
-            <p:ph type="ftr" sz="quarter" idx="3"/>
-          </p:nvPr>
-        </p:nvSpPr>
-        <p:spPr>
-          <a:xfrm>
-            <a:off x="3124200" y="6453188"/>
-            <a:ext cx="2895600" cy="215900"/>
-          </a:xfrm>
-        </p:spPr>
-        <p:txBody>
-          <a:bodyPr/>
-          <a:lstStyle/>
-          <a:p>
-            <a:pPr>
-              <a:defRPr/>
-            </a:pPr>
-            <a:r>
-              <a:rPr lang="de-CH"/>
-              <a:t>Ilicop UserGroup</a:t>
-            </a:r>
-            <a:endParaRPr lang="de-CH" dirty="0"/>
-          </a:p>
-        </p:txBody>
-      </p:sp>
-      <p:sp>
-        <p:nvSpPr>
           <p:cNvPr id="7" name="Slide Number Placeholder 6">
             <a:extLst>
               <a:ext uri="{FF2B5EF4-FFF2-40B4-BE49-F238E27FC236}">
@@ -11447,6 +11425,86 @@
               <a:t>6</a:t>
             </a:fld>
             <a:endParaRPr lang="de-DE" dirty="0"/>
+          </a:p>
+        </p:txBody>
+      </p:sp>
+      <p:sp>
+        <p:nvSpPr>
+          <p:cNvPr id="4" name="Date Placeholder 4">
+            <a:extLst>
+              <a:ext uri="{FF2B5EF4-FFF2-40B4-BE49-F238E27FC236}">
+                <a16:creationId xmlns:a16="http://schemas.microsoft.com/office/drawing/2014/main" id="{1CC35E76-8A70-83C2-2A0C-FB6675CD0E30}"/>
+              </a:ext>
+            </a:extLst>
+          </p:cNvPr>
+          <p:cNvSpPr>
+            <a:spLocks noGrp="1"/>
+          </p:cNvSpPr>
+          <p:nvPr>
+            <p:ph type="dt" sz="half" idx="13"/>
+          </p:nvPr>
+        </p:nvSpPr>
+        <p:spPr>
+          <a:xfrm>
+            <a:off x="0" y="6453188"/>
+            <a:ext cx="1042988" cy="215900"/>
+          </a:xfrm>
+        </p:spPr>
+        <p:txBody>
+          <a:bodyPr/>
+          <a:lstStyle/>
+          <a:p>
+            <a:pPr>
+              <a:defRPr/>
+            </a:pPr>
+            <a:r>
+              <a:rPr lang="de-CH" dirty="0"/>
+              <a:t>22.11.2023</a:t>
+            </a:r>
+          </a:p>
+        </p:txBody>
+      </p:sp>
+      <p:sp>
+        <p:nvSpPr>
+          <p:cNvPr id="8" name="Footer Placeholder 5">
+            <a:extLst>
+              <a:ext uri="{FF2B5EF4-FFF2-40B4-BE49-F238E27FC236}">
+                <a16:creationId xmlns:a16="http://schemas.microsoft.com/office/drawing/2014/main" id="{7282043B-D442-C7D0-CA3E-9252DBB7E9D5}"/>
+              </a:ext>
+            </a:extLst>
+          </p:cNvPr>
+          <p:cNvSpPr>
+            <a:spLocks noGrp="1"/>
+          </p:cNvSpPr>
+          <p:nvPr>
+            <p:ph type="ftr" sz="quarter" idx="3"/>
+          </p:nvPr>
+        </p:nvSpPr>
+        <p:spPr>
+          <a:xfrm>
+            <a:off x="3124200" y="6453188"/>
+            <a:ext cx="2895600" cy="215900"/>
+          </a:xfrm>
+        </p:spPr>
+        <p:txBody>
+          <a:bodyPr/>
+          <a:lstStyle/>
+          <a:p>
+            <a:pPr>
+              <a:defRPr/>
+            </a:pPr>
+            <a:r>
+              <a:rPr lang="de-CH" dirty="0"/>
+              <a:t>3. INTERLIS </a:t>
+            </a:r>
+            <a:r>
+              <a:rPr lang="de-CH" dirty="0" err="1"/>
+              <a:t>Anwender:Innen</a:t>
+            </a:r>
+            <a:r>
+              <a:rPr lang="de-CH" dirty="0"/>
+              <a:t> Treffen</a:t>
+            </a:r>
           </a:p>
         </p:txBody>
       </p:sp>
@@ -11764,43 +11822,6 @@
       </p:sp>
       <p:sp>
         <p:nvSpPr>
-          <p:cNvPr id="5" name="Date Placeholder 4">
-            <a:extLst>
-              <a:ext uri="{FF2B5EF4-FFF2-40B4-BE49-F238E27FC236}">
-                <a16:creationId xmlns:a16="http://schemas.microsoft.com/office/drawing/2014/main" id="{334523AA-7EE7-0392-79F4-22232DC81057}"/>
-              </a:ext>
-            </a:extLst>
-          </p:cNvPr>
-          <p:cNvSpPr>
-            <a:spLocks noGrp="1"/>
-          </p:cNvSpPr>
-          <p:nvPr>
-            <p:ph type="dt" sz="half" idx="13"/>
-          </p:nvPr>
-        </p:nvSpPr>
-        <p:spPr>
-          <a:xfrm>
-            <a:off x="0" y="6453188"/>
-            <a:ext cx="1187624" cy="215900"/>
-          </a:xfrm>
-        </p:spPr>
-        <p:txBody>
-          <a:bodyPr/>
-          <a:lstStyle/>
-          <a:p>
-            <a:pPr>
-              <a:defRPr/>
-            </a:pPr>
-            <a:r>
-              <a:rPr lang="de-CH"/>
-              <a:t>Sept. 2023</a:t>
-            </a:r>
-            <a:endParaRPr lang="de-CH" dirty="0"/>
-          </a:p>
-        </p:txBody>
-      </p:sp>
-      <p:sp>
-        <p:nvSpPr>
           <p:cNvPr id="4" name="Footer Placeholder 5">
             <a:extLst>
               <a:ext uri="{FF2B5EF4-FFF2-40B4-BE49-F238E27FC236}">
@@ -11830,7 +11851,7 @@
             </a:pPr>
             <a:r>
               <a:rPr lang="de-CH" dirty="0"/>
-              <a:t>3. INTERLS </a:t>
+              <a:t>3. INTERLIS </a:t>
             </a:r>
             <a:r>
               <a:rPr lang="de-CH" dirty="0" err="1"/>
@@ -11880,6 +11901,42 @@
               <a:t>7</a:t>
             </a:fld>
             <a:endParaRPr lang="de-DE" dirty="0"/>
+          </a:p>
+        </p:txBody>
+      </p:sp>
+      <p:sp>
+        <p:nvSpPr>
+          <p:cNvPr id="6" name="Date Placeholder 4">
+            <a:extLst>
+              <a:ext uri="{FF2B5EF4-FFF2-40B4-BE49-F238E27FC236}">
+                <a16:creationId xmlns:a16="http://schemas.microsoft.com/office/drawing/2014/main" id="{396EE1C5-3117-0FD9-AEA2-E67A83A7A91B}"/>
+              </a:ext>
+            </a:extLst>
+          </p:cNvPr>
+          <p:cNvSpPr>
+            <a:spLocks noGrp="1"/>
+          </p:cNvSpPr>
+          <p:nvPr>
+            <p:ph type="dt" sz="half" idx="13"/>
+          </p:nvPr>
+        </p:nvSpPr>
+        <p:spPr>
+          <a:xfrm>
+            <a:off x="0" y="6453188"/>
+            <a:ext cx="1042988" cy="215900"/>
+          </a:xfrm>
+        </p:spPr>
+        <p:txBody>
+          <a:bodyPr/>
+          <a:lstStyle/>
+          <a:p>
+            <a:pPr>
+              <a:defRPr/>
+            </a:pPr>
+            <a:r>
+              <a:rPr lang="de-CH" dirty="0"/>
+              <a:t>22.11.2023</a:t>
+            </a:r>
           </a:p>
         </p:txBody>
       </p:sp>
@@ -11893,9 +11950,18 @@
   <p:clrMapOvr>
     <a:masterClrMapping/>
   </p:clrMapOvr>
-  <p:transition spd="slow">
-    <p:wipe dir="d"/>
-  </p:transition>
+  <mc:AlternateContent xmlns:mc="http://schemas.openxmlformats.org/markup-compatibility/2006">
+    <mc:Choice xmlns:p14="http://schemas.microsoft.com/office/powerpoint/2010/main" Requires="p14">
+      <p:transition p14:dur="300">
+        <p:wipe dir="d"/>
+      </p:transition>
+    </mc:Choice>
+    <mc:Fallback>
+      <p:transition>
+        <p:wipe dir="d"/>
+      </p:transition>
+    </mc:Fallback>
+  </mc:AlternateContent>
 </p:sld>
 </file>
 
@@ -12200,43 +12266,6 @@
       </p:sp>
       <p:sp>
         <p:nvSpPr>
-          <p:cNvPr id="5" name="Date Placeholder 4">
-            <a:extLst>
-              <a:ext uri="{FF2B5EF4-FFF2-40B4-BE49-F238E27FC236}">
-                <a16:creationId xmlns:a16="http://schemas.microsoft.com/office/drawing/2014/main" id="{334523AA-7EE7-0392-79F4-22232DC81057}"/>
-              </a:ext>
-            </a:extLst>
-          </p:cNvPr>
-          <p:cNvSpPr>
-            <a:spLocks noGrp="1"/>
-          </p:cNvSpPr>
-          <p:nvPr>
-            <p:ph type="dt" sz="half" idx="13"/>
-          </p:nvPr>
-        </p:nvSpPr>
-        <p:spPr>
-          <a:xfrm>
-            <a:off x="0" y="6453188"/>
-            <a:ext cx="1187624" cy="215900"/>
-          </a:xfrm>
-        </p:spPr>
-        <p:txBody>
-          <a:bodyPr/>
-          <a:lstStyle/>
-          <a:p>
-            <a:pPr>
-              <a:defRPr/>
-            </a:pPr>
-            <a:r>
-              <a:rPr lang="de-CH"/>
-              <a:t>Sept. 2023</a:t>
-            </a:r>
-            <a:endParaRPr lang="de-CH" dirty="0"/>
-          </a:p>
-        </p:txBody>
-      </p:sp>
-      <p:sp>
-        <p:nvSpPr>
           <p:cNvPr id="4" name="Footer Placeholder 5">
             <a:extLst>
               <a:ext uri="{FF2B5EF4-FFF2-40B4-BE49-F238E27FC236}">
@@ -12266,7 +12295,7 @@
             </a:pPr>
             <a:r>
               <a:rPr lang="de-CH" dirty="0"/>
-              <a:t>3. INTERLS </a:t>
+              <a:t>3. INTERLIS </a:t>
             </a:r>
             <a:r>
               <a:rPr lang="de-CH" dirty="0" err="1"/>
@@ -12488,6 +12517,42 @@
           </a:p>
         </p:txBody>
       </p:sp>
+      <p:sp>
+        <p:nvSpPr>
+          <p:cNvPr id="12" name="Date Placeholder 4">
+            <a:extLst>
+              <a:ext uri="{FF2B5EF4-FFF2-40B4-BE49-F238E27FC236}">
+                <a16:creationId xmlns:a16="http://schemas.microsoft.com/office/drawing/2014/main" id="{FD2D6B8F-CD65-433E-FEA1-8D6B39F053E9}"/>
+              </a:ext>
+            </a:extLst>
+          </p:cNvPr>
+          <p:cNvSpPr>
+            <a:spLocks noGrp="1"/>
+          </p:cNvSpPr>
+          <p:nvPr>
+            <p:ph type="dt" sz="half" idx="13"/>
+          </p:nvPr>
+        </p:nvSpPr>
+        <p:spPr>
+          <a:xfrm>
+            <a:off x="0" y="6453188"/>
+            <a:ext cx="1042988" cy="215900"/>
+          </a:xfrm>
+        </p:spPr>
+        <p:txBody>
+          <a:bodyPr/>
+          <a:lstStyle/>
+          <a:p>
+            <a:pPr>
+              <a:defRPr/>
+            </a:pPr>
+            <a:r>
+              <a:rPr lang="de-CH" dirty="0"/>
+              <a:t>22.11.2023</a:t>
+            </a:r>
+          </a:p>
+        </p:txBody>
+      </p:sp>
     </p:spTree>
     <p:extLst>
       <p:ext uri="{BB962C8B-B14F-4D97-AF65-F5344CB8AC3E}">
@@ -12498,9 +12563,18 @@
   <p:clrMapOvr>
     <a:masterClrMapping/>
   </p:clrMapOvr>
-  <p:transition spd="slow">
-    <p:wipe dir="d"/>
-  </p:transition>
+  <mc:AlternateContent xmlns:mc="http://schemas.openxmlformats.org/markup-compatibility/2006">
+    <mc:Choice xmlns:p14="http://schemas.microsoft.com/office/powerpoint/2010/main" Requires="p14">
+      <p:transition p14:dur="300">
+        <p:wipe dir="d"/>
+      </p:transition>
+    </mc:Choice>
+    <mc:Fallback>
+      <p:transition>
+        <p:wipe dir="d"/>
+      </p:transition>
+    </mc:Fallback>
+  </mc:AlternateContent>
 </p:sld>
 </file>
 
@@ -12544,7 +12618,7 @@
           <a:p>
             <a:r>
               <a:rPr lang="de-CH" dirty="0"/>
-              <a:t>Implikation</a:t>
+              <a:t>Implikation =&gt;</a:t>
             </a:r>
           </a:p>
         </p:txBody>
@@ -12574,10 +12648,9 @@
               <a:defRPr/>
             </a:pPr>
             <a:r>
-              <a:rPr lang="de-CH"/>
+              <a:rPr lang="de-CH" dirty="0"/>
               <a:t>22.11.2023</a:t>
             </a:r>
-            <a:endParaRPr lang="de-CH" dirty="0"/>
           </a:p>
         </p:txBody>
       </p:sp>
@@ -12994,24 +13067,40 @@
               <a:t> #laufend </a:t>
             </a:r>
             <a:r>
+              <a:rPr lang="en-US" sz="2000" b="1" dirty="0">
+                <a:solidFill>
+                  <a:srgbClr val="000000"/>
+                </a:solidFill>
+                <a:effectLst/>
+                <a:highlight>
+                  <a:srgbClr val="FFFF00"/>
+                </a:highlight>
+                <a:latin typeface="Consolas" panose="020B0609020204030204" pitchFamily="49" charset="0"/>
+              </a:rPr>
+              <a:t>=</a:t>
+            </a:r>
+            <a:r>
+              <a:rPr lang="en-US" sz="2000" b="1" dirty="0">
+                <a:solidFill>
+                  <a:srgbClr val="3B3B3B"/>
+                </a:solidFill>
+                <a:effectLst/>
+                <a:highlight>
+                  <a:srgbClr val="FFFF00"/>
+                </a:highlight>
+                <a:latin typeface="Consolas" panose="020B0609020204030204" pitchFamily="49" charset="0"/>
+              </a:rPr>
+              <a:t>&gt;</a:t>
+            </a:r>
+            <a:r>
               <a:rPr lang="en-US" sz="2000" b="0" dirty="0">
                 <a:solidFill>
-                  <a:srgbClr val="000000"/>
-                </a:solidFill>
-                <a:effectLst/>
-                <a:latin typeface="Consolas" panose="020B0609020204030204" pitchFamily="49" charset="0"/>
-              </a:rPr>
-              <a:t>=</a:t>
-            </a:r>
-            <a:r>
-              <a:rPr lang="en-US" sz="2000" b="0" dirty="0">
-                <a:solidFill>
-                  <a:srgbClr val="3B3B3B"/>
-                </a:solidFill>
-                <a:effectLst/>
-                <a:latin typeface="Consolas" panose="020B0609020204030204" pitchFamily="49" charset="0"/>
-              </a:rPr>
-              <a:t>&gt; </a:t>
+                  <a:srgbClr val="3B3B3B"/>
+                </a:solidFill>
+                <a:effectLst/>
+                <a:latin typeface="Consolas" panose="020B0609020204030204" pitchFamily="49" charset="0"/>
+              </a:rPr>
+              <a:t> </a:t>
             </a:r>
             <a:r>
               <a:rPr lang="en-US" sz="2000" b="0" dirty="0">

--- a/vortrag/20231122_LuethiPhilipp_Neuerungen INTERLIS 2.4.pptx
+++ b/vortrag/20231122_LuethiPhilipp_Neuerungen INTERLIS 2.4.pptx
@@ -288,7 +288,7 @@
               <a:pPr>
                 <a:defRPr/>
               </a:pPr>
-              <a:t>20.11.2023</a:t>
+              <a:t>22.11.2023</a:t>
             </a:fld>
             <a:endParaRPr lang="de-CH" dirty="0"/>
           </a:p>
@@ -474,7 +474,7 @@
               <a:pPr>
                 <a:defRPr/>
               </a:pPr>
-              <a:t>20.11.2023</a:t>
+              <a:t>22.11.2023</a:t>
             </a:fld>
             <a:endParaRPr lang="de-CH" dirty="0"/>
           </a:p>
@@ -8419,8 +8419,13 @@
           <a:p>
             <a:r>
               <a:rPr lang="de-CH" sz="1000" dirty="0"/>
-              <a:t>* Support von INTERLIS 2.4 in Tools von Eisenhut Informatik AG erwartet ab Ende 2024</a:t>
-            </a:r>
+              <a:t>* Support von INTERLIS 2.4 in Tools von Eisenhut Informatik AG erwartet ab </a:t>
+            </a:r>
+            <a:r>
+              <a:rPr lang="de-CH" sz="1000"/>
+              <a:t>Ende 2023</a:t>
+            </a:r>
+            <a:endParaRPr lang="de-CH" sz="1000" dirty="0"/>
           </a:p>
         </p:txBody>
       </p:sp>
@@ -10067,13 +10072,13 @@
   <p:clrMapOvr>
     <a:masterClrMapping/>
   </p:clrMapOvr>
-  <mc:AlternateContent xmlns:mc="http://schemas.openxmlformats.org/markup-compatibility/2006">
-    <mc:Choice xmlns:p159="http://schemas.microsoft.com/office/powerpoint/2015/09/main" Requires="p159">
+  <mc:AlternateContent xmlns:mc="http://schemas.openxmlformats.org/markup-compatibility/2006" xmlns:p159="http://schemas.microsoft.com/office/powerpoint/2015/09/main">
+    <mc:Choice Requires="p159">
       <p:transition xmlns:p14="http://schemas.microsoft.com/office/powerpoint/2010/main" p14:dur="300">
         <p159:morph option="byObject"/>
       </p:transition>
     </mc:Choice>
-    <mc:Fallback>
+    <mc:Fallback xmlns="">
       <p:transition>
         <p:fade/>
       </p:transition>
@@ -11111,11 +11116,11 @@
   <p:clrMapOvr>
     <a:masterClrMapping/>
   </p:clrMapOvr>
-  <mc:AlternateContent xmlns:mc="http://schemas.openxmlformats.org/markup-compatibility/2006">
-    <mc:Choice xmlns:p14="http://schemas.microsoft.com/office/powerpoint/2010/main" Requires="p14">
+  <mc:AlternateContent xmlns:mc="http://schemas.openxmlformats.org/markup-compatibility/2006" xmlns:p14="http://schemas.microsoft.com/office/powerpoint/2010/main">
+    <mc:Choice Requires="p14">
       <p:transition p14:dur="300"/>
     </mc:Choice>
-    <mc:Fallback>
+    <mc:Fallback xmlns="">
       <p:transition/>
     </mc:Fallback>
   </mc:AlternateContent>
@@ -11950,13 +11955,13 @@
   <p:clrMapOvr>
     <a:masterClrMapping/>
   </p:clrMapOvr>
-  <mc:AlternateContent xmlns:mc="http://schemas.openxmlformats.org/markup-compatibility/2006">
-    <mc:Choice xmlns:p14="http://schemas.microsoft.com/office/powerpoint/2010/main" Requires="p14">
+  <mc:AlternateContent xmlns:mc="http://schemas.openxmlformats.org/markup-compatibility/2006" xmlns:p14="http://schemas.microsoft.com/office/powerpoint/2010/main">
+    <mc:Choice Requires="p14">
       <p:transition p14:dur="300">
         <p:wipe dir="d"/>
       </p:transition>
     </mc:Choice>
-    <mc:Fallback>
+    <mc:Fallback xmlns="">
       <p:transition>
         <p:wipe dir="d"/>
       </p:transition>
@@ -12563,13 +12568,13 @@
   <p:clrMapOvr>
     <a:masterClrMapping/>
   </p:clrMapOvr>
-  <mc:AlternateContent xmlns:mc="http://schemas.openxmlformats.org/markup-compatibility/2006">
-    <mc:Choice xmlns:p14="http://schemas.microsoft.com/office/powerpoint/2010/main" Requires="p14">
+  <mc:AlternateContent xmlns:mc="http://schemas.openxmlformats.org/markup-compatibility/2006" xmlns:p14="http://schemas.microsoft.com/office/powerpoint/2010/main">
+    <mc:Choice Requires="p14">
       <p:transition p14:dur="300">
         <p:wipe dir="d"/>
       </p:transition>
     </mc:Choice>
-    <mc:Fallback>
+    <mc:Fallback xmlns="">
       <p:transition>
         <p:wipe dir="d"/>
       </p:transition>
